--- a/컴퓨터비전 중간 데이터/산업컴퓨터비전실제_중간프로젝트_김준태.pptx
+++ b/컴퓨터비전 중간 데이터/산업컴퓨터비전실제_중간프로젝트_김준태.pptx
@@ -1,15 +1,19 @@
 
 <file path=ppt/presentation.xml><?xml version="1.0" encoding="utf-8"?>
-<p:presentation xmlns:a="http://schemas.openxmlformats.org/drawingml/2006/main" xmlns:r="http://schemas.openxmlformats.org/officeDocument/2006/relationships" xmlns:p="http://schemas.openxmlformats.org/presentationml/2006/main" xmlns:m="http://schemas.openxmlformats.org/officeDocument/2006/math" xmlns:a14="http://schemas.microsoft.com/office/drawing/2010/main">
+<p:presentation xmlns:a="http://schemas.openxmlformats.org/drawingml/2006/main" xmlns:r="http://schemas.openxmlformats.org/officeDocument/2006/relationships" xmlns:p="http://schemas.openxmlformats.org/presentationml/2006/main">
   <p:sldMasterIdLst>
-    <p:sldMasterId id="2147483648" r:id="rId5"/>
+    <p:sldMasterId id="2147483648" r:id="rId1"/>
   </p:sldMasterIdLst>
   <p:notesMasterIdLst>
-    <p:notesMasterId r:id="rId7"/>
+    <p:notesMasterId r:id="rId8"/>
   </p:notesMasterIdLst>
   <p:sldIdLst>
-    <p:sldId id="256" r:id="rId8"/>
-    <p:sldId id="257" r:id="rId9"/>
+    <p:sldId id="256" r:id="rId2"/>
+    <p:sldId id="257" r:id="rId3"/>
+    <p:sldId id="258" r:id="rId4"/>
+    <p:sldId id="261" r:id="rId5"/>
+    <p:sldId id="260" r:id="rId6"/>
+    <p:sldId id="259" r:id="rId7"/>
   </p:sldIdLst>
   <p:sldSz cx="24384000" cy="13716000"/>
   <p:notesSz cx="6858000" cy="9144000"/>
@@ -29,7 +33,7 @@
       <a:buFontTx/>
       <a:buNone/>
       <a:tabLst/>
-      <a:defRPr b="0" baseline="0" cap="none" i="0" spc="0" strike="noStrike" sz="1800" u="none" kumimoji="0" normalizeH="0">
+      <a:defRPr kumimoji="0" sz="1800" b="0" i="0" u="none" strike="noStrike" cap="none" spc="0" normalizeH="0" baseline="0">
         <a:ln>
           <a:noFill/>
         </a:ln>
@@ -55,7 +59,7 @@
       <a:buFontTx/>
       <a:buNone/>
       <a:tabLst/>
-      <a:defRPr b="0" baseline="0" cap="none" i="0" spc="0" strike="noStrike" sz="2400" u="none" kumimoji="0" normalizeH="0">
+      <a:defRPr kumimoji="0" sz="2400" b="0" i="0" u="none" strike="noStrike" cap="none" spc="0" normalizeH="0" baseline="0">
         <a:ln>
           <a:noFill/>
         </a:ln>
@@ -85,7 +89,7 @@
       <a:buFontTx/>
       <a:buNone/>
       <a:tabLst/>
-      <a:defRPr b="0" baseline="0" cap="none" i="0" spc="0" strike="noStrike" sz="2400" u="none" kumimoji="0" normalizeH="0">
+      <a:defRPr kumimoji="0" sz="2400" b="0" i="0" u="none" strike="noStrike" cap="none" spc="0" normalizeH="0" baseline="0">
         <a:ln>
           <a:noFill/>
         </a:ln>
@@ -115,7 +119,7 @@
       <a:buFontTx/>
       <a:buNone/>
       <a:tabLst/>
-      <a:defRPr b="0" baseline="0" cap="none" i="0" spc="0" strike="noStrike" sz="2400" u="none" kumimoji="0" normalizeH="0">
+      <a:defRPr kumimoji="0" sz="2400" b="0" i="0" u="none" strike="noStrike" cap="none" spc="0" normalizeH="0" baseline="0">
         <a:ln>
           <a:noFill/>
         </a:ln>
@@ -145,7 +149,7 @@
       <a:buFontTx/>
       <a:buNone/>
       <a:tabLst/>
-      <a:defRPr b="0" baseline="0" cap="none" i="0" spc="0" strike="noStrike" sz="2400" u="none" kumimoji="0" normalizeH="0">
+      <a:defRPr kumimoji="0" sz="2400" b="0" i="0" u="none" strike="noStrike" cap="none" spc="0" normalizeH="0" baseline="0">
         <a:ln>
           <a:noFill/>
         </a:ln>
@@ -175,7 +179,7 @@
       <a:buFontTx/>
       <a:buNone/>
       <a:tabLst/>
-      <a:defRPr b="0" baseline="0" cap="none" i="0" spc="0" strike="noStrike" sz="2400" u="none" kumimoji="0" normalizeH="0">
+      <a:defRPr kumimoji="0" sz="2400" b="0" i="0" u="none" strike="noStrike" cap="none" spc="0" normalizeH="0" baseline="0">
         <a:ln>
           <a:noFill/>
         </a:ln>
@@ -205,7 +209,7 @@
       <a:buFontTx/>
       <a:buNone/>
       <a:tabLst/>
-      <a:defRPr b="0" baseline="0" cap="none" i="0" spc="0" strike="noStrike" sz="2400" u="none" kumimoji="0" normalizeH="0">
+      <a:defRPr kumimoji="0" sz="2400" b="0" i="0" u="none" strike="noStrike" cap="none" spc="0" normalizeH="0" baseline="0">
         <a:ln>
           <a:noFill/>
         </a:ln>
@@ -235,7 +239,7 @@
       <a:buFontTx/>
       <a:buNone/>
       <a:tabLst/>
-      <a:defRPr b="0" baseline="0" cap="none" i="0" spc="0" strike="noStrike" sz="2400" u="none" kumimoji="0" normalizeH="0">
+      <a:defRPr kumimoji="0" sz="2400" b="0" i="0" u="none" strike="noStrike" cap="none" spc="0" normalizeH="0" baseline="0">
         <a:ln>
           <a:noFill/>
         </a:ln>
@@ -265,7 +269,7 @@
       <a:buFontTx/>
       <a:buNone/>
       <a:tabLst/>
-      <a:defRPr b="0" baseline="0" cap="none" i="0" spc="0" strike="noStrike" sz="2400" u="none" kumimoji="0" normalizeH="0">
+      <a:defRPr kumimoji="0" sz="2400" b="0" i="0" u="none" strike="noStrike" cap="none" spc="0" normalizeH="0" baseline="0">
         <a:ln>
           <a:noFill/>
         </a:ln>
@@ -295,7 +299,7 @@
       <a:buFontTx/>
       <a:buNone/>
       <a:tabLst/>
-      <a:defRPr b="0" baseline="0" cap="none" i="0" spc="0" strike="noStrike" sz="2400" u="none" kumimoji="0" normalizeH="0">
+      <a:defRPr kumimoji="0" sz="2400" b="0" i="0" u="none" strike="noStrike" cap="none" spc="0" normalizeH="0" baseline="0">
         <a:ln>
           <a:noFill/>
         </a:ln>
@@ -314,13 +318,14 @@
 </p:presentation>
 </file>
 
-<file path=ppt/commentAuthors.xml><?xml version="1.0" encoding="utf-8"?>
-<p:cmAuthorLst xmlns:a="http://schemas.openxmlformats.org/drawingml/2006/main" xmlns:r="http://schemas.openxmlformats.org/officeDocument/2006/relationships" xmlns:p="http://schemas.openxmlformats.org/presentationml/2006/main" xmlns:m="http://schemas.openxmlformats.org/officeDocument/2006/math" xmlns:a14="http://schemas.microsoft.com/office/drawing/2010/main"/>
-</file>
-
 <file path=ppt/notesMasters/notesMaster1.xml><?xml version="1.0" encoding="utf-8"?>
-<p:notesMaster xmlns:a="http://schemas.openxmlformats.org/drawingml/2006/main" xmlns:r="http://schemas.openxmlformats.org/officeDocument/2006/relationships" xmlns:p="http://schemas.openxmlformats.org/presentationml/2006/main" xmlns:m="http://schemas.openxmlformats.org/officeDocument/2006/math" xmlns:a14="http://schemas.microsoft.com/office/drawing/2010/main">
+<p:notesMaster xmlns:a="http://schemas.openxmlformats.org/drawingml/2006/main" xmlns:r="http://schemas.openxmlformats.org/officeDocument/2006/relationships" xmlns:p="http://schemas.openxmlformats.org/presentationml/2006/main">
   <p:cSld>
+    <p:bg>
+      <p:bgRef idx="1001">
+        <a:schemeClr val="bg1"/>
+      </p:bgRef>
+    </p:bg>
     <p:spTree>
       <p:nvGrpSpPr>
         <p:cNvPr id="1" name=""/>
@@ -338,7 +343,9 @@
       <p:sp>
         <p:nvSpPr>
           <p:cNvPr id="148" name="Shape 148"/>
-          <p:cNvSpPr/>
+          <p:cNvSpPr>
+            <a:spLocks noGrp="1" noRot="1" noChangeAspect="1"/>
+          </p:cNvSpPr>
           <p:nvPr>
             <p:ph type="sldImg"/>
           </p:nvPr>
@@ -356,14 +363,16 @@
           <a:bodyPr/>
           <a:lstStyle/>
           <a:p>
-            <a:pPr/>
+            <a:endParaRPr/>
           </a:p>
         </p:txBody>
       </p:sp>
       <p:sp>
         <p:nvSpPr>
           <p:cNvPr id="149" name="Shape 149"/>
-          <p:cNvSpPr/>
+          <p:cNvSpPr>
+            <a:spLocks noGrp="1"/>
+          </p:cNvSpPr>
           <p:nvPr>
             <p:ph type="body" sz="quarter" idx="1"/>
           </p:nvPr>
@@ -381,7 +390,7 @@
           <a:bodyPr/>
           <a:lstStyle/>
           <a:p>
-            <a:pPr/>
+            <a:endParaRPr/>
           </a:p>
         </p:txBody>
       </p:sp>
@@ -493,13 +502,14 @@
 </file>
 
 <file path=ppt/slideLayouts/slideLayout1.xml><?xml version="1.0" encoding="utf-8"?>
-<p:sldLayout xmlns:a="http://schemas.openxmlformats.org/drawingml/2006/main" xmlns:r="http://schemas.openxmlformats.org/officeDocument/2006/relationships" xmlns:p="http://schemas.openxmlformats.org/presentationml/2006/main" xmlns:m="http://schemas.openxmlformats.org/officeDocument/2006/math" xmlns:a14="http://schemas.microsoft.com/office/drawing/2010/main" type="title" showMasterSp="1" showMasterPhAnim="1">
+<p:sldLayout xmlns:a="http://schemas.openxmlformats.org/drawingml/2006/main" xmlns:r="http://schemas.openxmlformats.org/officeDocument/2006/relationships" xmlns:p="http://schemas.openxmlformats.org/presentationml/2006/main" type="title">
   <p:cSld name="제목">
     <p:bg>
       <p:bgPr>
         <a:solidFill>
           <a:srgbClr val="003462"/>
         </a:solidFill>
+        <a:effectLst/>
       </p:bgPr>
     </p:bg>
     <p:spTree>
@@ -519,7 +529,9 @@
       <p:sp>
         <p:nvSpPr>
           <p:cNvPr id="11" name="저자 및 날짜"/>
-          <p:cNvSpPr txBox="1"/>
+          <p:cNvSpPr txBox="1">
+            <a:spLocks noGrp="1"/>
+          </p:cNvSpPr>
           <p:nvPr>
             <p:ph type="body" sz="quarter" idx="21" hasCustomPrompt="1"/>
           </p:nvPr>
@@ -545,7 +557,7 @@
               </a:spcBef>
               <a:buSzTx/>
               <a:buNone/>
-              <a:defRPr b="1" sz="3420">
+              <a:defRPr sz="3420" b="1">
                 <a:solidFill>
                   <a:srgbClr val="FFFFFF"/>
                 </a:solidFill>
@@ -553,7 +565,6 @@
             </a:lvl1pPr>
           </a:lstStyle>
           <a:p>
-            <a:pPr/>
             <a:r>
               <a:t>저자 및 날짜</a:t>
             </a:r>
@@ -563,7 +574,9 @@
       <p:sp>
         <p:nvSpPr>
           <p:cNvPr id="12" name="프레젠테이션 제목"/>
-          <p:cNvSpPr txBox="1"/>
+          <p:cNvSpPr txBox="1">
+            <a:spLocks noGrp="1"/>
+          </p:cNvSpPr>
           <p:nvPr>
             <p:ph type="title" hasCustomPrompt="1"/>
           </p:nvPr>
@@ -581,7 +594,7 @@
           <a:bodyPr anchor="b"/>
           <a:lstStyle>
             <a:lvl1pPr>
-              <a:defRPr spc="-232" sz="11600">
+              <a:defRPr sz="11600" spc="-232">
                 <a:solidFill>
                   <a:srgbClr val="FFFFFF"/>
                 </a:solidFill>
@@ -589,7 +602,6 @@
             </a:lvl1pPr>
           </a:lstStyle>
           <a:p>
-            <a:pPr/>
             <a:r>
               <a:t>프레젠테이션 제목</a:t>
             </a:r>
@@ -599,7 +611,9 @@
       <p:sp>
         <p:nvSpPr>
           <p:cNvPr id="13" name="본문 첫 번째 줄…"/>
-          <p:cNvSpPr txBox="1"/>
+          <p:cNvSpPr txBox="1">
+            <a:spLocks noGrp="1"/>
+          </p:cNvSpPr>
           <p:nvPr>
             <p:ph type="body" sz="quarter" idx="1" hasCustomPrompt="1"/>
           </p:nvPr>
@@ -625,7 +639,7 @@
               </a:spcBef>
               <a:buSzTx/>
               <a:buNone/>
-              <a:defRPr b="1" sz="5500">
+              <a:defRPr sz="5500" b="1">
                 <a:solidFill>
                   <a:schemeClr val="accent1"/>
                 </a:solidFill>
@@ -640,7 +654,7 @@
               </a:spcBef>
               <a:buSzTx/>
               <a:buNone/>
-              <a:defRPr b="1" sz="5500">
+              <a:defRPr sz="5500" b="1">
                 <a:solidFill>
                   <a:schemeClr val="accent1"/>
                 </a:solidFill>
@@ -655,7 +669,7 @@
               </a:spcBef>
               <a:buSzTx/>
               <a:buNone/>
-              <a:defRPr b="1" sz="5500">
+              <a:defRPr sz="5500" b="1">
                 <a:solidFill>
                   <a:schemeClr val="accent1"/>
                 </a:solidFill>
@@ -670,7 +684,7 @@
               </a:spcBef>
               <a:buSzTx/>
               <a:buNone/>
-              <a:defRPr b="1" sz="5500">
+              <a:defRPr sz="5500" b="1">
                 <a:solidFill>
                   <a:schemeClr val="accent1"/>
                 </a:solidFill>
@@ -685,7 +699,7 @@
               </a:spcBef>
               <a:buSzTx/>
               <a:buNone/>
-              <a:defRPr b="1" sz="5500">
+              <a:defRPr sz="5500" b="1">
                 <a:solidFill>
                   <a:schemeClr val="accent1"/>
                 </a:solidFill>
@@ -693,41 +707,34 @@
             </a:lvl5pPr>
           </a:lstStyle>
           <a:p>
-            <a:pPr/>
             <a:r>
               <a:t>프레젠테이션 부제</a:t>
             </a:r>
           </a:p>
           <a:p>
             <a:pPr lvl="1"/>
-            <a:r>
-              <a:t/>
-            </a:r>
+            <a:endParaRPr/>
           </a:p>
           <a:p>
             <a:pPr lvl="2"/>
-            <a:r>
-              <a:t/>
-            </a:r>
+            <a:endParaRPr/>
           </a:p>
           <a:p>
             <a:pPr lvl="3"/>
-            <a:r>
-              <a:t/>
-            </a:r>
+            <a:endParaRPr/>
           </a:p>
           <a:p>
             <a:pPr lvl="4"/>
-            <a:r>
-              <a:t/>
-            </a:r>
+            <a:endParaRPr/>
           </a:p>
         </p:txBody>
       </p:sp>
       <p:sp>
         <p:nvSpPr>
           <p:cNvPr id="14" name="슬라이드 번호"/>
-          <p:cNvSpPr txBox="1"/>
+          <p:cNvSpPr txBox="1">
+            <a:spLocks noGrp="1"/>
+          </p:cNvSpPr>
           <p:nvPr>
             <p:ph type="sldNum" sz="quarter" idx="2"/>
           </p:nvPr>
@@ -749,8 +756,10 @@
             </a:lvl1pPr>
           </a:lstStyle>
           <a:p>
-            <a:pPr/>
-            <a:fld id="{86CB4B4D-7CA3-9044-876B-883B54F8677D}" type="slidenum"/>
+            <a:fld id="{86CB4B4D-7CA3-9044-876B-883B54F8677D}" type="slidenum">
+              <a:t>‹#›</a:t>
+            </a:fld>
+            <a:endParaRPr/>
           </a:p>
         </p:txBody>
       </p:sp>
@@ -759,12 +768,12 @@
   <p:clrMapOvr>
     <a:masterClrMapping/>
   </p:clrMapOvr>
-  <p:transition xmlns:p14="http://schemas.microsoft.com/office/powerpoint/2010/main" spd="med" advClick="1"/>
+  <p:transition spd="med"/>
 </p:sldLayout>
 </file>
 
 <file path=ppt/slideLayouts/slideLayout10.xml><?xml version="1.0" encoding="utf-8"?>
-<p:sldLayout xmlns:a="http://schemas.openxmlformats.org/drawingml/2006/main" xmlns:r="http://schemas.openxmlformats.org/officeDocument/2006/relationships" xmlns:p="http://schemas.openxmlformats.org/presentationml/2006/main" xmlns:m="http://schemas.openxmlformats.org/officeDocument/2006/math" xmlns:a14="http://schemas.microsoft.com/office/drawing/2010/main" type="tx" showMasterSp="1" showMasterPhAnim="1">
+<p:sldLayout xmlns:a="http://schemas.openxmlformats.org/drawingml/2006/main" xmlns:r="http://schemas.openxmlformats.org/officeDocument/2006/relationships" xmlns:p="http://schemas.openxmlformats.org/presentationml/2006/main" type="tx">
   <p:cSld name="내역서">
     <p:spTree>
       <p:nvGrpSpPr>
@@ -783,7 +792,9 @@
       <p:sp>
         <p:nvSpPr>
           <p:cNvPr id="98" name="본문 첫 번째 줄…"/>
-          <p:cNvSpPr txBox="1"/>
+          <p:cNvSpPr txBox="1">
+            <a:spLocks noGrp="1"/>
+          </p:cNvSpPr>
           <p:nvPr>
             <p:ph type="body" sz="half" idx="1" hasCustomPrompt="1"/>
           </p:nvPr>
@@ -809,7 +820,7 @@
               </a:spcBef>
               <a:buSzTx/>
               <a:buNone/>
-              <a:defRPr spc="-232" sz="11600">
+              <a:defRPr sz="11600" spc="-232">
                 <a:solidFill>
                   <a:schemeClr val="accent1">
                     <a:hueOff val="114395"/>
@@ -831,7 +842,7 @@
               </a:spcBef>
               <a:buSzTx/>
               <a:buNone/>
-              <a:defRPr spc="-232" sz="11600">
+              <a:defRPr sz="11600" spc="-232">
                 <a:solidFill>
                   <a:schemeClr val="accent1">
                     <a:hueOff val="114395"/>
@@ -853,7 +864,7 @@
               </a:spcBef>
               <a:buSzTx/>
               <a:buNone/>
-              <a:defRPr spc="-232" sz="11600">
+              <a:defRPr sz="11600" spc="-232">
                 <a:solidFill>
                   <a:schemeClr val="accent1">
                     <a:hueOff val="114395"/>
@@ -875,7 +886,7 @@
               </a:spcBef>
               <a:buSzTx/>
               <a:buNone/>
-              <a:defRPr spc="-232" sz="11600">
+              <a:defRPr sz="11600" spc="-232">
                 <a:solidFill>
                   <a:schemeClr val="accent1">
                     <a:hueOff val="114395"/>
@@ -897,7 +908,7 @@
               </a:spcBef>
               <a:buSzTx/>
               <a:buNone/>
-              <a:defRPr spc="-232" sz="11600">
+              <a:defRPr sz="11600" spc="-232">
                 <a:solidFill>
                   <a:schemeClr val="accent1">
                     <a:hueOff val="114395"/>
@@ -912,41 +923,34 @@
             </a:lvl5pPr>
           </a:lstStyle>
           <a:p>
-            <a:pPr/>
             <a:r>
               <a:t>내역서</a:t>
             </a:r>
           </a:p>
           <a:p>
             <a:pPr lvl="1"/>
-            <a:r>
-              <a:t/>
-            </a:r>
+            <a:endParaRPr/>
           </a:p>
           <a:p>
             <a:pPr lvl="2"/>
-            <a:r>
-              <a:t/>
-            </a:r>
+            <a:endParaRPr/>
           </a:p>
           <a:p>
             <a:pPr lvl="3"/>
-            <a:r>
-              <a:t/>
-            </a:r>
+            <a:endParaRPr/>
           </a:p>
           <a:p>
             <a:pPr lvl="4"/>
-            <a:r>
-              <a:t/>
-            </a:r>
+            <a:endParaRPr/>
           </a:p>
         </p:txBody>
       </p:sp>
       <p:sp>
         <p:nvSpPr>
           <p:cNvPr id="99" name="슬라이드 번호"/>
-          <p:cNvSpPr txBox="1"/>
+          <p:cNvSpPr txBox="1">
+            <a:spLocks noGrp="1"/>
+          </p:cNvSpPr>
           <p:nvPr>
             <p:ph type="sldNum" sz="quarter" idx="2"/>
           </p:nvPr>
@@ -960,8 +964,10 @@
           <a:bodyPr/>
           <a:lstStyle/>
           <a:p>
-            <a:pPr/>
-            <a:fld id="{86CB4B4D-7CA3-9044-876B-883B54F8677D}" type="slidenum"/>
+            <a:fld id="{86CB4B4D-7CA3-9044-876B-883B54F8677D}" type="slidenum">
+              <a:t>‹#›</a:t>
+            </a:fld>
+            <a:endParaRPr/>
           </a:p>
         </p:txBody>
       </p:sp>
@@ -970,12 +976,12 @@
   <p:clrMapOvr>
     <a:masterClrMapping/>
   </p:clrMapOvr>
-  <p:transition xmlns:p14="http://schemas.microsoft.com/office/powerpoint/2010/main" spd="med" advClick="1"/>
+  <p:transition spd="med"/>
 </p:sldLayout>
 </file>
 
 <file path=ppt/slideLayouts/slideLayout11.xml><?xml version="1.0" encoding="utf-8"?>
-<p:sldLayout xmlns:a="http://schemas.openxmlformats.org/drawingml/2006/main" xmlns:r="http://schemas.openxmlformats.org/officeDocument/2006/relationships" xmlns:p="http://schemas.openxmlformats.org/presentationml/2006/main" xmlns:m="http://schemas.openxmlformats.org/officeDocument/2006/math" xmlns:a14="http://schemas.microsoft.com/office/drawing/2010/main" type="tx" showMasterSp="1" showMasterPhAnim="1">
+<p:sldLayout xmlns:a="http://schemas.openxmlformats.org/drawingml/2006/main" xmlns:r="http://schemas.openxmlformats.org/officeDocument/2006/relationships" xmlns:p="http://schemas.openxmlformats.org/presentationml/2006/main" type="tx">
   <p:cSld name="중요한 사실">
     <p:spTree>
       <p:nvGrpSpPr>
@@ -994,7 +1000,9 @@
       <p:sp>
         <p:nvSpPr>
           <p:cNvPr id="106" name="본문 첫 번째 줄…"/>
-          <p:cNvSpPr txBox="1"/>
+          <p:cNvSpPr txBox="1">
+            <a:spLocks noGrp="1"/>
+          </p:cNvSpPr>
           <p:nvPr>
             <p:ph type="body" idx="1" hasCustomPrompt="1"/>
           </p:nvPr>
@@ -1020,7 +1028,7 @@
               </a:spcBef>
               <a:buSzTx/>
               <a:buNone/>
-              <a:defRPr b="1" spc="-250" sz="25000">
+              <a:defRPr sz="25000" b="1" spc="-250">
                 <a:solidFill>
                   <a:schemeClr val="accent1">
                     <a:hueOff val="114395"/>
@@ -1038,7 +1046,7 @@
               </a:spcBef>
               <a:buSzTx/>
               <a:buNone/>
-              <a:defRPr b="1" spc="-250" sz="25000">
+              <a:defRPr sz="25000" b="1" spc="-250">
                 <a:solidFill>
                   <a:schemeClr val="accent1">
                     <a:hueOff val="114395"/>
@@ -1056,7 +1064,7 @@
               </a:spcBef>
               <a:buSzTx/>
               <a:buNone/>
-              <a:defRPr b="1" spc="-250" sz="25000">
+              <a:defRPr sz="25000" b="1" spc="-250">
                 <a:solidFill>
                   <a:schemeClr val="accent1">
                     <a:hueOff val="114395"/>
@@ -1074,7 +1082,7 @@
               </a:spcBef>
               <a:buSzTx/>
               <a:buNone/>
-              <a:defRPr b="1" spc="-250" sz="25000">
+              <a:defRPr sz="25000" b="1" spc="-250">
                 <a:solidFill>
                   <a:schemeClr val="accent1">
                     <a:hueOff val="114395"/>
@@ -1092,7 +1100,7 @@
               </a:spcBef>
               <a:buSzTx/>
               <a:buNone/>
-              <a:defRPr b="1" spc="-250" sz="25000">
+              <a:defRPr sz="25000" b="1" spc="-250">
                 <a:solidFill>
                   <a:schemeClr val="accent1">
                     <a:hueOff val="114395"/>
@@ -1103,41 +1111,34 @@
             </a:lvl5pPr>
           </a:lstStyle>
           <a:p>
-            <a:pPr/>
             <a:r>
               <a:t>100%</a:t>
             </a:r>
           </a:p>
           <a:p>
             <a:pPr lvl="1"/>
-            <a:r>
-              <a:t/>
-            </a:r>
+            <a:endParaRPr/>
           </a:p>
           <a:p>
             <a:pPr lvl="2"/>
-            <a:r>
-              <a:t/>
-            </a:r>
+            <a:endParaRPr/>
           </a:p>
           <a:p>
             <a:pPr lvl="3"/>
-            <a:r>
-              <a:t/>
-            </a:r>
+            <a:endParaRPr/>
           </a:p>
           <a:p>
             <a:pPr lvl="4"/>
-            <a:r>
-              <a:t/>
-            </a:r>
+            <a:endParaRPr/>
           </a:p>
         </p:txBody>
       </p:sp>
       <p:sp>
         <p:nvSpPr>
           <p:cNvPr id="107" name="사실 정보"/>
-          <p:cNvSpPr txBox="1"/>
+          <p:cNvSpPr txBox="1">
+            <a:spLocks noGrp="1"/>
+          </p:cNvSpPr>
           <p:nvPr>
             <p:ph type="body" sz="quarter" idx="21" hasCustomPrompt="1"/>
           </p:nvPr>
@@ -1163,11 +1164,10 @@
               </a:spcBef>
               <a:buSzTx/>
               <a:buNone/>
-              <a:defRPr b="1" sz="5280"/>
+              <a:defRPr sz="5280" b="1"/>
             </a:lvl1pPr>
           </a:lstStyle>
           <a:p>
-            <a:pPr/>
             <a:r>
               <a:t>사실 정보</a:t>
             </a:r>
@@ -1177,7 +1177,9 @@
       <p:sp>
         <p:nvSpPr>
           <p:cNvPr id="108" name="슬라이드 번호"/>
-          <p:cNvSpPr txBox="1"/>
+          <p:cNvSpPr txBox="1">
+            <a:spLocks noGrp="1"/>
+          </p:cNvSpPr>
           <p:nvPr>
             <p:ph type="sldNum" sz="quarter" idx="2"/>
           </p:nvPr>
@@ -1191,8 +1193,10 @@
           <a:bodyPr/>
           <a:lstStyle/>
           <a:p>
-            <a:pPr/>
-            <a:fld id="{86CB4B4D-7CA3-9044-876B-883B54F8677D}" type="slidenum"/>
+            <a:fld id="{86CB4B4D-7CA3-9044-876B-883B54F8677D}" type="slidenum">
+              <a:t>‹#›</a:t>
+            </a:fld>
+            <a:endParaRPr/>
           </a:p>
         </p:txBody>
       </p:sp>
@@ -1201,12 +1205,12 @@
   <p:clrMapOvr>
     <a:masterClrMapping/>
   </p:clrMapOvr>
-  <p:transition xmlns:p14="http://schemas.microsoft.com/office/powerpoint/2010/main" spd="med" advClick="1"/>
+  <p:transition spd="med"/>
 </p:sldLayout>
 </file>
 
 <file path=ppt/slideLayouts/slideLayout12.xml><?xml version="1.0" encoding="utf-8"?>
-<p:sldLayout xmlns:a="http://schemas.openxmlformats.org/drawingml/2006/main" xmlns:r="http://schemas.openxmlformats.org/officeDocument/2006/relationships" xmlns:p="http://schemas.openxmlformats.org/presentationml/2006/main" xmlns:m="http://schemas.openxmlformats.org/officeDocument/2006/math" xmlns:a14="http://schemas.microsoft.com/office/drawing/2010/main" type="tx" showMasterSp="1" showMasterPhAnim="1">
+<p:sldLayout xmlns:a="http://schemas.openxmlformats.org/drawingml/2006/main" xmlns:r="http://schemas.openxmlformats.org/officeDocument/2006/relationships" xmlns:p="http://schemas.openxmlformats.org/presentationml/2006/main" type="tx">
   <p:cSld name="인용">
     <p:spTree>
       <p:nvGrpSpPr>
@@ -1225,7 +1229,9 @@
       <p:sp>
         <p:nvSpPr>
           <p:cNvPr id="115" name="속성"/>
-          <p:cNvSpPr txBox="1"/>
+          <p:cNvSpPr txBox="1">
+            <a:spLocks noGrp="1"/>
+          </p:cNvSpPr>
           <p:nvPr>
             <p:ph type="body" sz="quarter" idx="21" hasCustomPrompt="1"/>
           </p:nvPr>
@@ -1251,11 +1257,10 @@
               </a:spcBef>
               <a:buSzTx/>
               <a:buNone/>
-              <a:defRPr b="1" sz="3600"/>
+              <a:defRPr sz="3600" b="1"/>
             </a:lvl1pPr>
           </a:lstStyle>
           <a:p>
-            <a:pPr/>
             <a:r>
               <a:t>속성</a:t>
             </a:r>
@@ -1265,7 +1270,9 @@
       <p:sp>
         <p:nvSpPr>
           <p:cNvPr id="116" name="본문 첫 번째 줄…"/>
-          <p:cNvSpPr txBox="1"/>
+          <p:cNvSpPr txBox="1">
+            <a:spLocks noGrp="1"/>
+          </p:cNvSpPr>
           <p:nvPr>
             <p:ph type="body" sz="half" idx="1" hasCustomPrompt="1"/>
           </p:nvPr>
@@ -1288,7 +1295,7 @@
               </a:spcBef>
               <a:buSzTx/>
               <a:buNone/>
-              <a:defRPr spc="-170" sz="8500">
+              <a:defRPr sz="8500" spc="-170">
                 <a:solidFill>
                   <a:schemeClr val="accent1">
                     <a:hueOff val="114395"/>
@@ -1307,7 +1314,7 @@
               </a:spcBef>
               <a:buSzTx/>
               <a:buNone/>
-              <a:defRPr spc="-170" sz="8500">
+              <a:defRPr sz="8500" spc="-170">
                 <a:solidFill>
                   <a:schemeClr val="accent1">
                     <a:hueOff val="114395"/>
@@ -1326,7 +1333,7 @@
               </a:spcBef>
               <a:buSzTx/>
               <a:buNone/>
-              <a:defRPr spc="-170" sz="8500">
+              <a:defRPr sz="8500" spc="-170">
                 <a:solidFill>
                   <a:schemeClr val="accent1">
                     <a:hueOff val="114395"/>
@@ -1345,7 +1352,7 @@
               </a:spcBef>
               <a:buSzTx/>
               <a:buNone/>
-              <a:defRPr spc="-170" sz="8500">
+              <a:defRPr sz="8500" spc="-170">
                 <a:solidFill>
                   <a:schemeClr val="accent1">
                     <a:hueOff val="114395"/>
@@ -1364,7 +1371,7 @@
               </a:spcBef>
               <a:buSzTx/>
               <a:buNone/>
-              <a:defRPr spc="-170" sz="8500">
+              <a:defRPr sz="8500" spc="-170">
                 <a:solidFill>
                   <a:schemeClr val="accent1">
                     <a:hueOff val="114395"/>
@@ -1379,41 +1386,34 @@
             </a:lvl5pPr>
           </a:lstStyle>
           <a:p>
-            <a:pPr/>
             <a:r>
               <a:t>“멋진 인용구”</a:t>
             </a:r>
           </a:p>
           <a:p>
             <a:pPr lvl="1"/>
-            <a:r>
-              <a:t/>
-            </a:r>
+            <a:endParaRPr/>
           </a:p>
           <a:p>
             <a:pPr lvl="2"/>
-            <a:r>
-              <a:t/>
-            </a:r>
+            <a:endParaRPr/>
           </a:p>
           <a:p>
             <a:pPr lvl="3"/>
-            <a:r>
-              <a:t/>
-            </a:r>
+            <a:endParaRPr/>
           </a:p>
           <a:p>
             <a:pPr lvl="4"/>
-            <a:r>
-              <a:t/>
-            </a:r>
+            <a:endParaRPr/>
           </a:p>
         </p:txBody>
       </p:sp>
       <p:sp>
         <p:nvSpPr>
           <p:cNvPr id="117" name="슬라이드 번호"/>
-          <p:cNvSpPr txBox="1"/>
+          <p:cNvSpPr txBox="1">
+            <a:spLocks noGrp="1"/>
+          </p:cNvSpPr>
           <p:nvPr>
             <p:ph type="sldNum" sz="quarter" idx="2"/>
           </p:nvPr>
@@ -1427,8 +1427,10 @@
           <a:bodyPr/>
           <a:lstStyle/>
           <a:p>
-            <a:pPr/>
-            <a:fld id="{86CB4B4D-7CA3-9044-876B-883B54F8677D}" type="slidenum"/>
+            <a:fld id="{86CB4B4D-7CA3-9044-876B-883B54F8677D}" type="slidenum">
+              <a:t>‹#›</a:t>
+            </a:fld>
+            <a:endParaRPr/>
           </a:p>
         </p:txBody>
       </p:sp>
@@ -1437,12 +1439,12 @@
   <p:clrMapOvr>
     <a:masterClrMapping/>
   </p:clrMapOvr>
-  <p:transition xmlns:p14="http://schemas.microsoft.com/office/powerpoint/2010/main" spd="med" advClick="1"/>
+  <p:transition spd="med"/>
 </p:sldLayout>
 </file>
 
 <file path=ppt/slideLayouts/slideLayout13.xml><?xml version="1.0" encoding="utf-8"?>
-<p:sldLayout xmlns:a="http://schemas.openxmlformats.org/drawingml/2006/main" xmlns:r="http://schemas.openxmlformats.org/officeDocument/2006/relationships" xmlns:p="http://schemas.openxmlformats.org/presentationml/2006/main" xmlns:m="http://schemas.openxmlformats.org/officeDocument/2006/math" xmlns:a14="http://schemas.microsoft.com/office/drawing/2010/main" type="tx" showMasterSp="1" showMasterPhAnim="1">
+<p:sldLayout xmlns:a="http://schemas.openxmlformats.org/drawingml/2006/main" xmlns:r="http://schemas.openxmlformats.org/officeDocument/2006/relationships" xmlns:p="http://schemas.openxmlformats.org/presentationml/2006/main" type="tx">
   <p:cSld name="사진 - 3장">
     <p:spTree>
       <p:nvGrpSpPr>
@@ -1461,7 +1463,9 @@
       <p:sp>
         <p:nvSpPr>
           <p:cNvPr id="124" name="파란 하늘을 배경으로 아래에서 올려다본 열기구"/>
-          <p:cNvSpPr/>
+          <p:cNvSpPr>
+            <a:spLocks noGrp="1"/>
+          </p:cNvSpPr>
           <p:nvPr>
             <p:ph type="pic" sz="quarter" idx="21"/>
           </p:nvPr>
@@ -1481,14 +1485,16 @@
           </a:bodyPr>
           <a:lstStyle/>
           <a:p>
-            <a:pPr/>
+            <a:endParaRPr/>
           </a:p>
         </p:txBody>
       </p:sp>
       <p:sp>
         <p:nvSpPr>
           <p:cNvPr id="125" name="열기구의 윗부분을 위에서 근접 촬영한 사진"/>
-          <p:cNvSpPr/>
+          <p:cNvSpPr>
+            <a:spLocks noGrp="1"/>
+          </p:cNvSpPr>
           <p:nvPr>
             <p:ph type="pic" sz="quarter" idx="22"/>
           </p:nvPr>
@@ -1508,14 +1514,16 @@
           </a:bodyPr>
           <a:lstStyle/>
           <a:p>
-            <a:pPr/>
+            <a:endParaRPr/>
           </a:p>
         </p:txBody>
       </p:sp>
       <p:sp>
         <p:nvSpPr>
           <p:cNvPr id="126" name="파란 하늘을 배경으로 아래에서 올려다본 열기구"/>
-          <p:cNvSpPr/>
+          <p:cNvSpPr>
+            <a:spLocks noGrp="1"/>
+          </p:cNvSpPr>
           <p:nvPr>
             <p:ph type="pic" idx="23"/>
           </p:nvPr>
@@ -1535,14 +1543,16 @@
           </a:bodyPr>
           <a:lstStyle/>
           <a:p>
-            <a:pPr/>
+            <a:endParaRPr/>
           </a:p>
         </p:txBody>
       </p:sp>
       <p:sp>
         <p:nvSpPr>
           <p:cNvPr id="127" name="슬라이드 번호"/>
-          <p:cNvSpPr txBox="1"/>
+          <p:cNvSpPr txBox="1">
+            <a:spLocks noGrp="1"/>
+          </p:cNvSpPr>
           <p:nvPr>
             <p:ph type="sldNum" sz="quarter" idx="2"/>
           </p:nvPr>
@@ -1556,8 +1566,10 @@
           <a:bodyPr/>
           <a:lstStyle/>
           <a:p>
-            <a:pPr/>
-            <a:fld id="{86CB4B4D-7CA3-9044-876B-883B54F8677D}" type="slidenum"/>
+            <a:fld id="{86CB4B4D-7CA3-9044-876B-883B54F8677D}" type="slidenum">
+              <a:t>‹#›</a:t>
+            </a:fld>
+            <a:endParaRPr/>
           </a:p>
         </p:txBody>
       </p:sp>
@@ -1566,12 +1578,12 @@
   <p:clrMapOvr>
     <a:masterClrMapping/>
   </p:clrMapOvr>
-  <p:transition xmlns:p14="http://schemas.microsoft.com/office/powerpoint/2010/main" spd="med" advClick="1"/>
+  <p:transition spd="med"/>
 </p:sldLayout>
 </file>
 
 <file path=ppt/slideLayouts/slideLayout14.xml><?xml version="1.0" encoding="utf-8"?>
-<p:sldLayout xmlns:a="http://schemas.openxmlformats.org/drawingml/2006/main" xmlns:r="http://schemas.openxmlformats.org/officeDocument/2006/relationships" xmlns:p="http://schemas.openxmlformats.org/presentationml/2006/main" xmlns:m="http://schemas.openxmlformats.org/officeDocument/2006/math" xmlns:a14="http://schemas.microsoft.com/office/drawing/2010/main" type="tx" showMasterSp="1" showMasterPhAnim="1">
+<p:sldLayout xmlns:a="http://schemas.openxmlformats.org/drawingml/2006/main" xmlns:r="http://schemas.openxmlformats.org/officeDocument/2006/relationships" xmlns:p="http://schemas.openxmlformats.org/presentationml/2006/main" type="tx">
   <p:cSld name="사진">
     <p:spTree>
       <p:nvGrpSpPr>
@@ -1590,7 +1602,9 @@
       <p:sp>
         <p:nvSpPr>
           <p:cNvPr id="134" name="파란 하늘을 배경으로 아래에서 올려다본 열기구"/>
-          <p:cNvSpPr/>
+          <p:cNvSpPr>
+            <a:spLocks noGrp="1"/>
+          </p:cNvSpPr>
           <p:nvPr>
             <p:ph type="pic" idx="21"/>
           </p:nvPr>
@@ -1610,14 +1624,16 @@
           </a:bodyPr>
           <a:lstStyle/>
           <a:p>
-            <a:pPr/>
+            <a:endParaRPr/>
           </a:p>
         </p:txBody>
       </p:sp>
       <p:sp>
         <p:nvSpPr>
           <p:cNvPr id="135" name="슬라이드 번호"/>
-          <p:cNvSpPr txBox="1"/>
+          <p:cNvSpPr txBox="1">
+            <a:spLocks noGrp="1"/>
+          </p:cNvSpPr>
           <p:nvPr>
             <p:ph type="sldNum" sz="quarter" idx="2"/>
           </p:nvPr>
@@ -1639,8 +1655,10 @@
             </a:lvl1pPr>
           </a:lstStyle>
           <a:p>
-            <a:pPr/>
-            <a:fld id="{86CB4B4D-7CA3-9044-876B-883B54F8677D}" type="slidenum"/>
+            <a:fld id="{86CB4B4D-7CA3-9044-876B-883B54F8677D}" type="slidenum">
+              <a:t>‹#›</a:t>
+            </a:fld>
+            <a:endParaRPr/>
           </a:p>
         </p:txBody>
       </p:sp>
@@ -1649,12 +1667,12 @@
   <p:clrMapOvr>
     <a:masterClrMapping/>
   </p:clrMapOvr>
-  <p:transition xmlns:p14="http://schemas.microsoft.com/office/powerpoint/2010/main" spd="med" advClick="1"/>
+  <p:transition spd="med"/>
 </p:sldLayout>
 </file>
 
 <file path=ppt/slideLayouts/slideLayout15.xml><?xml version="1.0" encoding="utf-8"?>
-<p:sldLayout xmlns:a="http://schemas.openxmlformats.org/drawingml/2006/main" xmlns:r="http://schemas.openxmlformats.org/officeDocument/2006/relationships" xmlns:p="http://schemas.openxmlformats.org/presentationml/2006/main" xmlns:m="http://schemas.openxmlformats.org/officeDocument/2006/math" xmlns:a14="http://schemas.microsoft.com/office/drawing/2010/main" type="tx" showMasterSp="1" showMasterPhAnim="1">
+<p:sldLayout xmlns:a="http://schemas.openxmlformats.org/drawingml/2006/main" xmlns:r="http://schemas.openxmlformats.org/officeDocument/2006/relationships" xmlns:p="http://schemas.openxmlformats.org/presentationml/2006/main" type="tx">
   <p:cSld name="빈 페이지">
     <p:spTree>
       <p:nvGrpSpPr>
@@ -1673,7 +1691,9 @@
       <p:sp>
         <p:nvSpPr>
           <p:cNvPr id="142" name="슬라이드 번호"/>
-          <p:cNvSpPr txBox="1"/>
+          <p:cNvSpPr txBox="1">
+            <a:spLocks noGrp="1"/>
+          </p:cNvSpPr>
           <p:nvPr>
             <p:ph type="sldNum" sz="quarter" idx="2"/>
           </p:nvPr>
@@ -1687,8 +1707,10 @@
           <a:bodyPr/>
           <a:lstStyle/>
           <a:p>
-            <a:pPr/>
-            <a:fld id="{86CB4B4D-7CA3-9044-876B-883B54F8677D}" type="slidenum"/>
+            <a:fld id="{86CB4B4D-7CA3-9044-876B-883B54F8677D}" type="slidenum">
+              <a:t>‹#›</a:t>
+            </a:fld>
+            <a:endParaRPr/>
           </a:p>
         </p:txBody>
       </p:sp>
@@ -1697,12 +1719,12 @@
   <p:clrMapOvr>
     <a:masterClrMapping/>
   </p:clrMapOvr>
-  <p:transition xmlns:p14="http://schemas.microsoft.com/office/powerpoint/2010/main" spd="med" advClick="1"/>
+  <p:transition spd="med"/>
 </p:sldLayout>
 </file>
 
 <file path=ppt/slideLayouts/slideLayout2.xml><?xml version="1.0" encoding="utf-8"?>
-<p:sldLayout xmlns:a="http://schemas.openxmlformats.org/drawingml/2006/main" xmlns:r="http://schemas.openxmlformats.org/officeDocument/2006/relationships" xmlns:p="http://schemas.openxmlformats.org/presentationml/2006/main" xmlns:m="http://schemas.openxmlformats.org/officeDocument/2006/math" xmlns:a14="http://schemas.microsoft.com/office/drawing/2010/main" type="tx" showMasterSp="1" showMasterPhAnim="1">
+<p:sldLayout xmlns:a="http://schemas.openxmlformats.org/drawingml/2006/main" xmlns:r="http://schemas.openxmlformats.org/officeDocument/2006/relationships" xmlns:p="http://schemas.openxmlformats.org/presentationml/2006/main" type="tx">
   <p:cSld name="제목 및 사진">
     <p:spTree>
       <p:nvGrpSpPr>
@@ -1721,7 +1743,9 @@
       <p:sp>
         <p:nvSpPr>
           <p:cNvPr id="21" name="열기구의 윗부분을 위에서 근접 촬영한 사진"/>
-          <p:cNvSpPr/>
+          <p:cNvSpPr>
+            <a:spLocks noGrp="1"/>
+          </p:cNvSpPr>
           <p:nvPr>
             <p:ph type="pic" idx="21"/>
           </p:nvPr>
@@ -1741,14 +1765,16 @@
           </a:bodyPr>
           <a:lstStyle/>
           <a:p>
-            <a:pPr/>
+            <a:endParaRPr/>
           </a:p>
         </p:txBody>
       </p:sp>
       <p:sp>
         <p:nvSpPr>
           <p:cNvPr id="22" name="프레젠테이션 제목"/>
-          <p:cNvSpPr txBox="1"/>
+          <p:cNvSpPr txBox="1">
+            <a:spLocks noGrp="1"/>
+          </p:cNvSpPr>
           <p:nvPr>
             <p:ph type="title" hasCustomPrompt="1"/>
           </p:nvPr>
@@ -1766,7 +1792,7 @@
           <a:bodyPr anchor="b"/>
           <a:lstStyle>
             <a:lvl1pPr>
-              <a:defRPr spc="-232" sz="11600">
+              <a:defRPr sz="11600" spc="-232">
                 <a:solidFill>
                   <a:srgbClr val="FFFFFF"/>
                 </a:solidFill>
@@ -1774,7 +1800,6 @@
             </a:lvl1pPr>
           </a:lstStyle>
           <a:p>
-            <a:pPr/>
             <a:r>
               <a:t>프레젠테이션 제목</a:t>
             </a:r>
@@ -1784,7 +1809,9 @@
       <p:sp>
         <p:nvSpPr>
           <p:cNvPr id="23" name="저자 및 날짜"/>
-          <p:cNvSpPr txBox="1"/>
+          <p:cNvSpPr txBox="1">
+            <a:spLocks noGrp="1"/>
+          </p:cNvSpPr>
           <p:nvPr>
             <p:ph type="body" sz="quarter" idx="22" hasCustomPrompt="1"/>
           </p:nvPr>
@@ -1810,11 +1837,10 @@
               </a:spcBef>
               <a:buSzTx/>
               <a:buNone/>
-              <a:defRPr b="1" sz="3420"/>
+              <a:defRPr sz="3420" b="1"/>
             </a:lvl1pPr>
           </a:lstStyle>
           <a:p>
-            <a:pPr/>
             <a:r>
               <a:t>저자 및 날짜</a:t>
             </a:r>
@@ -1824,7 +1850,9 @@
       <p:sp>
         <p:nvSpPr>
           <p:cNvPr id="24" name="본문 첫 번째 줄…"/>
-          <p:cNvSpPr txBox="1"/>
+          <p:cNvSpPr txBox="1">
+            <a:spLocks noGrp="1"/>
+          </p:cNvSpPr>
           <p:nvPr>
             <p:ph type="body" sz="quarter" idx="1" hasCustomPrompt="1"/>
           </p:nvPr>
@@ -1850,7 +1878,7 @@
               </a:spcBef>
               <a:buSzTx/>
               <a:buNone/>
-              <a:defRPr b="1" sz="5500">
+              <a:defRPr sz="5500" b="1">
                 <a:solidFill>
                   <a:srgbClr val="FFFFFF"/>
                 </a:solidFill>
@@ -1865,7 +1893,7 @@
               </a:spcBef>
               <a:buSzTx/>
               <a:buNone/>
-              <a:defRPr b="1" sz="5500">
+              <a:defRPr sz="5500" b="1">
                 <a:solidFill>
                   <a:srgbClr val="FFFFFF"/>
                 </a:solidFill>
@@ -1880,7 +1908,7 @@
               </a:spcBef>
               <a:buSzTx/>
               <a:buNone/>
-              <a:defRPr b="1" sz="5500">
+              <a:defRPr sz="5500" b="1">
                 <a:solidFill>
                   <a:srgbClr val="FFFFFF"/>
                 </a:solidFill>
@@ -1895,7 +1923,7 @@
               </a:spcBef>
               <a:buSzTx/>
               <a:buNone/>
-              <a:defRPr b="1" sz="5500">
+              <a:defRPr sz="5500" b="1">
                 <a:solidFill>
                   <a:srgbClr val="FFFFFF"/>
                 </a:solidFill>
@@ -1910,7 +1938,7 @@
               </a:spcBef>
               <a:buSzTx/>
               <a:buNone/>
-              <a:defRPr b="1" sz="5500">
+              <a:defRPr sz="5500" b="1">
                 <a:solidFill>
                   <a:srgbClr val="FFFFFF"/>
                 </a:solidFill>
@@ -1918,41 +1946,34 @@
             </a:lvl5pPr>
           </a:lstStyle>
           <a:p>
-            <a:pPr/>
             <a:r>
               <a:t>프레젠테이션 부제</a:t>
             </a:r>
           </a:p>
           <a:p>
             <a:pPr lvl="1"/>
-            <a:r>
-              <a:t/>
-            </a:r>
+            <a:endParaRPr/>
           </a:p>
           <a:p>
             <a:pPr lvl="2"/>
-            <a:r>
-              <a:t/>
-            </a:r>
+            <a:endParaRPr/>
           </a:p>
           <a:p>
             <a:pPr lvl="3"/>
-            <a:r>
-              <a:t/>
-            </a:r>
+            <a:endParaRPr/>
           </a:p>
           <a:p>
             <a:pPr lvl="4"/>
-            <a:r>
-              <a:t/>
-            </a:r>
+            <a:endParaRPr/>
           </a:p>
         </p:txBody>
       </p:sp>
       <p:sp>
         <p:nvSpPr>
           <p:cNvPr id="25" name="슬라이드 번호"/>
-          <p:cNvSpPr txBox="1"/>
+          <p:cNvSpPr txBox="1">
+            <a:spLocks noGrp="1"/>
+          </p:cNvSpPr>
           <p:nvPr>
             <p:ph type="sldNum" sz="quarter" idx="2"/>
           </p:nvPr>
@@ -1974,8 +1995,10 @@
             </a:lvl1pPr>
           </a:lstStyle>
           <a:p>
-            <a:pPr/>
-            <a:fld id="{86CB4B4D-7CA3-9044-876B-883B54F8677D}" type="slidenum"/>
+            <a:fld id="{86CB4B4D-7CA3-9044-876B-883B54F8677D}" type="slidenum">
+              <a:t>‹#›</a:t>
+            </a:fld>
+            <a:endParaRPr/>
           </a:p>
         </p:txBody>
       </p:sp>
@@ -1984,12 +2007,12 @@
   <p:clrMapOvr>
     <a:masterClrMapping/>
   </p:clrMapOvr>
-  <p:transition xmlns:p14="http://schemas.microsoft.com/office/powerpoint/2010/main" spd="med" advClick="1"/>
+  <p:transition spd="med"/>
 </p:sldLayout>
 </file>
 
 <file path=ppt/slideLayouts/slideLayout3.xml><?xml version="1.0" encoding="utf-8"?>
-<p:sldLayout xmlns:a="http://schemas.openxmlformats.org/drawingml/2006/main" xmlns:r="http://schemas.openxmlformats.org/officeDocument/2006/relationships" xmlns:p="http://schemas.openxmlformats.org/presentationml/2006/main" xmlns:m="http://schemas.openxmlformats.org/officeDocument/2006/math" xmlns:a14="http://schemas.microsoft.com/office/drawing/2010/main" type="tx" showMasterSp="1" showMasterPhAnim="1">
+<p:sldLayout xmlns:a="http://schemas.openxmlformats.org/drawingml/2006/main" xmlns:r="http://schemas.openxmlformats.org/officeDocument/2006/relationships" xmlns:p="http://schemas.openxmlformats.org/presentationml/2006/main" type="tx">
   <p:cSld name="제목 및 사진 대체">
     <p:spTree>
       <p:nvGrpSpPr>
@@ -2008,7 +2031,9 @@
       <p:sp>
         <p:nvSpPr>
           <p:cNvPr id="32" name="열기구를 아래에서 근접 촬영한 사진"/>
-          <p:cNvSpPr/>
+          <p:cNvSpPr>
+            <a:spLocks noGrp="1"/>
+          </p:cNvSpPr>
           <p:nvPr>
             <p:ph type="pic" idx="21"/>
           </p:nvPr>
@@ -2028,14 +2053,16 @@
           </a:bodyPr>
           <a:lstStyle/>
           <a:p>
-            <a:pPr/>
+            <a:endParaRPr/>
           </a:p>
         </p:txBody>
       </p:sp>
       <p:sp>
         <p:nvSpPr>
           <p:cNvPr id="33" name="슬라이드 제목"/>
-          <p:cNvSpPr txBox="1"/>
+          <p:cNvSpPr txBox="1">
+            <a:spLocks noGrp="1"/>
+          </p:cNvSpPr>
           <p:nvPr>
             <p:ph type="title" hasCustomPrompt="1"/>
           </p:nvPr>
@@ -2053,7 +2080,6 @@
           <a:bodyPr anchor="b"/>
           <a:lstStyle/>
           <a:p>
-            <a:pPr/>
             <a:r>
               <a:t>슬라이드 제목</a:t>
             </a:r>
@@ -2063,7 +2089,9 @@
       <p:sp>
         <p:nvSpPr>
           <p:cNvPr id="34" name="본문 첫 번째 줄…"/>
-          <p:cNvSpPr txBox="1"/>
+          <p:cNvSpPr txBox="1">
+            <a:spLocks noGrp="1"/>
+          </p:cNvSpPr>
           <p:nvPr>
             <p:ph type="body" sz="quarter" idx="1" hasCustomPrompt="1"/>
           </p:nvPr>
@@ -2089,7 +2117,7 @@
               </a:spcBef>
               <a:buSzTx/>
               <a:buNone/>
-              <a:defRPr b="1" sz="5500"/>
+              <a:defRPr sz="5500" b="1"/>
             </a:lvl1pPr>
             <a:lvl2pPr marL="0" indent="457200" defTabSz="825500">
               <a:lnSpc>
@@ -2100,7 +2128,7 @@
               </a:spcBef>
               <a:buSzTx/>
               <a:buNone/>
-              <a:defRPr b="1" sz="5500"/>
+              <a:defRPr sz="5500" b="1"/>
             </a:lvl2pPr>
             <a:lvl3pPr marL="0" indent="914400" defTabSz="825500">
               <a:lnSpc>
@@ -2111,7 +2139,7 @@
               </a:spcBef>
               <a:buSzTx/>
               <a:buNone/>
-              <a:defRPr b="1" sz="5500"/>
+              <a:defRPr sz="5500" b="1"/>
             </a:lvl3pPr>
             <a:lvl4pPr marL="0" indent="1371600" defTabSz="825500">
               <a:lnSpc>
@@ -2122,7 +2150,7 @@
               </a:spcBef>
               <a:buSzTx/>
               <a:buNone/>
-              <a:defRPr b="1" sz="5500"/>
+              <a:defRPr sz="5500" b="1"/>
             </a:lvl4pPr>
             <a:lvl5pPr marL="0" indent="1828800" defTabSz="825500">
               <a:lnSpc>
@@ -2133,45 +2161,38 @@
               </a:spcBef>
               <a:buSzTx/>
               <a:buNone/>
-              <a:defRPr b="1" sz="5500"/>
+              <a:defRPr sz="5500" b="1"/>
             </a:lvl5pPr>
           </a:lstStyle>
           <a:p>
-            <a:pPr/>
             <a:r>
               <a:t>슬라이드 부제</a:t>
             </a:r>
           </a:p>
           <a:p>
             <a:pPr lvl="1"/>
-            <a:r>
-              <a:t/>
-            </a:r>
+            <a:endParaRPr/>
           </a:p>
           <a:p>
             <a:pPr lvl="2"/>
-            <a:r>
-              <a:t/>
-            </a:r>
+            <a:endParaRPr/>
           </a:p>
           <a:p>
             <a:pPr lvl="3"/>
-            <a:r>
-              <a:t/>
-            </a:r>
+            <a:endParaRPr/>
           </a:p>
           <a:p>
             <a:pPr lvl="4"/>
-            <a:r>
-              <a:t/>
-            </a:r>
+            <a:endParaRPr/>
           </a:p>
         </p:txBody>
       </p:sp>
       <p:sp>
         <p:nvSpPr>
           <p:cNvPr id="35" name="슬라이드 번호"/>
-          <p:cNvSpPr txBox="1"/>
+          <p:cNvSpPr txBox="1">
+            <a:spLocks noGrp="1"/>
+          </p:cNvSpPr>
           <p:nvPr>
             <p:ph type="sldNum" sz="quarter" idx="2"/>
           </p:nvPr>
@@ -2189,8 +2210,10 @@
           <a:bodyPr/>
           <a:lstStyle/>
           <a:p>
-            <a:pPr/>
-            <a:fld id="{86CB4B4D-7CA3-9044-876B-883B54F8677D}" type="slidenum"/>
+            <a:fld id="{86CB4B4D-7CA3-9044-876B-883B54F8677D}" type="slidenum">
+              <a:t>‹#›</a:t>
+            </a:fld>
+            <a:endParaRPr/>
           </a:p>
         </p:txBody>
       </p:sp>
@@ -2199,12 +2222,12 @@
   <p:clrMapOvr>
     <a:masterClrMapping/>
   </p:clrMapOvr>
-  <p:transition xmlns:p14="http://schemas.microsoft.com/office/powerpoint/2010/main" spd="med" advClick="1"/>
+  <p:transition spd="med"/>
 </p:sldLayout>
 </file>
 
 <file path=ppt/slideLayouts/slideLayout4.xml><?xml version="1.0" encoding="utf-8"?>
-<p:sldLayout xmlns:a="http://schemas.openxmlformats.org/drawingml/2006/main" xmlns:r="http://schemas.openxmlformats.org/officeDocument/2006/relationships" xmlns:p="http://schemas.openxmlformats.org/presentationml/2006/main" xmlns:m="http://schemas.openxmlformats.org/officeDocument/2006/math" xmlns:a14="http://schemas.microsoft.com/office/drawing/2010/main" type="tx" showMasterSp="1" showMasterPhAnim="1">
+<p:sldLayout xmlns:a="http://schemas.openxmlformats.org/drawingml/2006/main" xmlns:r="http://schemas.openxmlformats.org/officeDocument/2006/relationships" xmlns:p="http://schemas.openxmlformats.org/presentationml/2006/main" type="tx">
   <p:cSld name="제목 및 구분점">
     <p:spTree>
       <p:nvGrpSpPr>
@@ -2223,7 +2246,9 @@
       <p:sp>
         <p:nvSpPr>
           <p:cNvPr id="42" name="슬라이드 제목"/>
-          <p:cNvSpPr txBox="1"/>
+          <p:cNvSpPr txBox="1">
+            <a:spLocks noGrp="1"/>
+          </p:cNvSpPr>
           <p:nvPr>
             <p:ph type="title" hasCustomPrompt="1"/>
           </p:nvPr>
@@ -2237,7 +2262,6 @@
           <a:bodyPr/>
           <a:lstStyle/>
           <a:p>
-            <a:pPr/>
             <a:r>
               <a:t>슬라이드 제목</a:t>
             </a:r>
@@ -2247,7 +2271,9 @@
       <p:sp>
         <p:nvSpPr>
           <p:cNvPr id="43" name="슬라이드 부제"/>
-          <p:cNvSpPr txBox="1"/>
+          <p:cNvSpPr txBox="1">
+            <a:spLocks noGrp="1"/>
+          </p:cNvSpPr>
           <p:nvPr>
             <p:ph type="body" sz="quarter" idx="21" hasCustomPrompt="1"/>
           </p:nvPr>
@@ -2273,11 +2299,10 @@
               </a:spcBef>
               <a:buSzTx/>
               <a:buNone/>
-              <a:defRPr b="1" sz="5280"/>
+              <a:defRPr sz="5280" b="1"/>
             </a:lvl1pPr>
           </a:lstStyle>
           <a:p>
-            <a:pPr/>
             <a:r>
               <a:t>슬라이드 부제</a:t>
             </a:r>
@@ -2287,7 +2312,9 @@
       <p:sp>
         <p:nvSpPr>
           <p:cNvPr id="44" name="본문 첫 번째 줄…"/>
-          <p:cNvSpPr txBox="1"/>
+          <p:cNvSpPr txBox="1">
+            <a:spLocks noGrp="1"/>
+          </p:cNvSpPr>
           <p:nvPr>
             <p:ph type="body" idx="1" hasCustomPrompt="1"/>
           </p:nvPr>
@@ -2301,41 +2328,34 @@
           <a:bodyPr/>
           <a:lstStyle/>
           <a:p>
-            <a:pPr/>
             <a:r>
               <a:t>슬라이드 구분점 텍스트</a:t>
             </a:r>
           </a:p>
           <a:p>
             <a:pPr lvl="1"/>
-            <a:r>
-              <a:t/>
-            </a:r>
+            <a:endParaRPr/>
           </a:p>
           <a:p>
             <a:pPr lvl="2"/>
-            <a:r>
-              <a:t/>
-            </a:r>
+            <a:endParaRPr/>
           </a:p>
           <a:p>
             <a:pPr lvl="3"/>
-            <a:r>
-              <a:t/>
-            </a:r>
+            <a:endParaRPr/>
           </a:p>
           <a:p>
             <a:pPr lvl="4"/>
-            <a:r>
-              <a:t/>
-            </a:r>
+            <a:endParaRPr/>
           </a:p>
         </p:txBody>
       </p:sp>
       <p:sp>
         <p:nvSpPr>
           <p:cNvPr id="45" name="슬라이드 번호"/>
-          <p:cNvSpPr txBox="1"/>
+          <p:cNvSpPr txBox="1">
+            <a:spLocks noGrp="1"/>
+          </p:cNvSpPr>
           <p:nvPr>
             <p:ph type="sldNum" sz="quarter" idx="2"/>
           </p:nvPr>
@@ -2349,8 +2369,10 @@
           <a:bodyPr/>
           <a:lstStyle/>
           <a:p>
-            <a:pPr/>
-            <a:fld id="{86CB4B4D-7CA3-9044-876B-883B54F8677D}" type="slidenum"/>
+            <a:fld id="{86CB4B4D-7CA3-9044-876B-883B54F8677D}" type="slidenum">
+              <a:t>‹#›</a:t>
+            </a:fld>
+            <a:endParaRPr/>
           </a:p>
         </p:txBody>
       </p:sp>
@@ -2359,12 +2381,12 @@
   <p:clrMapOvr>
     <a:masterClrMapping/>
   </p:clrMapOvr>
-  <p:transition xmlns:p14="http://schemas.microsoft.com/office/powerpoint/2010/main" spd="med" advClick="1"/>
+  <p:transition spd="med"/>
 </p:sldLayout>
 </file>
 
 <file path=ppt/slideLayouts/slideLayout5.xml><?xml version="1.0" encoding="utf-8"?>
-<p:sldLayout xmlns:a="http://schemas.openxmlformats.org/drawingml/2006/main" xmlns:r="http://schemas.openxmlformats.org/officeDocument/2006/relationships" xmlns:p="http://schemas.openxmlformats.org/presentationml/2006/main" xmlns:m="http://schemas.openxmlformats.org/officeDocument/2006/math" xmlns:a14="http://schemas.microsoft.com/office/drawing/2010/main" type="tx" showMasterSp="1" showMasterPhAnim="1">
+<p:sldLayout xmlns:a="http://schemas.openxmlformats.org/drawingml/2006/main" xmlns:r="http://schemas.openxmlformats.org/officeDocument/2006/relationships" xmlns:p="http://schemas.openxmlformats.org/presentationml/2006/main" type="tx">
   <p:cSld name="구분점">
     <p:spTree>
       <p:nvGrpSpPr>
@@ -2383,7 +2405,9 @@
       <p:sp>
         <p:nvSpPr>
           <p:cNvPr id="52" name="본문 첫 번째 줄…"/>
-          <p:cNvSpPr txBox="1"/>
+          <p:cNvSpPr txBox="1">
+            <a:spLocks noGrp="1"/>
+          </p:cNvSpPr>
           <p:nvPr>
             <p:ph type="body" idx="1" hasCustomPrompt="1"/>
           </p:nvPr>
@@ -2397,41 +2421,34 @@
           <a:bodyPr numCol="2" spcCol="1098550"/>
           <a:lstStyle/>
           <a:p>
-            <a:pPr/>
             <a:r>
               <a:t>슬라이드 구분점 텍스트</a:t>
             </a:r>
           </a:p>
           <a:p>
             <a:pPr lvl="1"/>
-            <a:r>
-              <a:t/>
-            </a:r>
+            <a:endParaRPr/>
           </a:p>
           <a:p>
             <a:pPr lvl="2"/>
-            <a:r>
-              <a:t/>
-            </a:r>
+            <a:endParaRPr/>
           </a:p>
           <a:p>
             <a:pPr lvl="3"/>
-            <a:r>
-              <a:t/>
-            </a:r>
+            <a:endParaRPr/>
           </a:p>
           <a:p>
             <a:pPr lvl="4"/>
-            <a:r>
-              <a:t/>
-            </a:r>
+            <a:endParaRPr/>
           </a:p>
         </p:txBody>
       </p:sp>
       <p:sp>
         <p:nvSpPr>
           <p:cNvPr id="53" name="슬라이드 번호"/>
-          <p:cNvSpPr txBox="1"/>
+          <p:cNvSpPr txBox="1">
+            <a:spLocks noGrp="1"/>
+          </p:cNvSpPr>
           <p:nvPr>
             <p:ph type="sldNum" sz="quarter" idx="2"/>
           </p:nvPr>
@@ -2445,8 +2462,10 @@
           <a:bodyPr/>
           <a:lstStyle/>
           <a:p>
-            <a:pPr/>
-            <a:fld id="{86CB4B4D-7CA3-9044-876B-883B54F8677D}" type="slidenum"/>
+            <a:fld id="{86CB4B4D-7CA3-9044-876B-883B54F8677D}" type="slidenum">
+              <a:t>‹#›</a:t>
+            </a:fld>
+            <a:endParaRPr/>
           </a:p>
         </p:txBody>
       </p:sp>
@@ -2455,12 +2474,12 @@
   <p:clrMapOvr>
     <a:masterClrMapping/>
   </p:clrMapOvr>
-  <p:transition xmlns:p14="http://schemas.microsoft.com/office/powerpoint/2010/main" spd="med" advClick="1"/>
+  <p:transition spd="med"/>
 </p:sldLayout>
 </file>
 
 <file path=ppt/slideLayouts/slideLayout6.xml><?xml version="1.0" encoding="utf-8"?>
-<p:sldLayout xmlns:a="http://schemas.openxmlformats.org/drawingml/2006/main" xmlns:r="http://schemas.openxmlformats.org/officeDocument/2006/relationships" xmlns:p="http://schemas.openxmlformats.org/presentationml/2006/main" xmlns:m="http://schemas.openxmlformats.org/officeDocument/2006/math" xmlns:a14="http://schemas.microsoft.com/office/drawing/2010/main" type="tx" showMasterSp="1" showMasterPhAnim="1">
+<p:sldLayout xmlns:a="http://schemas.openxmlformats.org/drawingml/2006/main" xmlns:r="http://schemas.openxmlformats.org/officeDocument/2006/relationships" xmlns:p="http://schemas.openxmlformats.org/presentationml/2006/main" type="tx">
   <p:cSld name="제목, 구분점 및 사진">
     <p:spTree>
       <p:nvGrpSpPr>
@@ -2479,7 +2498,9 @@
       <p:sp>
         <p:nvSpPr>
           <p:cNvPr id="60" name="슬라이드 부제"/>
-          <p:cNvSpPr txBox="1"/>
+          <p:cNvSpPr txBox="1">
+            <a:spLocks noGrp="1"/>
+          </p:cNvSpPr>
           <p:nvPr>
             <p:ph type="body" sz="quarter" idx="21" hasCustomPrompt="1"/>
           </p:nvPr>
@@ -2505,11 +2526,10 @@
               </a:spcBef>
               <a:buSzTx/>
               <a:buNone/>
-              <a:defRPr b="1" sz="5280"/>
+              <a:defRPr sz="5280" b="1"/>
             </a:lvl1pPr>
           </a:lstStyle>
           <a:p>
-            <a:pPr/>
             <a:r>
               <a:t>슬라이드 부제</a:t>
             </a:r>
@@ -2519,7 +2539,9 @@
       <p:sp>
         <p:nvSpPr>
           <p:cNvPr id="61" name="본문 첫 번째 줄…"/>
-          <p:cNvSpPr txBox="1"/>
+          <p:cNvSpPr txBox="1">
+            <a:spLocks noGrp="1"/>
+          </p:cNvSpPr>
           <p:nvPr>
             <p:ph type="body" sz="half" idx="1" hasCustomPrompt="1"/>
           </p:nvPr>
@@ -2537,41 +2559,34 @@
           <a:bodyPr/>
           <a:lstStyle/>
           <a:p>
-            <a:pPr/>
             <a:r>
               <a:t>슬라이드 구분점 텍스트</a:t>
             </a:r>
           </a:p>
           <a:p>
             <a:pPr lvl="1"/>
-            <a:r>
-              <a:t/>
-            </a:r>
+            <a:endParaRPr/>
           </a:p>
           <a:p>
             <a:pPr lvl="2"/>
-            <a:r>
-              <a:t/>
-            </a:r>
+            <a:endParaRPr/>
           </a:p>
           <a:p>
             <a:pPr lvl="3"/>
-            <a:r>
-              <a:t/>
-            </a:r>
+            <a:endParaRPr/>
           </a:p>
           <a:p>
             <a:pPr lvl="4"/>
-            <a:r>
-              <a:t/>
-            </a:r>
+            <a:endParaRPr/>
           </a:p>
         </p:txBody>
       </p:sp>
       <p:sp>
         <p:nvSpPr>
           <p:cNvPr id="62" name="파란 하늘을 배경으로 아래에서 올려다본 열기구"/>
-          <p:cNvSpPr/>
+          <p:cNvSpPr>
+            <a:spLocks noGrp="1"/>
+          </p:cNvSpPr>
           <p:nvPr>
             <p:ph type="pic" idx="22"/>
           </p:nvPr>
@@ -2591,14 +2606,16 @@
           </a:bodyPr>
           <a:lstStyle/>
           <a:p>
-            <a:pPr/>
+            <a:endParaRPr/>
           </a:p>
         </p:txBody>
       </p:sp>
       <p:sp>
         <p:nvSpPr>
           <p:cNvPr id="63" name="슬라이드 제목"/>
-          <p:cNvSpPr txBox="1"/>
+          <p:cNvSpPr txBox="1">
+            <a:spLocks noGrp="1"/>
+          </p:cNvSpPr>
           <p:nvPr>
             <p:ph type="title" hasCustomPrompt="1"/>
           </p:nvPr>
@@ -2616,7 +2633,6 @@
           <a:bodyPr/>
           <a:lstStyle/>
           <a:p>
-            <a:pPr/>
             <a:r>
               <a:t>슬라이드 제목</a:t>
             </a:r>
@@ -2626,7 +2642,9 @@
       <p:sp>
         <p:nvSpPr>
           <p:cNvPr id="64" name="슬라이드 번호"/>
-          <p:cNvSpPr txBox="1"/>
+          <p:cNvSpPr txBox="1">
+            <a:spLocks noGrp="1"/>
+          </p:cNvSpPr>
           <p:nvPr>
             <p:ph type="sldNum" sz="quarter" idx="2"/>
           </p:nvPr>
@@ -2640,8 +2658,10 @@
           <a:bodyPr/>
           <a:lstStyle/>
           <a:p>
-            <a:pPr/>
-            <a:fld id="{86CB4B4D-7CA3-9044-876B-883B54F8677D}" type="slidenum"/>
+            <a:fld id="{86CB4B4D-7CA3-9044-876B-883B54F8677D}" type="slidenum">
+              <a:t>‹#›</a:t>
+            </a:fld>
+            <a:endParaRPr/>
           </a:p>
         </p:txBody>
       </p:sp>
@@ -2650,18 +2670,19 @@
   <p:clrMapOvr>
     <a:masterClrMapping/>
   </p:clrMapOvr>
-  <p:transition xmlns:p14="http://schemas.microsoft.com/office/powerpoint/2010/main" spd="med" advClick="1"/>
+  <p:transition spd="med"/>
 </p:sldLayout>
 </file>
 
 <file path=ppt/slideLayouts/slideLayout7.xml><?xml version="1.0" encoding="utf-8"?>
-<p:sldLayout xmlns:a="http://schemas.openxmlformats.org/drawingml/2006/main" xmlns:r="http://schemas.openxmlformats.org/officeDocument/2006/relationships" xmlns:p="http://schemas.openxmlformats.org/presentationml/2006/main" xmlns:m="http://schemas.openxmlformats.org/officeDocument/2006/math" xmlns:a14="http://schemas.microsoft.com/office/drawing/2010/main" type="tx" showMasterSp="1" showMasterPhAnim="1">
+<p:sldLayout xmlns:a="http://schemas.openxmlformats.org/drawingml/2006/main" xmlns:r="http://schemas.openxmlformats.org/officeDocument/2006/relationships" xmlns:p="http://schemas.openxmlformats.org/presentationml/2006/main" type="tx">
   <p:cSld name="섹션">
     <p:bg>
       <p:bgPr>
         <a:solidFill>
           <a:srgbClr val="003462"/>
         </a:solidFill>
+        <a:effectLst/>
       </p:bgPr>
     </p:bg>
     <p:spTree>
@@ -2681,7 +2702,9 @@
       <p:sp>
         <p:nvSpPr>
           <p:cNvPr id="71" name="섹션 제목"/>
-          <p:cNvSpPr txBox="1"/>
+          <p:cNvSpPr txBox="1">
+            <a:spLocks noGrp="1"/>
+          </p:cNvSpPr>
           <p:nvPr>
             <p:ph type="title" hasCustomPrompt="1"/>
           </p:nvPr>
@@ -2699,7 +2722,7 @@
           <a:bodyPr anchor="ctr"/>
           <a:lstStyle>
             <a:lvl1pPr>
-              <a:defRPr b="0" spc="-232" sz="11600">
+              <a:defRPr sz="11600" b="0" spc="-232">
                 <a:solidFill>
                   <a:srgbClr val="FFFFFF"/>
                 </a:solidFill>
@@ -2711,7 +2734,6 @@
             </a:lvl1pPr>
           </a:lstStyle>
           <a:p>
-            <a:pPr/>
             <a:r>
               <a:t>섹션 제목</a:t>
             </a:r>
@@ -2721,7 +2743,9 @@
       <p:sp>
         <p:nvSpPr>
           <p:cNvPr id="72" name="슬라이드 번호"/>
-          <p:cNvSpPr txBox="1"/>
+          <p:cNvSpPr txBox="1">
+            <a:spLocks noGrp="1"/>
+          </p:cNvSpPr>
           <p:nvPr>
             <p:ph type="sldNum" sz="quarter" idx="2"/>
           </p:nvPr>
@@ -2747,8 +2771,10 @@
             </a:lvl1pPr>
           </a:lstStyle>
           <a:p>
-            <a:pPr/>
-            <a:fld id="{86CB4B4D-7CA3-9044-876B-883B54F8677D}" type="slidenum"/>
+            <a:fld id="{86CB4B4D-7CA3-9044-876B-883B54F8677D}" type="slidenum">
+              <a:t>‹#›</a:t>
+            </a:fld>
+            <a:endParaRPr/>
           </a:p>
         </p:txBody>
       </p:sp>
@@ -2757,12 +2783,12 @@
   <p:clrMapOvr>
     <a:masterClrMapping/>
   </p:clrMapOvr>
-  <p:transition xmlns:p14="http://schemas.microsoft.com/office/powerpoint/2010/main" spd="med" advClick="1"/>
+  <p:transition spd="med"/>
 </p:sldLayout>
 </file>
 
 <file path=ppt/slideLayouts/slideLayout8.xml><?xml version="1.0" encoding="utf-8"?>
-<p:sldLayout xmlns:a="http://schemas.openxmlformats.org/drawingml/2006/main" xmlns:r="http://schemas.openxmlformats.org/officeDocument/2006/relationships" xmlns:p="http://schemas.openxmlformats.org/presentationml/2006/main" xmlns:m="http://schemas.openxmlformats.org/officeDocument/2006/math" xmlns:a14="http://schemas.microsoft.com/office/drawing/2010/main" type="tx" showMasterSp="1" showMasterPhAnim="1">
+<p:sldLayout xmlns:a="http://schemas.openxmlformats.org/drawingml/2006/main" xmlns:r="http://schemas.openxmlformats.org/officeDocument/2006/relationships" xmlns:p="http://schemas.openxmlformats.org/presentationml/2006/main" type="tx">
   <p:cSld name="제목 전용">
     <p:spTree>
       <p:nvGrpSpPr>
@@ -2781,7 +2807,9 @@
       <p:sp>
         <p:nvSpPr>
           <p:cNvPr id="79" name="슬라이드 제목"/>
-          <p:cNvSpPr txBox="1"/>
+          <p:cNvSpPr txBox="1">
+            <a:spLocks noGrp="1"/>
+          </p:cNvSpPr>
           <p:nvPr>
             <p:ph type="title" hasCustomPrompt="1"/>
           </p:nvPr>
@@ -2799,7 +2827,6 @@
           <a:bodyPr/>
           <a:lstStyle/>
           <a:p>
-            <a:pPr/>
             <a:r>
               <a:t>슬라이드 제목</a:t>
             </a:r>
@@ -2809,7 +2836,9 @@
       <p:sp>
         <p:nvSpPr>
           <p:cNvPr id="80" name="슬라이드 부제"/>
-          <p:cNvSpPr txBox="1"/>
+          <p:cNvSpPr txBox="1">
+            <a:spLocks noGrp="1"/>
+          </p:cNvSpPr>
           <p:nvPr>
             <p:ph type="body" sz="quarter" idx="21" hasCustomPrompt="1"/>
           </p:nvPr>
@@ -2835,11 +2864,10 @@
               </a:spcBef>
               <a:buSzTx/>
               <a:buNone/>
-              <a:defRPr b="1" sz="5280"/>
+              <a:defRPr sz="5280" b="1"/>
             </a:lvl1pPr>
           </a:lstStyle>
           <a:p>
-            <a:pPr/>
             <a:r>
               <a:t>슬라이드 부제</a:t>
             </a:r>
@@ -2849,7 +2877,9 @@
       <p:sp>
         <p:nvSpPr>
           <p:cNvPr id="81" name="슬라이드 번호"/>
-          <p:cNvSpPr txBox="1"/>
+          <p:cNvSpPr txBox="1">
+            <a:spLocks noGrp="1"/>
+          </p:cNvSpPr>
           <p:nvPr>
             <p:ph type="sldNum" sz="quarter" idx="2"/>
           </p:nvPr>
@@ -2863,8 +2893,10 @@
           <a:bodyPr/>
           <a:lstStyle/>
           <a:p>
-            <a:pPr/>
-            <a:fld id="{86CB4B4D-7CA3-9044-876B-883B54F8677D}" type="slidenum"/>
+            <a:fld id="{86CB4B4D-7CA3-9044-876B-883B54F8677D}" type="slidenum">
+              <a:t>‹#›</a:t>
+            </a:fld>
+            <a:endParaRPr/>
           </a:p>
         </p:txBody>
       </p:sp>
@@ -2873,12 +2905,12 @@
   <p:clrMapOvr>
     <a:masterClrMapping/>
   </p:clrMapOvr>
-  <p:transition xmlns:p14="http://schemas.microsoft.com/office/powerpoint/2010/main" spd="med" advClick="1"/>
+  <p:transition spd="med"/>
 </p:sldLayout>
 </file>
 
 <file path=ppt/slideLayouts/slideLayout9.xml><?xml version="1.0" encoding="utf-8"?>
-<p:sldLayout xmlns:a="http://schemas.openxmlformats.org/drawingml/2006/main" xmlns:r="http://schemas.openxmlformats.org/officeDocument/2006/relationships" xmlns:p="http://schemas.openxmlformats.org/presentationml/2006/main" xmlns:m="http://schemas.openxmlformats.org/officeDocument/2006/math" xmlns:a14="http://schemas.microsoft.com/office/drawing/2010/main" type="tx" showMasterSp="1" showMasterPhAnim="1">
+<p:sldLayout xmlns:a="http://schemas.openxmlformats.org/drawingml/2006/main" xmlns:r="http://schemas.openxmlformats.org/officeDocument/2006/relationships" xmlns:p="http://schemas.openxmlformats.org/presentationml/2006/main" type="tx">
   <p:cSld name="의제">
     <p:spTree>
       <p:nvGrpSpPr>
@@ -2897,7 +2929,9 @@
       <p:sp>
         <p:nvSpPr>
           <p:cNvPr id="88" name="의제 제목"/>
-          <p:cNvSpPr txBox="1"/>
+          <p:cNvSpPr txBox="1">
+            <a:spLocks noGrp="1"/>
+          </p:cNvSpPr>
           <p:nvPr>
             <p:ph type="title" hasCustomPrompt="1"/>
           </p:nvPr>
@@ -2915,7 +2949,6 @@
           <a:bodyPr/>
           <a:lstStyle/>
           <a:p>
-            <a:pPr/>
             <a:r>
               <a:t>의제 제목</a:t>
             </a:r>
@@ -2925,7 +2958,9 @@
       <p:sp>
         <p:nvSpPr>
           <p:cNvPr id="89" name="의제 부제"/>
-          <p:cNvSpPr txBox="1"/>
+          <p:cNvSpPr txBox="1">
+            <a:spLocks noGrp="1"/>
+          </p:cNvSpPr>
           <p:nvPr>
             <p:ph type="body" sz="quarter" idx="21" hasCustomPrompt="1"/>
           </p:nvPr>
@@ -2951,11 +2986,10 @@
               </a:spcBef>
               <a:buSzTx/>
               <a:buNone/>
-              <a:defRPr b="1" sz="5280"/>
+              <a:defRPr sz="5280" b="1"/>
             </a:lvl1pPr>
           </a:lstStyle>
           <a:p>
-            <a:pPr/>
             <a:r>
               <a:t>의제 부제</a:t>
             </a:r>
@@ -2965,7 +2999,9 @@
       <p:sp>
         <p:nvSpPr>
           <p:cNvPr id="90" name="본문 첫 번째 줄…"/>
-          <p:cNvSpPr txBox="1"/>
+          <p:cNvSpPr txBox="1">
+            <a:spLocks noGrp="1"/>
+          </p:cNvSpPr>
           <p:nvPr>
             <p:ph type="body" idx="1" hasCustomPrompt="1"/>
           </p:nvPr>
@@ -2987,7 +3023,7 @@
               </a:spcBef>
               <a:buSzTx/>
               <a:buNone/>
-              <a:defRPr spc="-55" sz="5500"/>
+              <a:defRPr sz="5500" spc="-55"/>
             </a:lvl1pPr>
             <a:lvl2pPr marL="0" indent="457200" defTabSz="825500">
               <a:lnSpc>
@@ -2998,7 +3034,7 @@
               </a:spcBef>
               <a:buSzTx/>
               <a:buNone/>
-              <a:defRPr spc="-55" sz="5500"/>
+              <a:defRPr sz="5500" spc="-55"/>
             </a:lvl2pPr>
             <a:lvl3pPr marL="0" indent="914400" defTabSz="825500">
               <a:lnSpc>
@@ -3009,7 +3045,7 @@
               </a:spcBef>
               <a:buSzTx/>
               <a:buNone/>
-              <a:defRPr spc="-55" sz="5500"/>
+              <a:defRPr sz="5500" spc="-55"/>
             </a:lvl3pPr>
             <a:lvl4pPr marL="0" indent="1371600" defTabSz="825500">
               <a:lnSpc>
@@ -3020,7 +3056,7 @@
               </a:spcBef>
               <a:buSzTx/>
               <a:buNone/>
-              <a:defRPr spc="-55" sz="5500"/>
+              <a:defRPr sz="5500" spc="-55"/>
             </a:lvl4pPr>
             <a:lvl5pPr marL="0" indent="1828800" defTabSz="825500">
               <a:lnSpc>
@@ -3031,45 +3067,38 @@
               </a:spcBef>
               <a:buSzTx/>
               <a:buNone/>
-              <a:defRPr spc="-55" sz="5500"/>
+              <a:defRPr sz="5500" spc="-55"/>
             </a:lvl5pPr>
           </a:lstStyle>
           <a:p>
-            <a:pPr/>
             <a:r>
               <a:t>의제 주제</a:t>
             </a:r>
           </a:p>
           <a:p>
             <a:pPr lvl="1"/>
-            <a:r>
-              <a:t/>
-            </a:r>
+            <a:endParaRPr/>
           </a:p>
           <a:p>
             <a:pPr lvl="2"/>
-            <a:r>
-              <a:t/>
-            </a:r>
+            <a:endParaRPr/>
           </a:p>
           <a:p>
             <a:pPr lvl="3"/>
-            <a:r>
-              <a:t/>
-            </a:r>
+            <a:endParaRPr/>
           </a:p>
           <a:p>
             <a:pPr lvl="4"/>
-            <a:r>
-              <a:t/>
-            </a:r>
+            <a:endParaRPr/>
           </a:p>
         </p:txBody>
       </p:sp>
       <p:sp>
         <p:nvSpPr>
           <p:cNvPr id="91" name="슬라이드 번호"/>
-          <p:cNvSpPr txBox="1"/>
+          <p:cNvSpPr txBox="1">
+            <a:spLocks noGrp="1"/>
+          </p:cNvSpPr>
           <p:nvPr>
             <p:ph type="sldNum" sz="quarter" idx="2"/>
           </p:nvPr>
@@ -3083,8 +3112,10 @@
           <a:bodyPr/>
           <a:lstStyle/>
           <a:p>
-            <a:pPr/>
-            <a:fld id="{86CB4B4D-7CA3-9044-876B-883B54F8677D}" type="slidenum"/>
+            <a:fld id="{86CB4B4D-7CA3-9044-876B-883B54F8677D}" type="slidenum">
+              <a:t>‹#›</a:t>
+            </a:fld>
+            <a:endParaRPr/>
           </a:p>
         </p:txBody>
       </p:sp>
@@ -3093,18 +3124,19 @@
   <p:clrMapOvr>
     <a:masterClrMapping/>
   </p:clrMapOvr>
-  <p:transition xmlns:p14="http://schemas.microsoft.com/office/powerpoint/2010/main" spd="med" advClick="1"/>
+  <p:transition spd="med"/>
 </p:sldLayout>
 </file>
 
 <file path=ppt/slideMasters/slideMaster1.xml><?xml version="1.0" encoding="utf-8"?>
-<p:sldMaster xmlns:a="http://schemas.openxmlformats.org/drawingml/2006/main" xmlns:r="http://schemas.openxmlformats.org/officeDocument/2006/relationships" xmlns:p="http://schemas.openxmlformats.org/presentationml/2006/main" xmlns:m="http://schemas.openxmlformats.org/officeDocument/2006/math" xmlns:a14="http://schemas.microsoft.com/office/drawing/2010/main">
+<p:sldMaster xmlns:a="http://schemas.openxmlformats.org/drawingml/2006/main" xmlns:r="http://schemas.openxmlformats.org/officeDocument/2006/relationships" xmlns:p="http://schemas.openxmlformats.org/presentationml/2006/main">
   <p:cSld>
     <p:bg>
       <p:bgPr>
         <a:solidFill>
           <a:srgbClr val="FFFFFF"/>
         </a:solidFill>
+        <a:effectLst/>
       </p:bgPr>
     </p:bg>
     <p:spTree>
@@ -3124,7 +3156,9 @@
       <p:sp>
         <p:nvSpPr>
           <p:cNvPr id="2" name="슬라이드 제목"/>
-          <p:cNvSpPr txBox="1"/>
+          <p:cNvSpPr txBox="1">
+            <a:spLocks noGrp="1"/>
+          </p:cNvSpPr>
           <p:nvPr>
             <p:ph type="title" hasCustomPrompt="1"/>
           </p:nvPr>
@@ -3142,17 +3176,16 @@
           </a:ln>
           <a:extLst>
             <a:ext uri="{C572A759-6A51-4108-AA02-DFA0A04FC94B}">
-              <ma14:wrappingTextBoxFlag xmlns:ma14="http://schemas.microsoft.com/office/mac/drawingml/2011/main" val="1"/>
+              <ma14:wrappingTextBoxFlag xmlns:ma14="http://schemas.microsoft.com/office/mac/drawingml/2011/main" xmlns:a14="http://schemas.microsoft.com/office/drawing/2010/main" xmlns:m="http://schemas.openxmlformats.org/officeDocument/2006/math" xmlns="" val="1"/>
             </a:ext>
           </a:extLst>
         </p:spPr>
         <p:txBody>
           <a:bodyPr lIns="50800" tIns="50800" rIns="50800" bIns="50800">
-            <a:normAutofit fontScale="100000" lnSpcReduction="0"/>
+            <a:normAutofit/>
           </a:bodyPr>
           <a:lstStyle/>
           <a:p>
-            <a:pPr/>
             <a:r>
               <a:t>슬라이드 제목</a:t>
             </a:r>
@@ -3162,7 +3195,9 @@
       <p:sp>
         <p:nvSpPr>
           <p:cNvPr id="3" name="본문 첫 번째 줄…"/>
-          <p:cNvSpPr txBox="1"/>
+          <p:cNvSpPr txBox="1">
+            <a:spLocks noGrp="1"/>
+          </p:cNvSpPr>
           <p:nvPr>
             <p:ph type="body" idx="1" hasCustomPrompt="1"/>
           </p:nvPr>
@@ -3180,51 +3215,44 @@
           </a:ln>
           <a:extLst>
             <a:ext uri="{C572A759-6A51-4108-AA02-DFA0A04FC94B}">
-              <ma14:wrappingTextBoxFlag xmlns:ma14="http://schemas.microsoft.com/office/mac/drawingml/2011/main" val="1"/>
+              <ma14:wrappingTextBoxFlag xmlns:ma14="http://schemas.microsoft.com/office/mac/drawingml/2011/main" xmlns:a14="http://schemas.microsoft.com/office/drawing/2010/main" xmlns:m="http://schemas.openxmlformats.org/officeDocument/2006/math" xmlns="" val="1"/>
             </a:ext>
           </a:extLst>
         </p:spPr>
         <p:txBody>
           <a:bodyPr lIns="50800" tIns="50800" rIns="50800" bIns="50800">
-            <a:normAutofit fontScale="100000" lnSpcReduction="0"/>
+            <a:normAutofit/>
           </a:bodyPr>
           <a:lstStyle/>
           <a:p>
-            <a:pPr/>
             <a:r>
               <a:t>슬라이드 구분점 텍스트</a:t>
             </a:r>
           </a:p>
           <a:p>
             <a:pPr lvl="1"/>
-            <a:r>
-              <a:t/>
-            </a:r>
+            <a:endParaRPr/>
           </a:p>
           <a:p>
             <a:pPr lvl="2"/>
-            <a:r>
-              <a:t/>
-            </a:r>
+            <a:endParaRPr/>
           </a:p>
           <a:p>
             <a:pPr lvl="3"/>
-            <a:r>
-              <a:t/>
-            </a:r>
+            <a:endParaRPr/>
           </a:p>
           <a:p>
             <a:pPr lvl="4"/>
-            <a:r>
-              <a:t/>
-            </a:r>
+            <a:endParaRPr/>
           </a:p>
         </p:txBody>
       </p:sp>
       <p:sp>
         <p:nvSpPr>
           <p:cNvPr id="4" name="슬라이드 번호"/>
-          <p:cNvSpPr txBox="1"/>
+          <p:cNvSpPr txBox="1">
+            <a:spLocks noGrp="1"/>
+          </p:cNvSpPr>
           <p:nvPr>
             <p:ph type="sldNum" sz="quarter" idx="2"/>
           </p:nvPr>
@@ -3255,8 +3283,10 @@
             </a:lvl1pPr>
           </a:lstStyle>
           <a:p>
-            <a:pPr/>
-            <a:fld id="{86CB4B4D-7CA3-9044-876B-883B54F8677D}" type="slidenum"/>
+            <a:fld id="{86CB4B4D-7CA3-9044-876B-883B54F8677D}" type="slidenum">
+              <a:t>‹#›</a:t>
+            </a:fld>
+            <a:endParaRPr/>
           </a:p>
         </p:txBody>
       </p:sp>
@@ -3264,23 +3294,23 @@
   </p:cSld>
   <p:clrMap bg1="lt1" tx1="dk1" bg2="lt2" tx2="dk2" accent1="accent1" accent2="accent2" accent3="accent3" accent4="accent4" accent5="accent5" accent6="accent6" hlink="hlink" folHlink="folHlink"/>
   <p:sldLayoutIdLst>
-    <p:sldLayoutId id="2147483649" r:id="rId2"/>
-    <p:sldLayoutId id="2147483650" r:id="rId3"/>
-    <p:sldLayoutId id="2147483651" r:id="rId4"/>
-    <p:sldLayoutId id="2147483652" r:id="rId5"/>
-    <p:sldLayoutId id="2147483653" r:id="rId6"/>
-    <p:sldLayoutId id="2147483654" r:id="rId7"/>
-    <p:sldLayoutId id="2147483655" r:id="rId8"/>
-    <p:sldLayoutId id="2147483656" r:id="rId9"/>
-    <p:sldLayoutId id="2147483657" r:id="rId10"/>
-    <p:sldLayoutId id="2147483658" r:id="rId11"/>
-    <p:sldLayoutId id="2147483659" r:id="rId12"/>
-    <p:sldLayoutId id="2147483660" r:id="rId13"/>
-    <p:sldLayoutId id="2147483661" r:id="rId14"/>
-    <p:sldLayoutId id="2147483662" r:id="rId15"/>
-    <p:sldLayoutId id="2147483663" r:id="rId16"/>
+    <p:sldLayoutId id="2147483649" r:id="rId1"/>
+    <p:sldLayoutId id="2147483650" r:id="rId2"/>
+    <p:sldLayoutId id="2147483651" r:id="rId3"/>
+    <p:sldLayoutId id="2147483652" r:id="rId4"/>
+    <p:sldLayoutId id="2147483653" r:id="rId5"/>
+    <p:sldLayoutId id="2147483654" r:id="rId6"/>
+    <p:sldLayoutId id="2147483655" r:id="rId7"/>
+    <p:sldLayoutId id="2147483656" r:id="rId8"/>
+    <p:sldLayoutId id="2147483657" r:id="rId9"/>
+    <p:sldLayoutId id="2147483658" r:id="rId10"/>
+    <p:sldLayoutId id="2147483659" r:id="rId11"/>
+    <p:sldLayoutId id="2147483660" r:id="rId12"/>
+    <p:sldLayoutId id="2147483661" r:id="rId13"/>
+    <p:sldLayoutId id="2147483662" r:id="rId14"/>
+    <p:sldLayoutId id="2147483663" r:id="rId15"/>
   </p:sldLayoutIdLst>
-  <p:transition xmlns:p14="http://schemas.microsoft.com/office/powerpoint/2010/main" spd="med" advClick="1"/>
+  <p:transition spd="med"/>
   <p:txStyles>
     <p:titleStyle>
       <a:lvl1pPr marL="0" marR="0" indent="0" algn="l" defTabSz="2438338" rtl="0" latinLnBrk="0">
@@ -3298,7 +3328,7 @@
         <a:buFontTx/>
         <a:buNone/>
         <a:tabLst/>
-        <a:defRPr b="1" baseline="0" cap="none" i="0" spc="-170" strike="noStrike" sz="8500" u="none">
+        <a:defRPr sz="8500" b="1" i="0" u="none" strike="noStrike" cap="none" spc="-170" baseline="0">
           <a:solidFill>
             <a:schemeClr val="accent1">
               <a:hueOff val="114395"/>
@@ -3327,7 +3357,7 @@
         <a:buFontTx/>
         <a:buNone/>
         <a:tabLst/>
-        <a:defRPr b="1" baseline="0" cap="none" i="0" spc="-170" strike="noStrike" sz="8500" u="none">
+        <a:defRPr sz="8500" b="1" i="0" u="none" strike="noStrike" cap="none" spc="-170" baseline="0">
           <a:solidFill>
             <a:schemeClr val="accent1">
               <a:hueOff val="114395"/>
@@ -3356,7 +3386,7 @@
         <a:buFontTx/>
         <a:buNone/>
         <a:tabLst/>
-        <a:defRPr b="1" baseline="0" cap="none" i="0" spc="-170" strike="noStrike" sz="8500" u="none">
+        <a:defRPr sz="8500" b="1" i="0" u="none" strike="noStrike" cap="none" spc="-170" baseline="0">
           <a:solidFill>
             <a:schemeClr val="accent1">
               <a:hueOff val="114395"/>
@@ -3385,7 +3415,7 @@
         <a:buFontTx/>
         <a:buNone/>
         <a:tabLst/>
-        <a:defRPr b="1" baseline="0" cap="none" i="0" spc="-170" strike="noStrike" sz="8500" u="none">
+        <a:defRPr sz="8500" b="1" i="0" u="none" strike="noStrike" cap="none" spc="-170" baseline="0">
           <a:solidFill>
             <a:schemeClr val="accent1">
               <a:hueOff val="114395"/>
@@ -3414,7 +3444,7 @@
         <a:buFontTx/>
         <a:buNone/>
         <a:tabLst/>
-        <a:defRPr b="1" baseline="0" cap="none" i="0" spc="-170" strike="noStrike" sz="8500" u="none">
+        <a:defRPr sz="8500" b="1" i="0" u="none" strike="noStrike" cap="none" spc="-170" baseline="0">
           <a:solidFill>
             <a:schemeClr val="accent1">
               <a:hueOff val="114395"/>
@@ -3443,7 +3473,7 @@
         <a:buFontTx/>
         <a:buNone/>
         <a:tabLst/>
-        <a:defRPr b="1" baseline="0" cap="none" i="0" spc="-170" strike="noStrike" sz="8500" u="none">
+        <a:defRPr sz="8500" b="1" i="0" u="none" strike="noStrike" cap="none" spc="-170" baseline="0">
           <a:solidFill>
             <a:schemeClr val="accent1">
               <a:hueOff val="114395"/>
@@ -3472,7 +3502,7 @@
         <a:buFontTx/>
         <a:buNone/>
         <a:tabLst/>
-        <a:defRPr b="1" baseline="0" cap="none" i="0" spc="-170" strike="noStrike" sz="8500" u="none">
+        <a:defRPr sz="8500" b="1" i="0" u="none" strike="noStrike" cap="none" spc="-170" baseline="0">
           <a:solidFill>
             <a:schemeClr val="accent1">
               <a:hueOff val="114395"/>
@@ -3501,7 +3531,7 @@
         <a:buFontTx/>
         <a:buNone/>
         <a:tabLst/>
-        <a:defRPr b="1" baseline="0" cap="none" i="0" spc="-170" strike="noStrike" sz="8500" u="none">
+        <a:defRPr sz="8500" b="1" i="0" u="none" strike="noStrike" cap="none" spc="-170" baseline="0">
           <a:solidFill>
             <a:schemeClr val="accent1">
               <a:hueOff val="114395"/>
@@ -3530,7 +3560,7 @@
         <a:buFontTx/>
         <a:buNone/>
         <a:tabLst/>
-        <a:defRPr b="1" baseline="0" cap="none" i="0" spc="-170" strike="noStrike" sz="8500" u="none">
+        <a:defRPr sz="8500" b="1" i="0" u="none" strike="noStrike" cap="none" spc="-170" baseline="0">
           <a:solidFill>
             <a:schemeClr val="accent1">
               <a:hueOff val="114395"/>
@@ -3561,7 +3591,7 @@
         <a:buFontTx/>
         <a:buChar char="•"/>
         <a:tabLst/>
-        <a:defRPr b="0" baseline="0" cap="none" i="0" spc="0" strike="noStrike" sz="4800" u="none">
+        <a:defRPr sz="4800" b="0" i="0" u="none" strike="noStrike" cap="none" spc="0" baseline="0">
           <a:solidFill>
             <a:srgbClr val="000000"/>
           </a:solidFill>
@@ -3587,7 +3617,7 @@
         <a:buFontTx/>
         <a:buChar char="•"/>
         <a:tabLst/>
-        <a:defRPr b="0" baseline="0" cap="none" i="0" spc="0" strike="noStrike" sz="4800" u="none">
+        <a:defRPr sz="4800" b="0" i="0" u="none" strike="noStrike" cap="none" spc="0" baseline="0">
           <a:solidFill>
             <a:srgbClr val="000000"/>
           </a:solidFill>
@@ -3613,7 +3643,7 @@
         <a:buFontTx/>
         <a:buChar char="•"/>
         <a:tabLst/>
-        <a:defRPr b="0" baseline="0" cap="none" i="0" spc="0" strike="noStrike" sz="4800" u="none">
+        <a:defRPr sz="4800" b="0" i="0" u="none" strike="noStrike" cap="none" spc="0" baseline="0">
           <a:solidFill>
             <a:srgbClr val="000000"/>
           </a:solidFill>
@@ -3639,7 +3669,7 @@
         <a:buFontTx/>
         <a:buChar char="•"/>
         <a:tabLst/>
-        <a:defRPr b="0" baseline="0" cap="none" i="0" spc="0" strike="noStrike" sz="4800" u="none">
+        <a:defRPr sz="4800" b="0" i="0" u="none" strike="noStrike" cap="none" spc="0" baseline="0">
           <a:solidFill>
             <a:srgbClr val="000000"/>
           </a:solidFill>
@@ -3665,7 +3695,7 @@
         <a:buFontTx/>
         <a:buChar char="•"/>
         <a:tabLst/>
-        <a:defRPr b="0" baseline="0" cap="none" i="0" spc="0" strike="noStrike" sz="4800" u="none">
+        <a:defRPr sz="4800" b="0" i="0" u="none" strike="noStrike" cap="none" spc="0" baseline="0">
           <a:solidFill>
             <a:srgbClr val="000000"/>
           </a:solidFill>
@@ -3691,7 +3721,7 @@
         <a:buFontTx/>
         <a:buChar char="•"/>
         <a:tabLst/>
-        <a:defRPr b="0" baseline="0" cap="none" i="0" spc="0" strike="noStrike" sz="4800" u="none">
+        <a:defRPr sz="4800" b="0" i="0" u="none" strike="noStrike" cap="none" spc="0" baseline="0">
           <a:solidFill>
             <a:srgbClr val="000000"/>
           </a:solidFill>
@@ -3717,7 +3747,7 @@
         <a:buFontTx/>
         <a:buChar char="•"/>
         <a:tabLst/>
-        <a:defRPr b="0" baseline="0" cap="none" i="0" spc="0" strike="noStrike" sz="4800" u="none">
+        <a:defRPr sz="4800" b="0" i="0" u="none" strike="noStrike" cap="none" spc="0" baseline="0">
           <a:solidFill>
             <a:srgbClr val="000000"/>
           </a:solidFill>
@@ -3743,7 +3773,7 @@
         <a:buFontTx/>
         <a:buChar char="•"/>
         <a:tabLst/>
-        <a:defRPr b="0" baseline="0" cap="none" i="0" spc="0" strike="noStrike" sz="4800" u="none">
+        <a:defRPr sz="4800" b="0" i="0" u="none" strike="noStrike" cap="none" spc="0" baseline="0">
           <a:solidFill>
             <a:srgbClr val="000000"/>
           </a:solidFill>
@@ -3769,7 +3799,7 @@
         <a:buFontTx/>
         <a:buChar char="•"/>
         <a:tabLst/>
-        <a:defRPr b="0" baseline="0" cap="none" i="0" spc="0" strike="noStrike" sz="4800" u="none">
+        <a:defRPr sz="4800" b="0" i="0" u="none" strike="noStrike" cap="none" spc="0" baseline="0">
           <a:solidFill>
             <a:srgbClr val="000000"/>
           </a:solidFill>
@@ -3797,7 +3827,7 @@
         <a:buFontTx/>
         <a:buNone/>
         <a:tabLst/>
-        <a:defRPr b="0" baseline="0" cap="none" i="0" spc="0" strike="noStrike" sz="1800" u="none">
+        <a:defRPr sz="1800" b="0" i="0" u="none" strike="noStrike" cap="none" spc="0" baseline="0">
           <a:solidFill>
             <a:schemeClr val="tx1"/>
           </a:solidFill>
@@ -3823,7 +3853,7 @@
         <a:buFontTx/>
         <a:buNone/>
         <a:tabLst/>
-        <a:defRPr b="0" baseline="0" cap="none" i="0" spc="0" strike="noStrike" sz="1800" u="none">
+        <a:defRPr sz="1800" b="0" i="0" u="none" strike="noStrike" cap="none" spc="0" baseline="0">
           <a:solidFill>
             <a:schemeClr val="tx1"/>
           </a:solidFill>
@@ -3849,7 +3879,7 @@
         <a:buFontTx/>
         <a:buNone/>
         <a:tabLst/>
-        <a:defRPr b="0" baseline="0" cap="none" i="0" spc="0" strike="noStrike" sz="1800" u="none">
+        <a:defRPr sz="1800" b="0" i="0" u="none" strike="noStrike" cap="none" spc="0" baseline="0">
           <a:solidFill>
             <a:schemeClr val="tx1"/>
           </a:solidFill>
@@ -3875,7 +3905,7 @@
         <a:buFontTx/>
         <a:buNone/>
         <a:tabLst/>
-        <a:defRPr b="0" baseline="0" cap="none" i="0" spc="0" strike="noStrike" sz="1800" u="none">
+        <a:defRPr sz="1800" b="0" i="0" u="none" strike="noStrike" cap="none" spc="0" baseline="0">
           <a:solidFill>
             <a:schemeClr val="tx1"/>
           </a:solidFill>
@@ -3901,7 +3931,7 @@
         <a:buFontTx/>
         <a:buNone/>
         <a:tabLst/>
-        <a:defRPr b="0" baseline="0" cap="none" i="0" spc="0" strike="noStrike" sz="1800" u="none">
+        <a:defRPr sz="1800" b="0" i="0" u="none" strike="noStrike" cap="none" spc="0" baseline="0">
           <a:solidFill>
             <a:schemeClr val="tx1"/>
           </a:solidFill>
@@ -3927,7 +3957,7 @@
         <a:buFontTx/>
         <a:buNone/>
         <a:tabLst/>
-        <a:defRPr b="0" baseline="0" cap="none" i="0" spc="0" strike="noStrike" sz="1800" u="none">
+        <a:defRPr sz="1800" b="0" i="0" u="none" strike="noStrike" cap="none" spc="0" baseline="0">
           <a:solidFill>
             <a:schemeClr val="tx1"/>
           </a:solidFill>
@@ -3953,7 +3983,7 @@
         <a:buFontTx/>
         <a:buNone/>
         <a:tabLst/>
-        <a:defRPr b="0" baseline="0" cap="none" i="0" spc="0" strike="noStrike" sz="1800" u="none">
+        <a:defRPr sz="1800" b="0" i="0" u="none" strike="noStrike" cap="none" spc="0" baseline="0">
           <a:solidFill>
             <a:schemeClr val="tx1"/>
           </a:solidFill>
@@ -3979,7 +4009,7 @@
         <a:buFontTx/>
         <a:buNone/>
         <a:tabLst/>
-        <a:defRPr b="0" baseline="0" cap="none" i="0" spc="0" strike="noStrike" sz="1800" u="none">
+        <a:defRPr sz="1800" b="0" i="0" u="none" strike="noStrike" cap="none" spc="0" baseline="0">
           <a:solidFill>
             <a:schemeClr val="tx1"/>
           </a:solidFill>
@@ -4005,7 +4035,7 @@
         <a:buFontTx/>
         <a:buNone/>
         <a:tabLst/>
-        <a:defRPr b="0" baseline="0" cap="none" i="0" spc="0" strike="noStrike" sz="1800" u="none">
+        <a:defRPr sz="1800" b="0" i="0" u="none" strike="noStrike" cap="none" spc="0" baseline="0">
           <a:solidFill>
             <a:schemeClr val="tx1"/>
           </a:solidFill>
@@ -4022,7 +4052,7 @@
 </file>
 
 <file path=ppt/slides/slide1.xml><?xml version="1.0" encoding="utf-8"?>
-<p:sld xmlns:a="http://schemas.openxmlformats.org/drawingml/2006/main" xmlns:r="http://schemas.openxmlformats.org/officeDocument/2006/relationships" xmlns:p="http://schemas.openxmlformats.org/presentationml/2006/main" xmlns:m="http://schemas.openxmlformats.org/officeDocument/2006/math" xmlns:a14="http://schemas.microsoft.com/office/drawing/2010/main" showMasterSp="1" showMasterPhAnim="1">
+<p:sld xmlns:a="http://schemas.openxmlformats.org/drawingml/2006/main" xmlns:r="http://schemas.openxmlformats.org/officeDocument/2006/relationships" xmlns:p="http://schemas.openxmlformats.org/presentationml/2006/main">
   <p:cSld>
     <p:spTree>
       <p:nvGrpSpPr>
@@ -4041,7 +4071,9 @@
       <p:sp>
         <p:nvSpPr>
           <p:cNvPr id="151" name="21.10.19"/>
-          <p:cNvSpPr txBox="1"/>
+          <p:cNvSpPr txBox="1">
+            <a:spLocks noGrp="1"/>
+          </p:cNvSpPr>
           <p:nvPr>
             <p:ph type="body" idx="21"/>
           </p:nvPr>
@@ -4052,29 +4084,37 @@
           </a:prstGeom>
           <a:extLst>
             <a:ext uri="{C572A759-6A51-4108-AA02-DFA0A04FC94B}">
-              <ma14:wrappingTextBoxFlag xmlns:ma14="http://schemas.microsoft.com/office/mac/drawingml/2011/main" val="1"/>
+              <ma14:wrappingTextBoxFlag xmlns:ma14="http://schemas.microsoft.com/office/mac/drawingml/2011/main" xmlns:a14="http://schemas.microsoft.com/office/drawing/2010/main" xmlns:m="http://schemas.openxmlformats.org/officeDocument/2006/math" xmlns="" val="1"/>
             </a:ext>
           </a:extLst>
         </p:spPr>
         <p:txBody>
-          <a:bodyPr/>
+          <a:bodyPr>
+            <a:normAutofit lnSpcReduction="10000"/>
+          </a:bodyPr>
           <a:lstStyle>
             <a:lvl1pPr algn="r" defTabSz="825500">
               <a:defRPr sz="3600"/>
             </a:lvl1pPr>
           </a:lstStyle>
           <a:p>
-            <a:pPr/>
-            <a:r>
-              <a:t>21.10.19</a:t>
-            </a:r>
+            <a:r>
+              <a:t>21.10.</a:t>
+            </a:r>
+            <a:r>
+              <a:rPr lang="en-US"/>
+              <a:t>20</a:t>
+            </a:r>
+            <a:endParaRPr/>
           </a:p>
         </p:txBody>
       </p:sp>
       <p:sp>
         <p:nvSpPr>
           <p:cNvPr id="152" name="산업 컴퓨터 비전 실제 중간 프로젝트"/>
-          <p:cNvSpPr txBox="1"/>
+          <p:cNvSpPr txBox="1">
+            <a:spLocks noGrp="1"/>
+          </p:cNvSpPr>
           <p:nvPr>
             <p:ph type="ctrTitle"/>
           </p:nvPr>
@@ -4085,11 +4125,14 @@
           </a:prstGeom>
         </p:spPr>
         <p:txBody>
-          <a:bodyPr/>
+          <a:bodyPr>
+            <a:normAutofit/>
+          </a:bodyPr>
           <a:lstStyle/>
           <a:p>
-            <a:pPr/>
-            <a:r>
+            <a:pPr algn="ctr"/>
+            <a:r>
+              <a:rPr sz="9700"/>
               <a:t>산업 컴퓨터 비전 실제 중간 프로젝트</a:t>
             </a:r>
           </a:p>
@@ -4098,12 +4141,18 @@
       <p:sp>
         <p:nvSpPr>
           <p:cNvPr id="153" name="산업인공지능학과 2021254005 김준태"/>
-          <p:cNvSpPr txBox="1"/>
+          <p:cNvSpPr txBox="1">
+            <a:spLocks noGrp="1"/>
+          </p:cNvSpPr>
           <p:nvPr>
             <p:ph type="subTitle" sz="quarter" idx="1"/>
           </p:nvPr>
         </p:nvSpPr>
         <p:spPr>
+          <a:xfrm>
+            <a:off x="1201340" y="9942161"/>
+            <a:ext cx="21971001" cy="1905001"/>
+          </a:xfrm>
           <a:prstGeom prst="rect">
             <a:avLst/>
           </a:prstGeom>
@@ -4116,10 +4165,26 @@
               <a:defRPr sz="5445"/>
             </a:pPr>
             <a:r>
+              <a:rPr>
+                <a:solidFill>
+                  <a:srgbClr val="FFFFFF"/>
+                </a:solidFill>
+              </a:rPr>
               <a:t>산업인공지능학과</a:t>
             </a:r>
-            <a:br/>
-            <a:r>
+            <a:br>
+              <a:rPr>
+                <a:solidFill>
+                  <a:srgbClr val="FFFFFF"/>
+                </a:solidFill>
+              </a:rPr>
+            </a:br>
+            <a:r>
+              <a:rPr>
+                <a:solidFill>
+                  <a:srgbClr val="FFFFFF"/>
+                </a:solidFill>
+              </a:rPr>
               <a:t>2021254005 김준태</a:t>
             </a:r>
           </a:p>
@@ -4130,12 +4195,12 @@
   <p:clrMapOvr>
     <a:masterClrMapping/>
   </p:clrMapOvr>
-  <p:transition xmlns:p14="http://schemas.microsoft.com/office/powerpoint/2010/main" spd="med" advClick="1"/>
+  <p:transition spd="med"/>
 </p:sld>
 </file>
 
 <file path=ppt/slides/slide2.xml><?xml version="1.0" encoding="utf-8"?>
-<p:sld xmlns:a="http://schemas.openxmlformats.org/drawingml/2006/main" xmlns:r="http://schemas.openxmlformats.org/officeDocument/2006/relationships" xmlns:p="http://schemas.openxmlformats.org/presentationml/2006/main" xmlns:m="http://schemas.openxmlformats.org/officeDocument/2006/math" xmlns:a14="http://schemas.microsoft.com/office/drawing/2010/main" showMasterSp="1" showMasterPhAnim="1">
+<p:sld xmlns:a="http://schemas.openxmlformats.org/drawingml/2006/main" xmlns:r="http://schemas.openxmlformats.org/officeDocument/2006/relationships" xmlns:p="http://schemas.openxmlformats.org/presentationml/2006/main">
   <p:cSld>
     <p:spTree>
       <p:nvGrpSpPr>
@@ -4154,7 +4219,9 @@
       <p:sp>
         <p:nvSpPr>
           <p:cNvPr id="155" name="목차"/>
-          <p:cNvSpPr txBox="1"/>
+          <p:cNvSpPr txBox="1">
+            <a:spLocks noGrp="1"/>
+          </p:cNvSpPr>
           <p:nvPr>
             <p:ph type="title"/>
           </p:nvPr>
@@ -4168,7 +4235,6 @@
           <a:bodyPr/>
           <a:lstStyle/>
           <a:p>
-            <a:pPr/>
             <a:r>
               <a:t>목차</a:t>
             </a:r>
@@ -4178,7 +4244,9 @@
       <p:sp>
         <p:nvSpPr>
           <p:cNvPr id="156" name="데이터 개요 및 프로젝트 목표…"/>
-          <p:cNvSpPr txBox="1"/>
+          <p:cNvSpPr txBox="1">
+            <a:spLocks noGrp="1"/>
+          </p:cNvSpPr>
           <p:nvPr>
             <p:ph type="body" idx="1"/>
           </p:nvPr>
@@ -4196,13 +4264,11 @@
           <a:bodyPr/>
           <a:lstStyle/>
           <a:p>
-            <a:pPr/>
             <a:r>
               <a:t>데이터 개요 및 프로젝트 목표</a:t>
             </a:r>
           </a:p>
           <a:p>
-            <a:pPr/>
             <a:r>
               <a:t>알고리즘 적용 결과</a:t>
             </a:r>
@@ -4214,12 +4280,1793 @@
   <p:clrMapOvr>
     <a:masterClrMapping/>
   </p:clrMapOvr>
-  <p:transition xmlns:p14="http://schemas.microsoft.com/office/powerpoint/2010/main" spd="med" advClick="1"/>
+  <p:transition spd="med"/>
+</p:sld>
+</file>
+
+<file path=ppt/slides/slide3.xml><?xml version="1.0" encoding="utf-8"?>
+<p:sld xmlns:a="http://schemas.openxmlformats.org/drawingml/2006/main" xmlns:r="http://schemas.openxmlformats.org/officeDocument/2006/relationships" xmlns:p="http://schemas.openxmlformats.org/presentationml/2006/main">
+  <p:cSld>
+    <p:spTree>
+      <p:nvGrpSpPr>
+        <p:cNvPr id="1" name=""/>
+        <p:cNvGrpSpPr/>
+        <p:nvPr/>
+      </p:nvGrpSpPr>
+      <p:grpSpPr>
+        <a:xfrm>
+          <a:off x="0" y="0"/>
+          <a:ext cx="0" cy="0"/>
+          <a:chOff x="0" y="0"/>
+          <a:chExt cx="0" cy="0"/>
+        </a:xfrm>
+      </p:grpSpPr>
+      <p:sp>
+        <p:nvSpPr>
+          <p:cNvPr id="2" name="제목 1">
+            <a:extLst>
+              <a:ext uri="{FF2B5EF4-FFF2-40B4-BE49-F238E27FC236}">
+                <a16:creationId xmlns:a16="http://schemas.microsoft.com/office/drawing/2014/main" id="{3A5DB98B-8FFB-4838-9BB3-AA0CDA65BF35}"/>
+              </a:ext>
+            </a:extLst>
+          </p:cNvPr>
+          <p:cNvSpPr>
+            <a:spLocks noGrp="1"/>
+          </p:cNvSpPr>
+          <p:nvPr>
+            <p:ph type="title"/>
+          </p:nvPr>
+        </p:nvSpPr>
+        <p:spPr/>
+        <p:txBody>
+          <a:bodyPr/>
+          <a:lstStyle/>
+          <a:p>
+            <a:r>
+              <a:rPr lang="ko-KR" altLang="en-US"/>
+              <a:t>데이터 개요 및 프로젝트 목표</a:t>
+            </a:r>
+          </a:p>
+        </p:txBody>
+      </p:sp>
+      <p:sp>
+        <p:nvSpPr>
+          <p:cNvPr id="4" name="텍스트 개체 틀 3">
+            <a:extLst>
+              <a:ext uri="{FF2B5EF4-FFF2-40B4-BE49-F238E27FC236}">
+                <a16:creationId xmlns:a16="http://schemas.microsoft.com/office/drawing/2014/main" id="{FA2EAA6C-0F03-413E-9AC0-63537A41172C}"/>
+              </a:ext>
+            </a:extLst>
+          </p:cNvPr>
+          <p:cNvSpPr>
+            <a:spLocks noGrp="1"/>
+          </p:cNvSpPr>
+          <p:nvPr>
+            <p:ph type="body" idx="1"/>
+          </p:nvPr>
+        </p:nvSpPr>
+        <p:spPr>
+          <a:xfrm>
+            <a:off x="1206500" y="2729994"/>
+            <a:ext cx="21971000" cy="10033506"/>
+          </a:xfrm>
+        </p:spPr>
+        <p:txBody>
+          <a:bodyPr>
+            <a:normAutofit/>
+          </a:bodyPr>
+          <a:lstStyle/>
+          <a:p>
+            <a:r>
+              <a:rPr lang="ko-KR" altLang="en-US"/>
+              <a:t>데이터 출처 </a:t>
+            </a:r>
+            <a:r>
+              <a:rPr lang="en-US" altLang="ko-KR"/>
+              <a:t>: </a:t>
+            </a:r>
+            <a:r>
+              <a:rPr lang="ko-KR" altLang="en-US" b="0" i="0">
+                <a:solidFill>
+                  <a:schemeClr val="tx1">
+                    <a:lumMod val="50000"/>
+                  </a:schemeClr>
+                </a:solidFill>
+                <a:effectLst/>
+                <a:latin typeface="Noto Sans CJK kr"/>
+              </a:rPr>
+              <a:t>중소벤처기업부</a:t>
+            </a:r>
+            <a:r>
+              <a:rPr lang="en-US" altLang="ko-KR" b="0" i="0">
+                <a:solidFill>
+                  <a:schemeClr val="tx1">
+                    <a:lumMod val="50000"/>
+                  </a:schemeClr>
+                </a:solidFill>
+                <a:effectLst/>
+                <a:latin typeface="Noto Sans CJK kr"/>
+              </a:rPr>
+              <a:t>, Korea AI Manufacturing Platform(KAMP),</a:t>
+            </a:r>
+            <a:br>
+              <a:rPr lang="ko-KR" altLang="en-US">
+                <a:solidFill>
+                  <a:schemeClr val="tx1">
+                    <a:lumMod val="50000"/>
+                  </a:schemeClr>
+                </a:solidFill>
+              </a:rPr>
+            </a:br>
+            <a:r>
+              <a:rPr lang="ko-KR" altLang="en-US" b="0" i="0">
+                <a:solidFill>
+                  <a:srgbClr val="333333"/>
+                </a:solidFill>
+                <a:effectLst/>
+                <a:latin typeface="Noto Sans CJK kr"/>
+              </a:rPr>
+              <a:t>제조 현장용 </a:t>
+            </a:r>
+            <a:r>
+              <a:rPr lang="en-US" altLang="ko-KR" b="0" i="0">
+                <a:solidFill>
+                  <a:srgbClr val="333333"/>
+                </a:solidFill>
+                <a:effectLst/>
+                <a:latin typeface="Noto Sans CJK kr"/>
+              </a:rPr>
+              <a:t>OCR</a:t>
+            </a:r>
+            <a:r>
+              <a:rPr lang="ko-KR" altLang="en-US" b="0" i="0">
+                <a:solidFill>
+                  <a:srgbClr val="333333"/>
+                </a:solidFill>
+                <a:effectLst/>
+                <a:latin typeface="Noto Sans CJK kr"/>
+              </a:rPr>
+              <a:t>학습 제조</a:t>
+            </a:r>
+            <a:r>
+              <a:rPr lang="en-US" altLang="ko-KR" b="0" i="0">
+                <a:solidFill>
+                  <a:srgbClr val="333333"/>
+                </a:solidFill>
+                <a:effectLst/>
+                <a:latin typeface="Noto Sans CJK kr"/>
+              </a:rPr>
+              <a:t>AI </a:t>
+            </a:r>
+            <a:r>
+              <a:rPr lang="ko-KR" altLang="en-US" b="0" i="0">
+                <a:solidFill>
+                  <a:srgbClr val="333333"/>
+                </a:solidFill>
+                <a:effectLst/>
+                <a:latin typeface="Noto Sans CJK kr"/>
+              </a:rPr>
+              <a:t>데이터셋</a:t>
+            </a:r>
+            <a:r>
+              <a:rPr lang="en-US" altLang="ko-KR" b="0" i="0">
+                <a:solidFill>
+                  <a:schemeClr val="tx1">
+                    <a:lumMod val="50000"/>
+                  </a:schemeClr>
+                </a:solidFill>
+                <a:effectLst/>
+                <a:latin typeface="Noto Sans CJK kr"/>
+              </a:rPr>
+              <a:t>, KAIST, 2020.12.14.,</a:t>
+            </a:r>
+            <a:br>
+              <a:rPr lang="ko-KR" altLang="en-US">
+                <a:solidFill>
+                  <a:schemeClr val="tx1">
+                    <a:lumMod val="50000"/>
+                  </a:schemeClr>
+                </a:solidFill>
+              </a:rPr>
+            </a:br>
+            <a:r>
+              <a:rPr lang="ko-KR" altLang="en-US" b="0" i="0">
+                <a:solidFill>
+                  <a:schemeClr val="tx1">
+                    <a:lumMod val="50000"/>
+                  </a:schemeClr>
+                </a:solidFill>
+                <a:effectLst/>
+                <a:latin typeface="Noto Sans CJK kr"/>
+              </a:rPr>
+              <a:t> </a:t>
+            </a:r>
+            <a:r>
+              <a:rPr lang="en-US" altLang="ko-KR" b="0" i="0">
+                <a:solidFill>
+                  <a:schemeClr val="tx1">
+                    <a:lumMod val="50000"/>
+                  </a:schemeClr>
+                </a:solidFill>
+                <a:effectLst/>
+                <a:latin typeface="Noto Sans CJK kr"/>
+              </a:rPr>
+              <a:t>https://kamp-ai.kr</a:t>
+            </a:r>
+          </a:p>
+          <a:p>
+            <a:r>
+              <a:rPr lang="ko-KR" altLang="en-US">
+                <a:solidFill>
+                  <a:schemeClr val="tx1">
+                    <a:lumMod val="50000"/>
+                  </a:schemeClr>
+                </a:solidFill>
+              </a:rPr>
+              <a:t>제조 공정 </a:t>
+            </a:r>
+            <a:r>
+              <a:rPr lang="en-US" altLang="ko-KR">
+                <a:solidFill>
+                  <a:schemeClr val="tx1">
+                    <a:lumMod val="50000"/>
+                  </a:schemeClr>
+                </a:solidFill>
+              </a:rPr>
+              <a:t>: </a:t>
+            </a:r>
+            <a:r>
+              <a:rPr lang="ko-KR" altLang="en-US">
+                <a:solidFill>
+                  <a:schemeClr val="tx1">
+                    <a:lumMod val="50000"/>
+                  </a:schemeClr>
+                </a:solidFill>
+              </a:rPr>
+              <a:t>충진 공정에서 저울에 표기된 무게를 </a:t>
+            </a:r>
+            <a:r>
+              <a:rPr lang="en-US" altLang="ko-KR">
+                <a:solidFill>
+                  <a:schemeClr val="tx1">
+                    <a:lumMod val="50000"/>
+                  </a:schemeClr>
+                </a:solidFill>
+              </a:rPr>
+              <a:t>OCR</a:t>
+            </a:r>
+            <a:r>
+              <a:rPr lang="ko-KR" altLang="en-US">
+                <a:solidFill>
+                  <a:schemeClr val="tx1">
+                    <a:lumMod val="50000"/>
+                  </a:schemeClr>
+                </a:solidFill>
+              </a:rPr>
+              <a:t>로 파악</a:t>
+            </a:r>
+            <a:endParaRPr lang="en-US" altLang="ko-KR">
+              <a:solidFill>
+                <a:schemeClr val="tx1">
+                  <a:lumMod val="50000"/>
+                </a:schemeClr>
+              </a:solidFill>
+            </a:endParaRPr>
+          </a:p>
+          <a:p>
+            <a:pPr lvl="1"/>
+            <a:r>
+              <a:rPr lang="ko-KR" altLang="en-US">
+                <a:solidFill>
+                  <a:schemeClr val="tx1">
+                    <a:lumMod val="50000"/>
+                  </a:schemeClr>
+                </a:solidFill>
+              </a:rPr>
+              <a:t>철가루를 무게추에 채우는 과정으로 현장 오염도로 인해 노이즈가 심함</a:t>
+            </a:r>
+            <a:br>
+              <a:rPr lang="en-US" altLang="ko-KR">
+                <a:solidFill>
+                  <a:schemeClr val="tx1">
+                    <a:lumMod val="50000"/>
+                  </a:schemeClr>
+                </a:solidFill>
+              </a:rPr>
+            </a:br>
+            <a:r>
+              <a:rPr lang="ko-KR" altLang="en-US">
+                <a:solidFill>
+                  <a:schemeClr val="tx1">
+                    <a:lumMod val="50000"/>
+                  </a:schemeClr>
+                </a:solidFill>
+              </a:rPr>
+              <a:t>→ 일반적인 </a:t>
+            </a:r>
+            <a:r>
+              <a:rPr lang="en-US" altLang="ko-KR">
+                <a:solidFill>
+                  <a:schemeClr val="tx1">
+                    <a:lumMod val="50000"/>
+                  </a:schemeClr>
+                </a:solidFill>
+              </a:rPr>
+              <a:t>OCR </a:t>
+            </a:r>
+            <a:r>
+              <a:rPr lang="ko-KR" altLang="en-US">
+                <a:solidFill>
+                  <a:schemeClr val="tx1">
+                    <a:lumMod val="50000"/>
+                  </a:schemeClr>
+                </a:solidFill>
+              </a:rPr>
+              <a:t>모듈로 쉽게 인식되지 않음</a:t>
+            </a:r>
+            <a:endParaRPr lang="en-US" altLang="ko-KR">
+              <a:solidFill>
+                <a:schemeClr val="tx1">
+                  <a:lumMod val="50000"/>
+                </a:schemeClr>
+              </a:solidFill>
+            </a:endParaRPr>
+          </a:p>
+          <a:p>
+            <a:r>
+              <a:rPr lang="ko-KR" altLang="en-US">
+                <a:solidFill>
+                  <a:schemeClr val="tx1">
+                    <a:lumMod val="50000"/>
+                  </a:schemeClr>
+                </a:solidFill>
+              </a:rPr>
+              <a:t>데이터 분석 목적 </a:t>
+            </a:r>
+            <a:r>
+              <a:rPr lang="en-US" altLang="ko-KR">
+                <a:solidFill>
+                  <a:schemeClr val="tx1">
+                    <a:lumMod val="50000"/>
+                  </a:schemeClr>
+                </a:solidFill>
+              </a:rPr>
+              <a:t>: </a:t>
+            </a:r>
+            <a:r>
+              <a:rPr lang="ko-KR" altLang="en-US">
+                <a:solidFill>
+                  <a:schemeClr val="tx1">
+                    <a:lumMod val="50000"/>
+                  </a:schemeClr>
+                </a:solidFill>
+              </a:rPr>
+              <a:t>무게 입력 과정의 자동화 구현</a:t>
+            </a:r>
+            <a:endParaRPr lang="en-US" altLang="ko-KR">
+              <a:solidFill>
+                <a:schemeClr val="tx1">
+                  <a:lumMod val="50000"/>
+                </a:schemeClr>
+              </a:solidFill>
+            </a:endParaRPr>
+          </a:p>
+          <a:p>
+            <a:r>
+              <a:rPr lang="en-US" altLang="ko-KR">
+                <a:solidFill>
+                  <a:schemeClr val="tx1">
+                    <a:lumMod val="50000"/>
+                  </a:schemeClr>
+                </a:solidFill>
+              </a:rPr>
+              <a:t>KAMP BaseModel : ResNet</a:t>
+            </a:r>
+            <a:r>
+              <a:rPr lang="ko-KR" altLang="en-US">
+                <a:solidFill>
+                  <a:schemeClr val="tx1">
+                    <a:lumMod val="50000"/>
+                  </a:schemeClr>
+                </a:solidFill>
+              </a:rPr>
+              <a:t>을</a:t>
+            </a:r>
+            <a:r>
+              <a:rPr lang="en-US" altLang="ko-KR">
+                <a:solidFill>
+                  <a:schemeClr val="tx1">
+                    <a:lumMod val="50000"/>
+                  </a:schemeClr>
+                </a:solidFill>
+              </a:rPr>
+              <a:t> </a:t>
+            </a:r>
+            <a:r>
+              <a:rPr lang="ko-KR" altLang="en-US">
+                <a:solidFill>
+                  <a:schemeClr val="tx1">
+                    <a:lumMod val="50000"/>
+                  </a:schemeClr>
+                </a:solidFill>
+              </a:rPr>
+              <a:t>활용한 </a:t>
+            </a:r>
+            <a:r>
+              <a:rPr lang="en-US" altLang="ko-KR">
+                <a:solidFill>
+                  <a:schemeClr val="tx1">
+                    <a:lumMod val="50000"/>
+                  </a:schemeClr>
+                </a:solidFill>
+              </a:rPr>
+              <a:t>0~9 </a:t>
+            </a:r>
+            <a:r>
+              <a:rPr lang="ko-KR" altLang="en-US">
+                <a:solidFill>
+                  <a:schemeClr val="tx1">
+                    <a:lumMod val="50000"/>
+                  </a:schemeClr>
+                </a:solidFill>
+              </a:rPr>
+              <a:t>이미지 분류</a:t>
+            </a:r>
+            <a:endParaRPr lang="en-US" altLang="ko-KR">
+              <a:solidFill>
+                <a:schemeClr val="tx1">
+                  <a:lumMod val="50000"/>
+                </a:schemeClr>
+              </a:solidFill>
+            </a:endParaRPr>
+          </a:p>
+          <a:p>
+            <a:r>
+              <a:rPr lang="ko-KR" altLang="en-US">
+                <a:solidFill>
+                  <a:schemeClr val="tx1">
+                    <a:lumMod val="50000"/>
+                  </a:schemeClr>
+                </a:solidFill>
+              </a:rPr>
+              <a:t>중간 프로젝트 목표 </a:t>
+            </a:r>
+            <a:r>
+              <a:rPr lang="en-US" altLang="ko-KR">
+                <a:solidFill>
+                  <a:schemeClr val="tx1">
+                    <a:lumMod val="50000"/>
+                  </a:schemeClr>
+                </a:solidFill>
+              </a:rPr>
+              <a:t>: </a:t>
+            </a:r>
+            <a:r>
+              <a:rPr lang="ko-KR" altLang="en-US">
+                <a:solidFill>
+                  <a:schemeClr val="tx1">
+                    <a:lumMod val="50000"/>
+                  </a:schemeClr>
+                </a:solidFill>
+              </a:rPr>
+              <a:t>데이터 노이즈를 제거 및 신경망에서 오분류한 데이터</a:t>
+            </a:r>
+            <a:br>
+              <a:rPr lang="en-US" altLang="ko-KR">
+                <a:solidFill>
+                  <a:schemeClr val="tx1">
+                    <a:lumMod val="50000"/>
+                  </a:schemeClr>
+                </a:solidFill>
+              </a:rPr>
+            </a:br>
+            <a:r>
+              <a:rPr lang="ko-KR" altLang="en-US">
+                <a:solidFill>
+                  <a:schemeClr val="tx1">
+                    <a:lumMod val="50000"/>
+                  </a:schemeClr>
+                </a:solidFill>
+              </a:rPr>
+              <a:t>                                  </a:t>
+            </a:r>
+            <a:r>
+              <a:rPr lang="en-US" altLang="ko-KR">
+                <a:solidFill>
+                  <a:schemeClr val="tx1">
+                    <a:lumMod val="50000"/>
+                  </a:schemeClr>
+                </a:solidFill>
+              </a:rPr>
+              <a:t>Image Processing</a:t>
+            </a:r>
+          </a:p>
+        </p:txBody>
+      </p:sp>
+    </p:spTree>
+    <p:extLst>
+      <p:ext uri="{BB962C8B-B14F-4D97-AF65-F5344CB8AC3E}">
+        <p14:creationId xmlns:p14="http://schemas.microsoft.com/office/powerpoint/2010/main" val="3772598501"/>
+      </p:ext>
+    </p:extLst>
+  </p:cSld>
+  <p:clrMapOvr>
+    <a:masterClrMapping/>
+  </p:clrMapOvr>
+  <p:transition spd="med"/>
+</p:sld>
+</file>
+
+<file path=ppt/slides/slide4.xml><?xml version="1.0" encoding="utf-8"?>
+<p:sld xmlns:a="http://schemas.openxmlformats.org/drawingml/2006/main" xmlns:r="http://schemas.openxmlformats.org/officeDocument/2006/relationships" xmlns:p="http://schemas.openxmlformats.org/presentationml/2006/main">
+  <p:cSld>
+    <p:spTree>
+      <p:nvGrpSpPr>
+        <p:cNvPr id="1" name=""/>
+        <p:cNvGrpSpPr/>
+        <p:nvPr/>
+      </p:nvGrpSpPr>
+      <p:grpSpPr>
+        <a:xfrm>
+          <a:off x="0" y="0"/>
+          <a:ext cx="0" cy="0"/>
+          <a:chOff x="0" y="0"/>
+          <a:chExt cx="0" cy="0"/>
+        </a:xfrm>
+      </p:grpSpPr>
+      <p:sp>
+        <p:nvSpPr>
+          <p:cNvPr id="2" name="제목 1">
+            <a:extLst>
+              <a:ext uri="{FF2B5EF4-FFF2-40B4-BE49-F238E27FC236}">
+                <a16:creationId xmlns:a16="http://schemas.microsoft.com/office/drawing/2014/main" id="{3A5DB98B-8FFB-4838-9BB3-AA0CDA65BF35}"/>
+              </a:ext>
+            </a:extLst>
+          </p:cNvPr>
+          <p:cNvSpPr>
+            <a:spLocks noGrp="1"/>
+          </p:cNvSpPr>
+          <p:nvPr>
+            <p:ph type="title"/>
+          </p:nvPr>
+        </p:nvSpPr>
+        <p:spPr/>
+        <p:txBody>
+          <a:bodyPr/>
+          <a:lstStyle/>
+          <a:p>
+            <a:r>
+              <a:rPr lang="ko-KR" altLang="en-US"/>
+              <a:t>데이터 개요 및 프로젝트 목표</a:t>
+            </a:r>
+          </a:p>
+        </p:txBody>
+      </p:sp>
+      <p:sp>
+        <p:nvSpPr>
+          <p:cNvPr id="9" name="텍스트 개체 틀 3">
+            <a:extLst>
+              <a:ext uri="{FF2B5EF4-FFF2-40B4-BE49-F238E27FC236}">
+                <a16:creationId xmlns:a16="http://schemas.microsoft.com/office/drawing/2014/main" id="{DB8162D8-1CB1-437C-9CF5-0B268EB9FBA5}"/>
+              </a:ext>
+            </a:extLst>
+          </p:cNvPr>
+          <p:cNvSpPr txBox="1">
+            <a:spLocks/>
+          </p:cNvSpPr>
+          <p:nvPr/>
+        </p:nvSpPr>
+        <p:spPr>
+          <a:xfrm>
+            <a:off x="1206500" y="2729994"/>
+            <a:ext cx="21971000" cy="10033506"/>
+          </a:xfrm>
+          <a:prstGeom prst="rect">
+            <a:avLst/>
+          </a:prstGeom>
+          <a:ln w="12700">
+            <a:miter lim="400000"/>
+          </a:ln>
+          <a:extLst>
+            <a:ext uri="{C572A759-6A51-4108-AA02-DFA0A04FC94B}">
+              <ma14:wrappingTextBoxFlag xmlns:ma14="http://schemas.microsoft.com/office/mac/drawingml/2011/main" xmlns:a14="http://schemas.microsoft.com/office/drawing/2010/main" xmlns:m="http://schemas.openxmlformats.org/officeDocument/2006/math" xmlns="" val="1"/>
+            </a:ext>
+          </a:extLst>
+        </p:spPr>
+        <p:txBody>
+          <a:bodyPr lIns="50800" tIns="50800" rIns="50800" bIns="50800">
+            <a:normAutofit/>
+          </a:bodyPr>
+          <a:lstStyle>
+            <a:lvl1pPr marL="609600" marR="0" indent="-609600" algn="l" defTabSz="2438338" rtl="0" latinLnBrk="0">
+              <a:lnSpc>
+                <a:spcPct val="90000"/>
+              </a:lnSpc>
+              <a:spcBef>
+                <a:spcPts val="4500"/>
+              </a:spcBef>
+              <a:spcAft>
+                <a:spcPts val="0"/>
+              </a:spcAft>
+              <a:buClrTx/>
+              <a:buSzPct val="123000"/>
+              <a:buFontTx/>
+              <a:buChar char="•"/>
+              <a:tabLst/>
+              <a:defRPr sz="4800" b="0" i="0" u="none" strike="noStrike" cap="none" spc="0" baseline="0">
+                <a:solidFill>
+                  <a:srgbClr val="000000"/>
+                </a:solidFill>
+                <a:uFillTx/>
+                <a:latin typeface="+mn-lt"/>
+                <a:ea typeface="+mn-ea"/>
+                <a:cs typeface="+mn-cs"/>
+                <a:sym typeface="Helvetica Neue"/>
+              </a:defRPr>
+            </a:lvl1pPr>
+            <a:lvl2pPr marL="1219200" marR="0" indent="-609600" algn="l" defTabSz="2438338" rtl="0" latinLnBrk="0">
+              <a:lnSpc>
+                <a:spcPct val="90000"/>
+              </a:lnSpc>
+              <a:spcBef>
+                <a:spcPts val="4500"/>
+              </a:spcBef>
+              <a:spcAft>
+                <a:spcPts val="0"/>
+              </a:spcAft>
+              <a:buClrTx/>
+              <a:buSzPct val="123000"/>
+              <a:buFontTx/>
+              <a:buChar char="•"/>
+              <a:tabLst/>
+              <a:defRPr sz="4800" b="0" i="0" u="none" strike="noStrike" cap="none" spc="0" baseline="0">
+                <a:solidFill>
+                  <a:srgbClr val="000000"/>
+                </a:solidFill>
+                <a:uFillTx/>
+                <a:latin typeface="+mn-lt"/>
+                <a:ea typeface="+mn-ea"/>
+                <a:cs typeface="+mn-cs"/>
+                <a:sym typeface="Helvetica Neue"/>
+              </a:defRPr>
+            </a:lvl2pPr>
+            <a:lvl3pPr marL="1828800" marR="0" indent="-609600" algn="l" defTabSz="2438338" rtl="0" latinLnBrk="0">
+              <a:lnSpc>
+                <a:spcPct val="90000"/>
+              </a:lnSpc>
+              <a:spcBef>
+                <a:spcPts val="4500"/>
+              </a:spcBef>
+              <a:spcAft>
+                <a:spcPts val="0"/>
+              </a:spcAft>
+              <a:buClrTx/>
+              <a:buSzPct val="123000"/>
+              <a:buFontTx/>
+              <a:buChar char="•"/>
+              <a:tabLst/>
+              <a:defRPr sz="4800" b="0" i="0" u="none" strike="noStrike" cap="none" spc="0" baseline="0">
+                <a:solidFill>
+                  <a:srgbClr val="000000"/>
+                </a:solidFill>
+                <a:uFillTx/>
+                <a:latin typeface="+mn-lt"/>
+                <a:ea typeface="+mn-ea"/>
+                <a:cs typeface="+mn-cs"/>
+                <a:sym typeface="Helvetica Neue"/>
+              </a:defRPr>
+            </a:lvl3pPr>
+            <a:lvl4pPr marL="2438400" marR="0" indent="-609600" algn="l" defTabSz="2438338" rtl="0" latinLnBrk="0">
+              <a:lnSpc>
+                <a:spcPct val="90000"/>
+              </a:lnSpc>
+              <a:spcBef>
+                <a:spcPts val="4500"/>
+              </a:spcBef>
+              <a:spcAft>
+                <a:spcPts val="0"/>
+              </a:spcAft>
+              <a:buClrTx/>
+              <a:buSzPct val="123000"/>
+              <a:buFontTx/>
+              <a:buChar char="•"/>
+              <a:tabLst/>
+              <a:defRPr sz="4800" b="0" i="0" u="none" strike="noStrike" cap="none" spc="0" baseline="0">
+                <a:solidFill>
+                  <a:srgbClr val="000000"/>
+                </a:solidFill>
+                <a:uFillTx/>
+                <a:latin typeface="+mn-lt"/>
+                <a:ea typeface="+mn-ea"/>
+                <a:cs typeface="+mn-cs"/>
+                <a:sym typeface="Helvetica Neue"/>
+              </a:defRPr>
+            </a:lvl4pPr>
+            <a:lvl5pPr marL="3048000" marR="0" indent="-609600" algn="l" defTabSz="2438338" rtl="0" latinLnBrk="0">
+              <a:lnSpc>
+                <a:spcPct val="90000"/>
+              </a:lnSpc>
+              <a:spcBef>
+                <a:spcPts val="4500"/>
+              </a:spcBef>
+              <a:spcAft>
+                <a:spcPts val="0"/>
+              </a:spcAft>
+              <a:buClrTx/>
+              <a:buSzPct val="123000"/>
+              <a:buFontTx/>
+              <a:buChar char="•"/>
+              <a:tabLst/>
+              <a:defRPr sz="4800" b="0" i="0" u="none" strike="noStrike" cap="none" spc="0" baseline="0">
+                <a:solidFill>
+                  <a:srgbClr val="000000"/>
+                </a:solidFill>
+                <a:uFillTx/>
+                <a:latin typeface="+mn-lt"/>
+                <a:ea typeface="+mn-ea"/>
+                <a:cs typeface="+mn-cs"/>
+                <a:sym typeface="Helvetica Neue"/>
+              </a:defRPr>
+            </a:lvl5pPr>
+            <a:lvl6pPr marL="3657600" marR="0" indent="-609600" algn="l" defTabSz="2438338" rtl="0" latinLnBrk="0">
+              <a:lnSpc>
+                <a:spcPct val="90000"/>
+              </a:lnSpc>
+              <a:spcBef>
+                <a:spcPts val="4500"/>
+              </a:spcBef>
+              <a:spcAft>
+                <a:spcPts val="0"/>
+              </a:spcAft>
+              <a:buClrTx/>
+              <a:buSzPct val="123000"/>
+              <a:buFontTx/>
+              <a:buChar char="•"/>
+              <a:tabLst/>
+              <a:defRPr sz="4800" b="0" i="0" u="none" strike="noStrike" cap="none" spc="0" baseline="0">
+                <a:solidFill>
+                  <a:srgbClr val="000000"/>
+                </a:solidFill>
+                <a:uFillTx/>
+                <a:latin typeface="+mn-lt"/>
+                <a:ea typeface="+mn-ea"/>
+                <a:cs typeface="+mn-cs"/>
+                <a:sym typeface="Helvetica Neue"/>
+              </a:defRPr>
+            </a:lvl6pPr>
+            <a:lvl7pPr marL="4267200" marR="0" indent="-609600" algn="l" defTabSz="2438338" rtl="0" latinLnBrk="0">
+              <a:lnSpc>
+                <a:spcPct val="90000"/>
+              </a:lnSpc>
+              <a:spcBef>
+                <a:spcPts val="4500"/>
+              </a:spcBef>
+              <a:spcAft>
+                <a:spcPts val="0"/>
+              </a:spcAft>
+              <a:buClrTx/>
+              <a:buSzPct val="123000"/>
+              <a:buFontTx/>
+              <a:buChar char="•"/>
+              <a:tabLst/>
+              <a:defRPr sz="4800" b="0" i="0" u="none" strike="noStrike" cap="none" spc="0" baseline="0">
+                <a:solidFill>
+                  <a:srgbClr val="000000"/>
+                </a:solidFill>
+                <a:uFillTx/>
+                <a:latin typeface="+mn-lt"/>
+                <a:ea typeface="+mn-ea"/>
+                <a:cs typeface="+mn-cs"/>
+                <a:sym typeface="Helvetica Neue"/>
+              </a:defRPr>
+            </a:lvl7pPr>
+            <a:lvl8pPr marL="4876800" marR="0" indent="-609600" algn="l" defTabSz="2438338" rtl="0" latinLnBrk="0">
+              <a:lnSpc>
+                <a:spcPct val="90000"/>
+              </a:lnSpc>
+              <a:spcBef>
+                <a:spcPts val="4500"/>
+              </a:spcBef>
+              <a:spcAft>
+                <a:spcPts val="0"/>
+              </a:spcAft>
+              <a:buClrTx/>
+              <a:buSzPct val="123000"/>
+              <a:buFontTx/>
+              <a:buChar char="•"/>
+              <a:tabLst/>
+              <a:defRPr sz="4800" b="0" i="0" u="none" strike="noStrike" cap="none" spc="0" baseline="0">
+                <a:solidFill>
+                  <a:srgbClr val="000000"/>
+                </a:solidFill>
+                <a:uFillTx/>
+                <a:latin typeface="+mn-lt"/>
+                <a:ea typeface="+mn-ea"/>
+                <a:cs typeface="+mn-cs"/>
+                <a:sym typeface="Helvetica Neue"/>
+              </a:defRPr>
+            </a:lvl8pPr>
+            <a:lvl9pPr marL="5486400" marR="0" indent="-609600" algn="l" defTabSz="2438338" rtl="0" latinLnBrk="0">
+              <a:lnSpc>
+                <a:spcPct val="90000"/>
+              </a:lnSpc>
+              <a:spcBef>
+                <a:spcPts val="4500"/>
+              </a:spcBef>
+              <a:spcAft>
+                <a:spcPts val="0"/>
+              </a:spcAft>
+              <a:buClrTx/>
+              <a:buSzPct val="123000"/>
+              <a:buFontTx/>
+              <a:buChar char="•"/>
+              <a:tabLst/>
+              <a:defRPr sz="4800" b="0" i="0" u="none" strike="noStrike" cap="none" spc="0" baseline="0">
+                <a:solidFill>
+                  <a:srgbClr val="000000"/>
+                </a:solidFill>
+                <a:uFillTx/>
+                <a:latin typeface="+mn-lt"/>
+                <a:ea typeface="+mn-ea"/>
+                <a:cs typeface="+mn-cs"/>
+                <a:sym typeface="Helvetica Neue"/>
+              </a:defRPr>
+            </a:lvl9pPr>
+          </a:lstStyle>
+          <a:p>
+            <a:pPr hangingPunct="1"/>
+            <a:r>
+              <a:rPr lang="ko-KR" altLang="en-US">
+                <a:solidFill>
+                  <a:schemeClr val="tx1">
+                    <a:lumMod val="50000"/>
+                  </a:schemeClr>
+                </a:solidFill>
+              </a:rPr>
+              <a:t>원본 이미지</a:t>
+            </a:r>
+            <a:r>
+              <a:rPr lang="en-US" altLang="ko-KR">
+                <a:solidFill>
+                  <a:schemeClr val="tx1">
+                    <a:lumMod val="50000"/>
+                  </a:schemeClr>
+                </a:solidFill>
+              </a:rPr>
+              <a:t>(3,894</a:t>
+            </a:r>
+            <a:r>
+              <a:rPr lang="ko-KR" altLang="en-US">
+                <a:solidFill>
+                  <a:schemeClr val="tx1">
+                    <a:lumMod val="50000"/>
+                  </a:schemeClr>
+                </a:solidFill>
+              </a:rPr>
+              <a:t>개</a:t>
+            </a:r>
+            <a:r>
+              <a:rPr lang="en-US" altLang="ko-KR">
+                <a:solidFill>
+                  <a:schemeClr val="tx1">
+                    <a:lumMod val="50000"/>
+                  </a:schemeClr>
+                </a:solidFill>
+              </a:rPr>
+              <a:t>)</a:t>
+            </a:r>
+            <a:r>
+              <a:rPr lang="ko-KR" altLang="en-US">
+                <a:solidFill>
+                  <a:schemeClr val="tx1">
+                    <a:lumMod val="50000"/>
+                  </a:schemeClr>
+                </a:solidFill>
+              </a:rPr>
+              <a:t>로부터 추출된 </a:t>
+            </a:r>
+            <a:r>
+              <a:rPr lang="en-US" altLang="ko-KR">
+                <a:solidFill>
+                  <a:schemeClr val="tx1">
+                    <a:lumMod val="50000"/>
+                  </a:schemeClr>
+                </a:solidFill>
+              </a:rPr>
+              <a:t>27,237</a:t>
+            </a:r>
+            <a:r>
+              <a:rPr lang="ko-KR" altLang="en-US">
+                <a:solidFill>
+                  <a:schemeClr val="tx1">
+                    <a:lumMod val="50000"/>
+                  </a:schemeClr>
+                </a:solidFill>
+              </a:rPr>
+              <a:t>개 이미지 데이터</a:t>
+            </a:r>
+            <a:endParaRPr lang="en-US" altLang="ko-KR">
+              <a:solidFill>
+                <a:schemeClr val="tx1">
+                  <a:lumMod val="50000"/>
+                </a:schemeClr>
+              </a:solidFill>
+            </a:endParaRPr>
+          </a:p>
+        </p:txBody>
+      </p:sp>
+      <p:pic>
+        <p:nvPicPr>
+          <p:cNvPr id="11" name="그림 10" descr="텍스트, 측정기, 장치이(가) 표시된 사진&#10;&#10;자동 생성된 설명">
+            <a:extLst>
+              <a:ext uri="{FF2B5EF4-FFF2-40B4-BE49-F238E27FC236}">
+                <a16:creationId xmlns:a16="http://schemas.microsoft.com/office/drawing/2014/main" id="{71BDCC29-5027-4269-B1B7-F5606108A96A}"/>
+              </a:ext>
+            </a:extLst>
+          </p:cNvPr>
+          <p:cNvPicPr>
+            <a:picLocks noChangeAspect="1"/>
+          </p:cNvPicPr>
+          <p:nvPr/>
+        </p:nvPicPr>
+        <p:blipFill>
+          <a:blip r:embed="rId2">
+            <a:extLst>
+              <a:ext uri="{28A0092B-C50C-407E-A947-70E740481C1C}">
+                <a14:useLocalDpi xmlns:a14="http://schemas.microsoft.com/office/drawing/2010/main" val="0"/>
+              </a:ext>
+            </a:extLst>
+          </a:blip>
+          <a:stretch>
+            <a:fillRect/>
+          </a:stretch>
+        </p:blipFill>
+        <p:spPr>
+          <a:xfrm>
+            <a:off x="8474794" y="3689293"/>
+            <a:ext cx="7434412" cy="9726022"/>
+          </a:xfrm>
+          <a:prstGeom prst="rect">
+            <a:avLst/>
+          </a:prstGeom>
+        </p:spPr>
+      </p:pic>
+    </p:spTree>
+    <p:extLst>
+      <p:ext uri="{BB962C8B-B14F-4D97-AF65-F5344CB8AC3E}">
+        <p14:creationId xmlns:p14="http://schemas.microsoft.com/office/powerpoint/2010/main" val="1511128479"/>
+      </p:ext>
+    </p:extLst>
+  </p:cSld>
+  <p:clrMapOvr>
+    <a:masterClrMapping/>
+  </p:clrMapOvr>
+  <p:transition spd="med"/>
+</p:sld>
+</file>
+
+<file path=ppt/slides/slide5.xml><?xml version="1.0" encoding="utf-8"?>
+<p:sld xmlns:a="http://schemas.openxmlformats.org/drawingml/2006/main" xmlns:r="http://schemas.openxmlformats.org/officeDocument/2006/relationships" xmlns:p="http://schemas.openxmlformats.org/presentationml/2006/main">
+  <p:cSld>
+    <p:spTree>
+      <p:nvGrpSpPr>
+        <p:cNvPr id="1" name=""/>
+        <p:cNvGrpSpPr/>
+        <p:nvPr/>
+      </p:nvGrpSpPr>
+      <p:grpSpPr>
+        <a:xfrm>
+          <a:off x="0" y="0"/>
+          <a:ext cx="0" cy="0"/>
+          <a:chOff x="0" y="0"/>
+          <a:chExt cx="0" cy="0"/>
+        </a:xfrm>
+      </p:grpSpPr>
+      <p:sp>
+        <p:nvSpPr>
+          <p:cNvPr id="2" name="제목 1">
+            <a:extLst>
+              <a:ext uri="{FF2B5EF4-FFF2-40B4-BE49-F238E27FC236}">
+                <a16:creationId xmlns:a16="http://schemas.microsoft.com/office/drawing/2014/main" id="{4AE91A1B-C597-44FD-A6B0-44E367567B9D}"/>
+              </a:ext>
+            </a:extLst>
+          </p:cNvPr>
+          <p:cNvSpPr>
+            <a:spLocks noGrp="1"/>
+          </p:cNvSpPr>
+          <p:nvPr>
+            <p:ph type="title"/>
+          </p:nvPr>
+        </p:nvSpPr>
+        <p:spPr/>
+        <p:txBody>
+          <a:bodyPr/>
+          <a:lstStyle/>
+          <a:p>
+            <a:r>
+              <a:rPr lang="ko-KR" altLang="en-US"/>
+              <a:t>알고리즘 적용 결과</a:t>
+            </a:r>
+          </a:p>
+        </p:txBody>
+      </p:sp>
+      <p:sp>
+        <p:nvSpPr>
+          <p:cNvPr id="5" name="데이터 개요 및 프로젝트 목표…">
+            <a:extLst>
+              <a:ext uri="{FF2B5EF4-FFF2-40B4-BE49-F238E27FC236}">
+                <a16:creationId xmlns:a16="http://schemas.microsoft.com/office/drawing/2014/main" id="{F25E395A-7041-4F95-AF42-B1B9641C6061}"/>
+              </a:ext>
+            </a:extLst>
+          </p:cNvPr>
+          <p:cNvSpPr txBox="1">
+            <a:spLocks/>
+          </p:cNvSpPr>
+          <p:nvPr/>
+        </p:nvSpPr>
+        <p:spPr>
+          <a:xfrm>
+            <a:off x="1206500" y="2729994"/>
+            <a:ext cx="21971000" cy="8256012"/>
+          </a:xfrm>
+          <a:prstGeom prst="rect">
+            <a:avLst/>
+          </a:prstGeom>
+          <a:ln w="12700">
+            <a:miter lim="400000"/>
+          </a:ln>
+          <a:extLst>
+            <a:ext uri="{C572A759-6A51-4108-AA02-DFA0A04FC94B}">
+              <ma14:wrappingTextBoxFlag xmlns:ma14="http://schemas.microsoft.com/office/mac/drawingml/2011/main" xmlns:a14="http://schemas.microsoft.com/office/drawing/2010/main" xmlns:m="http://schemas.openxmlformats.org/officeDocument/2006/math" xmlns="" val="1"/>
+            </a:ext>
+          </a:extLst>
+        </p:spPr>
+        <p:txBody>
+          <a:bodyPr lIns="50800" tIns="50800" rIns="50800" bIns="50800">
+            <a:normAutofit/>
+          </a:bodyPr>
+          <a:lstStyle>
+            <a:lvl1pPr marL="609600" marR="0" indent="-609600" algn="l" defTabSz="2438338" rtl="0" latinLnBrk="0">
+              <a:lnSpc>
+                <a:spcPct val="90000"/>
+              </a:lnSpc>
+              <a:spcBef>
+                <a:spcPts val="4500"/>
+              </a:spcBef>
+              <a:spcAft>
+                <a:spcPts val="0"/>
+              </a:spcAft>
+              <a:buClrTx/>
+              <a:buSzPct val="123000"/>
+              <a:buFontTx/>
+              <a:buChar char="•"/>
+              <a:tabLst/>
+              <a:defRPr sz="4800" b="0" i="0" u="none" strike="noStrike" cap="none" spc="0" baseline="0">
+                <a:solidFill>
+                  <a:srgbClr val="000000"/>
+                </a:solidFill>
+                <a:uFillTx/>
+                <a:latin typeface="+mn-lt"/>
+                <a:ea typeface="+mn-ea"/>
+                <a:cs typeface="+mn-cs"/>
+                <a:sym typeface="Helvetica Neue"/>
+              </a:defRPr>
+            </a:lvl1pPr>
+            <a:lvl2pPr marL="1219200" marR="0" indent="-609600" algn="l" defTabSz="2438338" rtl="0" latinLnBrk="0">
+              <a:lnSpc>
+                <a:spcPct val="90000"/>
+              </a:lnSpc>
+              <a:spcBef>
+                <a:spcPts val="4500"/>
+              </a:spcBef>
+              <a:spcAft>
+                <a:spcPts val="0"/>
+              </a:spcAft>
+              <a:buClrTx/>
+              <a:buSzPct val="123000"/>
+              <a:buFontTx/>
+              <a:buChar char="•"/>
+              <a:tabLst/>
+              <a:defRPr sz="4800" b="0" i="0" u="none" strike="noStrike" cap="none" spc="0" baseline="0">
+                <a:solidFill>
+                  <a:srgbClr val="000000"/>
+                </a:solidFill>
+                <a:uFillTx/>
+                <a:latin typeface="+mn-lt"/>
+                <a:ea typeface="+mn-ea"/>
+                <a:cs typeface="+mn-cs"/>
+                <a:sym typeface="Helvetica Neue"/>
+              </a:defRPr>
+            </a:lvl2pPr>
+            <a:lvl3pPr marL="1828800" marR="0" indent="-609600" algn="l" defTabSz="2438338" rtl="0" latinLnBrk="0">
+              <a:lnSpc>
+                <a:spcPct val="90000"/>
+              </a:lnSpc>
+              <a:spcBef>
+                <a:spcPts val="4500"/>
+              </a:spcBef>
+              <a:spcAft>
+                <a:spcPts val="0"/>
+              </a:spcAft>
+              <a:buClrTx/>
+              <a:buSzPct val="123000"/>
+              <a:buFontTx/>
+              <a:buChar char="•"/>
+              <a:tabLst/>
+              <a:defRPr sz="4800" b="0" i="0" u="none" strike="noStrike" cap="none" spc="0" baseline="0">
+                <a:solidFill>
+                  <a:srgbClr val="000000"/>
+                </a:solidFill>
+                <a:uFillTx/>
+                <a:latin typeface="+mn-lt"/>
+                <a:ea typeface="+mn-ea"/>
+                <a:cs typeface="+mn-cs"/>
+                <a:sym typeface="Helvetica Neue"/>
+              </a:defRPr>
+            </a:lvl3pPr>
+            <a:lvl4pPr marL="2438400" marR="0" indent="-609600" algn="l" defTabSz="2438338" rtl="0" latinLnBrk="0">
+              <a:lnSpc>
+                <a:spcPct val="90000"/>
+              </a:lnSpc>
+              <a:spcBef>
+                <a:spcPts val="4500"/>
+              </a:spcBef>
+              <a:spcAft>
+                <a:spcPts val="0"/>
+              </a:spcAft>
+              <a:buClrTx/>
+              <a:buSzPct val="123000"/>
+              <a:buFontTx/>
+              <a:buChar char="•"/>
+              <a:tabLst/>
+              <a:defRPr sz="4800" b="0" i="0" u="none" strike="noStrike" cap="none" spc="0" baseline="0">
+                <a:solidFill>
+                  <a:srgbClr val="000000"/>
+                </a:solidFill>
+                <a:uFillTx/>
+                <a:latin typeface="+mn-lt"/>
+                <a:ea typeface="+mn-ea"/>
+                <a:cs typeface="+mn-cs"/>
+                <a:sym typeface="Helvetica Neue"/>
+              </a:defRPr>
+            </a:lvl4pPr>
+            <a:lvl5pPr marL="3048000" marR="0" indent="-609600" algn="l" defTabSz="2438338" rtl="0" latinLnBrk="0">
+              <a:lnSpc>
+                <a:spcPct val="90000"/>
+              </a:lnSpc>
+              <a:spcBef>
+                <a:spcPts val="4500"/>
+              </a:spcBef>
+              <a:spcAft>
+                <a:spcPts val="0"/>
+              </a:spcAft>
+              <a:buClrTx/>
+              <a:buSzPct val="123000"/>
+              <a:buFontTx/>
+              <a:buChar char="•"/>
+              <a:tabLst/>
+              <a:defRPr sz="4800" b="0" i="0" u="none" strike="noStrike" cap="none" spc="0" baseline="0">
+                <a:solidFill>
+                  <a:srgbClr val="000000"/>
+                </a:solidFill>
+                <a:uFillTx/>
+                <a:latin typeface="+mn-lt"/>
+                <a:ea typeface="+mn-ea"/>
+                <a:cs typeface="+mn-cs"/>
+                <a:sym typeface="Helvetica Neue"/>
+              </a:defRPr>
+            </a:lvl5pPr>
+            <a:lvl6pPr marL="3657600" marR="0" indent="-609600" algn="l" defTabSz="2438338" rtl="0" latinLnBrk="0">
+              <a:lnSpc>
+                <a:spcPct val="90000"/>
+              </a:lnSpc>
+              <a:spcBef>
+                <a:spcPts val="4500"/>
+              </a:spcBef>
+              <a:spcAft>
+                <a:spcPts val="0"/>
+              </a:spcAft>
+              <a:buClrTx/>
+              <a:buSzPct val="123000"/>
+              <a:buFontTx/>
+              <a:buChar char="•"/>
+              <a:tabLst/>
+              <a:defRPr sz="4800" b="0" i="0" u="none" strike="noStrike" cap="none" spc="0" baseline="0">
+                <a:solidFill>
+                  <a:srgbClr val="000000"/>
+                </a:solidFill>
+                <a:uFillTx/>
+                <a:latin typeface="+mn-lt"/>
+                <a:ea typeface="+mn-ea"/>
+                <a:cs typeface="+mn-cs"/>
+                <a:sym typeface="Helvetica Neue"/>
+              </a:defRPr>
+            </a:lvl6pPr>
+            <a:lvl7pPr marL="4267200" marR="0" indent="-609600" algn="l" defTabSz="2438338" rtl="0" latinLnBrk="0">
+              <a:lnSpc>
+                <a:spcPct val="90000"/>
+              </a:lnSpc>
+              <a:spcBef>
+                <a:spcPts val="4500"/>
+              </a:spcBef>
+              <a:spcAft>
+                <a:spcPts val="0"/>
+              </a:spcAft>
+              <a:buClrTx/>
+              <a:buSzPct val="123000"/>
+              <a:buFontTx/>
+              <a:buChar char="•"/>
+              <a:tabLst/>
+              <a:defRPr sz="4800" b="0" i="0" u="none" strike="noStrike" cap="none" spc="0" baseline="0">
+                <a:solidFill>
+                  <a:srgbClr val="000000"/>
+                </a:solidFill>
+                <a:uFillTx/>
+                <a:latin typeface="+mn-lt"/>
+                <a:ea typeface="+mn-ea"/>
+                <a:cs typeface="+mn-cs"/>
+                <a:sym typeface="Helvetica Neue"/>
+              </a:defRPr>
+            </a:lvl7pPr>
+            <a:lvl8pPr marL="4876800" marR="0" indent="-609600" algn="l" defTabSz="2438338" rtl="0" latinLnBrk="0">
+              <a:lnSpc>
+                <a:spcPct val="90000"/>
+              </a:lnSpc>
+              <a:spcBef>
+                <a:spcPts val="4500"/>
+              </a:spcBef>
+              <a:spcAft>
+                <a:spcPts val="0"/>
+              </a:spcAft>
+              <a:buClrTx/>
+              <a:buSzPct val="123000"/>
+              <a:buFontTx/>
+              <a:buChar char="•"/>
+              <a:tabLst/>
+              <a:defRPr sz="4800" b="0" i="0" u="none" strike="noStrike" cap="none" spc="0" baseline="0">
+                <a:solidFill>
+                  <a:srgbClr val="000000"/>
+                </a:solidFill>
+                <a:uFillTx/>
+                <a:latin typeface="+mn-lt"/>
+                <a:ea typeface="+mn-ea"/>
+                <a:cs typeface="+mn-cs"/>
+                <a:sym typeface="Helvetica Neue"/>
+              </a:defRPr>
+            </a:lvl8pPr>
+            <a:lvl9pPr marL="5486400" marR="0" indent="-609600" algn="l" defTabSz="2438338" rtl="0" latinLnBrk="0">
+              <a:lnSpc>
+                <a:spcPct val="90000"/>
+              </a:lnSpc>
+              <a:spcBef>
+                <a:spcPts val="4500"/>
+              </a:spcBef>
+              <a:spcAft>
+                <a:spcPts val="0"/>
+              </a:spcAft>
+              <a:buClrTx/>
+              <a:buSzPct val="123000"/>
+              <a:buFontTx/>
+              <a:buChar char="•"/>
+              <a:tabLst/>
+              <a:defRPr sz="4800" b="0" i="0" u="none" strike="noStrike" cap="none" spc="0" baseline="0">
+                <a:solidFill>
+                  <a:srgbClr val="000000"/>
+                </a:solidFill>
+                <a:uFillTx/>
+                <a:latin typeface="+mn-lt"/>
+                <a:ea typeface="+mn-ea"/>
+                <a:cs typeface="+mn-cs"/>
+                <a:sym typeface="Helvetica Neue"/>
+              </a:defRPr>
+            </a:lvl9pPr>
+          </a:lstStyle>
+          <a:p>
+            <a:pPr hangingPunct="1"/>
+            <a:r>
+              <a:rPr lang="ko-KR" altLang="en-US"/>
+              <a:t>데이터 </a:t>
+            </a:r>
+            <a:r>
+              <a:rPr lang="en-US" altLang="ko-KR"/>
+              <a:t>: error_img/error19_6_5.png</a:t>
+            </a:r>
+            <a:br>
+              <a:rPr lang="en-US" altLang="ko-KR"/>
+            </a:br>
+            <a:r>
+              <a:rPr lang="en-US" altLang="ko-KR"/>
+              <a:t>‘5’ </a:t>
+            </a:r>
+            <a:r>
+              <a:rPr lang="ko-KR" altLang="en-US"/>
+              <a:t>를 </a:t>
+            </a:r>
+            <a:r>
+              <a:rPr lang="en-US" altLang="ko-KR"/>
+              <a:t>‘6’</a:t>
+            </a:r>
+            <a:r>
+              <a:rPr lang="ko-KR" altLang="en-US"/>
+              <a:t>으로 잘못 분류한 데이터</a:t>
+            </a:r>
+            <a:endParaRPr lang="en-US" altLang="ko-KR"/>
+          </a:p>
+          <a:p>
+            <a:pPr hangingPunct="1"/>
+            <a:r>
+              <a:rPr lang="en-US" altLang="ko-KR"/>
+              <a:t>thr, mask = cv2.threshold(img, 200, 1, cv2.THRESH_BINARY)</a:t>
+            </a:r>
+          </a:p>
+        </p:txBody>
+      </p:sp>
+      <p:pic>
+        <p:nvPicPr>
+          <p:cNvPr id="4" name="그림 3">
+            <a:extLst>
+              <a:ext uri="{FF2B5EF4-FFF2-40B4-BE49-F238E27FC236}">
+                <a16:creationId xmlns:a16="http://schemas.microsoft.com/office/drawing/2014/main" id="{21F88F3F-6555-49E0-B50F-51DC0189D659}"/>
+              </a:ext>
+            </a:extLst>
+          </p:cNvPr>
+          <p:cNvPicPr>
+            <a:picLocks noChangeAspect="1"/>
+          </p:cNvPicPr>
+          <p:nvPr/>
+        </p:nvPicPr>
+        <p:blipFill>
+          <a:blip r:embed="rId2">
+            <a:extLst>
+              <a:ext uri="{28A0092B-C50C-407E-A947-70E740481C1C}">
+                <a14:useLocalDpi xmlns:a14="http://schemas.microsoft.com/office/drawing/2010/main" val="0"/>
+              </a:ext>
+            </a:extLst>
+          </a:blip>
+          <a:stretch>
+            <a:fillRect/>
+          </a:stretch>
+        </p:blipFill>
+        <p:spPr>
+          <a:xfrm>
+            <a:off x="5253374" y="6858000"/>
+            <a:ext cx="13877251" cy="5550900"/>
+          </a:xfrm>
+          <a:prstGeom prst="rect">
+            <a:avLst/>
+          </a:prstGeom>
+        </p:spPr>
+      </p:pic>
+    </p:spTree>
+    <p:extLst>
+      <p:ext uri="{BB962C8B-B14F-4D97-AF65-F5344CB8AC3E}">
+        <p14:creationId xmlns:p14="http://schemas.microsoft.com/office/powerpoint/2010/main" val="3450818546"/>
+      </p:ext>
+    </p:extLst>
+  </p:cSld>
+  <p:clrMapOvr>
+    <a:masterClrMapping/>
+  </p:clrMapOvr>
+  <p:transition spd="med"/>
+</p:sld>
+</file>
+
+<file path=ppt/slides/slide6.xml><?xml version="1.0" encoding="utf-8"?>
+<p:sld xmlns:a="http://schemas.openxmlformats.org/drawingml/2006/main" xmlns:r="http://schemas.openxmlformats.org/officeDocument/2006/relationships" xmlns:p="http://schemas.openxmlformats.org/presentationml/2006/main">
+  <p:cSld>
+    <p:spTree>
+      <p:nvGrpSpPr>
+        <p:cNvPr id="1" name=""/>
+        <p:cNvGrpSpPr/>
+        <p:nvPr/>
+      </p:nvGrpSpPr>
+      <p:grpSpPr>
+        <a:xfrm>
+          <a:off x="0" y="0"/>
+          <a:ext cx="0" cy="0"/>
+          <a:chOff x="0" y="0"/>
+          <a:chExt cx="0" cy="0"/>
+        </a:xfrm>
+      </p:grpSpPr>
+      <p:sp>
+        <p:nvSpPr>
+          <p:cNvPr id="2" name="제목 1">
+            <a:extLst>
+              <a:ext uri="{FF2B5EF4-FFF2-40B4-BE49-F238E27FC236}">
+                <a16:creationId xmlns:a16="http://schemas.microsoft.com/office/drawing/2014/main" id="{4AE91A1B-C597-44FD-A6B0-44E367567B9D}"/>
+              </a:ext>
+            </a:extLst>
+          </p:cNvPr>
+          <p:cNvSpPr>
+            <a:spLocks noGrp="1"/>
+          </p:cNvSpPr>
+          <p:nvPr>
+            <p:ph type="title"/>
+          </p:nvPr>
+        </p:nvSpPr>
+        <p:spPr/>
+        <p:txBody>
+          <a:bodyPr/>
+          <a:lstStyle/>
+          <a:p>
+            <a:r>
+              <a:rPr lang="ko-KR" altLang="en-US"/>
+              <a:t>알고리즘 적용 결과</a:t>
+            </a:r>
+          </a:p>
+        </p:txBody>
+      </p:sp>
+      <p:sp>
+        <p:nvSpPr>
+          <p:cNvPr id="5" name="데이터 개요 및 프로젝트 목표…">
+            <a:extLst>
+              <a:ext uri="{FF2B5EF4-FFF2-40B4-BE49-F238E27FC236}">
+                <a16:creationId xmlns:a16="http://schemas.microsoft.com/office/drawing/2014/main" id="{F25E395A-7041-4F95-AF42-B1B9641C6061}"/>
+              </a:ext>
+            </a:extLst>
+          </p:cNvPr>
+          <p:cNvSpPr txBox="1">
+            <a:spLocks/>
+          </p:cNvSpPr>
+          <p:nvPr/>
+        </p:nvSpPr>
+        <p:spPr>
+          <a:xfrm>
+            <a:off x="1206500" y="2729994"/>
+            <a:ext cx="21971000" cy="8256012"/>
+          </a:xfrm>
+          <a:prstGeom prst="rect">
+            <a:avLst/>
+          </a:prstGeom>
+          <a:ln w="12700">
+            <a:miter lim="400000"/>
+          </a:ln>
+          <a:extLst>
+            <a:ext uri="{C572A759-6A51-4108-AA02-DFA0A04FC94B}">
+              <ma14:wrappingTextBoxFlag xmlns:ma14="http://schemas.microsoft.com/office/mac/drawingml/2011/main" xmlns:a14="http://schemas.microsoft.com/office/drawing/2010/main" xmlns:m="http://schemas.openxmlformats.org/officeDocument/2006/math" xmlns="" val="1"/>
+            </a:ext>
+          </a:extLst>
+        </p:spPr>
+        <p:txBody>
+          <a:bodyPr lIns="50800" tIns="50800" rIns="50800" bIns="50800">
+            <a:normAutofit/>
+          </a:bodyPr>
+          <a:lstStyle>
+            <a:lvl1pPr marL="609600" marR="0" indent="-609600" algn="l" defTabSz="2438338" rtl="0" latinLnBrk="0">
+              <a:lnSpc>
+                <a:spcPct val="90000"/>
+              </a:lnSpc>
+              <a:spcBef>
+                <a:spcPts val="4500"/>
+              </a:spcBef>
+              <a:spcAft>
+                <a:spcPts val="0"/>
+              </a:spcAft>
+              <a:buClrTx/>
+              <a:buSzPct val="123000"/>
+              <a:buFontTx/>
+              <a:buChar char="•"/>
+              <a:tabLst/>
+              <a:defRPr sz="4800" b="0" i="0" u="none" strike="noStrike" cap="none" spc="0" baseline="0">
+                <a:solidFill>
+                  <a:srgbClr val="000000"/>
+                </a:solidFill>
+                <a:uFillTx/>
+                <a:latin typeface="+mn-lt"/>
+                <a:ea typeface="+mn-ea"/>
+                <a:cs typeface="+mn-cs"/>
+                <a:sym typeface="Helvetica Neue"/>
+              </a:defRPr>
+            </a:lvl1pPr>
+            <a:lvl2pPr marL="1219200" marR="0" indent="-609600" algn="l" defTabSz="2438338" rtl="0" latinLnBrk="0">
+              <a:lnSpc>
+                <a:spcPct val="90000"/>
+              </a:lnSpc>
+              <a:spcBef>
+                <a:spcPts val="4500"/>
+              </a:spcBef>
+              <a:spcAft>
+                <a:spcPts val="0"/>
+              </a:spcAft>
+              <a:buClrTx/>
+              <a:buSzPct val="123000"/>
+              <a:buFontTx/>
+              <a:buChar char="•"/>
+              <a:tabLst/>
+              <a:defRPr sz="4800" b="0" i="0" u="none" strike="noStrike" cap="none" spc="0" baseline="0">
+                <a:solidFill>
+                  <a:srgbClr val="000000"/>
+                </a:solidFill>
+                <a:uFillTx/>
+                <a:latin typeface="+mn-lt"/>
+                <a:ea typeface="+mn-ea"/>
+                <a:cs typeface="+mn-cs"/>
+                <a:sym typeface="Helvetica Neue"/>
+              </a:defRPr>
+            </a:lvl2pPr>
+            <a:lvl3pPr marL="1828800" marR="0" indent="-609600" algn="l" defTabSz="2438338" rtl="0" latinLnBrk="0">
+              <a:lnSpc>
+                <a:spcPct val="90000"/>
+              </a:lnSpc>
+              <a:spcBef>
+                <a:spcPts val="4500"/>
+              </a:spcBef>
+              <a:spcAft>
+                <a:spcPts val="0"/>
+              </a:spcAft>
+              <a:buClrTx/>
+              <a:buSzPct val="123000"/>
+              <a:buFontTx/>
+              <a:buChar char="•"/>
+              <a:tabLst/>
+              <a:defRPr sz="4800" b="0" i="0" u="none" strike="noStrike" cap="none" spc="0" baseline="0">
+                <a:solidFill>
+                  <a:srgbClr val="000000"/>
+                </a:solidFill>
+                <a:uFillTx/>
+                <a:latin typeface="+mn-lt"/>
+                <a:ea typeface="+mn-ea"/>
+                <a:cs typeface="+mn-cs"/>
+                <a:sym typeface="Helvetica Neue"/>
+              </a:defRPr>
+            </a:lvl3pPr>
+            <a:lvl4pPr marL="2438400" marR="0" indent="-609600" algn="l" defTabSz="2438338" rtl="0" latinLnBrk="0">
+              <a:lnSpc>
+                <a:spcPct val="90000"/>
+              </a:lnSpc>
+              <a:spcBef>
+                <a:spcPts val="4500"/>
+              </a:spcBef>
+              <a:spcAft>
+                <a:spcPts val="0"/>
+              </a:spcAft>
+              <a:buClrTx/>
+              <a:buSzPct val="123000"/>
+              <a:buFontTx/>
+              <a:buChar char="•"/>
+              <a:tabLst/>
+              <a:defRPr sz="4800" b="0" i="0" u="none" strike="noStrike" cap="none" spc="0" baseline="0">
+                <a:solidFill>
+                  <a:srgbClr val="000000"/>
+                </a:solidFill>
+                <a:uFillTx/>
+                <a:latin typeface="+mn-lt"/>
+                <a:ea typeface="+mn-ea"/>
+                <a:cs typeface="+mn-cs"/>
+                <a:sym typeface="Helvetica Neue"/>
+              </a:defRPr>
+            </a:lvl4pPr>
+            <a:lvl5pPr marL="3048000" marR="0" indent="-609600" algn="l" defTabSz="2438338" rtl="0" latinLnBrk="0">
+              <a:lnSpc>
+                <a:spcPct val="90000"/>
+              </a:lnSpc>
+              <a:spcBef>
+                <a:spcPts val="4500"/>
+              </a:spcBef>
+              <a:spcAft>
+                <a:spcPts val="0"/>
+              </a:spcAft>
+              <a:buClrTx/>
+              <a:buSzPct val="123000"/>
+              <a:buFontTx/>
+              <a:buChar char="•"/>
+              <a:tabLst/>
+              <a:defRPr sz="4800" b="0" i="0" u="none" strike="noStrike" cap="none" spc="0" baseline="0">
+                <a:solidFill>
+                  <a:srgbClr val="000000"/>
+                </a:solidFill>
+                <a:uFillTx/>
+                <a:latin typeface="+mn-lt"/>
+                <a:ea typeface="+mn-ea"/>
+                <a:cs typeface="+mn-cs"/>
+                <a:sym typeface="Helvetica Neue"/>
+              </a:defRPr>
+            </a:lvl5pPr>
+            <a:lvl6pPr marL="3657600" marR="0" indent="-609600" algn="l" defTabSz="2438338" rtl="0" latinLnBrk="0">
+              <a:lnSpc>
+                <a:spcPct val="90000"/>
+              </a:lnSpc>
+              <a:spcBef>
+                <a:spcPts val="4500"/>
+              </a:spcBef>
+              <a:spcAft>
+                <a:spcPts val="0"/>
+              </a:spcAft>
+              <a:buClrTx/>
+              <a:buSzPct val="123000"/>
+              <a:buFontTx/>
+              <a:buChar char="•"/>
+              <a:tabLst/>
+              <a:defRPr sz="4800" b="0" i="0" u="none" strike="noStrike" cap="none" spc="0" baseline="0">
+                <a:solidFill>
+                  <a:srgbClr val="000000"/>
+                </a:solidFill>
+                <a:uFillTx/>
+                <a:latin typeface="+mn-lt"/>
+                <a:ea typeface="+mn-ea"/>
+                <a:cs typeface="+mn-cs"/>
+                <a:sym typeface="Helvetica Neue"/>
+              </a:defRPr>
+            </a:lvl6pPr>
+            <a:lvl7pPr marL="4267200" marR="0" indent="-609600" algn="l" defTabSz="2438338" rtl="0" latinLnBrk="0">
+              <a:lnSpc>
+                <a:spcPct val="90000"/>
+              </a:lnSpc>
+              <a:spcBef>
+                <a:spcPts val="4500"/>
+              </a:spcBef>
+              <a:spcAft>
+                <a:spcPts val="0"/>
+              </a:spcAft>
+              <a:buClrTx/>
+              <a:buSzPct val="123000"/>
+              <a:buFontTx/>
+              <a:buChar char="•"/>
+              <a:tabLst/>
+              <a:defRPr sz="4800" b="0" i="0" u="none" strike="noStrike" cap="none" spc="0" baseline="0">
+                <a:solidFill>
+                  <a:srgbClr val="000000"/>
+                </a:solidFill>
+                <a:uFillTx/>
+                <a:latin typeface="+mn-lt"/>
+                <a:ea typeface="+mn-ea"/>
+                <a:cs typeface="+mn-cs"/>
+                <a:sym typeface="Helvetica Neue"/>
+              </a:defRPr>
+            </a:lvl7pPr>
+            <a:lvl8pPr marL="4876800" marR="0" indent="-609600" algn="l" defTabSz="2438338" rtl="0" latinLnBrk="0">
+              <a:lnSpc>
+                <a:spcPct val="90000"/>
+              </a:lnSpc>
+              <a:spcBef>
+                <a:spcPts val="4500"/>
+              </a:spcBef>
+              <a:spcAft>
+                <a:spcPts val="0"/>
+              </a:spcAft>
+              <a:buClrTx/>
+              <a:buSzPct val="123000"/>
+              <a:buFontTx/>
+              <a:buChar char="•"/>
+              <a:tabLst/>
+              <a:defRPr sz="4800" b="0" i="0" u="none" strike="noStrike" cap="none" spc="0" baseline="0">
+                <a:solidFill>
+                  <a:srgbClr val="000000"/>
+                </a:solidFill>
+                <a:uFillTx/>
+                <a:latin typeface="+mn-lt"/>
+                <a:ea typeface="+mn-ea"/>
+                <a:cs typeface="+mn-cs"/>
+                <a:sym typeface="Helvetica Neue"/>
+              </a:defRPr>
+            </a:lvl8pPr>
+            <a:lvl9pPr marL="5486400" marR="0" indent="-609600" algn="l" defTabSz="2438338" rtl="0" latinLnBrk="0">
+              <a:lnSpc>
+                <a:spcPct val="90000"/>
+              </a:lnSpc>
+              <a:spcBef>
+                <a:spcPts val="4500"/>
+              </a:spcBef>
+              <a:spcAft>
+                <a:spcPts val="0"/>
+              </a:spcAft>
+              <a:buClrTx/>
+              <a:buSzPct val="123000"/>
+              <a:buFontTx/>
+              <a:buChar char="•"/>
+              <a:tabLst/>
+              <a:defRPr sz="4800" b="0" i="0" u="none" strike="noStrike" cap="none" spc="0" baseline="0">
+                <a:solidFill>
+                  <a:srgbClr val="000000"/>
+                </a:solidFill>
+                <a:uFillTx/>
+                <a:latin typeface="+mn-lt"/>
+                <a:ea typeface="+mn-ea"/>
+                <a:cs typeface="+mn-cs"/>
+                <a:sym typeface="Helvetica Neue"/>
+              </a:defRPr>
+            </a:lvl9pPr>
+          </a:lstStyle>
+          <a:p>
+            <a:pPr hangingPunct="1"/>
+            <a:r>
+              <a:rPr lang="ko-KR" altLang="en-US"/>
+              <a:t>데이터 </a:t>
+            </a:r>
+            <a:r>
+              <a:rPr lang="en-US" altLang="ko-KR"/>
+              <a:t>: error_img/error17_0_8.png</a:t>
+            </a:r>
+            <a:br>
+              <a:rPr lang="en-US" altLang="ko-KR"/>
+            </a:br>
+            <a:r>
+              <a:rPr lang="en-US" altLang="ko-KR"/>
+              <a:t>‘8’ </a:t>
+            </a:r>
+            <a:r>
+              <a:rPr lang="ko-KR" altLang="en-US"/>
+              <a:t>을 </a:t>
+            </a:r>
+            <a:r>
+              <a:rPr lang="en-US" altLang="ko-KR"/>
+              <a:t>‘0’</a:t>
+            </a:r>
+            <a:r>
+              <a:rPr lang="ko-KR" altLang="en-US"/>
+              <a:t>으로 잘못 분류한 데이터</a:t>
+            </a:r>
+            <a:endParaRPr lang="en-US" altLang="ko-KR"/>
+          </a:p>
+          <a:p>
+            <a:pPr hangingPunct="1"/>
+            <a:r>
+              <a:rPr lang="en-US" altLang="ko-KR"/>
+              <a:t>thr, mask = cv2.threshold(binary, -1, 1, cv2.THRESH_BINARY | cv2.THRESH_OTSU)</a:t>
+            </a:r>
+            <a:br>
+              <a:rPr lang="en-US" altLang="ko-KR"/>
+            </a:br>
+            <a:r>
+              <a:rPr lang="en-US" altLang="ko-KR"/>
+              <a:t>eroded = cv2.morphologyEx(mask, cv2.MORPH_ERODE, (5,5), iteration=5)</a:t>
+            </a:r>
+            <a:endParaRPr lang="ko-KR" altLang="en-US"/>
+          </a:p>
+        </p:txBody>
+      </p:sp>
+      <p:pic>
+        <p:nvPicPr>
+          <p:cNvPr id="7" name="그림 6">
+            <a:extLst>
+              <a:ext uri="{FF2B5EF4-FFF2-40B4-BE49-F238E27FC236}">
+                <a16:creationId xmlns:a16="http://schemas.microsoft.com/office/drawing/2014/main" id="{B51FA632-13BC-43C5-974C-4172BBC36790}"/>
+              </a:ext>
+            </a:extLst>
+          </p:cNvPr>
+          <p:cNvPicPr>
+            <a:picLocks noChangeAspect="1"/>
+          </p:cNvPicPr>
+          <p:nvPr/>
+        </p:nvPicPr>
+        <p:blipFill>
+          <a:blip r:embed="rId2">
+            <a:extLst>
+              <a:ext uri="{28A0092B-C50C-407E-A947-70E740481C1C}">
+                <a14:useLocalDpi xmlns:a14="http://schemas.microsoft.com/office/drawing/2010/main" val="0"/>
+              </a:ext>
+            </a:extLst>
+          </a:blip>
+          <a:stretch>
+            <a:fillRect/>
+          </a:stretch>
+        </p:blipFill>
+        <p:spPr>
+          <a:xfrm>
+            <a:off x="4555686" y="7015279"/>
+            <a:ext cx="15272627" cy="6109050"/>
+          </a:xfrm>
+          <a:prstGeom prst="rect">
+            <a:avLst/>
+          </a:prstGeom>
+        </p:spPr>
+      </p:pic>
+    </p:spTree>
+    <p:extLst>
+      <p:ext uri="{BB962C8B-B14F-4D97-AF65-F5344CB8AC3E}">
+        <p14:creationId xmlns:p14="http://schemas.microsoft.com/office/powerpoint/2010/main" val="1530152366"/>
+      </p:ext>
+    </p:extLst>
+  </p:cSld>
+  <p:clrMapOvr>
+    <a:masterClrMapping/>
+  </p:clrMapOvr>
+  <p:transition spd="med"/>
 </p:sld>
 </file>
 
 <file path=ppt/theme/theme1.xml><?xml version="1.0" encoding="utf-8"?>
-<a:theme xmlns:a="http://schemas.openxmlformats.org/drawingml/2006/main" xmlns:r="http://schemas.openxmlformats.org/officeDocument/2006/relationships" name="30_BasicColor">
+<a:theme xmlns:a="http://schemas.openxmlformats.org/drawingml/2006/main" name="30_BasicColor">
   <a:themeElements>
     <a:clrScheme name="30_BasicColor">
       <a:dk1>
@@ -4418,7 +6265,7 @@
         <a:effectLst/>
         <a:sp3d/>
       </a:spPr>
-      <a:bodyPr rot="0" spcFirstLastPara="1" vertOverflow="overflow" horzOverflow="overflow" vert="horz" wrap="square" lIns="50800" tIns="50800" rIns="50800" bIns="50800" numCol="1" spcCol="38100" rtlCol="0" anchor="ctr" upright="0">
+      <a:bodyPr rot="0" spcFirstLastPara="1" vertOverflow="overflow" horzOverflow="overflow" vert="horz" wrap="square" lIns="50800" tIns="50800" rIns="50800" bIns="50800" numCol="1" spcCol="38100" rtlCol="0" anchor="ctr">
         <a:spAutoFit/>
       </a:bodyPr>
       <a:lstStyle>
@@ -4437,7 +6284,7 @@
           <a:buFontTx/>
           <a:buNone/>
           <a:tabLst/>
-          <a:defRPr b="0" baseline="0" cap="none" i="0" spc="0" strike="noStrike" sz="3200" u="none" kumimoji="0" normalizeH="0">
+          <a:defRPr kumimoji="0" sz="3200" b="0" i="0" u="none" strike="noStrike" cap="none" spc="0" normalizeH="0" baseline="0">
             <a:ln>
               <a:noFill/>
             </a:ln>
@@ -4467,7 +6314,7 @@
           <a:buFontTx/>
           <a:buNone/>
           <a:tabLst/>
-          <a:defRPr b="0" baseline="0" cap="none" i="0" spc="0" strike="noStrike" sz="1800" u="none" kumimoji="0" normalizeH="0">
+          <a:defRPr kumimoji="0" sz="1800" b="0" i="0" u="none" strike="noStrike" cap="none" spc="0" normalizeH="0" baseline="0">
             <a:ln>
               <a:noFill/>
             </a:ln>
@@ -4493,7 +6340,7 @@
           <a:buFontTx/>
           <a:buNone/>
           <a:tabLst/>
-          <a:defRPr b="0" baseline="0" cap="none" i="0" spc="0" strike="noStrike" sz="1800" u="none" kumimoji="0" normalizeH="0">
+          <a:defRPr kumimoji="0" sz="1800" b="0" i="0" u="none" strike="noStrike" cap="none" spc="0" normalizeH="0" baseline="0">
             <a:ln>
               <a:noFill/>
             </a:ln>
@@ -4519,7 +6366,7 @@
           <a:buFontTx/>
           <a:buNone/>
           <a:tabLst/>
-          <a:defRPr b="0" baseline="0" cap="none" i="0" spc="0" strike="noStrike" sz="1800" u="none" kumimoji="0" normalizeH="0">
+          <a:defRPr kumimoji="0" sz="1800" b="0" i="0" u="none" strike="noStrike" cap="none" spc="0" normalizeH="0" baseline="0">
             <a:ln>
               <a:noFill/>
             </a:ln>
@@ -4545,7 +6392,7 @@
           <a:buFontTx/>
           <a:buNone/>
           <a:tabLst/>
-          <a:defRPr b="0" baseline="0" cap="none" i="0" spc="0" strike="noStrike" sz="1800" u="none" kumimoji="0" normalizeH="0">
+          <a:defRPr kumimoji="0" sz="1800" b="0" i="0" u="none" strike="noStrike" cap="none" spc="0" normalizeH="0" baseline="0">
             <a:ln>
               <a:noFill/>
             </a:ln>
@@ -4571,7 +6418,7 @@
           <a:buFontTx/>
           <a:buNone/>
           <a:tabLst/>
-          <a:defRPr b="0" baseline="0" cap="none" i="0" spc="0" strike="noStrike" sz="1800" u="none" kumimoji="0" normalizeH="0">
+          <a:defRPr kumimoji="0" sz="1800" b="0" i="0" u="none" strike="noStrike" cap="none" spc="0" normalizeH="0" baseline="0">
             <a:ln>
               <a:noFill/>
             </a:ln>
@@ -4597,7 +6444,7 @@
           <a:buFontTx/>
           <a:buNone/>
           <a:tabLst/>
-          <a:defRPr b="0" baseline="0" cap="none" i="0" spc="0" strike="noStrike" sz="1800" u="none" kumimoji="0" normalizeH="0">
+          <a:defRPr kumimoji="0" sz="1800" b="0" i="0" u="none" strike="noStrike" cap="none" spc="0" normalizeH="0" baseline="0">
             <a:ln>
               <a:noFill/>
             </a:ln>
@@ -4623,7 +6470,7 @@
           <a:buFontTx/>
           <a:buNone/>
           <a:tabLst/>
-          <a:defRPr b="0" baseline="0" cap="none" i="0" spc="0" strike="noStrike" sz="1800" u="none" kumimoji="0" normalizeH="0">
+          <a:defRPr kumimoji="0" sz="1800" b="0" i="0" u="none" strike="noStrike" cap="none" spc="0" normalizeH="0" baseline="0">
             <a:ln>
               <a:noFill/>
             </a:ln>
@@ -4649,7 +6496,7 @@
           <a:buFontTx/>
           <a:buNone/>
           <a:tabLst/>
-          <a:defRPr b="0" baseline="0" cap="none" i="0" spc="0" strike="noStrike" sz="1800" u="none" kumimoji="0" normalizeH="0">
+          <a:defRPr kumimoji="0" sz="1800" b="0" i="0" u="none" strike="noStrike" cap="none" spc="0" normalizeH="0" baseline="0">
             <a:ln>
               <a:noFill/>
             </a:ln>
@@ -4675,7 +6522,7 @@
           <a:buFontTx/>
           <a:buNone/>
           <a:tabLst/>
-          <a:defRPr b="0" baseline="0" cap="none" i="0" spc="0" strike="noStrike" sz="1800" u="none" kumimoji="0" normalizeH="0">
+          <a:defRPr kumimoji="0" sz="1800" b="0" i="0" u="none" strike="noStrike" cap="none" spc="0" normalizeH="0" baseline="0">
             <a:ln>
               <a:noFill/>
             </a:ln>
@@ -4688,9 +6535,15 @@
         </a:lvl9pPr>
       </a:lstStyle>
       <a:style>
-        <a:lnRef idx="0"/>
-        <a:fillRef idx="0"/>
-        <a:effectRef idx="0"/>
+        <a:lnRef idx="0">
+          <a:scrgbClr r="0" g="0" b="0"/>
+        </a:lnRef>
+        <a:fillRef idx="0">
+          <a:scrgbClr r="0" g="0" b="0"/>
+        </a:fillRef>
+        <a:effectRef idx="0">
+          <a:scrgbClr r="0" g="0" b="0"/>
+        </a:effectRef>
         <a:fontRef idx="none"/>
       </a:style>
     </a:spDef>
@@ -4707,7 +6560,7 @@
         <a:effectLst/>
         <a:sp3d/>
       </a:spPr>
-      <a:bodyPr rot="0" spcFirstLastPara="1" vertOverflow="overflow" horzOverflow="overflow" vert="horz" wrap="square" lIns="91439" tIns="45719" rIns="91439" bIns="45719" numCol="1" spcCol="38100" rtlCol="0" anchor="t" upright="0">
+      <a:bodyPr rot="0" spcFirstLastPara="1" vertOverflow="overflow" horzOverflow="overflow" vert="horz" wrap="square" lIns="91439" tIns="45719" rIns="91439" bIns="45719" numCol="1" spcCol="38100" rtlCol="0" anchor="t">
         <a:noAutofit/>
       </a:bodyPr>
       <a:lstStyle>
@@ -4726,7 +6579,7 @@
           <a:buFontTx/>
           <a:buNone/>
           <a:tabLst/>
-          <a:defRPr b="0" baseline="0" cap="none" i="0" spc="0" strike="noStrike" sz="1800" u="none" kumimoji="0" normalizeH="0">
+          <a:defRPr kumimoji="0" sz="1800" b="0" i="0" u="none" strike="noStrike" cap="none" spc="0" normalizeH="0" baseline="0">
             <a:ln>
               <a:noFill/>
             </a:ln>
@@ -4752,7 +6605,7 @@
           <a:buFontTx/>
           <a:buNone/>
           <a:tabLst/>
-          <a:defRPr b="0" baseline="0" cap="none" i="0" spc="0" strike="noStrike" sz="1800" u="none" kumimoji="0" normalizeH="0">
+          <a:defRPr kumimoji="0" sz="1800" b="0" i="0" u="none" strike="noStrike" cap="none" spc="0" normalizeH="0" baseline="0">
             <a:ln>
               <a:noFill/>
             </a:ln>
@@ -4778,7 +6631,7 @@
           <a:buFontTx/>
           <a:buNone/>
           <a:tabLst/>
-          <a:defRPr b="0" baseline="0" cap="none" i="0" spc="0" strike="noStrike" sz="1800" u="none" kumimoji="0" normalizeH="0">
+          <a:defRPr kumimoji="0" sz="1800" b="0" i="0" u="none" strike="noStrike" cap="none" spc="0" normalizeH="0" baseline="0">
             <a:ln>
               <a:noFill/>
             </a:ln>
@@ -4804,7 +6657,7 @@
           <a:buFontTx/>
           <a:buNone/>
           <a:tabLst/>
-          <a:defRPr b="0" baseline="0" cap="none" i="0" spc="0" strike="noStrike" sz="1800" u="none" kumimoji="0" normalizeH="0">
+          <a:defRPr kumimoji="0" sz="1800" b="0" i="0" u="none" strike="noStrike" cap="none" spc="0" normalizeH="0" baseline="0">
             <a:ln>
               <a:noFill/>
             </a:ln>
@@ -4830,7 +6683,7 @@
           <a:buFontTx/>
           <a:buNone/>
           <a:tabLst/>
-          <a:defRPr b="0" baseline="0" cap="none" i="0" spc="0" strike="noStrike" sz="1800" u="none" kumimoji="0" normalizeH="0">
+          <a:defRPr kumimoji="0" sz="1800" b="0" i="0" u="none" strike="noStrike" cap="none" spc="0" normalizeH="0" baseline="0">
             <a:ln>
               <a:noFill/>
             </a:ln>
@@ -4856,7 +6709,7 @@
           <a:buFontTx/>
           <a:buNone/>
           <a:tabLst/>
-          <a:defRPr b="0" baseline="0" cap="none" i="0" spc="0" strike="noStrike" sz="1800" u="none" kumimoji="0" normalizeH="0">
+          <a:defRPr kumimoji="0" sz="1800" b="0" i="0" u="none" strike="noStrike" cap="none" spc="0" normalizeH="0" baseline="0">
             <a:ln>
               <a:noFill/>
             </a:ln>
@@ -4882,7 +6735,7 @@
           <a:buFontTx/>
           <a:buNone/>
           <a:tabLst/>
-          <a:defRPr b="0" baseline="0" cap="none" i="0" spc="0" strike="noStrike" sz="1800" u="none" kumimoji="0" normalizeH="0">
+          <a:defRPr kumimoji="0" sz="1800" b="0" i="0" u="none" strike="noStrike" cap="none" spc="0" normalizeH="0" baseline="0">
             <a:ln>
               <a:noFill/>
             </a:ln>
@@ -4908,7 +6761,7 @@
           <a:buFontTx/>
           <a:buNone/>
           <a:tabLst/>
-          <a:defRPr b="0" baseline="0" cap="none" i="0" spc="0" strike="noStrike" sz="1800" u="none" kumimoji="0" normalizeH="0">
+          <a:defRPr kumimoji="0" sz="1800" b="0" i="0" u="none" strike="noStrike" cap="none" spc="0" normalizeH="0" baseline="0">
             <a:ln>
               <a:noFill/>
             </a:ln>
@@ -4934,7 +6787,7 @@
           <a:buFontTx/>
           <a:buNone/>
           <a:tabLst/>
-          <a:defRPr b="0" baseline="0" cap="none" i="0" spc="0" strike="noStrike" sz="1800" u="none" kumimoji="0" normalizeH="0">
+          <a:defRPr kumimoji="0" sz="1800" b="0" i="0" u="none" strike="noStrike" cap="none" spc="0" normalizeH="0" baseline="0">
             <a:ln>
               <a:noFill/>
             </a:ln>
@@ -4960,7 +6813,7 @@
           <a:buFontTx/>
           <a:buNone/>
           <a:tabLst/>
-          <a:defRPr b="0" baseline="0" cap="none" i="0" spc="0" strike="noStrike" sz="1800" u="none" kumimoji="0" normalizeH="0">
+          <a:defRPr kumimoji="0" sz="1800" b="0" i="0" u="none" strike="noStrike" cap="none" spc="0" normalizeH="0" baseline="0">
             <a:ln>
               <a:noFill/>
             </a:ln>
@@ -4973,9 +6826,15 @@
         </a:lvl9pPr>
       </a:lstStyle>
       <a:style>
-        <a:lnRef idx="0"/>
-        <a:fillRef idx="0"/>
-        <a:effectRef idx="0"/>
+        <a:lnRef idx="0">
+          <a:scrgbClr r="0" g="0" b="0"/>
+        </a:lnRef>
+        <a:fillRef idx="0">
+          <a:scrgbClr r="0" g="0" b="0"/>
+        </a:fillRef>
+        <a:effectRef idx="0">
+          <a:scrgbClr r="0" g="0" b="0"/>
+        </a:effectRef>
         <a:fontRef idx="none"/>
       </a:style>
     </a:lnDef>
@@ -4989,7 +6848,7 @@
         <a:effectLst/>
         <a:sp3d/>
       </a:spPr>
-      <a:bodyPr rot="0" spcFirstLastPara="1" vertOverflow="overflow" horzOverflow="overflow" vert="horz" wrap="square" lIns="50800" tIns="50800" rIns="50800" bIns="50800" numCol="1" spcCol="38100" rtlCol="0" anchor="ctr" upright="0">
+      <a:bodyPr rot="0" spcFirstLastPara="1" vertOverflow="overflow" horzOverflow="overflow" vert="horz" wrap="square" lIns="50800" tIns="50800" rIns="50800" bIns="50800" numCol="1" spcCol="38100" rtlCol="0" anchor="ctr">
         <a:spAutoFit/>
       </a:bodyPr>
       <a:lstStyle>
@@ -5008,7 +6867,7 @@
           <a:buFontTx/>
           <a:buNone/>
           <a:tabLst/>
-          <a:defRPr b="0" baseline="0" cap="none" i="0" spc="0" strike="noStrike" sz="2400" u="none" kumimoji="0" normalizeH="0">
+          <a:defRPr kumimoji="0" sz="2400" b="0" i="0" u="none" strike="noStrike" cap="none" spc="0" normalizeH="0" baseline="0">
             <a:ln>
               <a:noFill/>
             </a:ln>
@@ -5038,7 +6897,7 @@
           <a:buFontTx/>
           <a:buNone/>
           <a:tabLst/>
-          <a:defRPr b="0" baseline="0" cap="none" i="0" spc="0" strike="noStrike" sz="1800" u="none" kumimoji="0" normalizeH="0">
+          <a:defRPr kumimoji="0" sz="1800" b="0" i="0" u="none" strike="noStrike" cap="none" spc="0" normalizeH="0" baseline="0">
             <a:ln>
               <a:noFill/>
             </a:ln>
@@ -5064,7 +6923,7 @@
           <a:buFontTx/>
           <a:buNone/>
           <a:tabLst/>
-          <a:defRPr b="0" baseline="0" cap="none" i="0" spc="0" strike="noStrike" sz="1800" u="none" kumimoji="0" normalizeH="0">
+          <a:defRPr kumimoji="0" sz="1800" b="0" i="0" u="none" strike="noStrike" cap="none" spc="0" normalizeH="0" baseline="0">
             <a:ln>
               <a:noFill/>
             </a:ln>
@@ -5090,7 +6949,7 @@
           <a:buFontTx/>
           <a:buNone/>
           <a:tabLst/>
-          <a:defRPr b="0" baseline="0" cap="none" i="0" spc="0" strike="noStrike" sz="1800" u="none" kumimoji="0" normalizeH="0">
+          <a:defRPr kumimoji="0" sz="1800" b="0" i="0" u="none" strike="noStrike" cap="none" spc="0" normalizeH="0" baseline="0">
             <a:ln>
               <a:noFill/>
             </a:ln>
@@ -5116,7 +6975,7 @@
           <a:buFontTx/>
           <a:buNone/>
           <a:tabLst/>
-          <a:defRPr b="0" baseline="0" cap="none" i="0" spc="0" strike="noStrike" sz="1800" u="none" kumimoji="0" normalizeH="0">
+          <a:defRPr kumimoji="0" sz="1800" b="0" i="0" u="none" strike="noStrike" cap="none" spc="0" normalizeH="0" baseline="0">
             <a:ln>
               <a:noFill/>
             </a:ln>
@@ -5142,7 +7001,7 @@
           <a:buFontTx/>
           <a:buNone/>
           <a:tabLst/>
-          <a:defRPr b="0" baseline="0" cap="none" i="0" spc="0" strike="noStrike" sz="1800" u="none" kumimoji="0" normalizeH="0">
+          <a:defRPr kumimoji="0" sz="1800" b="0" i="0" u="none" strike="noStrike" cap="none" spc="0" normalizeH="0" baseline="0">
             <a:ln>
               <a:noFill/>
             </a:ln>
@@ -5168,7 +7027,7 @@
           <a:buFontTx/>
           <a:buNone/>
           <a:tabLst/>
-          <a:defRPr b="0" baseline="0" cap="none" i="0" spc="0" strike="noStrike" sz="1800" u="none" kumimoji="0" normalizeH="0">
+          <a:defRPr kumimoji="0" sz="1800" b="0" i="0" u="none" strike="noStrike" cap="none" spc="0" normalizeH="0" baseline="0">
             <a:ln>
               <a:noFill/>
             </a:ln>
@@ -5194,7 +7053,7 @@
           <a:buFontTx/>
           <a:buNone/>
           <a:tabLst/>
-          <a:defRPr b="0" baseline="0" cap="none" i="0" spc="0" strike="noStrike" sz="1800" u="none" kumimoji="0" normalizeH="0">
+          <a:defRPr kumimoji="0" sz="1800" b="0" i="0" u="none" strike="noStrike" cap="none" spc="0" normalizeH="0" baseline="0">
             <a:ln>
               <a:noFill/>
             </a:ln>
@@ -5220,7 +7079,7 @@
           <a:buFontTx/>
           <a:buNone/>
           <a:tabLst/>
-          <a:defRPr b="0" baseline="0" cap="none" i="0" spc="0" strike="noStrike" sz="1800" u="none" kumimoji="0" normalizeH="0">
+          <a:defRPr kumimoji="0" sz="1800" b="0" i="0" u="none" strike="noStrike" cap="none" spc="0" normalizeH="0" baseline="0">
             <a:ln>
               <a:noFill/>
             </a:ln>
@@ -5246,7 +7105,7 @@
           <a:buFontTx/>
           <a:buNone/>
           <a:tabLst/>
-          <a:defRPr b="0" baseline="0" cap="none" i="0" spc="0" strike="noStrike" sz="1800" u="none" kumimoji="0" normalizeH="0">
+          <a:defRPr kumimoji="0" sz="1800" b="0" i="0" u="none" strike="noStrike" cap="none" spc="0" normalizeH="0" baseline="0">
             <a:ln>
               <a:noFill/>
             </a:ln>
@@ -5259,18 +7118,25 @@
         </a:lvl9pPr>
       </a:lstStyle>
       <a:style>
-        <a:lnRef idx="0"/>
-        <a:fillRef idx="0"/>
-        <a:effectRef idx="0"/>
+        <a:lnRef idx="0">
+          <a:scrgbClr r="0" g="0" b="0"/>
+        </a:lnRef>
+        <a:fillRef idx="0">
+          <a:scrgbClr r="0" g="0" b="0"/>
+        </a:fillRef>
+        <a:effectRef idx="0">
+          <a:scrgbClr r="0" g="0" b="0"/>
+        </a:effectRef>
         <a:fontRef idx="none"/>
       </a:style>
     </a:txDef>
   </a:objectDefaults>
+  <a:extraClrSchemeLst/>
 </a:theme>
 </file>
 
 <file path=ppt/theme/theme2.xml><?xml version="1.0" encoding="utf-8"?>
-<a:theme xmlns:a="http://schemas.openxmlformats.org/drawingml/2006/main" xmlns:r="http://schemas.openxmlformats.org/officeDocument/2006/relationships" name="30_BasicColor">
+<a:theme xmlns:a="http://schemas.openxmlformats.org/drawingml/2006/main" name="30_BasicColor">
   <a:themeElements>
     <a:clrScheme name="30_BasicColor">
       <a:dk1>
@@ -5469,7 +7335,7 @@
         <a:effectLst/>
         <a:sp3d/>
       </a:spPr>
-      <a:bodyPr rot="0" spcFirstLastPara="1" vertOverflow="overflow" horzOverflow="overflow" vert="horz" wrap="square" lIns="50800" tIns="50800" rIns="50800" bIns="50800" numCol="1" spcCol="38100" rtlCol="0" anchor="ctr" upright="0">
+      <a:bodyPr rot="0" spcFirstLastPara="1" vertOverflow="overflow" horzOverflow="overflow" vert="horz" wrap="square" lIns="50800" tIns="50800" rIns="50800" bIns="50800" numCol="1" spcCol="38100" rtlCol="0" anchor="ctr">
         <a:spAutoFit/>
       </a:bodyPr>
       <a:lstStyle>
@@ -5488,7 +7354,7 @@
           <a:buFontTx/>
           <a:buNone/>
           <a:tabLst/>
-          <a:defRPr b="0" baseline="0" cap="none" i="0" spc="0" strike="noStrike" sz="3200" u="none" kumimoji="0" normalizeH="0">
+          <a:defRPr kumimoji="0" sz="3200" b="0" i="0" u="none" strike="noStrike" cap="none" spc="0" normalizeH="0" baseline="0">
             <a:ln>
               <a:noFill/>
             </a:ln>
@@ -5518,7 +7384,7 @@
           <a:buFontTx/>
           <a:buNone/>
           <a:tabLst/>
-          <a:defRPr b="0" baseline="0" cap="none" i="0" spc="0" strike="noStrike" sz="1800" u="none" kumimoji="0" normalizeH="0">
+          <a:defRPr kumimoji="0" sz="1800" b="0" i="0" u="none" strike="noStrike" cap="none" spc="0" normalizeH="0" baseline="0">
             <a:ln>
               <a:noFill/>
             </a:ln>
@@ -5544,7 +7410,7 @@
           <a:buFontTx/>
           <a:buNone/>
           <a:tabLst/>
-          <a:defRPr b="0" baseline="0" cap="none" i="0" spc="0" strike="noStrike" sz="1800" u="none" kumimoji="0" normalizeH="0">
+          <a:defRPr kumimoji="0" sz="1800" b="0" i="0" u="none" strike="noStrike" cap="none" spc="0" normalizeH="0" baseline="0">
             <a:ln>
               <a:noFill/>
             </a:ln>
@@ -5570,7 +7436,7 @@
           <a:buFontTx/>
           <a:buNone/>
           <a:tabLst/>
-          <a:defRPr b="0" baseline="0" cap="none" i="0" spc="0" strike="noStrike" sz="1800" u="none" kumimoji="0" normalizeH="0">
+          <a:defRPr kumimoji="0" sz="1800" b="0" i="0" u="none" strike="noStrike" cap="none" spc="0" normalizeH="0" baseline="0">
             <a:ln>
               <a:noFill/>
             </a:ln>
@@ -5596,7 +7462,7 @@
           <a:buFontTx/>
           <a:buNone/>
           <a:tabLst/>
-          <a:defRPr b="0" baseline="0" cap="none" i="0" spc="0" strike="noStrike" sz="1800" u="none" kumimoji="0" normalizeH="0">
+          <a:defRPr kumimoji="0" sz="1800" b="0" i="0" u="none" strike="noStrike" cap="none" spc="0" normalizeH="0" baseline="0">
             <a:ln>
               <a:noFill/>
             </a:ln>
@@ -5622,7 +7488,7 @@
           <a:buFontTx/>
           <a:buNone/>
           <a:tabLst/>
-          <a:defRPr b="0" baseline="0" cap="none" i="0" spc="0" strike="noStrike" sz="1800" u="none" kumimoji="0" normalizeH="0">
+          <a:defRPr kumimoji="0" sz="1800" b="0" i="0" u="none" strike="noStrike" cap="none" spc="0" normalizeH="0" baseline="0">
             <a:ln>
               <a:noFill/>
             </a:ln>
@@ -5648,7 +7514,7 @@
           <a:buFontTx/>
           <a:buNone/>
           <a:tabLst/>
-          <a:defRPr b="0" baseline="0" cap="none" i="0" spc="0" strike="noStrike" sz="1800" u="none" kumimoji="0" normalizeH="0">
+          <a:defRPr kumimoji="0" sz="1800" b="0" i="0" u="none" strike="noStrike" cap="none" spc="0" normalizeH="0" baseline="0">
             <a:ln>
               <a:noFill/>
             </a:ln>
@@ -5674,7 +7540,7 @@
           <a:buFontTx/>
           <a:buNone/>
           <a:tabLst/>
-          <a:defRPr b="0" baseline="0" cap="none" i="0" spc="0" strike="noStrike" sz="1800" u="none" kumimoji="0" normalizeH="0">
+          <a:defRPr kumimoji="0" sz="1800" b="0" i="0" u="none" strike="noStrike" cap="none" spc="0" normalizeH="0" baseline="0">
             <a:ln>
               <a:noFill/>
             </a:ln>
@@ -5700,7 +7566,7 @@
           <a:buFontTx/>
           <a:buNone/>
           <a:tabLst/>
-          <a:defRPr b="0" baseline="0" cap="none" i="0" spc="0" strike="noStrike" sz="1800" u="none" kumimoji="0" normalizeH="0">
+          <a:defRPr kumimoji="0" sz="1800" b="0" i="0" u="none" strike="noStrike" cap="none" spc="0" normalizeH="0" baseline="0">
             <a:ln>
               <a:noFill/>
             </a:ln>
@@ -5726,7 +7592,7 @@
           <a:buFontTx/>
           <a:buNone/>
           <a:tabLst/>
-          <a:defRPr b="0" baseline="0" cap="none" i="0" spc="0" strike="noStrike" sz="1800" u="none" kumimoji="0" normalizeH="0">
+          <a:defRPr kumimoji="0" sz="1800" b="0" i="0" u="none" strike="noStrike" cap="none" spc="0" normalizeH="0" baseline="0">
             <a:ln>
               <a:noFill/>
             </a:ln>
@@ -5739,9 +7605,15 @@
         </a:lvl9pPr>
       </a:lstStyle>
       <a:style>
-        <a:lnRef idx="0"/>
-        <a:fillRef idx="0"/>
-        <a:effectRef idx="0"/>
+        <a:lnRef idx="0">
+          <a:scrgbClr r="0" g="0" b="0"/>
+        </a:lnRef>
+        <a:fillRef idx="0">
+          <a:scrgbClr r="0" g="0" b="0"/>
+        </a:fillRef>
+        <a:effectRef idx="0">
+          <a:scrgbClr r="0" g="0" b="0"/>
+        </a:effectRef>
         <a:fontRef idx="none"/>
       </a:style>
     </a:spDef>
@@ -5758,7 +7630,7 @@
         <a:effectLst/>
         <a:sp3d/>
       </a:spPr>
-      <a:bodyPr rot="0" spcFirstLastPara="1" vertOverflow="overflow" horzOverflow="overflow" vert="horz" wrap="square" lIns="91439" tIns="45719" rIns="91439" bIns="45719" numCol="1" spcCol="38100" rtlCol="0" anchor="t" upright="0">
+      <a:bodyPr rot="0" spcFirstLastPara="1" vertOverflow="overflow" horzOverflow="overflow" vert="horz" wrap="square" lIns="91439" tIns="45719" rIns="91439" bIns="45719" numCol="1" spcCol="38100" rtlCol="0" anchor="t">
         <a:noAutofit/>
       </a:bodyPr>
       <a:lstStyle>
@@ -5777,7 +7649,7 @@
           <a:buFontTx/>
           <a:buNone/>
           <a:tabLst/>
-          <a:defRPr b="0" baseline="0" cap="none" i="0" spc="0" strike="noStrike" sz="1800" u="none" kumimoji="0" normalizeH="0">
+          <a:defRPr kumimoji="0" sz="1800" b="0" i="0" u="none" strike="noStrike" cap="none" spc="0" normalizeH="0" baseline="0">
             <a:ln>
               <a:noFill/>
             </a:ln>
@@ -5803,7 +7675,7 @@
           <a:buFontTx/>
           <a:buNone/>
           <a:tabLst/>
-          <a:defRPr b="0" baseline="0" cap="none" i="0" spc="0" strike="noStrike" sz="1800" u="none" kumimoji="0" normalizeH="0">
+          <a:defRPr kumimoji="0" sz="1800" b="0" i="0" u="none" strike="noStrike" cap="none" spc="0" normalizeH="0" baseline="0">
             <a:ln>
               <a:noFill/>
             </a:ln>
@@ -5829,7 +7701,7 @@
           <a:buFontTx/>
           <a:buNone/>
           <a:tabLst/>
-          <a:defRPr b="0" baseline="0" cap="none" i="0" spc="0" strike="noStrike" sz="1800" u="none" kumimoji="0" normalizeH="0">
+          <a:defRPr kumimoji="0" sz="1800" b="0" i="0" u="none" strike="noStrike" cap="none" spc="0" normalizeH="0" baseline="0">
             <a:ln>
               <a:noFill/>
             </a:ln>
@@ -5855,7 +7727,7 @@
           <a:buFontTx/>
           <a:buNone/>
           <a:tabLst/>
-          <a:defRPr b="0" baseline="0" cap="none" i="0" spc="0" strike="noStrike" sz="1800" u="none" kumimoji="0" normalizeH="0">
+          <a:defRPr kumimoji="0" sz="1800" b="0" i="0" u="none" strike="noStrike" cap="none" spc="0" normalizeH="0" baseline="0">
             <a:ln>
               <a:noFill/>
             </a:ln>
@@ -5881,7 +7753,7 @@
           <a:buFontTx/>
           <a:buNone/>
           <a:tabLst/>
-          <a:defRPr b="0" baseline="0" cap="none" i="0" spc="0" strike="noStrike" sz="1800" u="none" kumimoji="0" normalizeH="0">
+          <a:defRPr kumimoji="0" sz="1800" b="0" i="0" u="none" strike="noStrike" cap="none" spc="0" normalizeH="0" baseline="0">
             <a:ln>
               <a:noFill/>
             </a:ln>
@@ -5907,7 +7779,7 @@
           <a:buFontTx/>
           <a:buNone/>
           <a:tabLst/>
-          <a:defRPr b="0" baseline="0" cap="none" i="0" spc="0" strike="noStrike" sz="1800" u="none" kumimoji="0" normalizeH="0">
+          <a:defRPr kumimoji="0" sz="1800" b="0" i="0" u="none" strike="noStrike" cap="none" spc="0" normalizeH="0" baseline="0">
             <a:ln>
               <a:noFill/>
             </a:ln>
@@ -5933,7 +7805,7 @@
           <a:buFontTx/>
           <a:buNone/>
           <a:tabLst/>
-          <a:defRPr b="0" baseline="0" cap="none" i="0" spc="0" strike="noStrike" sz="1800" u="none" kumimoji="0" normalizeH="0">
+          <a:defRPr kumimoji="0" sz="1800" b="0" i="0" u="none" strike="noStrike" cap="none" spc="0" normalizeH="0" baseline="0">
             <a:ln>
               <a:noFill/>
             </a:ln>
@@ -5959,7 +7831,7 @@
           <a:buFontTx/>
           <a:buNone/>
           <a:tabLst/>
-          <a:defRPr b="0" baseline="0" cap="none" i="0" spc="0" strike="noStrike" sz="1800" u="none" kumimoji="0" normalizeH="0">
+          <a:defRPr kumimoji="0" sz="1800" b="0" i="0" u="none" strike="noStrike" cap="none" spc="0" normalizeH="0" baseline="0">
             <a:ln>
               <a:noFill/>
             </a:ln>
@@ -5985,7 +7857,7 @@
           <a:buFontTx/>
           <a:buNone/>
           <a:tabLst/>
-          <a:defRPr b="0" baseline="0" cap="none" i="0" spc="0" strike="noStrike" sz="1800" u="none" kumimoji="0" normalizeH="0">
+          <a:defRPr kumimoji="0" sz="1800" b="0" i="0" u="none" strike="noStrike" cap="none" spc="0" normalizeH="0" baseline="0">
             <a:ln>
               <a:noFill/>
             </a:ln>
@@ -6011,7 +7883,7 @@
           <a:buFontTx/>
           <a:buNone/>
           <a:tabLst/>
-          <a:defRPr b="0" baseline="0" cap="none" i="0" spc="0" strike="noStrike" sz="1800" u="none" kumimoji="0" normalizeH="0">
+          <a:defRPr kumimoji="0" sz="1800" b="0" i="0" u="none" strike="noStrike" cap="none" spc="0" normalizeH="0" baseline="0">
             <a:ln>
               <a:noFill/>
             </a:ln>
@@ -6024,9 +7896,15 @@
         </a:lvl9pPr>
       </a:lstStyle>
       <a:style>
-        <a:lnRef idx="0"/>
-        <a:fillRef idx="0"/>
-        <a:effectRef idx="0"/>
+        <a:lnRef idx="0">
+          <a:scrgbClr r="0" g="0" b="0"/>
+        </a:lnRef>
+        <a:fillRef idx="0">
+          <a:scrgbClr r="0" g="0" b="0"/>
+        </a:fillRef>
+        <a:effectRef idx="0">
+          <a:scrgbClr r="0" g="0" b="0"/>
+        </a:effectRef>
         <a:fontRef idx="none"/>
       </a:style>
     </a:lnDef>
@@ -6040,7 +7918,7 @@
         <a:effectLst/>
         <a:sp3d/>
       </a:spPr>
-      <a:bodyPr rot="0" spcFirstLastPara="1" vertOverflow="overflow" horzOverflow="overflow" vert="horz" wrap="square" lIns="50800" tIns="50800" rIns="50800" bIns="50800" numCol="1" spcCol="38100" rtlCol="0" anchor="ctr" upright="0">
+      <a:bodyPr rot="0" spcFirstLastPara="1" vertOverflow="overflow" horzOverflow="overflow" vert="horz" wrap="square" lIns="50800" tIns="50800" rIns="50800" bIns="50800" numCol="1" spcCol="38100" rtlCol="0" anchor="ctr">
         <a:spAutoFit/>
       </a:bodyPr>
       <a:lstStyle>
@@ -6059,7 +7937,7 @@
           <a:buFontTx/>
           <a:buNone/>
           <a:tabLst/>
-          <a:defRPr b="0" baseline="0" cap="none" i="0" spc="0" strike="noStrike" sz="2400" u="none" kumimoji="0" normalizeH="0">
+          <a:defRPr kumimoji="0" sz="2400" b="0" i="0" u="none" strike="noStrike" cap="none" spc="0" normalizeH="0" baseline="0">
             <a:ln>
               <a:noFill/>
             </a:ln>
@@ -6089,7 +7967,7 @@
           <a:buFontTx/>
           <a:buNone/>
           <a:tabLst/>
-          <a:defRPr b="0" baseline="0" cap="none" i="0" spc="0" strike="noStrike" sz="1800" u="none" kumimoji="0" normalizeH="0">
+          <a:defRPr kumimoji="0" sz="1800" b="0" i="0" u="none" strike="noStrike" cap="none" spc="0" normalizeH="0" baseline="0">
             <a:ln>
               <a:noFill/>
             </a:ln>
@@ -6115,7 +7993,7 @@
           <a:buFontTx/>
           <a:buNone/>
           <a:tabLst/>
-          <a:defRPr b="0" baseline="0" cap="none" i="0" spc="0" strike="noStrike" sz="1800" u="none" kumimoji="0" normalizeH="0">
+          <a:defRPr kumimoji="0" sz="1800" b="0" i="0" u="none" strike="noStrike" cap="none" spc="0" normalizeH="0" baseline="0">
             <a:ln>
               <a:noFill/>
             </a:ln>
@@ -6141,7 +8019,7 @@
           <a:buFontTx/>
           <a:buNone/>
           <a:tabLst/>
-          <a:defRPr b="0" baseline="0" cap="none" i="0" spc="0" strike="noStrike" sz="1800" u="none" kumimoji="0" normalizeH="0">
+          <a:defRPr kumimoji="0" sz="1800" b="0" i="0" u="none" strike="noStrike" cap="none" spc="0" normalizeH="0" baseline="0">
             <a:ln>
               <a:noFill/>
             </a:ln>
@@ -6167,7 +8045,7 @@
           <a:buFontTx/>
           <a:buNone/>
           <a:tabLst/>
-          <a:defRPr b="0" baseline="0" cap="none" i="0" spc="0" strike="noStrike" sz="1800" u="none" kumimoji="0" normalizeH="0">
+          <a:defRPr kumimoji="0" sz="1800" b="0" i="0" u="none" strike="noStrike" cap="none" spc="0" normalizeH="0" baseline="0">
             <a:ln>
               <a:noFill/>
             </a:ln>
@@ -6193,7 +8071,7 @@
           <a:buFontTx/>
           <a:buNone/>
           <a:tabLst/>
-          <a:defRPr b="0" baseline="0" cap="none" i="0" spc="0" strike="noStrike" sz="1800" u="none" kumimoji="0" normalizeH="0">
+          <a:defRPr kumimoji="0" sz="1800" b="0" i="0" u="none" strike="noStrike" cap="none" spc="0" normalizeH="0" baseline="0">
             <a:ln>
               <a:noFill/>
             </a:ln>
@@ -6219,7 +8097,7 @@
           <a:buFontTx/>
           <a:buNone/>
           <a:tabLst/>
-          <a:defRPr b="0" baseline="0" cap="none" i="0" spc="0" strike="noStrike" sz="1800" u="none" kumimoji="0" normalizeH="0">
+          <a:defRPr kumimoji="0" sz="1800" b="0" i="0" u="none" strike="noStrike" cap="none" spc="0" normalizeH="0" baseline="0">
             <a:ln>
               <a:noFill/>
             </a:ln>
@@ -6245,7 +8123,7 @@
           <a:buFontTx/>
           <a:buNone/>
           <a:tabLst/>
-          <a:defRPr b="0" baseline="0" cap="none" i="0" spc="0" strike="noStrike" sz="1800" u="none" kumimoji="0" normalizeH="0">
+          <a:defRPr kumimoji="0" sz="1800" b="0" i="0" u="none" strike="noStrike" cap="none" spc="0" normalizeH="0" baseline="0">
             <a:ln>
               <a:noFill/>
             </a:ln>
@@ -6271,7 +8149,7 @@
           <a:buFontTx/>
           <a:buNone/>
           <a:tabLst/>
-          <a:defRPr b="0" baseline="0" cap="none" i="0" spc="0" strike="noStrike" sz="1800" u="none" kumimoji="0" normalizeH="0">
+          <a:defRPr kumimoji="0" sz="1800" b="0" i="0" u="none" strike="noStrike" cap="none" spc="0" normalizeH="0" baseline="0">
             <a:ln>
               <a:noFill/>
             </a:ln>
@@ -6297,7 +8175,7 @@
           <a:buFontTx/>
           <a:buNone/>
           <a:tabLst/>
-          <a:defRPr b="0" baseline="0" cap="none" i="0" spc="0" strike="noStrike" sz="1800" u="none" kumimoji="0" normalizeH="0">
+          <a:defRPr kumimoji="0" sz="1800" b="0" i="0" u="none" strike="noStrike" cap="none" spc="0" normalizeH="0" baseline="0">
             <a:ln>
               <a:noFill/>
             </a:ln>
@@ -6310,12 +8188,19 @@
         </a:lvl9pPr>
       </a:lstStyle>
       <a:style>
-        <a:lnRef idx="0"/>
-        <a:fillRef idx="0"/>
-        <a:effectRef idx="0"/>
+        <a:lnRef idx="0">
+          <a:scrgbClr r="0" g="0" b="0"/>
+        </a:lnRef>
+        <a:fillRef idx="0">
+          <a:scrgbClr r="0" g="0" b="0"/>
+        </a:fillRef>
+        <a:effectRef idx="0">
+          <a:scrgbClr r="0" g="0" b="0"/>
+        </a:effectRef>
         <a:fontRef idx="none"/>
       </a:style>
     </a:txDef>
   </a:objectDefaults>
+  <a:extraClrSchemeLst/>
 </a:theme>
 </file>
--- a/컴퓨터비전 중간 데이터/산업컴퓨터비전실제_중간프로젝트_김준태.pptx
+++ b/컴퓨터비전 중간 데이터/산업컴퓨터비전실제_중간프로젝트_김준태.pptx
@@ -5,7 +5,7 @@
     <p:sldMasterId id="2147483648" r:id="rId1"/>
   </p:sldMasterIdLst>
   <p:notesMasterIdLst>
-    <p:notesMasterId r:id="rId8"/>
+    <p:notesMasterId r:id="rId9"/>
   </p:notesMasterIdLst>
   <p:sldIdLst>
     <p:sldId id="256" r:id="rId2"/>
@@ -14,6 +14,7 @@
     <p:sldId id="261" r:id="rId5"/>
     <p:sldId id="260" r:id="rId6"/>
     <p:sldId id="259" r:id="rId7"/>
+    <p:sldId id="262" r:id="rId8"/>
   </p:sldIdLst>
   <p:sldSz cx="24384000" cy="13716000"/>
   <p:notesSz cx="6858000" cy="9144000"/>
@@ -315,6 +316,11 @@
       </a:defRPr>
     </a:lvl9pPr>
   </p:defaultTextStyle>
+  <p:extLst>
+    <p:ext uri="{EFAFB233-063F-42B5-8137-9DF3F51BA10A}">
+      <p15:sldGuideLst xmlns:p15="http://schemas.microsoft.com/office/powerpoint/2012/main"/>
+    </p:ext>
+  </p:extLst>
 </p:presentation>
 </file>
 
@@ -3176,7 +3182,7 @@
           </a:ln>
           <a:extLst>
             <a:ext uri="{C572A759-6A51-4108-AA02-DFA0A04FC94B}">
-              <ma14:wrappingTextBoxFlag xmlns:ma14="http://schemas.microsoft.com/office/mac/drawingml/2011/main" xmlns:a14="http://schemas.microsoft.com/office/drawing/2010/main" xmlns:m="http://schemas.openxmlformats.org/officeDocument/2006/math" xmlns="" val="1"/>
+              <ma14:wrappingTextBoxFlag xmlns="" xmlns:m="http://schemas.openxmlformats.org/officeDocument/2006/math" xmlns:a14="http://schemas.microsoft.com/office/drawing/2010/main" xmlns:ma14="http://schemas.microsoft.com/office/mac/drawingml/2011/main" val="1"/>
             </a:ext>
           </a:extLst>
         </p:spPr>
@@ -3215,7 +3221,7 @@
           </a:ln>
           <a:extLst>
             <a:ext uri="{C572A759-6A51-4108-AA02-DFA0A04FC94B}">
-              <ma14:wrappingTextBoxFlag xmlns:ma14="http://schemas.microsoft.com/office/mac/drawingml/2011/main" xmlns:a14="http://schemas.microsoft.com/office/drawing/2010/main" xmlns:m="http://schemas.openxmlformats.org/officeDocument/2006/math" xmlns="" val="1"/>
+              <ma14:wrappingTextBoxFlag xmlns="" xmlns:m="http://schemas.openxmlformats.org/officeDocument/2006/math" xmlns:a14="http://schemas.microsoft.com/office/drawing/2010/main" xmlns:ma14="http://schemas.microsoft.com/office/mac/drawingml/2011/main" val="1"/>
             </a:ext>
           </a:extLst>
         </p:spPr>
@@ -4084,7 +4090,7 @@
           </a:prstGeom>
           <a:extLst>
             <a:ext uri="{C572A759-6A51-4108-AA02-DFA0A04FC94B}">
-              <ma14:wrappingTextBoxFlag xmlns:ma14="http://schemas.microsoft.com/office/mac/drawingml/2011/main" xmlns:a14="http://schemas.microsoft.com/office/drawing/2010/main" xmlns:m="http://schemas.openxmlformats.org/officeDocument/2006/math" xmlns="" val="1"/>
+              <ma14:wrappingTextBoxFlag xmlns="" xmlns:m="http://schemas.openxmlformats.org/officeDocument/2006/math" xmlns:a14="http://schemas.microsoft.com/office/drawing/2010/main" xmlns:ma14="http://schemas.microsoft.com/office/mac/drawingml/2011/main" val="1"/>
             </a:ext>
           </a:extLst>
         </p:spPr>
@@ -4272,6 +4278,22 @@
             <a:r>
               <a:t>알고리즘 적용 결과</a:t>
             </a:r>
+            <a:endParaRPr lang="en-US"/>
+          </a:p>
+          <a:p>
+            <a:r>
+              <a:rPr lang="ko-KR" altLang="en-US"/>
+              <a:t>추가 활용 방안 </a:t>
+            </a:r>
+            <a:r>
+              <a:rPr lang="en-US" altLang="ko-KR"/>
+              <a:t>– </a:t>
+            </a:r>
+            <a:r>
+              <a:rPr lang="ko-KR" altLang="en-US"/>
+              <a:t>전처리를 통한 신경망 성능 향상 </a:t>
+            </a:r>
+            <a:endParaRPr/>
           </a:p>
         </p:txBody>
       </p:sp>
@@ -4869,7 +4891,7 @@
           </a:ln>
           <a:extLst>
             <a:ext uri="{C572A759-6A51-4108-AA02-DFA0A04FC94B}">
-              <ma14:wrappingTextBoxFlag xmlns:ma14="http://schemas.microsoft.com/office/mac/drawingml/2011/main" xmlns:a14="http://schemas.microsoft.com/office/drawing/2010/main" xmlns:m="http://schemas.openxmlformats.org/officeDocument/2006/math" xmlns="" val="1"/>
+              <ma14:wrappingTextBoxFlag xmlns="" xmlns:m="http://schemas.openxmlformats.org/officeDocument/2006/math" xmlns:a14="http://schemas.microsoft.com/office/drawing/2010/main" xmlns:ma14="http://schemas.microsoft.com/office/mac/drawingml/2011/main" val="1"/>
             </a:ext>
           </a:extLst>
         </p:spPr>
@@ -5317,7 +5339,7 @@
           </a:ln>
           <a:extLst>
             <a:ext uri="{C572A759-6A51-4108-AA02-DFA0A04FC94B}">
-              <ma14:wrappingTextBoxFlag xmlns:ma14="http://schemas.microsoft.com/office/mac/drawingml/2011/main" xmlns:a14="http://schemas.microsoft.com/office/drawing/2010/main" xmlns:m="http://schemas.openxmlformats.org/officeDocument/2006/math" xmlns="" val="1"/>
+              <ma14:wrappingTextBoxFlag xmlns="" xmlns:m="http://schemas.openxmlformats.org/officeDocument/2006/math" xmlns:a14="http://schemas.microsoft.com/office/drawing/2010/main" xmlns:ma14="http://schemas.microsoft.com/office/mac/drawingml/2011/main" val="1"/>
             </a:ext>
           </a:extLst>
         </p:spPr>
@@ -5723,7 +5745,7 @@
           </a:ln>
           <a:extLst>
             <a:ext uri="{C572A759-6A51-4108-AA02-DFA0A04FC94B}">
-              <ma14:wrappingTextBoxFlag xmlns:ma14="http://schemas.microsoft.com/office/mac/drawingml/2011/main" xmlns:a14="http://schemas.microsoft.com/office/drawing/2010/main" xmlns:m="http://schemas.openxmlformats.org/officeDocument/2006/math" xmlns="" val="1"/>
+              <ma14:wrappingTextBoxFlag xmlns="" xmlns:m="http://schemas.openxmlformats.org/officeDocument/2006/math" xmlns:a14="http://schemas.microsoft.com/office/drawing/2010/main" xmlns:ma14="http://schemas.microsoft.com/office/mac/drawingml/2011/main" val="1"/>
             </a:ext>
           </a:extLst>
         </p:spPr>
@@ -6055,6 +6077,165 @@
     <p:extLst>
       <p:ext uri="{BB962C8B-B14F-4D97-AF65-F5344CB8AC3E}">
         <p14:creationId xmlns:p14="http://schemas.microsoft.com/office/powerpoint/2010/main" val="1530152366"/>
+      </p:ext>
+    </p:extLst>
+  </p:cSld>
+  <p:clrMapOvr>
+    <a:masterClrMapping/>
+  </p:clrMapOvr>
+  <p:transition spd="med"/>
+</p:sld>
+</file>
+
+<file path=ppt/slides/slide7.xml><?xml version="1.0" encoding="utf-8"?>
+<p:sld xmlns:a="http://schemas.openxmlformats.org/drawingml/2006/main" xmlns:r="http://schemas.openxmlformats.org/officeDocument/2006/relationships" xmlns:p="http://schemas.openxmlformats.org/presentationml/2006/main">
+  <p:cSld>
+    <p:spTree>
+      <p:nvGrpSpPr>
+        <p:cNvPr id="1" name=""/>
+        <p:cNvGrpSpPr/>
+        <p:nvPr/>
+      </p:nvGrpSpPr>
+      <p:grpSpPr>
+        <a:xfrm>
+          <a:off x="0" y="0"/>
+          <a:ext cx="0" cy="0"/>
+          <a:chOff x="0" y="0"/>
+          <a:chExt cx="0" cy="0"/>
+        </a:xfrm>
+      </p:grpSpPr>
+      <p:sp>
+        <p:nvSpPr>
+          <p:cNvPr id="2" name="제목 1">
+            <a:extLst>
+              <a:ext uri="{FF2B5EF4-FFF2-40B4-BE49-F238E27FC236}">
+                <a16:creationId xmlns:a16="http://schemas.microsoft.com/office/drawing/2014/main" id="{B3C4B1E2-76EA-4923-8053-B43E1E2E29D1}"/>
+              </a:ext>
+            </a:extLst>
+          </p:cNvPr>
+          <p:cNvSpPr>
+            <a:spLocks noGrp="1"/>
+          </p:cNvSpPr>
+          <p:nvPr>
+            <p:ph type="title"/>
+          </p:nvPr>
+        </p:nvSpPr>
+        <p:spPr/>
+        <p:txBody>
+          <a:bodyPr>
+            <a:normAutofit fontScale="90000"/>
+          </a:bodyPr>
+          <a:lstStyle/>
+          <a:p>
+            <a:r>
+              <a:rPr lang="ko-KR" altLang="en-US"/>
+              <a:t>추가 활용 방안 </a:t>
+            </a:r>
+            <a:r>
+              <a:rPr lang="en-US" altLang="ko-KR"/>
+              <a:t>– </a:t>
+            </a:r>
+            <a:r>
+              <a:rPr lang="ko-KR" altLang="en-US"/>
+              <a:t>전처리를 통한 신경망 성능 향상</a:t>
+            </a:r>
+          </a:p>
+        </p:txBody>
+      </p:sp>
+      <p:sp>
+        <p:nvSpPr>
+          <p:cNvPr id="4" name="텍스트 개체 틀 3">
+            <a:extLst>
+              <a:ext uri="{FF2B5EF4-FFF2-40B4-BE49-F238E27FC236}">
+                <a16:creationId xmlns:a16="http://schemas.microsoft.com/office/drawing/2014/main" id="{0EBDD0F8-D1A2-4412-891E-7A9CECA19392}"/>
+              </a:ext>
+            </a:extLst>
+          </p:cNvPr>
+          <p:cNvSpPr>
+            <a:spLocks noGrp="1"/>
+          </p:cNvSpPr>
+          <p:nvPr>
+            <p:ph type="body" idx="1"/>
+          </p:nvPr>
+        </p:nvSpPr>
+        <p:spPr>
+          <a:xfrm>
+            <a:off x="1206500" y="3130062"/>
+            <a:ext cx="21971000" cy="9374454"/>
+          </a:xfrm>
+        </p:spPr>
+        <p:txBody>
+          <a:bodyPr/>
+          <a:lstStyle/>
+          <a:p>
+            <a:pPr>
+              <a:buFont typeface="Arial" panose="020B0604020202020204" pitchFamily="34" charset="0"/>
+              <a:buChar char="•"/>
+            </a:pPr>
+            <a:r>
+              <a:rPr lang="ko-KR" altLang="en-US"/>
+              <a:t>이미지 또한 수치형 데이터와 마찬가지로 데이터의 노이즈 감소</a:t>
+            </a:r>
+            <a:r>
+              <a:rPr lang="en-US" altLang="ko-KR"/>
+              <a:t>,</a:t>
+            </a:r>
+            <a:br>
+              <a:rPr lang="en-US" altLang="ko-KR"/>
+            </a:br>
+            <a:r>
+              <a:rPr lang="ko-KR" altLang="en-US"/>
+              <a:t>픽셀 구성 값의 </a:t>
+            </a:r>
+            <a:r>
+              <a:rPr lang="en-US" altLang="ko-KR"/>
+              <a:t>Normalization </a:t>
+            </a:r>
+            <a:r>
+              <a:rPr lang="ko-KR" altLang="en-US"/>
+              <a:t>등 다양한 필터를 적용하여 전처리가 가능</a:t>
+            </a:r>
+            <a:endParaRPr lang="en-US" altLang="ko-KR"/>
+          </a:p>
+          <a:p>
+            <a:pPr>
+              <a:buFont typeface="Arial" panose="020B0604020202020204" pitchFamily="34" charset="0"/>
+              <a:buChar char="•"/>
+            </a:pPr>
+            <a:r>
+              <a:rPr lang="ko-KR" altLang="en-US"/>
+              <a:t>기존 </a:t>
+            </a:r>
+            <a:r>
+              <a:rPr lang="en-US" altLang="ko-KR"/>
+              <a:t>KAMP Baseline </a:t>
+            </a:r>
+            <a:r>
+              <a:rPr lang="ko-KR" altLang="en-US"/>
+              <a:t>모델 구조는 고정한 상태로</a:t>
+            </a:r>
+            <a:br>
+              <a:rPr lang="en-US" altLang="ko-KR"/>
+            </a:br>
+            <a:r>
+              <a:rPr lang="ko-KR" altLang="en-US"/>
+              <a:t>원본 데이터 학습 결과와 전처리 데이터 학습 결과 비교를 통해</a:t>
+            </a:r>
+            <a:br>
+              <a:rPr lang="en-US" altLang="ko-KR"/>
+            </a:br>
+            <a:r>
+              <a:rPr lang="ko-KR" altLang="en-US"/>
+              <a:t>전처리 효과 비교 가능 </a:t>
+            </a:r>
+            <a:endParaRPr lang="en-US" altLang="ko-KR"/>
+          </a:p>
+        </p:txBody>
+      </p:sp>
+    </p:spTree>
+    <p:extLst>
+      <p:ext uri="{BB962C8B-B14F-4D97-AF65-F5344CB8AC3E}">
+        <p14:creationId xmlns:p14="http://schemas.microsoft.com/office/powerpoint/2010/main" val="4232071554"/>
       </p:ext>
     </p:extLst>
   </p:cSld>

--- a/컴퓨터비전 중간 데이터/산업컴퓨터비전실제_중간프로젝트_김준태.pptx
+++ b/컴퓨터비전 중간 데이터/산업컴퓨터비전실제_중간프로젝트_김준태.pptx
@@ -1,20 +1,21 @@
 
 <file path=ppt/presentation.xml><?xml version="1.0" encoding="utf-8"?>
-<p:presentation xmlns:a="http://schemas.openxmlformats.org/drawingml/2006/main" xmlns:r="http://schemas.openxmlformats.org/officeDocument/2006/relationships" xmlns:p="http://schemas.openxmlformats.org/presentationml/2006/main">
+<p:presentation xmlns:a="http://schemas.openxmlformats.org/drawingml/2006/main" xmlns:r="http://schemas.openxmlformats.org/officeDocument/2006/relationships" xmlns:p="http://schemas.openxmlformats.org/presentationml/2006/main" xmlns:m="http://schemas.openxmlformats.org/officeDocument/2006/math" xmlns:a14="http://schemas.microsoft.com/office/drawing/2010/main">
   <p:sldMasterIdLst>
-    <p:sldMasterId id="2147483648" r:id="rId1"/>
+    <p:sldMasterId id="2147483648" r:id="rId5"/>
   </p:sldMasterIdLst>
   <p:notesMasterIdLst>
-    <p:notesMasterId r:id="rId9"/>
+    <p:notesMasterId r:id="rId7"/>
   </p:notesMasterIdLst>
   <p:sldIdLst>
-    <p:sldId id="256" r:id="rId2"/>
-    <p:sldId id="257" r:id="rId3"/>
-    <p:sldId id="258" r:id="rId4"/>
-    <p:sldId id="261" r:id="rId5"/>
-    <p:sldId id="260" r:id="rId6"/>
-    <p:sldId id="259" r:id="rId7"/>
-    <p:sldId id="262" r:id="rId8"/>
+    <p:sldId id="256" r:id="rId8"/>
+    <p:sldId id="257" r:id="rId9"/>
+    <p:sldId id="258" r:id="rId10"/>
+    <p:sldId id="259" r:id="rId11"/>
+    <p:sldId id="260" r:id="rId12"/>
+    <p:sldId id="261" r:id="rId13"/>
+    <p:sldId id="262" r:id="rId14"/>
+    <p:sldId id="263" r:id="rId15"/>
   </p:sldIdLst>
   <p:sldSz cx="24384000" cy="13716000"/>
   <p:notesSz cx="6858000" cy="9144000"/>
@@ -34,7 +35,7 @@
       <a:buFontTx/>
       <a:buNone/>
       <a:tabLst/>
-      <a:defRPr kumimoji="0" sz="1800" b="0" i="0" u="none" strike="noStrike" cap="none" spc="0" normalizeH="0" baseline="0">
+      <a:defRPr b="0" baseline="0" cap="none" i="0" spc="0" strike="noStrike" sz="1800" u="none" kumimoji="0" normalizeH="0">
         <a:ln>
           <a:noFill/>
         </a:ln>
@@ -45,7 +46,7 @@
         <a:uFillTx/>
       </a:defRPr>
     </a:defPPr>
-    <a:lvl1pPr marL="0" marR="0" indent="0" algn="ctr" defTabSz="2438338" rtl="0" fontAlgn="auto" latinLnBrk="0" hangingPunct="0">
+    <a:lvl1pPr marL="0" marR="0" indent="0" algn="ctr" defTabSz="2438337" rtl="0" fontAlgn="auto" latinLnBrk="0" hangingPunct="0">
       <a:lnSpc>
         <a:spcPct val="100000"/>
       </a:lnSpc>
@@ -60,7 +61,7 @@
       <a:buFontTx/>
       <a:buNone/>
       <a:tabLst/>
-      <a:defRPr kumimoji="0" sz="2400" b="0" i="0" u="none" strike="noStrike" cap="none" spc="0" normalizeH="0" baseline="0">
+      <a:defRPr b="0" baseline="0" cap="none" i="0" spc="0" strike="noStrike" sz="2400" u="none" kumimoji="0" normalizeH="0">
         <a:ln>
           <a:noFill/>
         </a:ln>
@@ -75,7 +76,7 @@
         <a:sym typeface="Helvetica Neue"/>
       </a:defRPr>
     </a:lvl1pPr>
-    <a:lvl2pPr marL="0" marR="0" indent="457200" algn="ctr" defTabSz="2438338" rtl="0" fontAlgn="auto" latinLnBrk="0" hangingPunct="0">
+    <a:lvl2pPr marL="0" marR="0" indent="0" algn="ctr" defTabSz="2438337" rtl="0" fontAlgn="auto" latinLnBrk="0" hangingPunct="0">
       <a:lnSpc>
         <a:spcPct val="100000"/>
       </a:lnSpc>
@@ -90,7 +91,7 @@
       <a:buFontTx/>
       <a:buNone/>
       <a:tabLst/>
-      <a:defRPr kumimoji="0" sz="2400" b="0" i="0" u="none" strike="noStrike" cap="none" spc="0" normalizeH="0" baseline="0">
+      <a:defRPr b="0" baseline="0" cap="none" i="0" spc="0" strike="noStrike" sz="2400" u="none" kumimoji="0" normalizeH="0">
         <a:ln>
           <a:noFill/>
         </a:ln>
@@ -105,7 +106,7 @@
         <a:sym typeface="Helvetica Neue"/>
       </a:defRPr>
     </a:lvl2pPr>
-    <a:lvl3pPr marL="0" marR="0" indent="914400" algn="ctr" defTabSz="2438338" rtl="0" fontAlgn="auto" latinLnBrk="0" hangingPunct="0">
+    <a:lvl3pPr marL="0" marR="0" indent="0" algn="ctr" defTabSz="2438337" rtl="0" fontAlgn="auto" latinLnBrk="0" hangingPunct="0">
       <a:lnSpc>
         <a:spcPct val="100000"/>
       </a:lnSpc>
@@ -120,7 +121,7 @@
       <a:buFontTx/>
       <a:buNone/>
       <a:tabLst/>
-      <a:defRPr kumimoji="0" sz="2400" b="0" i="0" u="none" strike="noStrike" cap="none" spc="0" normalizeH="0" baseline="0">
+      <a:defRPr b="0" baseline="0" cap="none" i="0" spc="0" strike="noStrike" sz="2400" u="none" kumimoji="0" normalizeH="0">
         <a:ln>
           <a:noFill/>
         </a:ln>
@@ -135,7 +136,7 @@
         <a:sym typeface="Helvetica Neue"/>
       </a:defRPr>
     </a:lvl3pPr>
-    <a:lvl4pPr marL="0" marR="0" indent="1371600" algn="ctr" defTabSz="2438338" rtl="0" fontAlgn="auto" latinLnBrk="0" hangingPunct="0">
+    <a:lvl4pPr marL="0" marR="0" indent="0" algn="ctr" defTabSz="2438337" rtl="0" fontAlgn="auto" latinLnBrk="0" hangingPunct="0">
       <a:lnSpc>
         <a:spcPct val="100000"/>
       </a:lnSpc>
@@ -150,7 +151,7 @@
       <a:buFontTx/>
       <a:buNone/>
       <a:tabLst/>
-      <a:defRPr kumimoji="0" sz="2400" b="0" i="0" u="none" strike="noStrike" cap="none" spc="0" normalizeH="0" baseline="0">
+      <a:defRPr b="0" baseline="0" cap="none" i="0" spc="0" strike="noStrike" sz="2400" u="none" kumimoji="0" normalizeH="0">
         <a:ln>
           <a:noFill/>
         </a:ln>
@@ -165,7 +166,7 @@
         <a:sym typeface="Helvetica Neue"/>
       </a:defRPr>
     </a:lvl4pPr>
-    <a:lvl5pPr marL="0" marR="0" indent="1828800" algn="ctr" defTabSz="2438338" rtl="0" fontAlgn="auto" latinLnBrk="0" hangingPunct="0">
+    <a:lvl5pPr marL="0" marR="0" indent="0" algn="ctr" defTabSz="2438337" rtl="0" fontAlgn="auto" latinLnBrk="0" hangingPunct="0">
       <a:lnSpc>
         <a:spcPct val="100000"/>
       </a:lnSpc>
@@ -180,7 +181,7 @@
       <a:buFontTx/>
       <a:buNone/>
       <a:tabLst/>
-      <a:defRPr kumimoji="0" sz="2400" b="0" i="0" u="none" strike="noStrike" cap="none" spc="0" normalizeH="0" baseline="0">
+      <a:defRPr b="0" baseline="0" cap="none" i="0" spc="0" strike="noStrike" sz="2400" u="none" kumimoji="0" normalizeH="0">
         <a:ln>
           <a:noFill/>
         </a:ln>
@@ -195,7 +196,7 @@
         <a:sym typeface="Helvetica Neue"/>
       </a:defRPr>
     </a:lvl5pPr>
-    <a:lvl6pPr marL="0" marR="0" indent="2286000" algn="ctr" defTabSz="2438338" rtl="0" fontAlgn="auto" latinLnBrk="0" hangingPunct="0">
+    <a:lvl6pPr marL="0" marR="0" indent="0" algn="ctr" defTabSz="2438337" rtl="0" fontAlgn="auto" latinLnBrk="0" hangingPunct="0">
       <a:lnSpc>
         <a:spcPct val="100000"/>
       </a:lnSpc>
@@ -210,7 +211,7 @@
       <a:buFontTx/>
       <a:buNone/>
       <a:tabLst/>
-      <a:defRPr kumimoji="0" sz="2400" b="0" i="0" u="none" strike="noStrike" cap="none" spc="0" normalizeH="0" baseline="0">
+      <a:defRPr b="0" baseline="0" cap="none" i="0" spc="0" strike="noStrike" sz="2400" u="none" kumimoji="0" normalizeH="0">
         <a:ln>
           <a:noFill/>
         </a:ln>
@@ -225,7 +226,7 @@
         <a:sym typeface="Helvetica Neue"/>
       </a:defRPr>
     </a:lvl6pPr>
-    <a:lvl7pPr marL="0" marR="0" indent="2743200" algn="ctr" defTabSz="2438338" rtl="0" fontAlgn="auto" latinLnBrk="0" hangingPunct="0">
+    <a:lvl7pPr marL="0" marR="0" indent="0" algn="ctr" defTabSz="2438337" rtl="0" fontAlgn="auto" latinLnBrk="0" hangingPunct="0">
       <a:lnSpc>
         <a:spcPct val="100000"/>
       </a:lnSpc>
@@ -240,7 +241,7 @@
       <a:buFontTx/>
       <a:buNone/>
       <a:tabLst/>
-      <a:defRPr kumimoji="0" sz="2400" b="0" i="0" u="none" strike="noStrike" cap="none" spc="0" normalizeH="0" baseline="0">
+      <a:defRPr b="0" baseline="0" cap="none" i="0" spc="0" strike="noStrike" sz="2400" u="none" kumimoji="0" normalizeH="0">
         <a:ln>
           <a:noFill/>
         </a:ln>
@@ -255,7 +256,7 @@
         <a:sym typeface="Helvetica Neue"/>
       </a:defRPr>
     </a:lvl7pPr>
-    <a:lvl8pPr marL="0" marR="0" indent="3200400" algn="ctr" defTabSz="2438338" rtl="0" fontAlgn="auto" latinLnBrk="0" hangingPunct="0">
+    <a:lvl8pPr marL="0" marR="0" indent="0" algn="ctr" defTabSz="2438337" rtl="0" fontAlgn="auto" latinLnBrk="0" hangingPunct="0">
       <a:lnSpc>
         <a:spcPct val="100000"/>
       </a:lnSpc>
@@ -270,7 +271,7 @@
       <a:buFontTx/>
       <a:buNone/>
       <a:tabLst/>
-      <a:defRPr kumimoji="0" sz="2400" b="0" i="0" u="none" strike="noStrike" cap="none" spc="0" normalizeH="0" baseline="0">
+      <a:defRPr b="0" baseline="0" cap="none" i="0" spc="0" strike="noStrike" sz="2400" u="none" kumimoji="0" normalizeH="0">
         <a:ln>
           <a:noFill/>
         </a:ln>
@@ -285,7 +286,7 @@
         <a:sym typeface="Helvetica Neue"/>
       </a:defRPr>
     </a:lvl8pPr>
-    <a:lvl9pPr marL="0" marR="0" indent="3657600" algn="ctr" defTabSz="2438338" rtl="0" fontAlgn="auto" latinLnBrk="0" hangingPunct="0">
+    <a:lvl9pPr marL="0" marR="0" indent="0" algn="ctr" defTabSz="2438337" rtl="0" fontAlgn="auto" latinLnBrk="0" hangingPunct="0">
       <a:lnSpc>
         <a:spcPct val="100000"/>
       </a:lnSpc>
@@ -300,7 +301,7 @@
       <a:buFontTx/>
       <a:buNone/>
       <a:tabLst/>
-      <a:defRPr kumimoji="0" sz="2400" b="0" i="0" u="none" strike="noStrike" cap="none" spc="0" normalizeH="0" baseline="0">
+      <a:defRPr b="0" baseline="0" cap="none" i="0" spc="0" strike="noStrike" sz="2400" u="none" kumimoji="0" normalizeH="0">
         <a:ln>
           <a:noFill/>
         </a:ln>
@@ -316,22 +317,16 @@
       </a:defRPr>
     </a:lvl9pPr>
   </p:defaultTextStyle>
-  <p:extLst>
-    <p:ext uri="{EFAFB233-063F-42B5-8137-9DF3F51BA10A}">
-      <p15:sldGuideLst xmlns:p15="http://schemas.microsoft.com/office/powerpoint/2012/main"/>
-    </p:ext>
-  </p:extLst>
 </p:presentation>
 </file>
 
+<file path=ppt/commentAuthors.xml><?xml version="1.0" encoding="utf-8"?>
+<p:cmAuthorLst xmlns:a="http://schemas.openxmlformats.org/drawingml/2006/main" xmlns:r="http://schemas.openxmlformats.org/officeDocument/2006/relationships" xmlns:p="http://schemas.openxmlformats.org/presentationml/2006/main" xmlns:m="http://schemas.openxmlformats.org/officeDocument/2006/math" xmlns:a14="http://schemas.microsoft.com/office/drawing/2010/main"/>
+</file>
+
 <file path=ppt/notesMasters/notesMaster1.xml><?xml version="1.0" encoding="utf-8"?>
-<p:notesMaster xmlns:a="http://schemas.openxmlformats.org/drawingml/2006/main" xmlns:r="http://schemas.openxmlformats.org/officeDocument/2006/relationships" xmlns:p="http://schemas.openxmlformats.org/presentationml/2006/main">
+<p:notesMaster xmlns:a="http://schemas.openxmlformats.org/drawingml/2006/main" xmlns:r="http://schemas.openxmlformats.org/officeDocument/2006/relationships" xmlns:p="http://schemas.openxmlformats.org/presentationml/2006/main" xmlns:m="http://schemas.openxmlformats.org/officeDocument/2006/math" xmlns:a14="http://schemas.microsoft.com/office/drawing/2010/main">
   <p:cSld>
-    <p:bg>
-      <p:bgRef idx="1001">
-        <a:schemeClr val="bg1"/>
-      </p:bgRef>
-    </p:bg>
     <p:spTree>
       <p:nvGrpSpPr>
         <p:cNvPr id="1" name=""/>
@@ -349,9 +344,7 @@
       <p:sp>
         <p:nvSpPr>
           <p:cNvPr id="148" name="Shape 148"/>
-          <p:cNvSpPr>
-            <a:spLocks noGrp="1" noRot="1" noChangeAspect="1"/>
-          </p:cNvSpPr>
+          <p:cNvSpPr/>
           <p:nvPr>
             <p:ph type="sldImg"/>
           </p:nvPr>
@@ -369,16 +362,14 @@
           <a:bodyPr/>
           <a:lstStyle/>
           <a:p>
-            <a:endParaRPr/>
+            <a:pPr/>
           </a:p>
         </p:txBody>
       </p:sp>
       <p:sp>
         <p:nvSpPr>
           <p:cNvPr id="149" name="Shape 149"/>
-          <p:cNvSpPr>
-            <a:spLocks noGrp="1"/>
-          </p:cNvSpPr>
+          <p:cNvSpPr/>
           <p:nvPr>
             <p:ph type="body" sz="quarter" idx="1"/>
           </p:nvPr>
@@ -396,7 +387,7 @@
           <a:bodyPr/>
           <a:lstStyle/>
           <a:p>
-            <a:endParaRPr/>
+            <a:pPr/>
           </a:p>
         </p:txBody>
       </p:sp>
@@ -508,14 +499,13 @@
 </file>
 
 <file path=ppt/slideLayouts/slideLayout1.xml><?xml version="1.0" encoding="utf-8"?>
-<p:sldLayout xmlns:a="http://schemas.openxmlformats.org/drawingml/2006/main" xmlns:r="http://schemas.openxmlformats.org/officeDocument/2006/relationships" xmlns:p="http://schemas.openxmlformats.org/presentationml/2006/main" type="title">
+<p:sldLayout xmlns:a="http://schemas.openxmlformats.org/drawingml/2006/main" xmlns:r="http://schemas.openxmlformats.org/officeDocument/2006/relationships" xmlns:p="http://schemas.openxmlformats.org/presentationml/2006/main" xmlns:m="http://schemas.openxmlformats.org/officeDocument/2006/math" xmlns:a14="http://schemas.microsoft.com/office/drawing/2010/main" type="tx" showMasterSp="1" showMasterPhAnim="1">
   <p:cSld name="제목">
     <p:bg>
       <p:bgPr>
         <a:solidFill>
           <a:srgbClr val="003462"/>
         </a:solidFill>
-        <a:effectLst/>
       </p:bgPr>
     </p:bg>
     <p:spTree>
@@ -534,25 +524,23 @@
       </p:grpSpPr>
       <p:sp>
         <p:nvSpPr>
-          <p:cNvPr id="11" name="저자 및 날짜"/>
-          <p:cNvSpPr txBox="1">
-            <a:spLocks noGrp="1"/>
-          </p:cNvSpPr>
+          <p:cNvPr id="11" name="본문 첫 번째 줄…"/>
+          <p:cNvSpPr txBox="1"/>
           <p:nvPr>
-            <p:ph type="body" sz="quarter" idx="21" hasCustomPrompt="1"/>
+            <p:ph type="body" sz="quarter" idx="1" hasCustomPrompt="1"/>
           </p:nvPr>
         </p:nvSpPr>
         <p:spPr>
           <a:xfrm>
             <a:off x="1201340" y="11847162"/>
-            <a:ext cx="21971003" cy="636979"/>
+            <a:ext cx="21971004" cy="636980"/>
           </a:xfrm>
           <a:prstGeom prst="rect">
             <a:avLst/>
           </a:prstGeom>
         </p:spPr>
         <p:txBody>
-          <a:bodyPr lIns="45719" tIns="45719" rIns="45719" bIns="45719"/>
+          <a:bodyPr lIns="45718" tIns="45718" rIns="45718" bIns="45718" numCol="1" spcCol="38100"/>
           <a:lstStyle>
             <a:lvl1pPr marL="0" indent="0" defTabSz="784225">
               <a:lnSpc>
@@ -563,16 +551,93 @@
               </a:spcBef>
               <a:buSzTx/>
               <a:buNone/>
-              <a:defRPr sz="3420" b="1">
+              <a:defRPr b="1" sz="3400">
                 <a:solidFill>
                   <a:srgbClr val="FFFFFF"/>
                 </a:solidFill>
               </a:defRPr>
             </a:lvl1pPr>
+            <a:lvl2pPr marL="1041400" indent="-431800" defTabSz="784225">
+              <a:lnSpc>
+                <a:spcPct val="100000"/>
+              </a:lnSpc>
+              <a:spcBef>
+                <a:spcPts val="0"/>
+              </a:spcBef>
+              <a:defRPr b="1" sz="3400">
+                <a:solidFill>
+                  <a:srgbClr val="FFFFFF"/>
+                </a:solidFill>
+              </a:defRPr>
+            </a:lvl2pPr>
+            <a:lvl3pPr marL="1651000" indent="-431800" defTabSz="784225">
+              <a:lnSpc>
+                <a:spcPct val="100000"/>
+              </a:lnSpc>
+              <a:spcBef>
+                <a:spcPts val="0"/>
+              </a:spcBef>
+              <a:defRPr b="1" sz="3400">
+                <a:solidFill>
+                  <a:srgbClr val="FFFFFF"/>
+                </a:solidFill>
+              </a:defRPr>
+            </a:lvl3pPr>
+            <a:lvl4pPr marL="2260600" indent="-431800" defTabSz="784225">
+              <a:lnSpc>
+                <a:spcPct val="100000"/>
+              </a:lnSpc>
+              <a:spcBef>
+                <a:spcPts val="0"/>
+              </a:spcBef>
+              <a:defRPr b="1" sz="3400">
+                <a:solidFill>
+                  <a:srgbClr val="FFFFFF"/>
+                </a:solidFill>
+              </a:defRPr>
+            </a:lvl4pPr>
+            <a:lvl5pPr marL="2870200" indent="-431800" defTabSz="784225">
+              <a:lnSpc>
+                <a:spcPct val="100000"/>
+              </a:lnSpc>
+              <a:spcBef>
+                <a:spcPts val="0"/>
+              </a:spcBef>
+              <a:defRPr b="1" sz="3400">
+                <a:solidFill>
+                  <a:srgbClr val="FFFFFF"/>
+                </a:solidFill>
+              </a:defRPr>
+            </a:lvl5pPr>
           </a:lstStyle>
           <a:p>
+            <a:pPr/>
             <a:r>
               <a:t>저자 및 날짜</a:t>
+            </a:r>
+          </a:p>
+          <a:p>
+            <a:pPr lvl="1"/>
+            <a:r>
+              <a:t/>
+            </a:r>
+          </a:p>
+          <a:p>
+            <a:pPr lvl="2"/>
+            <a:r>
+              <a:t/>
+            </a:r>
+          </a:p>
+          <a:p>
+            <a:pPr lvl="3"/>
+            <a:r>
+              <a:t/>
+            </a:r>
+          </a:p>
+          <a:p>
+            <a:pPr lvl="4"/>
+            <a:r>
+              <a:t/>
             </a:r>
           </a:p>
         </p:txBody>
@@ -580,9 +645,7 @@
       <p:sp>
         <p:nvSpPr>
           <p:cNvPr id="12" name="프레젠테이션 제목"/>
-          <p:cNvSpPr txBox="1">
-            <a:spLocks noGrp="1"/>
-          </p:cNvSpPr>
+          <p:cNvSpPr txBox="1"/>
           <p:nvPr>
             <p:ph type="title" hasCustomPrompt="1"/>
           </p:nvPr>
@@ -590,7 +653,7 @@
         <p:spPr>
           <a:xfrm>
             <a:off x="1206496" y="2574991"/>
-            <a:ext cx="21971004" cy="4648201"/>
+            <a:ext cx="21971005" cy="4648202"/>
           </a:xfrm>
           <a:prstGeom prst="rect">
             <a:avLst/>
@@ -600,7 +663,7 @@
           <a:bodyPr anchor="b"/>
           <a:lstStyle>
             <a:lvl1pPr>
-              <a:defRPr sz="11600" spc="-232">
+              <a:defRPr spc="-232" sz="11600">
                 <a:solidFill>
                   <a:srgbClr val="FFFFFF"/>
                 </a:solidFill>
@@ -608,6 +671,7 @@
             </a:lvl1pPr>
           </a:lstStyle>
           <a:p>
+            <a:pPr/>
             <a:r>
               <a:t>프레젠테이션 제목</a:t>
             </a:r>
@@ -617,24 +681,22 @@
       <p:sp>
         <p:nvSpPr>
           <p:cNvPr id="13" name="본문 첫 번째 줄…"/>
-          <p:cNvSpPr txBox="1">
-            <a:spLocks noGrp="1"/>
-          </p:cNvSpPr>
+          <p:cNvSpPr txBox="1"/>
           <p:nvPr>
-            <p:ph type="body" sz="quarter" idx="1" hasCustomPrompt="1"/>
+            <p:ph type="body" sz="quarter" idx="21" hasCustomPrompt="1"/>
           </p:nvPr>
         </p:nvSpPr>
         <p:spPr>
           <a:xfrm>
             <a:off x="1201342" y="7210490"/>
-            <a:ext cx="21971001" cy="1905001"/>
+            <a:ext cx="21971002" cy="1905002"/>
           </a:xfrm>
           <a:prstGeom prst="rect">
             <a:avLst/>
           </a:prstGeom>
         </p:spPr>
         <p:txBody>
-          <a:bodyPr/>
+          <a:bodyPr numCol="1" spcCol="38100"/>
           <a:lstStyle>
             <a:lvl1pPr marL="0" indent="0" defTabSz="825500">
               <a:lnSpc>
@@ -645,102 +707,25 @@
               </a:spcBef>
               <a:buSzTx/>
               <a:buNone/>
-              <a:defRPr sz="5500" b="1">
+              <a:defRPr b="1" sz="5500">
                 <a:solidFill>
                   <a:schemeClr val="accent1"/>
                 </a:solidFill>
               </a:defRPr>
             </a:lvl1pPr>
-            <a:lvl2pPr marL="0" indent="457200" defTabSz="825500">
-              <a:lnSpc>
-                <a:spcPct val="100000"/>
-              </a:lnSpc>
-              <a:spcBef>
-                <a:spcPts val="0"/>
-              </a:spcBef>
-              <a:buSzTx/>
-              <a:buNone/>
-              <a:defRPr sz="5500" b="1">
-                <a:solidFill>
-                  <a:schemeClr val="accent1"/>
-                </a:solidFill>
-              </a:defRPr>
-            </a:lvl2pPr>
-            <a:lvl3pPr marL="0" indent="914400" defTabSz="825500">
-              <a:lnSpc>
-                <a:spcPct val="100000"/>
-              </a:lnSpc>
-              <a:spcBef>
-                <a:spcPts val="0"/>
-              </a:spcBef>
-              <a:buSzTx/>
-              <a:buNone/>
-              <a:defRPr sz="5500" b="1">
-                <a:solidFill>
-                  <a:schemeClr val="accent1"/>
-                </a:solidFill>
-              </a:defRPr>
-            </a:lvl3pPr>
-            <a:lvl4pPr marL="0" indent="1371600" defTabSz="825500">
-              <a:lnSpc>
-                <a:spcPct val="100000"/>
-              </a:lnSpc>
-              <a:spcBef>
-                <a:spcPts val="0"/>
-              </a:spcBef>
-              <a:buSzTx/>
-              <a:buNone/>
-              <a:defRPr sz="5500" b="1">
-                <a:solidFill>
-                  <a:schemeClr val="accent1"/>
-                </a:solidFill>
-              </a:defRPr>
-            </a:lvl4pPr>
-            <a:lvl5pPr marL="0" indent="1828800" defTabSz="825500">
-              <a:lnSpc>
-                <a:spcPct val="100000"/>
-              </a:lnSpc>
-              <a:spcBef>
-                <a:spcPts val="0"/>
-              </a:spcBef>
-              <a:buSzTx/>
-              <a:buNone/>
-              <a:defRPr sz="5500" b="1">
-                <a:solidFill>
-                  <a:schemeClr val="accent1"/>
-                </a:solidFill>
-              </a:defRPr>
-            </a:lvl5pPr>
           </a:lstStyle>
           <a:p>
+            <a:pPr/>
             <a:r>
               <a:t>프레젠테이션 부제</a:t>
             </a:r>
-          </a:p>
-          <a:p>
-            <a:pPr lvl="1"/>
-            <a:endParaRPr/>
-          </a:p>
-          <a:p>
-            <a:pPr lvl="2"/>
-            <a:endParaRPr/>
-          </a:p>
-          <a:p>
-            <a:pPr lvl="3"/>
-            <a:endParaRPr/>
-          </a:p>
-          <a:p>
-            <a:pPr lvl="4"/>
-            <a:endParaRPr/>
           </a:p>
         </p:txBody>
       </p:sp>
       <p:sp>
         <p:nvSpPr>
           <p:cNvPr id="14" name="슬라이드 번호"/>
-          <p:cNvSpPr txBox="1">
-            <a:spLocks noGrp="1"/>
-          </p:cNvSpPr>
+          <p:cNvSpPr txBox="1"/>
           <p:nvPr>
             <p:ph type="sldNum" sz="quarter" idx="2"/>
           </p:nvPr>
@@ -762,10 +747,8 @@
             </a:lvl1pPr>
           </a:lstStyle>
           <a:p>
-            <a:fld id="{86CB4B4D-7CA3-9044-876B-883B54F8677D}" type="slidenum">
-              <a:t>‹#›</a:t>
-            </a:fld>
-            <a:endParaRPr/>
+            <a:pPr/>
+            <a:fld id="{86CB4B4D-7CA3-9044-876B-883B54F8677D}" type="slidenum"/>
           </a:p>
         </p:txBody>
       </p:sp>
@@ -774,12 +757,12 @@
   <p:clrMapOvr>
     <a:masterClrMapping/>
   </p:clrMapOvr>
-  <p:transition spd="med"/>
+  <p:transition xmlns:p14="http://schemas.microsoft.com/office/powerpoint/2010/main" spd="med" advClick="1"/>
 </p:sldLayout>
 </file>
 
 <file path=ppt/slideLayouts/slideLayout10.xml><?xml version="1.0" encoding="utf-8"?>
-<p:sldLayout xmlns:a="http://schemas.openxmlformats.org/drawingml/2006/main" xmlns:r="http://schemas.openxmlformats.org/officeDocument/2006/relationships" xmlns:p="http://schemas.openxmlformats.org/presentationml/2006/main" type="tx">
+<p:sldLayout xmlns:a="http://schemas.openxmlformats.org/drawingml/2006/main" xmlns:r="http://schemas.openxmlformats.org/officeDocument/2006/relationships" xmlns:p="http://schemas.openxmlformats.org/presentationml/2006/main" xmlns:m="http://schemas.openxmlformats.org/officeDocument/2006/math" xmlns:a14="http://schemas.microsoft.com/office/drawing/2010/main" type="tx" showMasterSp="1" showMasterPhAnim="1">
   <p:cSld name="내역서">
     <p:spTree>
       <p:nvGrpSpPr>
@@ -798,9 +781,7 @@
       <p:sp>
         <p:nvSpPr>
           <p:cNvPr id="98" name="본문 첫 번째 줄…"/>
-          <p:cNvSpPr txBox="1">
-            <a:spLocks noGrp="1"/>
-          </p:cNvSpPr>
+          <p:cNvSpPr txBox="1"/>
           <p:nvPr>
             <p:ph type="body" sz="half" idx="1" hasCustomPrompt="1"/>
           </p:nvPr>
@@ -815,7 +796,7 @@
           </a:prstGeom>
         </p:spPr>
         <p:txBody>
-          <a:bodyPr anchor="ctr"/>
+          <a:bodyPr numCol="1" spcCol="38100" anchor="ctr"/>
           <a:lstStyle>
             <a:lvl1pPr marL="0" indent="0" algn="ctr">
               <a:lnSpc>
@@ -826,12 +807,9 @@
               </a:spcBef>
               <a:buSzTx/>
               <a:buNone/>
-              <a:defRPr sz="11600" spc="-232">
+              <a:defRPr spc="-232" sz="11600">
                 <a:solidFill>
-                  <a:schemeClr val="accent1">
-                    <a:hueOff val="114395"/>
-                    <a:lumOff val="-24975"/>
-                  </a:schemeClr>
+                  <a:srgbClr val="004D80"/>
                 </a:solidFill>
                 <a:latin typeface="Helvetica Neue Medium"/>
                 <a:ea typeface="Helvetica Neue Medium"/>
@@ -839,7 +817,7 @@
                 <a:sym typeface="Helvetica Neue Medium"/>
               </a:defRPr>
             </a:lvl1pPr>
-            <a:lvl2pPr marL="0" indent="457200" algn="ctr">
+            <a:lvl2pPr marL="0" indent="0" algn="ctr">
               <a:lnSpc>
                 <a:spcPct val="80000"/>
               </a:lnSpc>
@@ -848,12 +826,9 @@
               </a:spcBef>
               <a:buSzTx/>
               <a:buNone/>
-              <a:defRPr sz="11600" spc="-232">
+              <a:defRPr spc="-232" sz="11600">
                 <a:solidFill>
-                  <a:schemeClr val="accent1">
-                    <a:hueOff val="114395"/>
-                    <a:lumOff val="-24975"/>
-                  </a:schemeClr>
+                  <a:srgbClr val="004D80"/>
                 </a:solidFill>
                 <a:latin typeface="Helvetica Neue Medium"/>
                 <a:ea typeface="Helvetica Neue Medium"/>
@@ -861,7 +836,7 @@
                 <a:sym typeface="Helvetica Neue Medium"/>
               </a:defRPr>
             </a:lvl2pPr>
-            <a:lvl3pPr marL="0" indent="914400" algn="ctr">
+            <a:lvl3pPr marL="0" indent="0" algn="ctr">
               <a:lnSpc>
                 <a:spcPct val="80000"/>
               </a:lnSpc>
@@ -870,12 +845,9 @@
               </a:spcBef>
               <a:buSzTx/>
               <a:buNone/>
-              <a:defRPr sz="11600" spc="-232">
+              <a:defRPr spc="-232" sz="11600">
                 <a:solidFill>
-                  <a:schemeClr val="accent1">
-                    <a:hueOff val="114395"/>
-                    <a:lumOff val="-24975"/>
-                  </a:schemeClr>
+                  <a:srgbClr val="004D80"/>
                 </a:solidFill>
                 <a:latin typeface="Helvetica Neue Medium"/>
                 <a:ea typeface="Helvetica Neue Medium"/>
@@ -883,7 +855,7 @@
                 <a:sym typeface="Helvetica Neue Medium"/>
               </a:defRPr>
             </a:lvl3pPr>
-            <a:lvl4pPr marL="0" indent="1371600" algn="ctr">
+            <a:lvl4pPr marL="0" indent="0" algn="ctr">
               <a:lnSpc>
                 <a:spcPct val="80000"/>
               </a:lnSpc>
@@ -892,12 +864,9 @@
               </a:spcBef>
               <a:buSzTx/>
               <a:buNone/>
-              <a:defRPr sz="11600" spc="-232">
+              <a:defRPr spc="-232" sz="11600">
                 <a:solidFill>
-                  <a:schemeClr val="accent1">
-                    <a:hueOff val="114395"/>
-                    <a:lumOff val="-24975"/>
-                  </a:schemeClr>
+                  <a:srgbClr val="004D80"/>
                 </a:solidFill>
                 <a:latin typeface="Helvetica Neue Medium"/>
                 <a:ea typeface="Helvetica Neue Medium"/>
@@ -905,7 +874,7 @@
                 <a:sym typeface="Helvetica Neue Medium"/>
               </a:defRPr>
             </a:lvl4pPr>
-            <a:lvl5pPr marL="0" indent="1828800" algn="ctr">
+            <a:lvl5pPr marL="0" indent="0" algn="ctr">
               <a:lnSpc>
                 <a:spcPct val="80000"/>
               </a:lnSpc>
@@ -914,12 +883,9 @@
               </a:spcBef>
               <a:buSzTx/>
               <a:buNone/>
-              <a:defRPr sz="11600" spc="-232">
+              <a:defRPr spc="-232" sz="11600">
                 <a:solidFill>
-                  <a:schemeClr val="accent1">
-                    <a:hueOff val="114395"/>
-                    <a:lumOff val="-24975"/>
-                  </a:schemeClr>
+                  <a:srgbClr val="004D80"/>
                 </a:solidFill>
                 <a:latin typeface="Helvetica Neue Medium"/>
                 <a:ea typeface="Helvetica Neue Medium"/>
@@ -929,34 +895,41 @@
             </a:lvl5pPr>
           </a:lstStyle>
           <a:p>
+            <a:pPr/>
             <a:r>
               <a:t>내역서</a:t>
             </a:r>
           </a:p>
           <a:p>
             <a:pPr lvl="1"/>
-            <a:endParaRPr/>
+            <a:r>
+              <a:t/>
+            </a:r>
           </a:p>
           <a:p>
             <a:pPr lvl="2"/>
-            <a:endParaRPr/>
+            <a:r>
+              <a:t/>
+            </a:r>
           </a:p>
           <a:p>
             <a:pPr lvl="3"/>
-            <a:endParaRPr/>
+            <a:r>
+              <a:t/>
+            </a:r>
           </a:p>
           <a:p>
             <a:pPr lvl="4"/>
-            <a:endParaRPr/>
+            <a:r>
+              <a:t/>
+            </a:r>
           </a:p>
         </p:txBody>
       </p:sp>
       <p:sp>
         <p:nvSpPr>
           <p:cNvPr id="99" name="슬라이드 번호"/>
-          <p:cNvSpPr txBox="1">
-            <a:spLocks noGrp="1"/>
-          </p:cNvSpPr>
+          <p:cNvSpPr txBox="1"/>
           <p:nvPr>
             <p:ph type="sldNum" sz="quarter" idx="2"/>
           </p:nvPr>
@@ -970,10 +943,8 @@
           <a:bodyPr/>
           <a:lstStyle/>
           <a:p>
-            <a:fld id="{86CB4B4D-7CA3-9044-876B-883B54F8677D}" type="slidenum">
-              <a:t>‹#›</a:t>
-            </a:fld>
-            <a:endParaRPr/>
+            <a:pPr/>
+            <a:fld id="{86CB4B4D-7CA3-9044-876B-883B54F8677D}" type="slidenum"/>
           </a:p>
         </p:txBody>
       </p:sp>
@@ -982,12 +953,12 @@
   <p:clrMapOvr>
     <a:masterClrMapping/>
   </p:clrMapOvr>
-  <p:transition spd="med"/>
+  <p:transition xmlns:p14="http://schemas.microsoft.com/office/powerpoint/2010/main" spd="med" advClick="1"/>
 </p:sldLayout>
 </file>
 
 <file path=ppt/slideLayouts/slideLayout11.xml><?xml version="1.0" encoding="utf-8"?>
-<p:sldLayout xmlns:a="http://schemas.openxmlformats.org/drawingml/2006/main" xmlns:r="http://schemas.openxmlformats.org/officeDocument/2006/relationships" xmlns:p="http://schemas.openxmlformats.org/presentationml/2006/main" type="tx">
+<p:sldLayout xmlns:a="http://schemas.openxmlformats.org/drawingml/2006/main" xmlns:r="http://schemas.openxmlformats.org/officeDocument/2006/relationships" xmlns:p="http://schemas.openxmlformats.org/presentationml/2006/main" xmlns:m="http://schemas.openxmlformats.org/officeDocument/2006/math" xmlns:a14="http://schemas.microsoft.com/office/drawing/2010/main" type="tx" showMasterSp="1" showMasterPhAnim="1">
   <p:cSld name="중요한 사실">
     <p:spTree>
       <p:nvGrpSpPr>
@@ -1006,24 +977,22 @@
       <p:sp>
         <p:nvSpPr>
           <p:cNvPr id="106" name="본문 첫 번째 줄…"/>
-          <p:cNvSpPr txBox="1">
-            <a:spLocks noGrp="1"/>
-          </p:cNvSpPr>
+          <p:cNvSpPr txBox="1"/>
           <p:nvPr>
             <p:ph type="body" idx="1" hasCustomPrompt="1"/>
           </p:nvPr>
         </p:nvSpPr>
         <p:spPr>
           <a:xfrm>
-            <a:off x="1206500" y="1075927"/>
-            <a:ext cx="21971000" cy="7241584"/>
+            <a:off x="1206500" y="1075926"/>
+            <a:ext cx="21971000" cy="7241586"/>
           </a:xfrm>
           <a:prstGeom prst="rect">
             <a:avLst/>
           </a:prstGeom>
         </p:spPr>
         <p:txBody>
-          <a:bodyPr anchor="b"/>
+          <a:bodyPr numCol="1" spcCol="38100" anchor="b"/>
           <a:lstStyle>
             <a:lvl1pPr marL="0" indent="0" algn="ctr">
               <a:lnSpc>
@@ -1034,16 +1003,13 @@
               </a:spcBef>
               <a:buSzTx/>
               <a:buNone/>
-              <a:defRPr sz="25000" b="1" spc="-250">
+              <a:defRPr b="1" spc="-250" sz="25000">
                 <a:solidFill>
-                  <a:schemeClr val="accent1">
-                    <a:hueOff val="114395"/>
-                    <a:lumOff val="-24975"/>
-                  </a:schemeClr>
+                  <a:srgbClr val="004D80"/>
                 </a:solidFill>
               </a:defRPr>
             </a:lvl1pPr>
-            <a:lvl2pPr marL="0" indent="457200" algn="ctr">
+            <a:lvl2pPr marL="0" indent="0" algn="ctr">
               <a:lnSpc>
                 <a:spcPct val="80000"/>
               </a:lnSpc>
@@ -1052,16 +1018,13 @@
               </a:spcBef>
               <a:buSzTx/>
               <a:buNone/>
-              <a:defRPr sz="25000" b="1" spc="-250">
+              <a:defRPr b="1" spc="-250" sz="25000">
                 <a:solidFill>
-                  <a:schemeClr val="accent1">
-                    <a:hueOff val="114395"/>
-                    <a:lumOff val="-24975"/>
-                  </a:schemeClr>
+                  <a:srgbClr val="004D80"/>
                 </a:solidFill>
               </a:defRPr>
             </a:lvl2pPr>
-            <a:lvl3pPr marL="0" indent="914400" algn="ctr">
+            <a:lvl3pPr marL="0" indent="0" algn="ctr">
               <a:lnSpc>
                 <a:spcPct val="80000"/>
               </a:lnSpc>
@@ -1070,16 +1033,13 @@
               </a:spcBef>
               <a:buSzTx/>
               <a:buNone/>
-              <a:defRPr sz="25000" b="1" spc="-250">
+              <a:defRPr b="1" spc="-250" sz="25000">
                 <a:solidFill>
-                  <a:schemeClr val="accent1">
-                    <a:hueOff val="114395"/>
-                    <a:lumOff val="-24975"/>
-                  </a:schemeClr>
+                  <a:srgbClr val="004D80"/>
                 </a:solidFill>
               </a:defRPr>
             </a:lvl3pPr>
-            <a:lvl4pPr marL="0" indent="1371600" algn="ctr">
+            <a:lvl4pPr marL="0" indent="0" algn="ctr">
               <a:lnSpc>
                 <a:spcPct val="80000"/>
               </a:lnSpc>
@@ -1088,16 +1048,13 @@
               </a:spcBef>
               <a:buSzTx/>
               <a:buNone/>
-              <a:defRPr sz="25000" b="1" spc="-250">
+              <a:defRPr b="1" spc="-250" sz="25000">
                 <a:solidFill>
-                  <a:schemeClr val="accent1">
-                    <a:hueOff val="114395"/>
-                    <a:lumOff val="-24975"/>
-                  </a:schemeClr>
+                  <a:srgbClr val="004D80"/>
                 </a:solidFill>
               </a:defRPr>
             </a:lvl4pPr>
-            <a:lvl5pPr marL="0" indent="1828800" algn="ctr">
+            <a:lvl5pPr marL="0" indent="0" algn="ctr">
               <a:lnSpc>
                 <a:spcPct val="80000"/>
               </a:lnSpc>
@@ -1106,45 +1063,49 @@
               </a:spcBef>
               <a:buSzTx/>
               <a:buNone/>
-              <a:defRPr sz="25000" b="1" spc="-250">
+              <a:defRPr b="1" spc="-250" sz="25000">
                 <a:solidFill>
-                  <a:schemeClr val="accent1">
-                    <a:hueOff val="114395"/>
-                    <a:lumOff val="-24975"/>
-                  </a:schemeClr>
+                  <a:srgbClr val="004D80"/>
                 </a:solidFill>
               </a:defRPr>
             </a:lvl5pPr>
           </a:lstStyle>
           <a:p>
+            <a:pPr/>
             <a:r>
               <a:t>100%</a:t>
             </a:r>
           </a:p>
           <a:p>
             <a:pPr lvl="1"/>
-            <a:endParaRPr/>
+            <a:r>
+              <a:t/>
+            </a:r>
           </a:p>
           <a:p>
             <a:pPr lvl="2"/>
-            <a:endParaRPr/>
+            <a:r>
+              <a:t/>
+            </a:r>
           </a:p>
           <a:p>
             <a:pPr lvl="3"/>
-            <a:endParaRPr/>
+            <a:r>
+              <a:t/>
+            </a:r>
           </a:p>
           <a:p>
             <a:pPr lvl="4"/>
-            <a:endParaRPr/>
+            <a:r>
+              <a:t/>
+            </a:r>
           </a:p>
         </p:txBody>
       </p:sp>
       <p:sp>
         <p:nvSpPr>
           <p:cNvPr id="107" name="사실 정보"/>
-          <p:cNvSpPr txBox="1">
-            <a:spLocks noGrp="1"/>
-          </p:cNvSpPr>
+          <p:cNvSpPr txBox="1"/>
           <p:nvPr>
             <p:ph type="body" sz="quarter" idx="21" hasCustomPrompt="1"/>
           </p:nvPr>
@@ -1159,7 +1120,7 @@
           </a:prstGeom>
         </p:spPr>
         <p:txBody>
-          <a:bodyPr lIns="45719" tIns="45719" rIns="45719" bIns="45719"/>
+          <a:bodyPr lIns="45718" tIns="45718" rIns="45718" bIns="45718" numCol="1" spcCol="38100"/>
           <a:lstStyle>
             <a:lvl1pPr marL="0" indent="0" algn="ctr" defTabSz="792479">
               <a:lnSpc>
@@ -1170,10 +1131,11 @@
               </a:spcBef>
               <a:buSzTx/>
               <a:buNone/>
-              <a:defRPr sz="5280" b="1"/>
+              <a:defRPr b="1" sz="5200"/>
             </a:lvl1pPr>
           </a:lstStyle>
           <a:p>
+            <a:pPr/>
             <a:r>
               <a:t>사실 정보</a:t>
             </a:r>
@@ -1183,9 +1145,7 @@
       <p:sp>
         <p:nvSpPr>
           <p:cNvPr id="108" name="슬라이드 번호"/>
-          <p:cNvSpPr txBox="1">
-            <a:spLocks noGrp="1"/>
-          </p:cNvSpPr>
+          <p:cNvSpPr txBox="1"/>
           <p:nvPr>
             <p:ph type="sldNum" sz="quarter" idx="2"/>
           </p:nvPr>
@@ -1199,10 +1159,8 @@
           <a:bodyPr/>
           <a:lstStyle/>
           <a:p>
-            <a:fld id="{86CB4B4D-7CA3-9044-876B-883B54F8677D}" type="slidenum">
-              <a:t>‹#›</a:t>
-            </a:fld>
-            <a:endParaRPr/>
+            <a:pPr/>
+            <a:fld id="{86CB4B4D-7CA3-9044-876B-883B54F8677D}" type="slidenum"/>
           </a:p>
         </p:txBody>
       </p:sp>
@@ -1211,12 +1169,12 @@
   <p:clrMapOvr>
     <a:masterClrMapping/>
   </p:clrMapOvr>
-  <p:transition spd="med"/>
+  <p:transition xmlns:p14="http://schemas.microsoft.com/office/powerpoint/2010/main" spd="med" advClick="1"/>
 </p:sldLayout>
 </file>
 
 <file path=ppt/slideLayouts/slideLayout12.xml><?xml version="1.0" encoding="utf-8"?>
-<p:sldLayout xmlns:a="http://schemas.openxmlformats.org/drawingml/2006/main" xmlns:r="http://schemas.openxmlformats.org/officeDocument/2006/relationships" xmlns:p="http://schemas.openxmlformats.org/presentationml/2006/main" type="tx">
+<p:sldLayout xmlns:a="http://schemas.openxmlformats.org/drawingml/2006/main" xmlns:r="http://schemas.openxmlformats.org/officeDocument/2006/relationships" xmlns:p="http://schemas.openxmlformats.org/presentationml/2006/main" xmlns:m="http://schemas.openxmlformats.org/officeDocument/2006/math" xmlns:a14="http://schemas.microsoft.com/office/drawing/2010/main" type="tx" showMasterSp="1" showMasterPhAnim="1">
   <p:cSld name="인용">
     <p:spTree>
       <p:nvGrpSpPr>
@@ -1234,25 +1192,23 @@
       </p:grpSpPr>
       <p:sp>
         <p:nvSpPr>
-          <p:cNvPr id="115" name="속성"/>
-          <p:cNvSpPr txBox="1">
-            <a:spLocks noGrp="1"/>
-          </p:cNvSpPr>
+          <p:cNvPr id="115" name="본문 첫 번째 줄…"/>
+          <p:cNvSpPr txBox="1"/>
           <p:nvPr>
-            <p:ph type="body" sz="quarter" idx="21" hasCustomPrompt="1"/>
+            <p:ph type="body" sz="quarter" idx="1" hasCustomPrompt="1"/>
           </p:nvPr>
         </p:nvSpPr>
         <p:spPr>
           <a:xfrm>
-            <a:off x="2480825" y="10675453"/>
-            <a:ext cx="20149252" cy="636979"/>
+            <a:off x="2480824" y="10675453"/>
+            <a:ext cx="20149254" cy="636980"/>
           </a:xfrm>
           <a:prstGeom prst="rect">
             <a:avLst/>
           </a:prstGeom>
         </p:spPr>
         <p:txBody>
-          <a:bodyPr lIns="45719" tIns="45719" rIns="45719" bIns="45719"/>
+          <a:bodyPr lIns="45718" tIns="45718" rIns="45718" bIns="45718" numCol="1" spcCol="38100"/>
           <a:lstStyle>
             <a:lvl1pPr marL="0" indent="0" defTabSz="825500">
               <a:lnSpc>
@@ -1263,12 +1219,73 @@
               </a:spcBef>
               <a:buSzTx/>
               <a:buNone/>
-              <a:defRPr sz="3600" b="1"/>
+              <a:defRPr b="1" sz="3600"/>
             </a:lvl1pPr>
+            <a:lvl2pPr marL="1066800" indent="-457200" defTabSz="825500">
+              <a:lnSpc>
+                <a:spcPct val="100000"/>
+              </a:lnSpc>
+              <a:spcBef>
+                <a:spcPts val="0"/>
+              </a:spcBef>
+              <a:defRPr b="1" sz="3600"/>
+            </a:lvl2pPr>
+            <a:lvl3pPr marL="1676400" indent="-457200" defTabSz="825500">
+              <a:lnSpc>
+                <a:spcPct val="100000"/>
+              </a:lnSpc>
+              <a:spcBef>
+                <a:spcPts val="0"/>
+              </a:spcBef>
+              <a:defRPr b="1" sz="3600"/>
+            </a:lvl3pPr>
+            <a:lvl4pPr marL="2286000" indent="-457200" defTabSz="825500">
+              <a:lnSpc>
+                <a:spcPct val="100000"/>
+              </a:lnSpc>
+              <a:spcBef>
+                <a:spcPts val="0"/>
+              </a:spcBef>
+              <a:defRPr b="1" sz="3600"/>
+            </a:lvl4pPr>
+            <a:lvl5pPr marL="2895600" indent="-457200" defTabSz="825500">
+              <a:lnSpc>
+                <a:spcPct val="100000"/>
+              </a:lnSpc>
+              <a:spcBef>
+                <a:spcPts val="0"/>
+              </a:spcBef>
+              <a:defRPr b="1" sz="3600"/>
+            </a:lvl5pPr>
           </a:lstStyle>
           <a:p>
+            <a:pPr/>
             <a:r>
               <a:t>속성</a:t>
+            </a:r>
+          </a:p>
+          <a:p>
+            <a:pPr lvl="1"/>
+            <a:r>
+              <a:t/>
+            </a:r>
+          </a:p>
+          <a:p>
+            <a:pPr lvl="2"/>
+            <a:r>
+              <a:t/>
+            </a:r>
+          </a:p>
+          <a:p>
+            <a:pPr lvl="3"/>
+            <a:r>
+              <a:t/>
+            </a:r>
+          </a:p>
+          <a:p>
+            <a:pPr lvl="4"/>
+            <a:r>
+              <a:t/>
             </a:r>
           </a:p>
         </p:txBody>
@@ -1276,37 +1293,32 @@
       <p:sp>
         <p:nvSpPr>
           <p:cNvPr id="116" name="본문 첫 번째 줄…"/>
-          <p:cNvSpPr txBox="1">
-            <a:spLocks noGrp="1"/>
-          </p:cNvSpPr>
+          <p:cNvSpPr txBox="1"/>
           <p:nvPr>
-            <p:ph type="body" sz="half" idx="1" hasCustomPrompt="1"/>
+            <p:ph type="body" sz="half" idx="21" hasCustomPrompt="1"/>
           </p:nvPr>
         </p:nvSpPr>
         <p:spPr>
           <a:xfrm>
             <a:off x="1753923" y="4939860"/>
-            <a:ext cx="20876154" cy="3836280"/>
+            <a:ext cx="20876154" cy="3836281"/>
           </a:xfrm>
           <a:prstGeom prst="rect">
             <a:avLst/>
           </a:prstGeom>
         </p:spPr>
         <p:txBody>
-          <a:bodyPr/>
+          <a:bodyPr numCol="1" spcCol="38100"/>
           <a:lstStyle>
-            <a:lvl1pPr marL="638923" indent="-469900">
+            <a:lvl1pPr marL="469900" indent="-300876">
               <a:spcBef>
                 <a:spcPts val="0"/>
               </a:spcBef>
               <a:buSzTx/>
               <a:buNone/>
-              <a:defRPr sz="8500" spc="-170">
+              <a:defRPr spc="-200" sz="8500">
                 <a:solidFill>
-                  <a:schemeClr val="accent1">
-                    <a:hueOff val="114395"/>
-                    <a:lumOff val="-24975"/>
-                  </a:schemeClr>
+                  <a:srgbClr val="004D80"/>
                 </a:solidFill>
                 <a:latin typeface="Helvetica Neue Medium"/>
                 <a:ea typeface="Helvetica Neue Medium"/>
@@ -1314,112 +1326,19 @@
                 <a:sym typeface="Helvetica Neue Medium"/>
               </a:defRPr>
             </a:lvl1pPr>
-            <a:lvl2pPr marL="638923" indent="-12700">
-              <a:spcBef>
-                <a:spcPts val="0"/>
-              </a:spcBef>
-              <a:buSzTx/>
-              <a:buNone/>
-              <a:defRPr sz="8500" spc="-170">
-                <a:solidFill>
-                  <a:schemeClr val="accent1">
-                    <a:hueOff val="114395"/>
-                    <a:lumOff val="-24975"/>
-                  </a:schemeClr>
-                </a:solidFill>
-                <a:latin typeface="Helvetica Neue Medium"/>
-                <a:ea typeface="Helvetica Neue Medium"/>
-                <a:cs typeface="Helvetica Neue Medium"/>
-                <a:sym typeface="Helvetica Neue Medium"/>
-              </a:defRPr>
-            </a:lvl2pPr>
-            <a:lvl3pPr marL="638923" indent="444500">
-              <a:spcBef>
-                <a:spcPts val="0"/>
-              </a:spcBef>
-              <a:buSzTx/>
-              <a:buNone/>
-              <a:defRPr sz="8500" spc="-170">
-                <a:solidFill>
-                  <a:schemeClr val="accent1">
-                    <a:hueOff val="114395"/>
-                    <a:lumOff val="-24975"/>
-                  </a:schemeClr>
-                </a:solidFill>
-                <a:latin typeface="Helvetica Neue Medium"/>
-                <a:ea typeface="Helvetica Neue Medium"/>
-                <a:cs typeface="Helvetica Neue Medium"/>
-                <a:sym typeface="Helvetica Neue Medium"/>
-              </a:defRPr>
-            </a:lvl3pPr>
-            <a:lvl4pPr marL="638923" indent="901700">
-              <a:spcBef>
-                <a:spcPts val="0"/>
-              </a:spcBef>
-              <a:buSzTx/>
-              <a:buNone/>
-              <a:defRPr sz="8500" spc="-170">
-                <a:solidFill>
-                  <a:schemeClr val="accent1">
-                    <a:hueOff val="114395"/>
-                    <a:lumOff val="-24975"/>
-                  </a:schemeClr>
-                </a:solidFill>
-                <a:latin typeface="Helvetica Neue Medium"/>
-                <a:ea typeface="Helvetica Neue Medium"/>
-                <a:cs typeface="Helvetica Neue Medium"/>
-                <a:sym typeface="Helvetica Neue Medium"/>
-              </a:defRPr>
-            </a:lvl4pPr>
-            <a:lvl5pPr marL="638923" indent="1358900">
-              <a:spcBef>
-                <a:spcPts val="0"/>
-              </a:spcBef>
-              <a:buSzTx/>
-              <a:buNone/>
-              <a:defRPr sz="8500" spc="-170">
-                <a:solidFill>
-                  <a:schemeClr val="accent1">
-                    <a:hueOff val="114395"/>
-                    <a:lumOff val="-24975"/>
-                  </a:schemeClr>
-                </a:solidFill>
-                <a:latin typeface="Helvetica Neue Medium"/>
-                <a:ea typeface="Helvetica Neue Medium"/>
-                <a:cs typeface="Helvetica Neue Medium"/>
-                <a:sym typeface="Helvetica Neue Medium"/>
-              </a:defRPr>
-            </a:lvl5pPr>
           </a:lstStyle>
           <a:p>
+            <a:pPr/>
             <a:r>
               <a:t>“멋진 인용구”</a:t>
             </a:r>
-          </a:p>
-          <a:p>
-            <a:pPr lvl="1"/>
-            <a:endParaRPr/>
-          </a:p>
-          <a:p>
-            <a:pPr lvl="2"/>
-            <a:endParaRPr/>
-          </a:p>
-          <a:p>
-            <a:pPr lvl="3"/>
-            <a:endParaRPr/>
-          </a:p>
-          <a:p>
-            <a:pPr lvl="4"/>
-            <a:endParaRPr/>
           </a:p>
         </p:txBody>
       </p:sp>
       <p:sp>
         <p:nvSpPr>
           <p:cNvPr id="117" name="슬라이드 번호"/>
-          <p:cNvSpPr txBox="1">
-            <a:spLocks noGrp="1"/>
-          </p:cNvSpPr>
+          <p:cNvSpPr txBox="1"/>
           <p:nvPr>
             <p:ph type="sldNum" sz="quarter" idx="2"/>
           </p:nvPr>
@@ -1433,10 +1352,8 @@
           <a:bodyPr/>
           <a:lstStyle/>
           <a:p>
-            <a:fld id="{86CB4B4D-7CA3-9044-876B-883B54F8677D}" type="slidenum">
-              <a:t>‹#›</a:t>
-            </a:fld>
-            <a:endParaRPr/>
+            <a:pPr/>
+            <a:fld id="{86CB4B4D-7CA3-9044-876B-883B54F8677D}" type="slidenum"/>
           </a:p>
         </p:txBody>
       </p:sp>
@@ -1445,12 +1362,12 @@
   <p:clrMapOvr>
     <a:masterClrMapping/>
   </p:clrMapOvr>
-  <p:transition spd="med"/>
+  <p:transition xmlns:p14="http://schemas.microsoft.com/office/powerpoint/2010/main" spd="med" advClick="1"/>
 </p:sldLayout>
 </file>
 
 <file path=ppt/slideLayouts/slideLayout13.xml><?xml version="1.0" encoding="utf-8"?>
-<p:sldLayout xmlns:a="http://schemas.openxmlformats.org/drawingml/2006/main" xmlns:r="http://schemas.openxmlformats.org/officeDocument/2006/relationships" xmlns:p="http://schemas.openxmlformats.org/presentationml/2006/main" type="tx">
+<p:sldLayout xmlns:a="http://schemas.openxmlformats.org/drawingml/2006/main" xmlns:r="http://schemas.openxmlformats.org/officeDocument/2006/relationships" xmlns:p="http://schemas.openxmlformats.org/presentationml/2006/main" xmlns:m="http://schemas.openxmlformats.org/officeDocument/2006/math" xmlns:a14="http://schemas.microsoft.com/office/drawing/2010/main" type="tx" showMasterSp="1" showMasterPhAnim="1">
   <p:cSld name="사진 - 3장">
     <p:spTree>
       <p:nvGrpSpPr>
@@ -1469,9 +1386,7 @@
       <p:sp>
         <p:nvSpPr>
           <p:cNvPr id="124" name="파란 하늘을 배경으로 아래에서 올려다본 열기구"/>
-          <p:cNvSpPr>
-            <a:spLocks noGrp="1"/>
-          </p:cNvSpPr>
+          <p:cNvSpPr/>
           <p:nvPr>
             <p:ph type="pic" sz="quarter" idx="21"/>
           </p:nvPr>
@@ -1479,28 +1394,26 @@
         <p:spPr>
           <a:xfrm>
             <a:off x="15436504" y="1270000"/>
-            <a:ext cx="8167167" cy="5422900"/>
+            <a:ext cx="8167168" cy="5422900"/>
           </a:xfrm>
           <a:prstGeom prst="rect">
             <a:avLst/>
           </a:prstGeom>
         </p:spPr>
         <p:txBody>
-          <a:bodyPr lIns="91439" tIns="45719" rIns="91439" bIns="45719">
+          <a:bodyPr lIns="91439" tIns="45719" rIns="91439" bIns="45719" numCol="1" spcCol="38100">
             <a:noAutofit/>
           </a:bodyPr>
           <a:lstStyle/>
           <a:p>
-            <a:endParaRPr/>
+            <a:pPr/>
           </a:p>
         </p:txBody>
       </p:sp>
       <p:sp>
         <p:nvSpPr>
           <p:cNvPr id="125" name="열기구의 윗부분을 위에서 근접 촬영한 사진"/>
-          <p:cNvSpPr>
-            <a:spLocks noGrp="1"/>
-          </p:cNvSpPr>
+          <p:cNvSpPr/>
           <p:nvPr>
             <p:ph type="pic" sz="quarter" idx="22"/>
           </p:nvPr>
@@ -1508,57 +1421,53 @@
         <p:spPr>
           <a:xfrm>
             <a:off x="15461772" y="7085972"/>
-            <a:ext cx="8148414" cy="5432276"/>
+            <a:ext cx="8148415" cy="5432277"/>
           </a:xfrm>
           <a:prstGeom prst="rect">
             <a:avLst/>
           </a:prstGeom>
         </p:spPr>
         <p:txBody>
-          <a:bodyPr lIns="91439" tIns="45719" rIns="91439" bIns="45719">
+          <a:bodyPr lIns="91439" tIns="45719" rIns="91439" bIns="45719" numCol="1" spcCol="38100">
             <a:noAutofit/>
           </a:bodyPr>
           <a:lstStyle/>
           <a:p>
-            <a:endParaRPr/>
+            <a:pPr/>
           </a:p>
         </p:txBody>
       </p:sp>
       <p:sp>
         <p:nvSpPr>
           <p:cNvPr id="126" name="파란 하늘을 배경으로 아래에서 올려다본 열기구"/>
-          <p:cNvSpPr>
-            <a:spLocks noGrp="1"/>
-          </p:cNvSpPr>
+          <p:cNvSpPr/>
           <p:nvPr>
             <p:ph type="pic" idx="23"/>
           </p:nvPr>
         </p:nvSpPr>
         <p:spPr>
           <a:xfrm>
-            <a:off x="-124635" y="1270000"/>
-            <a:ext cx="16859219" cy="11239479"/>
+            <a:off x="-124636" y="1270000"/>
+            <a:ext cx="16859220" cy="11239480"/>
           </a:xfrm>
           <a:prstGeom prst="rect">
             <a:avLst/>
           </a:prstGeom>
         </p:spPr>
         <p:txBody>
-          <a:bodyPr lIns="91439" tIns="45719" rIns="91439" bIns="45719">
+          <a:bodyPr lIns="91439" tIns="45719" rIns="91439" bIns="45719" numCol="1" spcCol="38100">
             <a:noAutofit/>
           </a:bodyPr>
           <a:lstStyle/>
           <a:p>
-            <a:endParaRPr/>
+            <a:pPr/>
           </a:p>
         </p:txBody>
       </p:sp>
       <p:sp>
         <p:nvSpPr>
           <p:cNvPr id="127" name="슬라이드 번호"/>
-          <p:cNvSpPr txBox="1">
-            <a:spLocks noGrp="1"/>
-          </p:cNvSpPr>
+          <p:cNvSpPr txBox="1"/>
           <p:nvPr>
             <p:ph type="sldNum" sz="quarter" idx="2"/>
           </p:nvPr>
@@ -1572,10 +1481,8 @@
           <a:bodyPr/>
           <a:lstStyle/>
           <a:p>
-            <a:fld id="{86CB4B4D-7CA3-9044-876B-883B54F8677D}" type="slidenum">
-              <a:t>‹#›</a:t>
-            </a:fld>
-            <a:endParaRPr/>
+            <a:pPr/>
+            <a:fld id="{86CB4B4D-7CA3-9044-876B-883B54F8677D}" type="slidenum"/>
           </a:p>
         </p:txBody>
       </p:sp>
@@ -1584,12 +1491,12 @@
   <p:clrMapOvr>
     <a:masterClrMapping/>
   </p:clrMapOvr>
-  <p:transition spd="med"/>
+  <p:transition xmlns:p14="http://schemas.microsoft.com/office/powerpoint/2010/main" spd="med" advClick="1"/>
 </p:sldLayout>
 </file>
 
 <file path=ppt/slideLayouts/slideLayout14.xml><?xml version="1.0" encoding="utf-8"?>
-<p:sldLayout xmlns:a="http://schemas.openxmlformats.org/drawingml/2006/main" xmlns:r="http://schemas.openxmlformats.org/officeDocument/2006/relationships" xmlns:p="http://schemas.openxmlformats.org/presentationml/2006/main" type="tx">
+<p:sldLayout xmlns:a="http://schemas.openxmlformats.org/drawingml/2006/main" xmlns:r="http://schemas.openxmlformats.org/officeDocument/2006/relationships" xmlns:p="http://schemas.openxmlformats.org/presentationml/2006/main" xmlns:m="http://schemas.openxmlformats.org/officeDocument/2006/math" xmlns:a14="http://schemas.microsoft.com/office/drawing/2010/main" type="tx" showMasterSp="1" showMasterPhAnim="1">
   <p:cSld name="사진">
     <p:spTree>
       <p:nvGrpSpPr>
@@ -1608,9 +1515,7 @@
       <p:sp>
         <p:nvSpPr>
           <p:cNvPr id="134" name="파란 하늘을 배경으로 아래에서 올려다본 열기구"/>
-          <p:cNvSpPr>
-            <a:spLocks noGrp="1"/>
-          </p:cNvSpPr>
+          <p:cNvSpPr/>
           <p:nvPr>
             <p:ph type="pic" idx="21"/>
           </p:nvPr>
@@ -1625,21 +1530,19 @@
           </a:prstGeom>
         </p:spPr>
         <p:txBody>
-          <a:bodyPr lIns="91439" tIns="45719" rIns="91439" bIns="45719">
+          <a:bodyPr lIns="91439" tIns="45719" rIns="91439" bIns="45719" numCol="1" spcCol="38100">
             <a:noAutofit/>
           </a:bodyPr>
           <a:lstStyle/>
           <a:p>
-            <a:endParaRPr/>
+            <a:pPr/>
           </a:p>
         </p:txBody>
       </p:sp>
       <p:sp>
         <p:nvSpPr>
           <p:cNvPr id="135" name="슬라이드 번호"/>
-          <p:cNvSpPr txBox="1">
-            <a:spLocks noGrp="1"/>
-          </p:cNvSpPr>
+          <p:cNvSpPr txBox="1"/>
           <p:nvPr>
             <p:ph type="sldNum" sz="quarter" idx="2"/>
           </p:nvPr>
@@ -1661,10 +1564,8 @@
             </a:lvl1pPr>
           </a:lstStyle>
           <a:p>
-            <a:fld id="{86CB4B4D-7CA3-9044-876B-883B54F8677D}" type="slidenum">
-              <a:t>‹#›</a:t>
-            </a:fld>
-            <a:endParaRPr/>
+            <a:pPr/>
+            <a:fld id="{86CB4B4D-7CA3-9044-876B-883B54F8677D}" type="slidenum"/>
           </a:p>
         </p:txBody>
       </p:sp>
@@ -1673,12 +1574,12 @@
   <p:clrMapOvr>
     <a:masterClrMapping/>
   </p:clrMapOvr>
-  <p:transition spd="med"/>
+  <p:transition xmlns:p14="http://schemas.microsoft.com/office/powerpoint/2010/main" spd="med" advClick="1"/>
 </p:sldLayout>
 </file>
 
 <file path=ppt/slideLayouts/slideLayout15.xml><?xml version="1.0" encoding="utf-8"?>
-<p:sldLayout xmlns:a="http://schemas.openxmlformats.org/drawingml/2006/main" xmlns:r="http://schemas.openxmlformats.org/officeDocument/2006/relationships" xmlns:p="http://schemas.openxmlformats.org/presentationml/2006/main" type="tx">
+<p:sldLayout xmlns:a="http://schemas.openxmlformats.org/drawingml/2006/main" xmlns:r="http://schemas.openxmlformats.org/officeDocument/2006/relationships" xmlns:p="http://schemas.openxmlformats.org/presentationml/2006/main" xmlns:m="http://schemas.openxmlformats.org/officeDocument/2006/math" xmlns:a14="http://schemas.microsoft.com/office/drawing/2010/main" type="tx" showMasterSp="1" showMasterPhAnim="1">
   <p:cSld name="빈 페이지">
     <p:spTree>
       <p:nvGrpSpPr>
@@ -1697,9 +1598,7 @@
       <p:sp>
         <p:nvSpPr>
           <p:cNvPr id="142" name="슬라이드 번호"/>
-          <p:cNvSpPr txBox="1">
-            <a:spLocks noGrp="1"/>
-          </p:cNvSpPr>
+          <p:cNvSpPr txBox="1"/>
           <p:nvPr>
             <p:ph type="sldNum" sz="quarter" idx="2"/>
           </p:nvPr>
@@ -1713,10 +1612,8 @@
           <a:bodyPr/>
           <a:lstStyle/>
           <a:p>
-            <a:fld id="{86CB4B4D-7CA3-9044-876B-883B54F8677D}" type="slidenum">
-              <a:t>‹#›</a:t>
-            </a:fld>
-            <a:endParaRPr/>
+            <a:pPr/>
+            <a:fld id="{86CB4B4D-7CA3-9044-876B-883B54F8677D}" type="slidenum"/>
           </a:p>
         </p:txBody>
       </p:sp>
@@ -1725,12 +1622,12 @@
   <p:clrMapOvr>
     <a:masterClrMapping/>
   </p:clrMapOvr>
-  <p:transition spd="med"/>
+  <p:transition xmlns:p14="http://schemas.microsoft.com/office/powerpoint/2010/main" spd="med" advClick="1"/>
 </p:sldLayout>
 </file>
 
 <file path=ppt/slideLayouts/slideLayout2.xml><?xml version="1.0" encoding="utf-8"?>
-<p:sldLayout xmlns:a="http://schemas.openxmlformats.org/drawingml/2006/main" xmlns:r="http://schemas.openxmlformats.org/officeDocument/2006/relationships" xmlns:p="http://schemas.openxmlformats.org/presentationml/2006/main" type="tx">
+<p:sldLayout xmlns:a="http://schemas.openxmlformats.org/drawingml/2006/main" xmlns:r="http://schemas.openxmlformats.org/officeDocument/2006/relationships" xmlns:p="http://schemas.openxmlformats.org/presentationml/2006/main" xmlns:m="http://schemas.openxmlformats.org/officeDocument/2006/math" xmlns:a14="http://schemas.microsoft.com/office/drawing/2010/main" type="tx" showMasterSp="1" showMasterPhAnim="1">
   <p:cSld name="제목 및 사진">
     <p:spTree>
       <p:nvGrpSpPr>
@@ -1749,9 +1646,7 @@
       <p:sp>
         <p:nvSpPr>
           <p:cNvPr id="21" name="열기구의 윗부분을 위에서 근접 촬영한 사진"/>
-          <p:cNvSpPr>
-            <a:spLocks noGrp="1"/>
-          </p:cNvSpPr>
+          <p:cNvSpPr/>
           <p:nvPr>
             <p:ph type="pic" idx="21"/>
           </p:nvPr>
@@ -1766,21 +1661,19 @@
           </a:prstGeom>
         </p:spPr>
         <p:txBody>
-          <a:bodyPr lIns="91439" tIns="45719" rIns="91439" bIns="45719">
+          <a:bodyPr lIns="91439" tIns="45719" rIns="91439" bIns="45719" numCol="1" spcCol="38100">
             <a:noAutofit/>
           </a:bodyPr>
           <a:lstStyle/>
           <a:p>
-            <a:endParaRPr/>
+            <a:pPr/>
           </a:p>
         </p:txBody>
       </p:sp>
       <p:sp>
         <p:nvSpPr>
           <p:cNvPr id="22" name="프레젠테이션 제목"/>
-          <p:cNvSpPr txBox="1">
-            <a:spLocks noGrp="1"/>
-          </p:cNvSpPr>
+          <p:cNvSpPr txBox="1"/>
           <p:nvPr>
             <p:ph type="title" hasCustomPrompt="1"/>
           </p:nvPr>
@@ -1798,7 +1691,7 @@
           <a:bodyPr anchor="b"/>
           <a:lstStyle>
             <a:lvl1pPr>
-              <a:defRPr sz="11600" spc="-232">
+              <a:defRPr spc="-232" sz="11600">
                 <a:solidFill>
                   <a:srgbClr val="FFFFFF"/>
                 </a:solidFill>
@@ -1806,6 +1699,7 @@
             </a:lvl1pPr>
           </a:lstStyle>
           <a:p>
+            <a:pPr/>
             <a:r>
               <a:t>프레젠테이션 제목</a:t>
             </a:r>
@@ -1814,25 +1708,23 @@
       </p:sp>
       <p:sp>
         <p:nvSpPr>
-          <p:cNvPr id="23" name="저자 및 날짜"/>
-          <p:cNvSpPr txBox="1">
-            <a:spLocks noGrp="1"/>
-          </p:cNvSpPr>
+          <p:cNvPr id="23" name="본문 첫 번째 줄…"/>
+          <p:cNvSpPr txBox="1"/>
           <p:nvPr>
-            <p:ph type="body" sz="quarter" idx="22" hasCustomPrompt="1"/>
+            <p:ph type="body" sz="quarter" idx="1" hasCustomPrompt="1"/>
           </p:nvPr>
         </p:nvSpPr>
         <p:spPr>
           <a:xfrm>
             <a:off x="1207690" y="1106137"/>
-            <a:ext cx="21968621" cy="636979"/>
+            <a:ext cx="21968621" cy="636980"/>
           </a:xfrm>
           <a:prstGeom prst="rect">
             <a:avLst/>
           </a:prstGeom>
         </p:spPr>
         <p:txBody>
-          <a:bodyPr lIns="45719" tIns="45719" rIns="45719" bIns="45719"/>
+          <a:bodyPr lIns="45718" tIns="45718" rIns="45718" bIns="45718" numCol="1" spcCol="38100"/>
           <a:lstStyle>
             <a:lvl1pPr marL="0" indent="0" defTabSz="784225">
               <a:lnSpc>
@@ -1843,12 +1735,73 @@
               </a:spcBef>
               <a:buSzTx/>
               <a:buNone/>
-              <a:defRPr sz="3420" b="1"/>
+              <a:defRPr b="1" sz="3400"/>
             </a:lvl1pPr>
+            <a:lvl2pPr marL="1041400" indent="-431800" defTabSz="784225">
+              <a:lnSpc>
+                <a:spcPct val="100000"/>
+              </a:lnSpc>
+              <a:spcBef>
+                <a:spcPts val="0"/>
+              </a:spcBef>
+              <a:defRPr b="1" sz="3400"/>
+            </a:lvl2pPr>
+            <a:lvl3pPr marL="1651000" indent="-431800" defTabSz="784225">
+              <a:lnSpc>
+                <a:spcPct val="100000"/>
+              </a:lnSpc>
+              <a:spcBef>
+                <a:spcPts val="0"/>
+              </a:spcBef>
+              <a:defRPr b="1" sz="3400"/>
+            </a:lvl3pPr>
+            <a:lvl4pPr marL="2260600" indent="-431800" defTabSz="784225">
+              <a:lnSpc>
+                <a:spcPct val="100000"/>
+              </a:lnSpc>
+              <a:spcBef>
+                <a:spcPts val="0"/>
+              </a:spcBef>
+              <a:defRPr b="1" sz="3400"/>
+            </a:lvl4pPr>
+            <a:lvl5pPr marL="2870200" indent="-431800" defTabSz="784225">
+              <a:lnSpc>
+                <a:spcPct val="100000"/>
+              </a:lnSpc>
+              <a:spcBef>
+                <a:spcPts val="0"/>
+              </a:spcBef>
+              <a:defRPr b="1" sz="3400"/>
+            </a:lvl5pPr>
           </a:lstStyle>
           <a:p>
+            <a:pPr/>
             <a:r>
               <a:t>저자 및 날짜</a:t>
+            </a:r>
+          </a:p>
+          <a:p>
+            <a:pPr lvl="1"/>
+            <a:r>
+              <a:t/>
+            </a:r>
+          </a:p>
+          <a:p>
+            <a:pPr lvl="2"/>
+            <a:r>
+              <a:t/>
+            </a:r>
+          </a:p>
+          <a:p>
+            <a:pPr lvl="3"/>
+            <a:r>
+              <a:t/>
+            </a:r>
+          </a:p>
+          <a:p>
+            <a:pPr lvl="4"/>
+            <a:r>
+              <a:t/>
             </a:r>
           </a:p>
         </p:txBody>
@@ -1856,24 +1809,22 @@
       <p:sp>
         <p:nvSpPr>
           <p:cNvPr id="24" name="본문 첫 번째 줄…"/>
-          <p:cNvSpPr txBox="1">
-            <a:spLocks noGrp="1"/>
-          </p:cNvSpPr>
+          <p:cNvSpPr txBox="1"/>
           <p:nvPr>
-            <p:ph type="body" sz="quarter" idx="1" hasCustomPrompt="1"/>
+            <p:ph type="body" sz="quarter" idx="22" hasCustomPrompt="1"/>
           </p:nvPr>
         </p:nvSpPr>
         <p:spPr>
           <a:xfrm>
-            <a:off x="1206500" y="11609910"/>
-            <a:ext cx="21971000" cy="1116952"/>
+            <a:off x="1206500" y="11609909"/>
+            <a:ext cx="21971000" cy="1116953"/>
           </a:xfrm>
           <a:prstGeom prst="rect">
             <a:avLst/>
           </a:prstGeom>
         </p:spPr>
         <p:txBody>
-          <a:bodyPr/>
+          <a:bodyPr numCol="1" spcCol="38100"/>
           <a:lstStyle>
             <a:lvl1pPr marL="0" indent="0" defTabSz="825500">
               <a:lnSpc>
@@ -1884,102 +1835,25 @@
               </a:spcBef>
               <a:buSzTx/>
               <a:buNone/>
-              <a:defRPr sz="5500" b="1">
+              <a:defRPr b="1" sz="5500">
                 <a:solidFill>
                   <a:srgbClr val="FFFFFF"/>
                 </a:solidFill>
               </a:defRPr>
             </a:lvl1pPr>
-            <a:lvl2pPr marL="0" indent="457200" defTabSz="825500">
-              <a:lnSpc>
-                <a:spcPct val="100000"/>
-              </a:lnSpc>
-              <a:spcBef>
-                <a:spcPts val="0"/>
-              </a:spcBef>
-              <a:buSzTx/>
-              <a:buNone/>
-              <a:defRPr sz="5500" b="1">
-                <a:solidFill>
-                  <a:srgbClr val="FFFFFF"/>
-                </a:solidFill>
-              </a:defRPr>
-            </a:lvl2pPr>
-            <a:lvl3pPr marL="0" indent="914400" defTabSz="825500">
-              <a:lnSpc>
-                <a:spcPct val="100000"/>
-              </a:lnSpc>
-              <a:spcBef>
-                <a:spcPts val="0"/>
-              </a:spcBef>
-              <a:buSzTx/>
-              <a:buNone/>
-              <a:defRPr sz="5500" b="1">
-                <a:solidFill>
-                  <a:srgbClr val="FFFFFF"/>
-                </a:solidFill>
-              </a:defRPr>
-            </a:lvl3pPr>
-            <a:lvl4pPr marL="0" indent="1371600" defTabSz="825500">
-              <a:lnSpc>
-                <a:spcPct val="100000"/>
-              </a:lnSpc>
-              <a:spcBef>
-                <a:spcPts val="0"/>
-              </a:spcBef>
-              <a:buSzTx/>
-              <a:buNone/>
-              <a:defRPr sz="5500" b="1">
-                <a:solidFill>
-                  <a:srgbClr val="FFFFFF"/>
-                </a:solidFill>
-              </a:defRPr>
-            </a:lvl4pPr>
-            <a:lvl5pPr marL="0" indent="1828800" defTabSz="825500">
-              <a:lnSpc>
-                <a:spcPct val="100000"/>
-              </a:lnSpc>
-              <a:spcBef>
-                <a:spcPts val="0"/>
-              </a:spcBef>
-              <a:buSzTx/>
-              <a:buNone/>
-              <a:defRPr sz="5500" b="1">
-                <a:solidFill>
-                  <a:srgbClr val="FFFFFF"/>
-                </a:solidFill>
-              </a:defRPr>
-            </a:lvl5pPr>
           </a:lstStyle>
           <a:p>
+            <a:pPr/>
             <a:r>
               <a:t>프레젠테이션 부제</a:t>
             </a:r>
-          </a:p>
-          <a:p>
-            <a:pPr lvl="1"/>
-            <a:endParaRPr/>
-          </a:p>
-          <a:p>
-            <a:pPr lvl="2"/>
-            <a:endParaRPr/>
-          </a:p>
-          <a:p>
-            <a:pPr lvl="3"/>
-            <a:endParaRPr/>
-          </a:p>
-          <a:p>
-            <a:pPr lvl="4"/>
-            <a:endParaRPr/>
           </a:p>
         </p:txBody>
       </p:sp>
       <p:sp>
         <p:nvSpPr>
           <p:cNvPr id="25" name="슬라이드 번호"/>
-          <p:cNvSpPr txBox="1">
-            <a:spLocks noGrp="1"/>
-          </p:cNvSpPr>
+          <p:cNvSpPr txBox="1"/>
           <p:nvPr>
             <p:ph type="sldNum" sz="quarter" idx="2"/>
           </p:nvPr>
@@ -2001,10 +1875,8 @@
             </a:lvl1pPr>
           </a:lstStyle>
           <a:p>
-            <a:fld id="{86CB4B4D-7CA3-9044-876B-883B54F8677D}" type="slidenum">
-              <a:t>‹#›</a:t>
-            </a:fld>
-            <a:endParaRPr/>
+            <a:pPr/>
+            <a:fld id="{86CB4B4D-7CA3-9044-876B-883B54F8677D}" type="slidenum"/>
           </a:p>
         </p:txBody>
       </p:sp>
@@ -2013,12 +1885,12 @@
   <p:clrMapOvr>
     <a:masterClrMapping/>
   </p:clrMapOvr>
-  <p:transition spd="med"/>
+  <p:transition xmlns:p14="http://schemas.microsoft.com/office/powerpoint/2010/main" spd="med" advClick="1"/>
 </p:sldLayout>
 </file>
 
 <file path=ppt/slideLayouts/slideLayout3.xml><?xml version="1.0" encoding="utf-8"?>
-<p:sldLayout xmlns:a="http://schemas.openxmlformats.org/drawingml/2006/main" xmlns:r="http://schemas.openxmlformats.org/officeDocument/2006/relationships" xmlns:p="http://schemas.openxmlformats.org/presentationml/2006/main" type="tx">
+<p:sldLayout xmlns:a="http://schemas.openxmlformats.org/drawingml/2006/main" xmlns:r="http://schemas.openxmlformats.org/officeDocument/2006/relationships" xmlns:p="http://schemas.openxmlformats.org/presentationml/2006/main" xmlns:m="http://schemas.openxmlformats.org/officeDocument/2006/math" xmlns:a14="http://schemas.microsoft.com/office/drawing/2010/main" type="tx" showMasterSp="1" showMasterPhAnim="1">
   <p:cSld name="제목 및 사진 대체">
     <p:spTree>
       <p:nvGrpSpPr>
@@ -2037,9 +1909,7 @@
       <p:sp>
         <p:nvSpPr>
           <p:cNvPr id="32" name="열기구를 아래에서 근접 촬영한 사진"/>
-          <p:cNvSpPr>
-            <a:spLocks noGrp="1"/>
-          </p:cNvSpPr>
+          <p:cNvSpPr/>
           <p:nvPr>
             <p:ph type="pic" idx="21"/>
           </p:nvPr>
@@ -2047,28 +1917,26 @@
         <p:spPr>
           <a:xfrm>
             <a:off x="9226574" y="1270000"/>
-            <a:ext cx="16840152" cy="11184435"/>
+            <a:ext cx="16840152" cy="11184436"/>
           </a:xfrm>
           <a:prstGeom prst="rect">
             <a:avLst/>
           </a:prstGeom>
         </p:spPr>
         <p:txBody>
-          <a:bodyPr lIns="91439" tIns="45719" rIns="91439" bIns="45719">
+          <a:bodyPr lIns="91439" tIns="45719" rIns="91439" bIns="45719" numCol="1" spcCol="38100">
             <a:noAutofit/>
           </a:bodyPr>
           <a:lstStyle/>
           <a:p>
-            <a:endParaRPr/>
+            <a:pPr/>
           </a:p>
         </p:txBody>
       </p:sp>
       <p:sp>
         <p:nvSpPr>
           <p:cNvPr id="33" name="슬라이드 제목"/>
-          <p:cNvSpPr txBox="1">
-            <a:spLocks noGrp="1"/>
-          </p:cNvSpPr>
+          <p:cNvSpPr txBox="1"/>
           <p:nvPr>
             <p:ph type="title" hasCustomPrompt="1"/>
           </p:nvPr>
@@ -2076,7 +1944,7 @@
         <p:spPr>
           <a:xfrm>
             <a:off x="1206500" y="1270000"/>
-            <a:ext cx="9779000" cy="5882273"/>
+            <a:ext cx="9779000" cy="5882274"/>
           </a:xfrm>
           <a:prstGeom prst="rect">
             <a:avLst/>
@@ -2086,6 +1954,7 @@
           <a:bodyPr anchor="b"/>
           <a:lstStyle/>
           <a:p>
+            <a:pPr/>
             <a:r>
               <a:t>슬라이드 제목</a:t>
             </a:r>
@@ -2095,9 +1964,7 @@
       <p:sp>
         <p:nvSpPr>
           <p:cNvPr id="34" name="본문 첫 번째 줄…"/>
-          <p:cNvSpPr txBox="1">
-            <a:spLocks noGrp="1"/>
-          </p:cNvSpPr>
+          <p:cNvSpPr txBox="1"/>
           <p:nvPr>
             <p:ph type="body" sz="quarter" idx="1" hasCustomPrompt="1"/>
           </p:nvPr>
@@ -2112,7 +1979,7 @@
           </a:prstGeom>
         </p:spPr>
         <p:txBody>
-          <a:bodyPr/>
+          <a:bodyPr numCol="1" spcCol="38100"/>
           <a:lstStyle>
             <a:lvl1pPr marL="0" indent="0" defTabSz="825500">
               <a:lnSpc>
@@ -2123,9 +1990,9 @@
               </a:spcBef>
               <a:buSzTx/>
               <a:buNone/>
-              <a:defRPr sz="5500" b="1"/>
+              <a:defRPr b="1" sz="5500"/>
             </a:lvl1pPr>
-            <a:lvl2pPr marL="0" indent="457200" defTabSz="825500">
+            <a:lvl2pPr marL="0" indent="0" defTabSz="825500">
               <a:lnSpc>
                 <a:spcPct val="100000"/>
               </a:lnSpc>
@@ -2134,9 +2001,9 @@
               </a:spcBef>
               <a:buSzTx/>
               <a:buNone/>
-              <a:defRPr sz="5500" b="1"/>
+              <a:defRPr b="1" sz="5500"/>
             </a:lvl2pPr>
-            <a:lvl3pPr marL="0" indent="914400" defTabSz="825500">
+            <a:lvl3pPr marL="0" indent="0" defTabSz="825500">
               <a:lnSpc>
                 <a:spcPct val="100000"/>
               </a:lnSpc>
@@ -2145,9 +2012,9 @@
               </a:spcBef>
               <a:buSzTx/>
               <a:buNone/>
-              <a:defRPr sz="5500" b="1"/>
+              <a:defRPr b="1" sz="5500"/>
             </a:lvl3pPr>
-            <a:lvl4pPr marL="0" indent="1371600" defTabSz="825500">
+            <a:lvl4pPr marL="0" indent="0" defTabSz="825500">
               <a:lnSpc>
                 <a:spcPct val="100000"/>
               </a:lnSpc>
@@ -2156,9 +2023,9 @@
               </a:spcBef>
               <a:buSzTx/>
               <a:buNone/>
-              <a:defRPr sz="5500" b="1"/>
+              <a:defRPr b="1" sz="5500"/>
             </a:lvl4pPr>
-            <a:lvl5pPr marL="0" indent="1828800" defTabSz="825500">
+            <a:lvl5pPr marL="0" indent="0" defTabSz="825500">
               <a:lnSpc>
                 <a:spcPct val="100000"/>
               </a:lnSpc>
@@ -2167,38 +2034,45 @@
               </a:spcBef>
               <a:buSzTx/>
               <a:buNone/>
-              <a:defRPr sz="5500" b="1"/>
+              <a:defRPr b="1" sz="5500"/>
             </a:lvl5pPr>
           </a:lstStyle>
           <a:p>
+            <a:pPr/>
             <a:r>
               <a:t>슬라이드 부제</a:t>
             </a:r>
           </a:p>
           <a:p>
             <a:pPr lvl="1"/>
-            <a:endParaRPr/>
+            <a:r>
+              <a:t/>
+            </a:r>
           </a:p>
           <a:p>
             <a:pPr lvl="2"/>
-            <a:endParaRPr/>
+            <a:r>
+              <a:t/>
+            </a:r>
           </a:p>
           <a:p>
             <a:pPr lvl="3"/>
-            <a:endParaRPr/>
+            <a:r>
+              <a:t/>
+            </a:r>
           </a:p>
           <a:p>
             <a:pPr lvl="4"/>
-            <a:endParaRPr/>
+            <a:r>
+              <a:t/>
+            </a:r>
           </a:p>
         </p:txBody>
       </p:sp>
       <p:sp>
         <p:nvSpPr>
           <p:cNvPr id="35" name="슬라이드 번호"/>
-          <p:cNvSpPr txBox="1">
-            <a:spLocks noGrp="1"/>
-          </p:cNvSpPr>
+          <p:cNvSpPr txBox="1"/>
           <p:nvPr>
             <p:ph type="sldNum" sz="quarter" idx="2"/>
           </p:nvPr>
@@ -2216,10 +2090,8 @@
           <a:bodyPr/>
           <a:lstStyle/>
           <a:p>
-            <a:fld id="{86CB4B4D-7CA3-9044-876B-883B54F8677D}" type="slidenum">
-              <a:t>‹#›</a:t>
-            </a:fld>
-            <a:endParaRPr/>
+            <a:pPr/>
+            <a:fld id="{86CB4B4D-7CA3-9044-876B-883B54F8677D}" type="slidenum"/>
           </a:p>
         </p:txBody>
       </p:sp>
@@ -2228,12 +2100,12 @@
   <p:clrMapOvr>
     <a:masterClrMapping/>
   </p:clrMapOvr>
-  <p:transition spd="med"/>
+  <p:transition xmlns:p14="http://schemas.microsoft.com/office/powerpoint/2010/main" spd="med" advClick="1"/>
 </p:sldLayout>
 </file>
 
 <file path=ppt/slideLayouts/slideLayout4.xml><?xml version="1.0" encoding="utf-8"?>
-<p:sldLayout xmlns:a="http://schemas.openxmlformats.org/drawingml/2006/main" xmlns:r="http://schemas.openxmlformats.org/officeDocument/2006/relationships" xmlns:p="http://schemas.openxmlformats.org/presentationml/2006/main" type="tx">
+<p:sldLayout xmlns:a="http://schemas.openxmlformats.org/drawingml/2006/main" xmlns:r="http://schemas.openxmlformats.org/officeDocument/2006/relationships" xmlns:p="http://schemas.openxmlformats.org/presentationml/2006/main" xmlns:m="http://schemas.openxmlformats.org/officeDocument/2006/math" xmlns:a14="http://schemas.microsoft.com/office/drawing/2010/main" type="tx" showMasterSp="1" showMasterPhAnim="1">
   <p:cSld name="제목 및 구분점">
     <p:spTree>
       <p:nvGrpSpPr>
@@ -2252,14 +2124,16 @@
       <p:sp>
         <p:nvSpPr>
           <p:cNvPr id="42" name="슬라이드 제목"/>
-          <p:cNvSpPr txBox="1">
-            <a:spLocks noGrp="1"/>
-          </p:cNvSpPr>
+          <p:cNvSpPr txBox="1"/>
           <p:nvPr>
             <p:ph type="title" hasCustomPrompt="1"/>
           </p:nvPr>
         </p:nvSpPr>
         <p:spPr>
+          <a:xfrm>
+            <a:off x="1206500" y="952500"/>
+            <a:ext cx="21971000" cy="1433164"/>
+          </a:xfrm>
           <a:prstGeom prst="rect">
             <a:avLst/>
           </a:prstGeom>
@@ -2268,6 +2142,7 @@
           <a:bodyPr/>
           <a:lstStyle/>
           <a:p>
+            <a:pPr/>
             <a:r>
               <a:t>슬라이드 제목</a:t>
             </a:r>
@@ -2276,25 +2151,23 @@
       </p:sp>
       <p:sp>
         <p:nvSpPr>
-          <p:cNvPr id="43" name="슬라이드 부제"/>
-          <p:cNvSpPr txBox="1">
-            <a:spLocks noGrp="1"/>
-          </p:cNvSpPr>
+          <p:cNvPr id="43" name="본문 첫 번째 줄…"/>
+          <p:cNvSpPr txBox="1"/>
           <p:nvPr>
-            <p:ph type="body" sz="quarter" idx="21" hasCustomPrompt="1"/>
+            <p:ph type="body" sz="quarter" idx="1" hasCustomPrompt="1"/>
           </p:nvPr>
         </p:nvSpPr>
         <p:spPr>
           <a:xfrm>
-            <a:off x="1206500" y="2245962"/>
-            <a:ext cx="21971000" cy="934780"/>
+            <a:off x="1206500" y="2245961"/>
+            <a:ext cx="21971000" cy="934781"/>
           </a:xfrm>
           <a:prstGeom prst="rect">
             <a:avLst/>
           </a:prstGeom>
         </p:spPr>
         <p:txBody>
-          <a:bodyPr lIns="45719" tIns="45719" rIns="45719" bIns="45719"/>
+          <a:bodyPr lIns="45718" tIns="45718" rIns="45718" bIns="45718" numCol="1" spcCol="38100"/>
           <a:lstStyle>
             <a:lvl1pPr marL="0" indent="0" defTabSz="792479">
               <a:lnSpc>
@@ -2305,12 +2178,73 @@
               </a:spcBef>
               <a:buSzTx/>
               <a:buNone/>
-              <a:defRPr sz="5280" b="1"/>
+              <a:defRPr b="1" sz="5200"/>
             </a:lvl1pPr>
+            <a:lvl2pPr marL="1270000" indent="-660400" defTabSz="792479">
+              <a:lnSpc>
+                <a:spcPct val="100000"/>
+              </a:lnSpc>
+              <a:spcBef>
+                <a:spcPts val="0"/>
+              </a:spcBef>
+              <a:defRPr b="1" sz="5200"/>
+            </a:lvl2pPr>
+            <a:lvl3pPr marL="1879600" indent="-660400" defTabSz="792479">
+              <a:lnSpc>
+                <a:spcPct val="100000"/>
+              </a:lnSpc>
+              <a:spcBef>
+                <a:spcPts val="0"/>
+              </a:spcBef>
+              <a:defRPr b="1" sz="5200"/>
+            </a:lvl3pPr>
+            <a:lvl4pPr marL="2489200" indent="-660400" defTabSz="792479">
+              <a:lnSpc>
+                <a:spcPct val="100000"/>
+              </a:lnSpc>
+              <a:spcBef>
+                <a:spcPts val="0"/>
+              </a:spcBef>
+              <a:defRPr b="1" sz="5200"/>
+            </a:lvl4pPr>
+            <a:lvl5pPr marL="3098800" indent="-660400" defTabSz="792479">
+              <a:lnSpc>
+                <a:spcPct val="100000"/>
+              </a:lnSpc>
+              <a:spcBef>
+                <a:spcPts val="0"/>
+              </a:spcBef>
+              <a:defRPr b="1" sz="5200"/>
+            </a:lvl5pPr>
           </a:lstStyle>
           <a:p>
+            <a:pPr/>
             <a:r>
               <a:t>슬라이드 부제</a:t>
+            </a:r>
+          </a:p>
+          <a:p>
+            <a:pPr lvl="1"/>
+            <a:r>
+              <a:t/>
+            </a:r>
+          </a:p>
+          <a:p>
+            <a:pPr lvl="2"/>
+            <a:r>
+              <a:t/>
+            </a:r>
+          </a:p>
+          <a:p>
+            <a:pPr lvl="3"/>
+            <a:r>
+              <a:t/>
+            </a:r>
+          </a:p>
+          <a:p>
+            <a:pPr lvl="4"/>
+            <a:r>
+              <a:t/>
             </a:r>
           </a:p>
         </p:txBody>
@@ -2318,11 +2252,9 @@
       <p:sp>
         <p:nvSpPr>
           <p:cNvPr id="44" name="본문 첫 번째 줄…"/>
-          <p:cNvSpPr txBox="1">
-            <a:spLocks noGrp="1"/>
-          </p:cNvSpPr>
+          <p:cNvSpPr txBox="1"/>
           <p:nvPr>
-            <p:ph type="body" idx="1" hasCustomPrompt="1"/>
+            <p:ph type="body" idx="21" hasCustomPrompt="1"/>
           </p:nvPr>
         </p:nvSpPr>
         <p:spPr>
@@ -2331,37 +2263,20 @@
           </a:prstGeom>
         </p:spPr>
         <p:txBody>
-          <a:bodyPr/>
+          <a:bodyPr numCol="1" spcCol="38100"/>
           <a:lstStyle/>
           <a:p>
+            <a:pPr/>
             <a:r>
               <a:t>슬라이드 구분점 텍스트</a:t>
             </a:r>
-          </a:p>
-          <a:p>
-            <a:pPr lvl="1"/>
-            <a:endParaRPr/>
-          </a:p>
-          <a:p>
-            <a:pPr lvl="2"/>
-            <a:endParaRPr/>
-          </a:p>
-          <a:p>
-            <a:pPr lvl="3"/>
-            <a:endParaRPr/>
-          </a:p>
-          <a:p>
-            <a:pPr lvl="4"/>
-            <a:endParaRPr/>
           </a:p>
         </p:txBody>
       </p:sp>
       <p:sp>
         <p:nvSpPr>
           <p:cNvPr id="45" name="슬라이드 번호"/>
-          <p:cNvSpPr txBox="1">
-            <a:spLocks noGrp="1"/>
-          </p:cNvSpPr>
+          <p:cNvSpPr txBox="1"/>
           <p:nvPr>
             <p:ph type="sldNum" sz="quarter" idx="2"/>
           </p:nvPr>
@@ -2375,10 +2290,8 @@
           <a:bodyPr/>
           <a:lstStyle/>
           <a:p>
-            <a:fld id="{86CB4B4D-7CA3-9044-876B-883B54F8677D}" type="slidenum">
-              <a:t>‹#›</a:t>
-            </a:fld>
-            <a:endParaRPr/>
+            <a:pPr/>
+            <a:fld id="{86CB4B4D-7CA3-9044-876B-883B54F8677D}" type="slidenum"/>
           </a:p>
         </p:txBody>
       </p:sp>
@@ -2387,12 +2300,12 @@
   <p:clrMapOvr>
     <a:masterClrMapping/>
   </p:clrMapOvr>
-  <p:transition spd="med"/>
+  <p:transition xmlns:p14="http://schemas.microsoft.com/office/powerpoint/2010/main" spd="med" advClick="1"/>
 </p:sldLayout>
 </file>
 
 <file path=ppt/slideLayouts/slideLayout5.xml><?xml version="1.0" encoding="utf-8"?>
-<p:sldLayout xmlns:a="http://schemas.openxmlformats.org/drawingml/2006/main" xmlns:r="http://schemas.openxmlformats.org/officeDocument/2006/relationships" xmlns:p="http://schemas.openxmlformats.org/presentationml/2006/main" type="tx">
+<p:sldLayout xmlns:a="http://schemas.openxmlformats.org/drawingml/2006/main" xmlns:r="http://schemas.openxmlformats.org/officeDocument/2006/relationships" xmlns:p="http://schemas.openxmlformats.org/presentationml/2006/main" xmlns:m="http://schemas.openxmlformats.org/officeDocument/2006/math" xmlns:a14="http://schemas.microsoft.com/office/drawing/2010/main" type="tx" showMasterSp="1" showMasterPhAnim="1">
   <p:cSld name="구분점">
     <p:spTree>
       <p:nvGrpSpPr>
@@ -2411,9 +2324,7 @@
       <p:sp>
         <p:nvSpPr>
           <p:cNvPr id="52" name="본문 첫 번째 줄…"/>
-          <p:cNvSpPr txBox="1">
-            <a:spLocks noGrp="1"/>
-          </p:cNvSpPr>
+          <p:cNvSpPr txBox="1"/>
           <p:nvPr>
             <p:ph type="body" idx="1" hasCustomPrompt="1"/>
           </p:nvPr>
@@ -2424,37 +2335,44 @@
           </a:prstGeom>
         </p:spPr>
         <p:txBody>
-          <a:bodyPr numCol="2" spcCol="1098550"/>
+          <a:bodyPr/>
           <a:lstStyle/>
           <a:p>
+            <a:pPr/>
             <a:r>
               <a:t>슬라이드 구분점 텍스트</a:t>
             </a:r>
           </a:p>
           <a:p>
             <a:pPr lvl="1"/>
-            <a:endParaRPr/>
+            <a:r>
+              <a:t/>
+            </a:r>
           </a:p>
           <a:p>
             <a:pPr lvl="2"/>
-            <a:endParaRPr/>
+            <a:r>
+              <a:t/>
+            </a:r>
           </a:p>
           <a:p>
             <a:pPr lvl="3"/>
-            <a:endParaRPr/>
+            <a:r>
+              <a:t/>
+            </a:r>
           </a:p>
           <a:p>
             <a:pPr lvl="4"/>
-            <a:endParaRPr/>
+            <a:r>
+              <a:t/>
+            </a:r>
           </a:p>
         </p:txBody>
       </p:sp>
       <p:sp>
         <p:nvSpPr>
           <p:cNvPr id="53" name="슬라이드 번호"/>
-          <p:cNvSpPr txBox="1">
-            <a:spLocks noGrp="1"/>
-          </p:cNvSpPr>
+          <p:cNvSpPr txBox="1"/>
           <p:nvPr>
             <p:ph type="sldNum" sz="quarter" idx="2"/>
           </p:nvPr>
@@ -2468,10 +2386,8 @@
           <a:bodyPr/>
           <a:lstStyle/>
           <a:p>
-            <a:fld id="{86CB4B4D-7CA3-9044-876B-883B54F8677D}" type="slidenum">
-              <a:t>‹#›</a:t>
-            </a:fld>
-            <a:endParaRPr/>
+            <a:pPr/>
+            <a:fld id="{86CB4B4D-7CA3-9044-876B-883B54F8677D}" type="slidenum"/>
           </a:p>
         </p:txBody>
       </p:sp>
@@ -2480,12 +2396,12 @@
   <p:clrMapOvr>
     <a:masterClrMapping/>
   </p:clrMapOvr>
-  <p:transition spd="med"/>
+  <p:transition xmlns:p14="http://schemas.microsoft.com/office/powerpoint/2010/main" spd="med" advClick="1"/>
 </p:sldLayout>
 </file>
 
 <file path=ppt/slideLayouts/slideLayout6.xml><?xml version="1.0" encoding="utf-8"?>
-<p:sldLayout xmlns:a="http://schemas.openxmlformats.org/drawingml/2006/main" xmlns:r="http://schemas.openxmlformats.org/officeDocument/2006/relationships" xmlns:p="http://schemas.openxmlformats.org/presentationml/2006/main" type="tx">
+<p:sldLayout xmlns:a="http://schemas.openxmlformats.org/drawingml/2006/main" xmlns:r="http://schemas.openxmlformats.org/officeDocument/2006/relationships" xmlns:p="http://schemas.openxmlformats.org/presentationml/2006/main" xmlns:m="http://schemas.openxmlformats.org/officeDocument/2006/math" xmlns:a14="http://schemas.microsoft.com/office/drawing/2010/main" type="tx" showMasterSp="1" showMasterPhAnim="1">
   <p:cSld name="제목, 구분점 및 사진">
     <p:spTree>
       <p:nvGrpSpPr>
@@ -2503,12 +2419,10 @@
       </p:grpSpPr>
       <p:sp>
         <p:nvSpPr>
-          <p:cNvPr id="60" name="슬라이드 부제"/>
-          <p:cNvSpPr txBox="1">
-            <a:spLocks noGrp="1"/>
-          </p:cNvSpPr>
+          <p:cNvPr id="60" name="본문 첫 번째 줄…"/>
+          <p:cNvSpPr txBox="1"/>
           <p:nvPr>
-            <p:ph type="body" sz="quarter" idx="21" hasCustomPrompt="1"/>
+            <p:ph type="body" sz="quarter" idx="1" hasCustomPrompt="1"/>
           </p:nvPr>
         </p:nvSpPr>
         <p:spPr>
@@ -2521,7 +2435,7 @@
           </a:prstGeom>
         </p:spPr>
         <p:txBody>
-          <a:bodyPr lIns="45719" tIns="45719" rIns="45719" bIns="45719"/>
+          <a:bodyPr lIns="45718" tIns="45718" rIns="45718" bIns="45718" numCol="1" spcCol="38100"/>
           <a:lstStyle>
             <a:lvl1pPr marL="0" indent="0" defTabSz="792479">
               <a:lnSpc>
@@ -2532,12 +2446,73 @@
               </a:spcBef>
               <a:buSzTx/>
               <a:buNone/>
-              <a:defRPr sz="5280" b="1"/>
+              <a:defRPr b="1" sz="5200"/>
             </a:lvl1pPr>
+            <a:lvl2pPr marL="1270000" indent="-660400" defTabSz="792479">
+              <a:lnSpc>
+                <a:spcPct val="100000"/>
+              </a:lnSpc>
+              <a:spcBef>
+                <a:spcPts val="0"/>
+              </a:spcBef>
+              <a:defRPr b="1" sz="5200"/>
+            </a:lvl2pPr>
+            <a:lvl3pPr marL="1879600" indent="-660400" defTabSz="792479">
+              <a:lnSpc>
+                <a:spcPct val="100000"/>
+              </a:lnSpc>
+              <a:spcBef>
+                <a:spcPts val="0"/>
+              </a:spcBef>
+              <a:defRPr b="1" sz="5200"/>
+            </a:lvl3pPr>
+            <a:lvl4pPr marL="2489200" indent="-660400" defTabSz="792479">
+              <a:lnSpc>
+                <a:spcPct val="100000"/>
+              </a:lnSpc>
+              <a:spcBef>
+                <a:spcPts val="0"/>
+              </a:spcBef>
+              <a:defRPr b="1" sz="5200"/>
+            </a:lvl4pPr>
+            <a:lvl5pPr marL="3098800" indent="-660400" defTabSz="792479">
+              <a:lnSpc>
+                <a:spcPct val="100000"/>
+              </a:lnSpc>
+              <a:spcBef>
+                <a:spcPts val="0"/>
+              </a:spcBef>
+              <a:defRPr b="1" sz="5200"/>
+            </a:lvl5pPr>
           </a:lstStyle>
           <a:p>
+            <a:pPr/>
             <a:r>
               <a:t>슬라이드 부제</a:t>
+            </a:r>
+          </a:p>
+          <a:p>
+            <a:pPr lvl="1"/>
+            <a:r>
+              <a:t/>
+            </a:r>
+          </a:p>
+          <a:p>
+            <a:pPr lvl="2"/>
+            <a:r>
+              <a:t/>
+            </a:r>
+          </a:p>
+          <a:p>
+            <a:pPr lvl="3"/>
+            <a:r>
+              <a:t/>
+            </a:r>
+          </a:p>
+          <a:p>
+            <a:pPr lvl="4"/>
+            <a:r>
+              <a:t/>
             </a:r>
           </a:p>
         </p:txBody>
@@ -2545,83 +2520,62 @@
       <p:sp>
         <p:nvSpPr>
           <p:cNvPr id="61" name="본문 첫 번째 줄…"/>
-          <p:cNvSpPr txBox="1">
-            <a:spLocks noGrp="1"/>
-          </p:cNvSpPr>
+          <p:cNvSpPr txBox="1"/>
           <p:nvPr>
-            <p:ph type="body" sz="half" idx="1" hasCustomPrompt="1"/>
+            <p:ph type="body" sz="half" idx="21" hasCustomPrompt="1"/>
           </p:nvPr>
         </p:nvSpPr>
         <p:spPr>
           <a:xfrm>
-            <a:off x="1206500" y="4248504"/>
-            <a:ext cx="9779000" cy="8256630"/>
+            <a:off x="1206500" y="4248503"/>
+            <a:ext cx="9779000" cy="8256631"/>
           </a:xfrm>
           <a:prstGeom prst="rect">
             <a:avLst/>
           </a:prstGeom>
         </p:spPr>
         <p:txBody>
-          <a:bodyPr/>
+          <a:bodyPr numCol="1" spcCol="38100"/>
           <a:lstStyle/>
           <a:p>
+            <a:pPr/>
             <a:r>
               <a:t>슬라이드 구분점 텍스트</a:t>
             </a:r>
-          </a:p>
-          <a:p>
-            <a:pPr lvl="1"/>
-            <a:endParaRPr/>
-          </a:p>
-          <a:p>
-            <a:pPr lvl="2"/>
-            <a:endParaRPr/>
-          </a:p>
-          <a:p>
-            <a:pPr lvl="3"/>
-            <a:endParaRPr/>
-          </a:p>
-          <a:p>
-            <a:pPr lvl="4"/>
-            <a:endParaRPr/>
           </a:p>
         </p:txBody>
       </p:sp>
       <p:sp>
         <p:nvSpPr>
           <p:cNvPr id="62" name="파란 하늘을 배경으로 아래에서 올려다본 열기구"/>
-          <p:cNvSpPr>
-            <a:spLocks noGrp="1"/>
-          </p:cNvSpPr>
+          <p:cNvSpPr/>
           <p:nvPr>
             <p:ph type="pic" idx="22"/>
           </p:nvPr>
         </p:nvSpPr>
         <p:spPr>
           <a:xfrm>
-            <a:off x="8432800" y="1263848"/>
-            <a:ext cx="16850011" cy="11188205"/>
+            <a:off x="8432800" y="1263847"/>
+            <a:ext cx="16850011" cy="11188206"/>
           </a:xfrm>
           <a:prstGeom prst="rect">
             <a:avLst/>
           </a:prstGeom>
         </p:spPr>
         <p:txBody>
-          <a:bodyPr lIns="91439" tIns="45719" rIns="91439" bIns="45719">
+          <a:bodyPr lIns="91439" tIns="45719" rIns="91439" bIns="45719" numCol="1" spcCol="38100">
             <a:noAutofit/>
           </a:bodyPr>
           <a:lstStyle/>
           <a:p>
-            <a:endParaRPr/>
+            <a:pPr/>
           </a:p>
         </p:txBody>
       </p:sp>
       <p:sp>
         <p:nvSpPr>
           <p:cNvPr id="63" name="슬라이드 제목"/>
-          <p:cNvSpPr txBox="1">
-            <a:spLocks noGrp="1"/>
-          </p:cNvSpPr>
+          <p:cNvSpPr txBox="1"/>
           <p:nvPr>
             <p:ph type="title" hasCustomPrompt="1"/>
           </p:nvPr>
@@ -2639,6 +2593,7 @@
           <a:bodyPr/>
           <a:lstStyle/>
           <a:p>
+            <a:pPr/>
             <a:r>
               <a:t>슬라이드 제목</a:t>
             </a:r>
@@ -2648,9 +2603,7 @@
       <p:sp>
         <p:nvSpPr>
           <p:cNvPr id="64" name="슬라이드 번호"/>
-          <p:cNvSpPr txBox="1">
-            <a:spLocks noGrp="1"/>
-          </p:cNvSpPr>
+          <p:cNvSpPr txBox="1"/>
           <p:nvPr>
             <p:ph type="sldNum" sz="quarter" idx="2"/>
           </p:nvPr>
@@ -2664,10 +2617,8 @@
           <a:bodyPr/>
           <a:lstStyle/>
           <a:p>
-            <a:fld id="{86CB4B4D-7CA3-9044-876B-883B54F8677D}" type="slidenum">
-              <a:t>‹#›</a:t>
-            </a:fld>
-            <a:endParaRPr/>
+            <a:pPr/>
+            <a:fld id="{86CB4B4D-7CA3-9044-876B-883B54F8677D}" type="slidenum"/>
           </a:p>
         </p:txBody>
       </p:sp>
@@ -2676,19 +2627,18 @@
   <p:clrMapOvr>
     <a:masterClrMapping/>
   </p:clrMapOvr>
-  <p:transition spd="med"/>
+  <p:transition xmlns:p14="http://schemas.microsoft.com/office/powerpoint/2010/main" spd="med" advClick="1"/>
 </p:sldLayout>
 </file>
 
 <file path=ppt/slideLayouts/slideLayout7.xml><?xml version="1.0" encoding="utf-8"?>
-<p:sldLayout xmlns:a="http://schemas.openxmlformats.org/drawingml/2006/main" xmlns:r="http://schemas.openxmlformats.org/officeDocument/2006/relationships" xmlns:p="http://schemas.openxmlformats.org/presentationml/2006/main" type="tx">
+<p:sldLayout xmlns:a="http://schemas.openxmlformats.org/drawingml/2006/main" xmlns:r="http://schemas.openxmlformats.org/officeDocument/2006/relationships" xmlns:p="http://schemas.openxmlformats.org/presentationml/2006/main" xmlns:m="http://schemas.openxmlformats.org/officeDocument/2006/math" xmlns:a14="http://schemas.microsoft.com/office/drawing/2010/main" type="tx" showMasterSp="1" showMasterPhAnim="1">
   <p:cSld name="섹션">
     <p:bg>
       <p:bgPr>
         <a:solidFill>
           <a:srgbClr val="003462"/>
         </a:solidFill>
-        <a:effectLst/>
       </p:bgPr>
     </p:bg>
     <p:spTree>
@@ -2708,9 +2658,7 @@
       <p:sp>
         <p:nvSpPr>
           <p:cNvPr id="71" name="섹션 제목"/>
-          <p:cNvSpPr txBox="1">
-            <a:spLocks noGrp="1"/>
-          </p:cNvSpPr>
+          <p:cNvSpPr txBox="1"/>
           <p:nvPr>
             <p:ph type="title" hasCustomPrompt="1"/>
           </p:nvPr>
@@ -2718,7 +2666,7 @@
         <p:spPr>
           <a:xfrm>
             <a:off x="1206496" y="4533900"/>
-            <a:ext cx="21971004" cy="4648200"/>
+            <a:ext cx="21971005" cy="4648200"/>
           </a:xfrm>
           <a:prstGeom prst="rect">
             <a:avLst/>
@@ -2728,7 +2676,7 @@
           <a:bodyPr anchor="ctr"/>
           <a:lstStyle>
             <a:lvl1pPr>
-              <a:defRPr sz="11600" b="0" spc="-232">
+              <a:defRPr b="0" spc="-232" sz="11600">
                 <a:solidFill>
                   <a:srgbClr val="FFFFFF"/>
                 </a:solidFill>
@@ -2740,6 +2688,7 @@
             </a:lvl1pPr>
           </a:lstStyle>
           <a:p>
+            <a:pPr/>
             <a:r>
               <a:t>섹션 제목</a:t>
             </a:r>
@@ -2749,9 +2698,7 @@
       <p:sp>
         <p:nvSpPr>
           <p:cNvPr id="72" name="슬라이드 번호"/>
-          <p:cNvSpPr txBox="1">
-            <a:spLocks noGrp="1"/>
-          </p:cNvSpPr>
+          <p:cNvSpPr txBox="1"/>
           <p:nvPr>
             <p:ph type="sldNum" sz="quarter" idx="2"/>
           </p:nvPr>
@@ -2777,10 +2724,8 @@
             </a:lvl1pPr>
           </a:lstStyle>
           <a:p>
-            <a:fld id="{86CB4B4D-7CA3-9044-876B-883B54F8677D}" type="slidenum">
-              <a:t>‹#›</a:t>
-            </a:fld>
-            <a:endParaRPr/>
+            <a:pPr/>
+            <a:fld id="{86CB4B4D-7CA3-9044-876B-883B54F8677D}" type="slidenum"/>
           </a:p>
         </p:txBody>
       </p:sp>
@@ -2789,12 +2734,12 @@
   <p:clrMapOvr>
     <a:masterClrMapping/>
   </p:clrMapOvr>
-  <p:transition spd="med"/>
+  <p:transition xmlns:p14="http://schemas.microsoft.com/office/powerpoint/2010/main" spd="med" advClick="1"/>
 </p:sldLayout>
 </file>
 
 <file path=ppt/slideLayouts/slideLayout8.xml><?xml version="1.0" encoding="utf-8"?>
-<p:sldLayout xmlns:a="http://schemas.openxmlformats.org/drawingml/2006/main" xmlns:r="http://schemas.openxmlformats.org/officeDocument/2006/relationships" xmlns:p="http://schemas.openxmlformats.org/presentationml/2006/main" type="tx">
+<p:sldLayout xmlns:a="http://schemas.openxmlformats.org/drawingml/2006/main" xmlns:r="http://schemas.openxmlformats.org/officeDocument/2006/relationships" xmlns:p="http://schemas.openxmlformats.org/presentationml/2006/main" xmlns:m="http://schemas.openxmlformats.org/officeDocument/2006/math" xmlns:a14="http://schemas.microsoft.com/office/drawing/2010/main" type="tx" showMasterSp="1" showMasterPhAnim="1">
   <p:cSld name="제목 전용">
     <p:spTree>
       <p:nvGrpSpPr>
@@ -2813,9 +2758,7 @@
       <p:sp>
         <p:nvSpPr>
           <p:cNvPr id="79" name="슬라이드 제목"/>
-          <p:cNvSpPr txBox="1">
-            <a:spLocks noGrp="1"/>
-          </p:cNvSpPr>
+          <p:cNvSpPr txBox="1"/>
           <p:nvPr>
             <p:ph type="title" hasCustomPrompt="1"/>
           </p:nvPr>
@@ -2823,7 +2766,7 @@
         <p:spPr>
           <a:xfrm>
             <a:off x="1206500" y="952500"/>
-            <a:ext cx="21971000" cy="1434949"/>
+            <a:ext cx="21971000" cy="1434950"/>
           </a:xfrm>
           <a:prstGeom prst="rect">
             <a:avLst/>
@@ -2833,6 +2776,7 @@
           <a:bodyPr/>
           <a:lstStyle/>
           <a:p>
+            <a:pPr/>
             <a:r>
               <a:t>슬라이드 제목</a:t>
             </a:r>
@@ -2841,12 +2785,10 @@
       </p:sp>
       <p:sp>
         <p:nvSpPr>
-          <p:cNvPr id="80" name="슬라이드 부제"/>
-          <p:cNvSpPr txBox="1">
-            <a:spLocks noGrp="1"/>
-          </p:cNvSpPr>
+          <p:cNvPr id="80" name="본문 첫 번째 줄…"/>
+          <p:cNvSpPr txBox="1"/>
           <p:nvPr>
-            <p:ph type="body" sz="quarter" idx="21" hasCustomPrompt="1"/>
+            <p:ph type="body" sz="quarter" idx="1" hasCustomPrompt="1"/>
           </p:nvPr>
         </p:nvSpPr>
         <p:spPr>
@@ -2859,7 +2801,7 @@
           </a:prstGeom>
         </p:spPr>
         <p:txBody>
-          <a:bodyPr lIns="45719" tIns="45719" rIns="45719" bIns="45719"/>
+          <a:bodyPr lIns="45718" tIns="45718" rIns="45718" bIns="45718" numCol="1" spcCol="38100"/>
           <a:lstStyle>
             <a:lvl1pPr marL="0" indent="0" defTabSz="792479">
               <a:lnSpc>
@@ -2870,12 +2812,73 @@
               </a:spcBef>
               <a:buSzTx/>
               <a:buNone/>
-              <a:defRPr sz="5280" b="1"/>
+              <a:defRPr b="1" sz="5200"/>
             </a:lvl1pPr>
+            <a:lvl2pPr marL="1270000" indent="-660400" defTabSz="792479">
+              <a:lnSpc>
+                <a:spcPct val="100000"/>
+              </a:lnSpc>
+              <a:spcBef>
+                <a:spcPts val="0"/>
+              </a:spcBef>
+              <a:defRPr b="1" sz="5200"/>
+            </a:lvl2pPr>
+            <a:lvl3pPr marL="1879600" indent="-660400" defTabSz="792479">
+              <a:lnSpc>
+                <a:spcPct val="100000"/>
+              </a:lnSpc>
+              <a:spcBef>
+                <a:spcPts val="0"/>
+              </a:spcBef>
+              <a:defRPr b="1" sz="5200"/>
+            </a:lvl3pPr>
+            <a:lvl4pPr marL="2489200" indent="-660400" defTabSz="792479">
+              <a:lnSpc>
+                <a:spcPct val="100000"/>
+              </a:lnSpc>
+              <a:spcBef>
+                <a:spcPts val="0"/>
+              </a:spcBef>
+              <a:defRPr b="1" sz="5200"/>
+            </a:lvl4pPr>
+            <a:lvl5pPr marL="3098800" indent="-660400" defTabSz="792479">
+              <a:lnSpc>
+                <a:spcPct val="100000"/>
+              </a:lnSpc>
+              <a:spcBef>
+                <a:spcPts val="0"/>
+              </a:spcBef>
+              <a:defRPr b="1" sz="5200"/>
+            </a:lvl5pPr>
           </a:lstStyle>
           <a:p>
+            <a:pPr/>
             <a:r>
               <a:t>슬라이드 부제</a:t>
+            </a:r>
+          </a:p>
+          <a:p>
+            <a:pPr lvl="1"/>
+            <a:r>
+              <a:t/>
+            </a:r>
+          </a:p>
+          <a:p>
+            <a:pPr lvl="2"/>
+            <a:r>
+              <a:t/>
+            </a:r>
+          </a:p>
+          <a:p>
+            <a:pPr lvl="3"/>
+            <a:r>
+              <a:t/>
+            </a:r>
+          </a:p>
+          <a:p>
+            <a:pPr lvl="4"/>
+            <a:r>
+              <a:t/>
             </a:r>
           </a:p>
         </p:txBody>
@@ -2883,9 +2886,7 @@
       <p:sp>
         <p:nvSpPr>
           <p:cNvPr id="81" name="슬라이드 번호"/>
-          <p:cNvSpPr txBox="1">
-            <a:spLocks noGrp="1"/>
-          </p:cNvSpPr>
+          <p:cNvSpPr txBox="1"/>
           <p:nvPr>
             <p:ph type="sldNum" sz="quarter" idx="2"/>
           </p:nvPr>
@@ -2899,10 +2900,8 @@
           <a:bodyPr/>
           <a:lstStyle/>
           <a:p>
-            <a:fld id="{86CB4B4D-7CA3-9044-876B-883B54F8677D}" type="slidenum">
-              <a:t>‹#›</a:t>
-            </a:fld>
-            <a:endParaRPr/>
+            <a:pPr/>
+            <a:fld id="{86CB4B4D-7CA3-9044-876B-883B54F8677D}" type="slidenum"/>
           </a:p>
         </p:txBody>
       </p:sp>
@@ -2911,12 +2910,12 @@
   <p:clrMapOvr>
     <a:masterClrMapping/>
   </p:clrMapOvr>
-  <p:transition spd="med"/>
+  <p:transition xmlns:p14="http://schemas.microsoft.com/office/powerpoint/2010/main" spd="med" advClick="1"/>
 </p:sldLayout>
 </file>
 
 <file path=ppt/slideLayouts/slideLayout9.xml><?xml version="1.0" encoding="utf-8"?>
-<p:sldLayout xmlns:a="http://schemas.openxmlformats.org/drawingml/2006/main" xmlns:r="http://schemas.openxmlformats.org/officeDocument/2006/relationships" xmlns:p="http://schemas.openxmlformats.org/presentationml/2006/main" type="tx">
+<p:sldLayout xmlns:a="http://schemas.openxmlformats.org/drawingml/2006/main" xmlns:r="http://schemas.openxmlformats.org/officeDocument/2006/relationships" xmlns:p="http://schemas.openxmlformats.org/presentationml/2006/main" xmlns:m="http://schemas.openxmlformats.org/officeDocument/2006/math" xmlns:a14="http://schemas.microsoft.com/office/drawing/2010/main" type="tx" showMasterSp="1" showMasterPhAnim="1">
   <p:cSld name="의제">
     <p:spTree>
       <p:nvGrpSpPr>
@@ -2935,9 +2934,7 @@
       <p:sp>
         <p:nvSpPr>
           <p:cNvPr id="88" name="의제 제목"/>
-          <p:cNvSpPr txBox="1">
-            <a:spLocks noGrp="1"/>
-          </p:cNvSpPr>
+          <p:cNvSpPr txBox="1"/>
           <p:nvPr>
             <p:ph type="title" hasCustomPrompt="1"/>
           </p:nvPr>
@@ -2955,6 +2952,7 @@
           <a:bodyPr/>
           <a:lstStyle/>
           <a:p>
+            <a:pPr/>
             <a:r>
               <a:t>의제 제목</a:t>
             </a:r>
@@ -2963,12 +2961,10 @@
       </p:sp>
       <p:sp>
         <p:nvSpPr>
-          <p:cNvPr id="89" name="의제 부제"/>
-          <p:cNvSpPr txBox="1">
-            <a:spLocks noGrp="1"/>
-          </p:cNvSpPr>
+          <p:cNvPr id="89" name="본문 첫 번째 줄…"/>
+          <p:cNvSpPr txBox="1"/>
           <p:nvPr>
-            <p:ph type="body" sz="quarter" idx="21" hasCustomPrompt="1"/>
+            <p:ph type="body" sz="quarter" idx="1" hasCustomPrompt="1"/>
           </p:nvPr>
         </p:nvSpPr>
         <p:spPr>
@@ -2981,7 +2977,7 @@
           </a:prstGeom>
         </p:spPr>
         <p:txBody>
-          <a:bodyPr lIns="45719" tIns="45719" rIns="45719" bIns="45719"/>
+          <a:bodyPr lIns="45718" tIns="45718" rIns="45718" bIns="45718" numCol="1" spcCol="38100"/>
           <a:lstStyle>
             <a:lvl1pPr marL="0" indent="0" defTabSz="792479">
               <a:lnSpc>
@@ -2992,12 +2988,73 @@
               </a:spcBef>
               <a:buSzTx/>
               <a:buNone/>
-              <a:defRPr sz="5280" b="1"/>
+              <a:defRPr b="1" sz="5200"/>
             </a:lvl1pPr>
+            <a:lvl2pPr marL="1270000" indent="-660400" defTabSz="792479">
+              <a:lnSpc>
+                <a:spcPct val="100000"/>
+              </a:lnSpc>
+              <a:spcBef>
+                <a:spcPts val="0"/>
+              </a:spcBef>
+              <a:defRPr b="1" sz="5200"/>
+            </a:lvl2pPr>
+            <a:lvl3pPr marL="1879600" indent="-660400" defTabSz="792479">
+              <a:lnSpc>
+                <a:spcPct val="100000"/>
+              </a:lnSpc>
+              <a:spcBef>
+                <a:spcPts val="0"/>
+              </a:spcBef>
+              <a:defRPr b="1" sz="5200"/>
+            </a:lvl3pPr>
+            <a:lvl4pPr marL="2489200" indent="-660400" defTabSz="792479">
+              <a:lnSpc>
+                <a:spcPct val="100000"/>
+              </a:lnSpc>
+              <a:spcBef>
+                <a:spcPts val="0"/>
+              </a:spcBef>
+              <a:defRPr b="1" sz="5200"/>
+            </a:lvl4pPr>
+            <a:lvl5pPr marL="3098800" indent="-660400" defTabSz="792479">
+              <a:lnSpc>
+                <a:spcPct val="100000"/>
+              </a:lnSpc>
+              <a:spcBef>
+                <a:spcPts val="0"/>
+              </a:spcBef>
+              <a:defRPr b="1" sz="5200"/>
+            </a:lvl5pPr>
           </a:lstStyle>
           <a:p>
+            <a:pPr/>
             <a:r>
               <a:t>의제 부제</a:t>
+            </a:r>
+          </a:p>
+          <a:p>
+            <a:pPr lvl="1"/>
+            <a:r>
+              <a:t/>
+            </a:r>
+          </a:p>
+          <a:p>
+            <a:pPr lvl="2"/>
+            <a:r>
+              <a:t/>
+            </a:r>
+          </a:p>
+          <a:p>
+            <a:pPr lvl="3"/>
+            <a:r>
+              <a:t/>
+            </a:r>
+          </a:p>
+          <a:p>
+            <a:pPr lvl="4"/>
+            <a:r>
+              <a:t/>
             </a:r>
           </a:p>
         </p:txBody>
@@ -3005,11 +3062,9 @@
       <p:sp>
         <p:nvSpPr>
           <p:cNvPr id="90" name="본문 첫 번째 줄…"/>
-          <p:cNvSpPr txBox="1">
-            <a:spLocks noGrp="1"/>
-          </p:cNvSpPr>
+          <p:cNvSpPr txBox="1"/>
           <p:nvPr>
-            <p:ph type="body" idx="1" hasCustomPrompt="1"/>
+            <p:ph type="body" idx="21" hasCustomPrompt="1"/>
           </p:nvPr>
         </p:nvSpPr>
         <p:spPr>
@@ -3018,7 +3073,7 @@
           </a:prstGeom>
         </p:spPr>
         <p:txBody>
-          <a:bodyPr/>
+          <a:bodyPr numCol="1" spcCol="38100"/>
           <a:lstStyle>
             <a:lvl1pPr marL="0" indent="0" defTabSz="825500">
               <a:lnSpc>
@@ -3029,82 +3084,21 @@
               </a:spcBef>
               <a:buSzTx/>
               <a:buNone/>
-              <a:defRPr sz="5500" spc="-55"/>
+              <a:defRPr spc="-99" sz="5500"/>
             </a:lvl1pPr>
-            <a:lvl2pPr marL="0" indent="457200" defTabSz="825500">
-              <a:lnSpc>
-                <a:spcPct val="100000"/>
-              </a:lnSpc>
-              <a:spcBef>
-                <a:spcPts val="1800"/>
-              </a:spcBef>
-              <a:buSzTx/>
-              <a:buNone/>
-              <a:defRPr sz="5500" spc="-55"/>
-            </a:lvl2pPr>
-            <a:lvl3pPr marL="0" indent="914400" defTabSz="825500">
-              <a:lnSpc>
-                <a:spcPct val="100000"/>
-              </a:lnSpc>
-              <a:spcBef>
-                <a:spcPts val="1800"/>
-              </a:spcBef>
-              <a:buSzTx/>
-              <a:buNone/>
-              <a:defRPr sz="5500" spc="-55"/>
-            </a:lvl3pPr>
-            <a:lvl4pPr marL="0" indent="1371600" defTabSz="825500">
-              <a:lnSpc>
-                <a:spcPct val="100000"/>
-              </a:lnSpc>
-              <a:spcBef>
-                <a:spcPts val="1800"/>
-              </a:spcBef>
-              <a:buSzTx/>
-              <a:buNone/>
-              <a:defRPr sz="5500" spc="-55"/>
-            </a:lvl4pPr>
-            <a:lvl5pPr marL="0" indent="1828800" defTabSz="825500">
-              <a:lnSpc>
-                <a:spcPct val="100000"/>
-              </a:lnSpc>
-              <a:spcBef>
-                <a:spcPts val="1800"/>
-              </a:spcBef>
-              <a:buSzTx/>
-              <a:buNone/>
-              <a:defRPr sz="5500" spc="-55"/>
-            </a:lvl5pPr>
           </a:lstStyle>
           <a:p>
+            <a:pPr/>
             <a:r>
               <a:t>의제 주제</a:t>
             </a:r>
-          </a:p>
-          <a:p>
-            <a:pPr lvl="1"/>
-            <a:endParaRPr/>
-          </a:p>
-          <a:p>
-            <a:pPr lvl="2"/>
-            <a:endParaRPr/>
-          </a:p>
-          <a:p>
-            <a:pPr lvl="3"/>
-            <a:endParaRPr/>
-          </a:p>
-          <a:p>
-            <a:pPr lvl="4"/>
-            <a:endParaRPr/>
           </a:p>
         </p:txBody>
       </p:sp>
       <p:sp>
         <p:nvSpPr>
           <p:cNvPr id="91" name="슬라이드 번호"/>
-          <p:cNvSpPr txBox="1">
-            <a:spLocks noGrp="1"/>
-          </p:cNvSpPr>
+          <p:cNvSpPr txBox="1"/>
           <p:nvPr>
             <p:ph type="sldNum" sz="quarter" idx="2"/>
           </p:nvPr>
@@ -3118,10 +3112,8 @@
           <a:bodyPr/>
           <a:lstStyle/>
           <a:p>
-            <a:fld id="{86CB4B4D-7CA3-9044-876B-883B54F8677D}" type="slidenum">
-              <a:t>‹#›</a:t>
-            </a:fld>
-            <a:endParaRPr/>
+            <a:pPr/>
+            <a:fld id="{86CB4B4D-7CA3-9044-876B-883B54F8677D}" type="slidenum"/>
           </a:p>
         </p:txBody>
       </p:sp>
@@ -3130,19 +3122,18 @@
   <p:clrMapOvr>
     <a:masterClrMapping/>
   </p:clrMapOvr>
-  <p:transition spd="med"/>
+  <p:transition xmlns:p14="http://schemas.microsoft.com/office/powerpoint/2010/main" spd="med" advClick="1"/>
 </p:sldLayout>
 </file>
 
 <file path=ppt/slideMasters/slideMaster1.xml><?xml version="1.0" encoding="utf-8"?>
-<p:sldMaster xmlns:a="http://schemas.openxmlformats.org/drawingml/2006/main" xmlns:r="http://schemas.openxmlformats.org/officeDocument/2006/relationships" xmlns:p="http://schemas.openxmlformats.org/presentationml/2006/main">
+<p:sldMaster xmlns:a="http://schemas.openxmlformats.org/drawingml/2006/main" xmlns:r="http://schemas.openxmlformats.org/officeDocument/2006/relationships" xmlns:p="http://schemas.openxmlformats.org/presentationml/2006/main" xmlns:m="http://schemas.openxmlformats.org/officeDocument/2006/math" xmlns:a14="http://schemas.microsoft.com/office/drawing/2010/main">
   <p:cSld>
     <p:bg>
       <p:bgPr>
         <a:solidFill>
           <a:srgbClr val="FFFFFF"/>
         </a:solidFill>
-        <a:effectLst/>
       </p:bgPr>
     </p:bg>
     <p:spTree>
@@ -3161,18 +3152,16 @@
       </p:grpSpPr>
       <p:sp>
         <p:nvSpPr>
-          <p:cNvPr id="2" name="슬라이드 제목"/>
-          <p:cNvSpPr txBox="1">
-            <a:spLocks noGrp="1"/>
-          </p:cNvSpPr>
+          <p:cNvPr id="2" name="본문 첫 번째 줄…"/>
+          <p:cNvSpPr txBox="1"/>
           <p:nvPr>
-            <p:ph type="title" hasCustomPrompt="1"/>
+            <p:ph type="body" idx="1" hasCustomPrompt="1"/>
           </p:nvPr>
         </p:nvSpPr>
         <p:spPr>
           <a:xfrm>
-            <a:off x="1206500" y="952500"/>
-            <a:ext cx="21971000" cy="1433163"/>
+            <a:off x="1206500" y="4248503"/>
+            <a:ext cx="21971000" cy="8256014"/>
           </a:xfrm>
           <a:prstGeom prst="rect">
             <a:avLst/>
@@ -3182,36 +3171,59 @@
           </a:ln>
           <a:extLst>
             <a:ext uri="{C572A759-6A51-4108-AA02-DFA0A04FC94B}">
-              <ma14:wrappingTextBoxFlag xmlns="" xmlns:m="http://schemas.openxmlformats.org/officeDocument/2006/math" xmlns:a14="http://schemas.microsoft.com/office/drawing/2010/main" xmlns:ma14="http://schemas.microsoft.com/office/mac/drawingml/2011/main" val="1"/>
+              <ma14:wrappingTextBoxFlag xmlns:ma14="http://schemas.microsoft.com/office/mac/drawingml/2011/main" val="1"/>
             </a:ext>
           </a:extLst>
         </p:spPr>
         <p:txBody>
-          <a:bodyPr lIns="50800" tIns="50800" rIns="50800" bIns="50800">
-            <a:normAutofit/>
+          <a:bodyPr lIns="50800" tIns="50800" rIns="50800" bIns="50800" numCol="2" spcCol="1098550">
+            <a:normAutofit fontScale="100000" lnSpcReduction="0"/>
           </a:bodyPr>
           <a:lstStyle/>
           <a:p>
-            <a:r>
-              <a:t>슬라이드 제목</a:t>
+            <a:pPr/>
+            <a:r>
+              <a:t>슬라이드 구분점 텍스트</a:t>
+            </a:r>
+          </a:p>
+          <a:p>
+            <a:pPr lvl="1"/>
+            <a:r>
+              <a:t/>
+            </a:r>
+          </a:p>
+          <a:p>
+            <a:pPr lvl="2"/>
+            <a:r>
+              <a:t/>
+            </a:r>
+          </a:p>
+          <a:p>
+            <a:pPr lvl="3"/>
+            <a:r>
+              <a:t/>
+            </a:r>
+          </a:p>
+          <a:p>
+            <a:pPr lvl="4"/>
+            <a:r>
+              <a:t/>
             </a:r>
           </a:p>
         </p:txBody>
       </p:sp>
       <p:sp>
         <p:nvSpPr>
-          <p:cNvPr id="3" name="본문 첫 번째 줄…"/>
-          <p:cNvSpPr txBox="1">
-            <a:spLocks noGrp="1"/>
-          </p:cNvSpPr>
+          <p:cNvPr id="3" name="제목 텍스트"/>
+          <p:cNvSpPr txBox="1"/>
           <p:nvPr>
-            <p:ph type="body" idx="1" hasCustomPrompt="1"/>
+            <p:ph type="title"/>
           </p:nvPr>
         </p:nvSpPr>
         <p:spPr>
           <a:xfrm>
-            <a:off x="1206500" y="4248504"/>
-            <a:ext cx="21971000" cy="8256012"/>
+            <a:off x="3653366" y="2743200"/>
+            <a:ext cx="19507201" cy="1505304"/>
           </a:xfrm>
           <a:prstGeom prst="rect">
             <a:avLst/>
@@ -3221,44 +3233,27 @@
           </a:ln>
           <a:extLst>
             <a:ext uri="{C572A759-6A51-4108-AA02-DFA0A04FC94B}">
-              <ma14:wrappingTextBoxFlag xmlns="" xmlns:m="http://schemas.openxmlformats.org/officeDocument/2006/math" xmlns:a14="http://schemas.microsoft.com/office/drawing/2010/main" xmlns:ma14="http://schemas.microsoft.com/office/mac/drawingml/2011/main" val="1"/>
+              <ma14:wrappingTextBoxFlag xmlns:ma14="http://schemas.microsoft.com/office/mac/drawingml/2011/main" val="1"/>
             </a:ext>
           </a:extLst>
         </p:spPr>
         <p:txBody>
           <a:bodyPr lIns="50800" tIns="50800" rIns="50800" bIns="50800">
-            <a:normAutofit/>
+            <a:normAutofit fontScale="100000" lnSpcReduction="0"/>
           </a:bodyPr>
           <a:lstStyle/>
           <a:p>
-            <a:r>
-              <a:t>슬라이드 구분점 텍스트</a:t>
-            </a:r>
-          </a:p>
-          <a:p>
-            <a:pPr lvl="1"/>
-            <a:endParaRPr/>
-          </a:p>
-          <a:p>
-            <a:pPr lvl="2"/>
-            <a:endParaRPr/>
-          </a:p>
-          <a:p>
-            <a:pPr lvl="3"/>
-            <a:endParaRPr/>
-          </a:p>
-          <a:p>
-            <a:pPr lvl="4"/>
-            <a:endParaRPr/>
+            <a:pPr/>
+            <a:r>
+              <a:t>제목 텍스트</a:t>
+            </a:r>
           </a:p>
         </p:txBody>
       </p:sp>
       <p:sp>
         <p:nvSpPr>
           <p:cNvPr id="4" name="슬라이드 번호"/>
-          <p:cNvSpPr txBox="1">
-            <a:spLocks noGrp="1"/>
-          </p:cNvSpPr>
+          <p:cNvSpPr txBox="1"/>
           <p:nvPr>
             <p:ph type="sldNum" sz="quarter" idx="2"/>
           </p:nvPr>
@@ -3289,10 +3284,8 @@
             </a:lvl1pPr>
           </a:lstStyle>
           <a:p>
-            <a:fld id="{86CB4B4D-7CA3-9044-876B-883B54F8677D}" type="slidenum">
-              <a:t>‹#›</a:t>
-            </a:fld>
-            <a:endParaRPr/>
+            <a:pPr/>
+            <a:fld id="{86CB4B4D-7CA3-9044-876B-883B54F8677D}" type="slidenum"/>
           </a:p>
         </p:txBody>
       </p:sp>
@@ -3300,26 +3293,26 @@
   </p:cSld>
   <p:clrMap bg1="lt1" tx1="dk1" bg2="lt2" tx2="dk2" accent1="accent1" accent2="accent2" accent3="accent3" accent4="accent4" accent5="accent5" accent6="accent6" hlink="hlink" folHlink="folHlink"/>
   <p:sldLayoutIdLst>
-    <p:sldLayoutId id="2147483649" r:id="rId1"/>
-    <p:sldLayoutId id="2147483650" r:id="rId2"/>
-    <p:sldLayoutId id="2147483651" r:id="rId3"/>
-    <p:sldLayoutId id="2147483652" r:id="rId4"/>
-    <p:sldLayoutId id="2147483653" r:id="rId5"/>
-    <p:sldLayoutId id="2147483654" r:id="rId6"/>
-    <p:sldLayoutId id="2147483655" r:id="rId7"/>
-    <p:sldLayoutId id="2147483656" r:id="rId8"/>
-    <p:sldLayoutId id="2147483657" r:id="rId9"/>
-    <p:sldLayoutId id="2147483658" r:id="rId10"/>
-    <p:sldLayoutId id="2147483659" r:id="rId11"/>
-    <p:sldLayoutId id="2147483660" r:id="rId12"/>
-    <p:sldLayoutId id="2147483661" r:id="rId13"/>
-    <p:sldLayoutId id="2147483662" r:id="rId14"/>
-    <p:sldLayoutId id="2147483663" r:id="rId15"/>
+    <p:sldLayoutId id="2147483649" r:id="rId2"/>
+    <p:sldLayoutId id="2147483650" r:id="rId3"/>
+    <p:sldLayoutId id="2147483651" r:id="rId4"/>
+    <p:sldLayoutId id="2147483652" r:id="rId5"/>
+    <p:sldLayoutId id="2147483653" r:id="rId6"/>
+    <p:sldLayoutId id="2147483654" r:id="rId7"/>
+    <p:sldLayoutId id="2147483655" r:id="rId8"/>
+    <p:sldLayoutId id="2147483656" r:id="rId9"/>
+    <p:sldLayoutId id="2147483657" r:id="rId10"/>
+    <p:sldLayoutId id="2147483658" r:id="rId11"/>
+    <p:sldLayoutId id="2147483659" r:id="rId12"/>
+    <p:sldLayoutId id="2147483660" r:id="rId13"/>
+    <p:sldLayoutId id="2147483661" r:id="rId14"/>
+    <p:sldLayoutId id="2147483662" r:id="rId15"/>
+    <p:sldLayoutId id="2147483663" r:id="rId16"/>
   </p:sldLayoutIdLst>
-  <p:transition spd="med"/>
+  <p:transition xmlns:p14="http://schemas.microsoft.com/office/powerpoint/2010/main" spd="med" advClick="1"/>
   <p:txStyles>
     <p:titleStyle>
-      <a:lvl1pPr marL="0" marR="0" indent="0" algn="l" defTabSz="2438338" rtl="0" latinLnBrk="0">
+      <a:lvl1pPr marL="0" marR="0" indent="0" algn="l" defTabSz="2438337" rtl="0" latinLnBrk="0">
         <a:lnSpc>
           <a:spcPct val="80000"/>
         </a:lnSpc>
@@ -3334,12 +3327,9 @@
         <a:buFontTx/>
         <a:buNone/>
         <a:tabLst/>
-        <a:defRPr sz="8500" b="1" i="0" u="none" strike="noStrike" cap="none" spc="-170" baseline="0">
+        <a:defRPr b="1" baseline="0" cap="none" i="0" spc="-170" strike="noStrike" sz="8500" u="none">
           <a:solidFill>
-            <a:schemeClr val="accent1">
-              <a:hueOff val="114395"/>
-              <a:lumOff val="-24975"/>
-            </a:schemeClr>
+            <a:srgbClr val="004D80"/>
           </a:solidFill>
           <a:uFillTx/>
           <a:latin typeface="+mn-lt"/>
@@ -3348,7 +3338,7 @@
           <a:sym typeface="Helvetica Neue"/>
         </a:defRPr>
       </a:lvl1pPr>
-      <a:lvl2pPr marL="0" marR="0" indent="457200" algn="l" defTabSz="2438338" rtl="0" latinLnBrk="0">
+      <a:lvl2pPr marL="0" marR="0" indent="0" algn="l" defTabSz="2438337" rtl="0" latinLnBrk="0">
         <a:lnSpc>
           <a:spcPct val="80000"/>
         </a:lnSpc>
@@ -3363,12 +3353,9 @@
         <a:buFontTx/>
         <a:buNone/>
         <a:tabLst/>
-        <a:defRPr sz="8500" b="1" i="0" u="none" strike="noStrike" cap="none" spc="-170" baseline="0">
+        <a:defRPr b="1" baseline="0" cap="none" i="0" spc="-170" strike="noStrike" sz="8500" u="none">
           <a:solidFill>
-            <a:schemeClr val="accent1">
-              <a:hueOff val="114395"/>
-              <a:lumOff val="-24975"/>
-            </a:schemeClr>
+            <a:srgbClr val="004D80"/>
           </a:solidFill>
           <a:uFillTx/>
           <a:latin typeface="+mn-lt"/>
@@ -3377,7 +3364,7 @@
           <a:sym typeface="Helvetica Neue"/>
         </a:defRPr>
       </a:lvl2pPr>
-      <a:lvl3pPr marL="0" marR="0" indent="914400" algn="l" defTabSz="2438338" rtl="0" latinLnBrk="0">
+      <a:lvl3pPr marL="0" marR="0" indent="0" algn="l" defTabSz="2438337" rtl="0" latinLnBrk="0">
         <a:lnSpc>
           <a:spcPct val="80000"/>
         </a:lnSpc>
@@ -3392,12 +3379,9 @@
         <a:buFontTx/>
         <a:buNone/>
         <a:tabLst/>
-        <a:defRPr sz="8500" b="1" i="0" u="none" strike="noStrike" cap="none" spc="-170" baseline="0">
+        <a:defRPr b="1" baseline="0" cap="none" i="0" spc="-170" strike="noStrike" sz="8500" u="none">
           <a:solidFill>
-            <a:schemeClr val="accent1">
-              <a:hueOff val="114395"/>
-              <a:lumOff val="-24975"/>
-            </a:schemeClr>
+            <a:srgbClr val="004D80"/>
           </a:solidFill>
           <a:uFillTx/>
           <a:latin typeface="+mn-lt"/>
@@ -3406,7 +3390,7 @@
           <a:sym typeface="Helvetica Neue"/>
         </a:defRPr>
       </a:lvl3pPr>
-      <a:lvl4pPr marL="0" marR="0" indent="1371600" algn="l" defTabSz="2438338" rtl="0" latinLnBrk="0">
+      <a:lvl4pPr marL="0" marR="0" indent="0" algn="l" defTabSz="2438337" rtl="0" latinLnBrk="0">
         <a:lnSpc>
           <a:spcPct val="80000"/>
         </a:lnSpc>
@@ -3421,12 +3405,9 @@
         <a:buFontTx/>
         <a:buNone/>
         <a:tabLst/>
-        <a:defRPr sz="8500" b="1" i="0" u="none" strike="noStrike" cap="none" spc="-170" baseline="0">
+        <a:defRPr b="1" baseline="0" cap="none" i="0" spc="-170" strike="noStrike" sz="8500" u="none">
           <a:solidFill>
-            <a:schemeClr val="accent1">
-              <a:hueOff val="114395"/>
-              <a:lumOff val="-24975"/>
-            </a:schemeClr>
+            <a:srgbClr val="004D80"/>
           </a:solidFill>
           <a:uFillTx/>
           <a:latin typeface="+mn-lt"/>
@@ -3435,7 +3416,7 @@
           <a:sym typeface="Helvetica Neue"/>
         </a:defRPr>
       </a:lvl4pPr>
-      <a:lvl5pPr marL="0" marR="0" indent="1828800" algn="l" defTabSz="2438338" rtl="0" latinLnBrk="0">
+      <a:lvl5pPr marL="0" marR="0" indent="0" algn="l" defTabSz="2438337" rtl="0" latinLnBrk="0">
         <a:lnSpc>
           <a:spcPct val="80000"/>
         </a:lnSpc>
@@ -3450,12 +3431,9 @@
         <a:buFontTx/>
         <a:buNone/>
         <a:tabLst/>
-        <a:defRPr sz="8500" b="1" i="0" u="none" strike="noStrike" cap="none" spc="-170" baseline="0">
+        <a:defRPr b="1" baseline="0" cap="none" i="0" spc="-170" strike="noStrike" sz="8500" u="none">
           <a:solidFill>
-            <a:schemeClr val="accent1">
-              <a:hueOff val="114395"/>
-              <a:lumOff val="-24975"/>
-            </a:schemeClr>
+            <a:srgbClr val="004D80"/>
           </a:solidFill>
           <a:uFillTx/>
           <a:latin typeface="+mn-lt"/>
@@ -3464,7 +3442,7 @@
           <a:sym typeface="Helvetica Neue"/>
         </a:defRPr>
       </a:lvl5pPr>
-      <a:lvl6pPr marL="0" marR="0" indent="2286000" algn="l" defTabSz="2438338" rtl="0" latinLnBrk="0">
+      <a:lvl6pPr marL="0" marR="0" indent="0" algn="l" defTabSz="2438337" rtl="0" latinLnBrk="0">
         <a:lnSpc>
           <a:spcPct val="80000"/>
         </a:lnSpc>
@@ -3479,12 +3457,9 @@
         <a:buFontTx/>
         <a:buNone/>
         <a:tabLst/>
-        <a:defRPr sz="8500" b="1" i="0" u="none" strike="noStrike" cap="none" spc="-170" baseline="0">
+        <a:defRPr b="1" baseline="0" cap="none" i="0" spc="-170" strike="noStrike" sz="8500" u="none">
           <a:solidFill>
-            <a:schemeClr val="accent1">
-              <a:hueOff val="114395"/>
-              <a:lumOff val="-24975"/>
-            </a:schemeClr>
+            <a:srgbClr val="004D80"/>
           </a:solidFill>
           <a:uFillTx/>
           <a:latin typeface="+mn-lt"/>
@@ -3493,7 +3468,7 @@
           <a:sym typeface="Helvetica Neue"/>
         </a:defRPr>
       </a:lvl6pPr>
-      <a:lvl7pPr marL="0" marR="0" indent="2743200" algn="l" defTabSz="2438338" rtl="0" latinLnBrk="0">
+      <a:lvl7pPr marL="0" marR="0" indent="0" algn="l" defTabSz="2438337" rtl="0" latinLnBrk="0">
         <a:lnSpc>
           <a:spcPct val="80000"/>
         </a:lnSpc>
@@ -3508,12 +3483,9 @@
         <a:buFontTx/>
         <a:buNone/>
         <a:tabLst/>
-        <a:defRPr sz="8500" b="1" i="0" u="none" strike="noStrike" cap="none" spc="-170" baseline="0">
+        <a:defRPr b="1" baseline="0" cap="none" i="0" spc="-170" strike="noStrike" sz="8500" u="none">
           <a:solidFill>
-            <a:schemeClr val="accent1">
-              <a:hueOff val="114395"/>
-              <a:lumOff val="-24975"/>
-            </a:schemeClr>
+            <a:srgbClr val="004D80"/>
           </a:solidFill>
           <a:uFillTx/>
           <a:latin typeface="+mn-lt"/>
@@ -3522,7 +3494,7 @@
           <a:sym typeface="Helvetica Neue"/>
         </a:defRPr>
       </a:lvl7pPr>
-      <a:lvl8pPr marL="0" marR="0" indent="3200400" algn="l" defTabSz="2438338" rtl="0" latinLnBrk="0">
+      <a:lvl8pPr marL="0" marR="0" indent="0" algn="l" defTabSz="2438337" rtl="0" latinLnBrk="0">
         <a:lnSpc>
           <a:spcPct val="80000"/>
         </a:lnSpc>
@@ -3537,12 +3509,9 @@
         <a:buFontTx/>
         <a:buNone/>
         <a:tabLst/>
-        <a:defRPr sz="8500" b="1" i="0" u="none" strike="noStrike" cap="none" spc="-170" baseline="0">
+        <a:defRPr b="1" baseline="0" cap="none" i="0" spc="-170" strike="noStrike" sz="8500" u="none">
           <a:solidFill>
-            <a:schemeClr val="accent1">
-              <a:hueOff val="114395"/>
-              <a:lumOff val="-24975"/>
-            </a:schemeClr>
+            <a:srgbClr val="004D80"/>
           </a:solidFill>
           <a:uFillTx/>
           <a:latin typeface="+mn-lt"/>
@@ -3551,7 +3520,7 @@
           <a:sym typeface="Helvetica Neue"/>
         </a:defRPr>
       </a:lvl8pPr>
-      <a:lvl9pPr marL="0" marR="0" indent="3657600" algn="l" defTabSz="2438338" rtl="0" latinLnBrk="0">
+      <a:lvl9pPr marL="0" marR="0" indent="0" algn="l" defTabSz="2438337" rtl="0" latinLnBrk="0">
         <a:lnSpc>
           <a:spcPct val="80000"/>
         </a:lnSpc>
@@ -3566,12 +3535,9 @@
         <a:buFontTx/>
         <a:buNone/>
         <a:tabLst/>
-        <a:defRPr sz="8500" b="1" i="0" u="none" strike="noStrike" cap="none" spc="-170" baseline="0">
+        <a:defRPr b="1" baseline="0" cap="none" i="0" spc="-170" strike="noStrike" sz="8500" u="none">
           <a:solidFill>
-            <a:schemeClr val="accent1">
-              <a:hueOff val="114395"/>
-              <a:lumOff val="-24975"/>
-            </a:schemeClr>
+            <a:srgbClr val="004D80"/>
           </a:solidFill>
           <a:uFillTx/>
           <a:latin typeface="+mn-lt"/>
@@ -3582,7 +3548,7 @@
       </a:lvl9pPr>
     </p:titleStyle>
     <p:bodyStyle>
-      <a:lvl1pPr marL="609600" marR="0" indent="-609600" algn="l" defTabSz="2438338" rtl="0" latinLnBrk="0">
+      <a:lvl1pPr marL="609600" marR="0" indent="-609600" algn="l" defTabSz="2438337" rtl="0" latinLnBrk="0">
         <a:lnSpc>
           <a:spcPct val="90000"/>
         </a:lnSpc>
@@ -3597,7 +3563,7 @@
         <a:buFontTx/>
         <a:buChar char="•"/>
         <a:tabLst/>
-        <a:defRPr sz="4800" b="0" i="0" u="none" strike="noStrike" cap="none" spc="0" baseline="0">
+        <a:defRPr b="0" baseline="0" cap="none" i="0" spc="0" strike="noStrike" sz="4800" u="none">
           <a:solidFill>
             <a:srgbClr val="000000"/>
           </a:solidFill>
@@ -3608,7 +3574,7 @@
           <a:sym typeface="Helvetica Neue"/>
         </a:defRPr>
       </a:lvl1pPr>
-      <a:lvl2pPr marL="1219200" marR="0" indent="-609600" algn="l" defTabSz="2438338" rtl="0" latinLnBrk="0">
+      <a:lvl2pPr marL="1219200" marR="0" indent="-609600" algn="l" defTabSz="2438337" rtl="0" latinLnBrk="0">
         <a:lnSpc>
           <a:spcPct val="90000"/>
         </a:lnSpc>
@@ -3623,7 +3589,7 @@
         <a:buFontTx/>
         <a:buChar char="•"/>
         <a:tabLst/>
-        <a:defRPr sz="4800" b="0" i="0" u="none" strike="noStrike" cap="none" spc="0" baseline="0">
+        <a:defRPr b="0" baseline="0" cap="none" i="0" spc="0" strike="noStrike" sz="4800" u="none">
           <a:solidFill>
             <a:srgbClr val="000000"/>
           </a:solidFill>
@@ -3634,7 +3600,7 @@
           <a:sym typeface="Helvetica Neue"/>
         </a:defRPr>
       </a:lvl2pPr>
-      <a:lvl3pPr marL="1828800" marR="0" indent="-609600" algn="l" defTabSz="2438338" rtl="0" latinLnBrk="0">
+      <a:lvl3pPr marL="1828800" marR="0" indent="-609600" algn="l" defTabSz="2438337" rtl="0" latinLnBrk="0">
         <a:lnSpc>
           <a:spcPct val="90000"/>
         </a:lnSpc>
@@ -3649,7 +3615,7 @@
         <a:buFontTx/>
         <a:buChar char="•"/>
         <a:tabLst/>
-        <a:defRPr sz="4800" b="0" i="0" u="none" strike="noStrike" cap="none" spc="0" baseline="0">
+        <a:defRPr b="0" baseline="0" cap="none" i="0" spc="0" strike="noStrike" sz="4800" u="none">
           <a:solidFill>
             <a:srgbClr val="000000"/>
           </a:solidFill>
@@ -3660,7 +3626,7 @@
           <a:sym typeface="Helvetica Neue"/>
         </a:defRPr>
       </a:lvl3pPr>
-      <a:lvl4pPr marL="2438400" marR="0" indent="-609600" algn="l" defTabSz="2438338" rtl="0" latinLnBrk="0">
+      <a:lvl4pPr marL="2438400" marR="0" indent="-609600" algn="l" defTabSz="2438337" rtl="0" latinLnBrk="0">
         <a:lnSpc>
           <a:spcPct val="90000"/>
         </a:lnSpc>
@@ -3675,7 +3641,7 @@
         <a:buFontTx/>
         <a:buChar char="•"/>
         <a:tabLst/>
-        <a:defRPr sz="4800" b="0" i="0" u="none" strike="noStrike" cap="none" spc="0" baseline="0">
+        <a:defRPr b="0" baseline="0" cap="none" i="0" spc="0" strike="noStrike" sz="4800" u="none">
           <a:solidFill>
             <a:srgbClr val="000000"/>
           </a:solidFill>
@@ -3686,7 +3652,7 @@
           <a:sym typeface="Helvetica Neue"/>
         </a:defRPr>
       </a:lvl4pPr>
-      <a:lvl5pPr marL="3048000" marR="0" indent="-609600" algn="l" defTabSz="2438338" rtl="0" latinLnBrk="0">
+      <a:lvl5pPr marL="3048000" marR="0" indent="-609600" algn="l" defTabSz="2438337" rtl="0" latinLnBrk="0">
         <a:lnSpc>
           <a:spcPct val="90000"/>
         </a:lnSpc>
@@ -3701,7 +3667,7 @@
         <a:buFontTx/>
         <a:buChar char="•"/>
         <a:tabLst/>
-        <a:defRPr sz="4800" b="0" i="0" u="none" strike="noStrike" cap="none" spc="0" baseline="0">
+        <a:defRPr b="0" baseline="0" cap="none" i="0" spc="0" strike="noStrike" sz="4800" u="none">
           <a:solidFill>
             <a:srgbClr val="000000"/>
           </a:solidFill>
@@ -3712,7 +3678,7 @@
           <a:sym typeface="Helvetica Neue"/>
         </a:defRPr>
       </a:lvl5pPr>
-      <a:lvl6pPr marL="3657600" marR="0" indent="-609600" algn="l" defTabSz="2438338" rtl="0" latinLnBrk="0">
+      <a:lvl6pPr marL="3657600" marR="0" indent="-609600" algn="l" defTabSz="2438337" rtl="0" latinLnBrk="0">
         <a:lnSpc>
           <a:spcPct val="90000"/>
         </a:lnSpc>
@@ -3727,7 +3693,7 @@
         <a:buFontTx/>
         <a:buChar char="•"/>
         <a:tabLst/>
-        <a:defRPr sz="4800" b="0" i="0" u="none" strike="noStrike" cap="none" spc="0" baseline="0">
+        <a:defRPr b="0" baseline="0" cap="none" i="0" spc="0" strike="noStrike" sz="4800" u="none">
           <a:solidFill>
             <a:srgbClr val="000000"/>
           </a:solidFill>
@@ -3738,7 +3704,7 @@
           <a:sym typeface="Helvetica Neue"/>
         </a:defRPr>
       </a:lvl6pPr>
-      <a:lvl7pPr marL="4267200" marR="0" indent="-609600" algn="l" defTabSz="2438338" rtl="0" latinLnBrk="0">
+      <a:lvl7pPr marL="4267200" marR="0" indent="-609600" algn="l" defTabSz="2438337" rtl="0" latinLnBrk="0">
         <a:lnSpc>
           <a:spcPct val="90000"/>
         </a:lnSpc>
@@ -3753,7 +3719,7 @@
         <a:buFontTx/>
         <a:buChar char="•"/>
         <a:tabLst/>
-        <a:defRPr sz="4800" b="0" i="0" u="none" strike="noStrike" cap="none" spc="0" baseline="0">
+        <a:defRPr b="0" baseline="0" cap="none" i="0" spc="0" strike="noStrike" sz="4800" u="none">
           <a:solidFill>
             <a:srgbClr val="000000"/>
           </a:solidFill>
@@ -3764,7 +3730,7 @@
           <a:sym typeface="Helvetica Neue"/>
         </a:defRPr>
       </a:lvl7pPr>
-      <a:lvl8pPr marL="4876800" marR="0" indent="-609600" algn="l" defTabSz="2438338" rtl="0" latinLnBrk="0">
+      <a:lvl8pPr marL="4876800" marR="0" indent="-609600" algn="l" defTabSz="2438337" rtl="0" latinLnBrk="0">
         <a:lnSpc>
           <a:spcPct val="90000"/>
         </a:lnSpc>
@@ -3779,7 +3745,7 @@
         <a:buFontTx/>
         <a:buChar char="•"/>
         <a:tabLst/>
-        <a:defRPr sz="4800" b="0" i="0" u="none" strike="noStrike" cap="none" spc="0" baseline="0">
+        <a:defRPr b="0" baseline="0" cap="none" i="0" spc="0" strike="noStrike" sz="4800" u="none">
           <a:solidFill>
             <a:srgbClr val="000000"/>
           </a:solidFill>
@@ -3790,7 +3756,7 @@
           <a:sym typeface="Helvetica Neue"/>
         </a:defRPr>
       </a:lvl8pPr>
-      <a:lvl9pPr marL="5486400" marR="0" indent="-609600" algn="l" defTabSz="2438338" rtl="0" latinLnBrk="0">
+      <a:lvl9pPr marL="5486400" marR="0" indent="-609600" algn="l" defTabSz="2438337" rtl="0" latinLnBrk="0">
         <a:lnSpc>
           <a:spcPct val="90000"/>
         </a:lnSpc>
@@ -3805,7 +3771,7 @@
         <a:buFontTx/>
         <a:buChar char="•"/>
         <a:tabLst/>
-        <a:defRPr sz="4800" b="0" i="0" u="none" strike="noStrike" cap="none" spc="0" baseline="0">
+        <a:defRPr b="0" baseline="0" cap="none" i="0" spc="0" strike="noStrike" sz="4800" u="none">
           <a:solidFill>
             <a:srgbClr val="000000"/>
           </a:solidFill>
@@ -3833,7 +3799,7 @@
         <a:buFontTx/>
         <a:buNone/>
         <a:tabLst/>
-        <a:defRPr sz="1800" b="0" i="0" u="none" strike="noStrike" cap="none" spc="0" baseline="0">
+        <a:defRPr b="0" baseline="0" cap="none" i="0" spc="0" strike="noStrike" sz="1800" u="none">
           <a:solidFill>
             <a:schemeClr val="tx1"/>
           </a:solidFill>
@@ -3844,7 +3810,7 @@
           <a:sym typeface="Helvetica Neue"/>
         </a:defRPr>
       </a:lvl1pPr>
-      <a:lvl2pPr marL="0" marR="0" indent="457200" algn="ctr" defTabSz="584200" rtl="0" latinLnBrk="0">
+      <a:lvl2pPr marL="0" marR="0" indent="0" algn="ctr" defTabSz="584200" rtl="0" latinLnBrk="0">
         <a:lnSpc>
           <a:spcPct val="100000"/>
         </a:lnSpc>
@@ -3859,7 +3825,7 @@
         <a:buFontTx/>
         <a:buNone/>
         <a:tabLst/>
-        <a:defRPr sz="1800" b="0" i="0" u="none" strike="noStrike" cap="none" spc="0" baseline="0">
+        <a:defRPr b="0" baseline="0" cap="none" i="0" spc="0" strike="noStrike" sz="1800" u="none">
           <a:solidFill>
             <a:schemeClr val="tx1"/>
           </a:solidFill>
@@ -3870,7 +3836,7 @@
           <a:sym typeface="Helvetica Neue"/>
         </a:defRPr>
       </a:lvl2pPr>
-      <a:lvl3pPr marL="0" marR="0" indent="914400" algn="ctr" defTabSz="584200" rtl="0" latinLnBrk="0">
+      <a:lvl3pPr marL="0" marR="0" indent="0" algn="ctr" defTabSz="584200" rtl="0" latinLnBrk="0">
         <a:lnSpc>
           <a:spcPct val="100000"/>
         </a:lnSpc>
@@ -3885,7 +3851,7 @@
         <a:buFontTx/>
         <a:buNone/>
         <a:tabLst/>
-        <a:defRPr sz="1800" b="0" i="0" u="none" strike="noStrike" cap="none" spc="0" baseline="0">
+        <a:defRPr b="0" baseline="0" cap="none" i="0" spc="0" strike="noStrike" sz="1800" u="none">
           <a:solidFill>
             <a:schemeClr val="tx1"/>
           </a:solidFill>
@@ -3896,7 +3862,7 @@
           <a:sym typeface="Helvetica Neue"/>
         </a:defRPr>
       </a:lvl3pPr>
-      <a:lvl4pPr marL="0" marR="0" indent="1371600" algn="ctr" defTabSz="584200" rtl="0" latinLnBrk="0">
+      <a:lvl4pPr marL="0" marR="0" indent="0" algn="ctr" defTabSz="584200" rtl="0" latinLnBrk="0">
         <a:lnSpc>
           <a:spcPct val="100000"/>
         </a:lnSpc>
@@ -3911,7 +3877,7 @@
         <a:buFontTx/>
         <a:buNone/>
         <a:tabLst/>
-        <a:defRPr sz="1800" b="0" i="0" u="none" strike="noStrike" cap="none" spc="0" baseline="0">
+        <a:defRPr b="0" baseline="0" cap="none" i="0" spc="0" strike="noStrike" sz="1800" u="none">
           <a:solidFill>
             <a:schemeClr val="tx1"/>
           </a:solidFill>
@@ -3922,7 +3888,7 @@
           <a:sym typeface="Helvetica Neue"/>
         </a:defRPr>
       </a:lvl4pPr>
-      <a:lvl5pPr marL="0" marR="0" indent="1828800" algn="ctr" defTabSz="584200" rtl="0" latinLnBrk="0">
+      <a:lvl5pPr marL="0" marR="0" indent="0" algn="ctr" defTabSz="584200" rtl="0" latinLnBrk="0">
         <a:lnSpc>
           <a:spcPct val="100000"/>
         </a:lnSpc>
@@ -3937,7 +3903,7 @@
         <a:buFontTx/>
         <a:buNone/>
         <a:tabLst/>
-        <a:defRPr sz="1800" b="0" i="0" u="none" strike="noStrike" cap="none" spc="0" baseline="0">
+        <a:defRPr b="0" baseline="0" cap="none" i="0" spc="0" strike="noStrike" sz="1800" u="none">
           <a:solidFill>
             <a:schemeClr val="tx1"/>
           </a:solidFill>
@@ -3948,7 +3914,7 @@
           <a:sym typeface="Helvetica Neue"/>
         </a:defRPr>
       </a:lvl5pPr>
-      <a:lvl6pPr marL="0" marR="0" indent="2286000" algn="ctr" defTabSz="584200" rtl="0" latinLnBrk="0">
+      <a:lvl6pPr marL="0" marR="0" indent="0" algn="ctr" defTabSz="584200" rtl="0" latinLnBrk="0">
         <a:lnSpc>
           <a:spcPct val="100000"/>
         </a:lnSpc>
@@ -3963,7 +3929,7 @@
         <a:buFontTx/>
         <a:buNone/>
         <a:tabLst/>
-        <a:defRPr sz="1800" b="0" i="0" u="none" strike="noStrike" cap="none" spc="0" baseline="0">
+        <a:defRPr b="0" baseline="0" cap="none" i="0" spc="0" strike="noStrike" sz="1800" u="none">
           <a:solidFill>
             <a:schemeClr val="tx1"/>
           </a:solidFill>
@@ -3974,7 +3940,7 @@
           <a:sym typeface="Helvetica Neue"/>
         </a:defRPr>
       </a:lvl6pPr>
-      <a:lvl7pPr marL="0" marR="0" indent="2743200" algn="ctr" defTabSz="584200" rtl="0" latinLnBrk="0">
+      <a:lvl7pPr marL="0" marR="0" indent="0" algn="ctr" defTabSz="584200" rtl="0" latinLnBrk="0">
         <a:lnSpc>
           <a:spcPct val="100000"/>
         </a:lnSpc>
@@ -3989,7 +3955,7 @@
         <a:buFontTx/>
         <a:buNone/>
         <a:tabLst/>
-        <a:defRPr sz="1800" b="0" i="0" u="none" strike="noStrike" cap="none" spc="0" baseline="0">
+        <a:defRPr b="0" baseline="0" cap="none" i="0" spc="0" strike="noStrike" sz="1800" u="none">
           <a:solidFill>
             <a:schemeClr val="tx1"/>
           </a:solidFill>
@@ -4000,7 +3966,7 @@
           <a:sym typeface="Helvetica Neue"/>
         </a:defRPr>
       </a:lvl7pPr>
-      <a:lvl8pPr marL="0" marR="0" indent="3200400" algn="ctr" defTabSz="584200" rtl="0" latinLnBrk="0">
+      <a:lvl8pPr marL="0" marR="0" indent="0" algn="ctr" defTabSz="584200" rtl="0" latinLnBrk="0">
         <a:lnSpc>
           <a:spcPct val="100000"/>
         </a:lnSpc>
@@ -4015,7 +3981,7 @@
         <a:buFontTx/>
         <a:buNone/>
         <a:tabLst/>
-        <a:defRPr sz="1800" b="0" i="0" u="none" strike="noStrike" cap="none" spc="0" baseline="0">
+        <a:defRPr b="0" baseline="0" cap="none" i="0" spc="0" strike="noStrike" sz="1800" u="none">
           <a:solidFill>
             <a:schemeClr val="tx1"/>
           </a:solidFill>
@@ -4026,7 +3992,7 @@
           <a:sym typeface="Helvetica Neue"/>
         </a:defRPr>
       </a:lvl8pPr>
-      <a:lvl9pPr marL="0" marR="0" indent="3657600" algn="ctr" defTabSz="584200" rtl="0" latinLnBrk="0">
+      <a:lvl9pPr marL="0" marR="0" indent="0" algn="ctr" defTabSz="584200" rtl="0" latinLnBrk="0">
         <a:lnSpc>
           <a:spcPct val="100000"/>
         </a:lnSpc>
@@ -4041,7 +4007,7 @@
         <a:buFontTx/>
         <a:buNone/>
         <a:tabLst/>
-        <a:defRPr sz="1800" b="0" i="0" u="none" strike="noStrike" cap="none" spc="0" baseline="0">
+        <a:defRPr b="0" baseline="0" cap="none" i="0" spc="0" strike="noStrike" sz="1800" u="none">
           <a:solidFill>
             <a:schemeClr val="tx1"/>
           </a:solidFill>
@@ -4058,7 +4024,7 @@
 </file>
 
 <file path=ppt/slides/slide1.xml><?xml version="1.0" encoding="utf-8"?>
-<p:sld xmlns:a="http://schemas.openxmlformats.org/drawingml/2006/main" xmlns:r="http://schemas.openxmlformats.org/officeDocument/2006/relationships" xmlns:p="http://schemas.openxmlformats.org/presentationml/2006/main">
+<p:sld xmlns:a="http://schemas.openxmlformats.org/drawingml/2006/main" xmlns:r="http://schemas.openxmlformats.org/officeDocument/2006/relationships" xmlns:p="http://schemas.openxmlformats.org/presentationml/2006/main" xmlns:m="http://schemas.openxmlformats.org/officeDocument/2006/math" xmlns:a14="http://schemas.microsoft.com/office/drawing/2010/main" showMasterSp="1" showMasterPhAnim="1">
   <p:cSld>
     <p:spTree>
       <p:nvGrpSpPr>
@@ -4077,87 +4043,15 @@
       <p:sp>
         <p:nvSpPr>
           <p:cNvPr id="151" name="21.10.19"/>
-          <p:cNvSpPr txBox="1">
-            <a:spLocks noGrp="1"/>
-          </p:cNvSpPr>
+          <p:cNvSpPr txBox="1"/>
           <p:nvPr>
-            <p:ph type="body" idx="21"/>
-          </p:nvPr>
-        </p:nvSpPr>
-        <p:spPr>
-          <a:prstGeom prst="rect">
-            <a:avLst/>
-          </a:prstGeom>
-          <a:extLst>
-            <a:ext uri="{C572A759-6A51-4108-AA02-DFA0A04FC94B}">
-              <ma14:wrappingTextBoxFlag xmlns="" xmlns:m="http://schemas.openxmlformats.org/officeDocument/2006/math" xmlns:a14="http://schemas.microsoft.com/office/drawing/2010/main" xmlns:ma14="http://schemas.microsoft.com/office/mac/drawingml/2011/main" val="1"/>
-            </a:ext>
-          </a:extLst>
-        </p:spPr>
-        <p:txBody>
-          <a:bodyPr>
-            <a:normAutofit lnSpcReduction="10000"/>
-          </a:bodyPr>
-          <a:lstStyle>
-            <a:lvl1pPr algn="r" defTabSz="825500">
-              <a:defRPr sz="3600"/>
-            </a:lvl1pPr>
-          </a:lstStyle>
-          <a:p>
-            <a:r>
-              <a:t>21.10.</a:t>
-            </a:r>
-            <a:r>
-              <a:rPr lang="en-US"/>
-              <a:t>20</a:t>
-            </a:r>
-            <a:endParaRPr/>
-          </a:p>
-        </p:txBody>
-      </p:sp>
-      <p:sp>
-        <p:nvSpPr>
-          <p:cNvPr id="152" name="산업 컴퓨터 비전 실제 중간 프로젝트"/>
-          <p:cNvSpPr txBox="1">
-            <a:spLocks noGrp="1"/>
-          </p:cNvSpPr>
-          <p:nvPr>
-            <p:ph type="ctrTitle"/>
-          </p:nvPr>
-        </p:nvSpPr>
-        <p:spPr>
-          <a:prstGeom prst="rect">
-            <a:avLst/>
-          </a:prstGeom>
-        </p:spPr>
-        <p:txBody>
-          <a:bodyPr>
-            <a:normAutofit/>
-          </a:bodyPr>
-          <a:lstStyle/>
-          <a:p>
-            <a:pPr algn="ctr"/>
-            <a:r>
-              <a:rPr sz="9700"/>
-              <a:t>산업 컴퓨터 비전 실제 중간 프로젝트</a:t>
-            </a:r>
-          </a:p>
-        </p:txBody>
-      </p:sp>
-      <p:sp>
-        <p:nvSpPr>
-          <p:cNvPr id="153" name="산업인공지능학과 2021254005 김준태"/>
-          <p:cNvSpPr txBox="1">
-            <a:spLocks noGrp="1"/>
-          </p:cNvSpPr>
-          <p:nvPr>
-            <p:ph type="subTitle" sz="quarter" idx="1"/>
+            <p:ph type="body" sz="quarter" idx="1"/>
           </p:nvPr>
         </p:nvSpPr>
         <p:spPr>
           <a:xfrm>
-            <a:off x="1201340" y="9942161"/>
-            <a:ext cx="21971001" cy="1905001"/>
+            <a:off x="1201341" y="11847162"/>
+            <a:ext cx="21971002" cy="636980"/>
           </a:xfrm>
           <a:prstGeom prst="rect">
             <a:avLst/>
@@ -4167,30 +4061,94 @@
           <a:bodyPr/>
           <a:lstStyle/>
           <a:p>
+            <a:pPr algn="r" defTabSz="825500">
+              <a:lnSpc>
+                <a:spcPct val="90000"/>
+              </a:lnSpc>
+              <a:defRPr sz="3600"/>
+            </a:pPr>
+            <a:r>
+              <a:t>21.10.</a:t>
+            </a:r>
+            <a:r>
+              <a:t>20</a:t>
+            </a:r>
+          </a:p>
+        </p:txBody>
+      </p:sp>
+      <p:sp>
+        <p:nvSpPr>
+          <p:cNvPr id="152" name="산업 컴퓨터 비전 실제 중간 프로젝트"/>
+          <p:cNvSpPr txBox="1"/>
+          <p:nvPr>
+            <p:ph type="title"/>
+          </p:nvPr>
+        </p:nvSpPr>
+        <p:spPr>
+          <a:xfrm>
+            <a:off x="1206495" y="2574991"/>
+            <a:ext cx="21971006" cy="4648202"/>
+          </a:xfrm>
+          <a:prstGeom prst="rect">
+            <a:avLst/>
+          </a:prstGeom>
+        </p:spPr>
+        <p:txBody>
+          <a:bodyPr/>
+          <a:lstStyle>
+            <a:lvl1pPr algn="ctr">
+              <a:defRPr spc="-300" sz="9700"/>
+            </a:lvl1pPr>
+          </a:lstStyle>
+          <a:p>
+            <a:pPr/>
+            <a:r>
+              <a:t>산업 컴퓨터 비전 실제 중간 프로젝트</a:t>
+            </a:r>
+          </a:p>
+        </p:txBody>
+      </p:sp>
+      <p:sp>
+        <p:nvSpPr>
+          <p:cNvPr id="153" name="산업인공지능학과 2021254005 김준태"/>
+          <p:cNvSpPr txBox="1"/>
+          <p:nvPr/>
+        </p:nvSpPr>
+        <p:spPr>
+          <a:xfrm>
+            <a:off x="1201340" y="9942161"/>
+            <a:ext cx="21971002" cy="1905002"/>
+          </a:xfrm>
+          <a:prstGeom prst="rect">
+            <a:avLst/>
+          </a:prstGeom>
+          <a:ln w="12700">
+            <a:miter lim="400000"/>
+          </a:ln>
+          <a:extLst>
+            <a:ext uri="{C572A759-6A51-4108-AA02-DFA0A04FC94B}">
+              <ma14:wrappingTextBoxFlag xmlns:ma14="http://schemas.microsoft.com/office/mac/drawingml/2011/main" val="1"/>
+            </a:ext>
+          </a:extLst>
+        </p:spPr>
+        <p:txBody>
+          <a:bodyPr lIns="50800" tIns="50800" rIns="50800" bIns="50800">
+            <a:normAutofit fontScale="100000" lnSpcReduction="0"/>
+          </a:bodyPr>
+          <a:lstStyle/>
+          <a:p>
             <a:pPr algn="r" defTabSz="817244">
-              <a:defRPr sz="5445"/>
-            </a:pPr>
-            <a:r>
-              <a:rPr>
+              <a:defRPr b="1" sz="5400">
                 <a:solidFill>
                   <a:srgbClr val="FFFFFF"/>
                 </a:solidFill>
-              </a:rPr>
+              </a:defRPr>
+            </a:pPr>
+            <a:r>
               <a:t>산업인공지능학과</a:t>
             </a:r>
-            <a:br>
-              <a:rPr>
-                <a:solidFill>
-                  <a:srgbClr val="FFFFFF"/>
-                </a:solidFill>
-              </a:rPr>
-            </a:br>
-            <a:r>
-              <a:rPr>
-                <a:solidFill>
-                  <a:srgbClr val="FFFFFF"/>
-                </a:solidFill>
-              </a:rPr>
+            <a:br/>
+            <a:r>
               <a:t>2021254005 김준태</a:t>
             </a:r>
           </a:p>
@@ -4201,12 +4159,12 @@
   <p:clrMapOvr>
     <a:masterClrMapping/>
   </p:clrMapOvr>
-  <p:transition spd="med"/>
+  <p:transition xmlns:p14="http://schemas.microsoft.com/office/powerpoint/2010/main" spd="med" advClick="1"/>
 </p:sld>
 </file>
 
 <file path=ppt/slides/slide2.xml><?xml version="1.0" encoding="utf-8"?>
-<p:sld xmlns:a="http://schemas.openxmlformats.org/drawingml/2006/main" xmlns:r="http://schemas.openxmlformats.org/officeDocument/2006/relationships" xmlns:p="http://schemas.openxmlformats.org/presentationml/2006/main">
+<p:sld xmlns:a="http://schemas.openxmlformats.org/drawingml/2006/main" xmlns:r="http://schemas.openxmlformats.org/officeDocument/2006/relationships" xmlns:p="http://schemas.openxmlformats.org/presentationml/2006/main" xmlns:m="http://schemas.openxmlformats.org/officeDocument/2006/math" xmlns:a14="http://schemas.microsoft.com/office/drawing/2010/main" showMasterSp="1" showMasterPhAnim="1">
   <p:cSld>
     <p:spTree>
       <p:nvGrpSpPr>
@@ -4225,9 +4183,7 @@
       <p:sp>
         <p:nvSpPr>
           <p:cNvPr id="155" name="목차"/>
-          <p:cNvSpPr txBox="1">
-            <a:spLocks noGrp="1"/>
-          </p:cNvSpPr>
+          <p:cNvSpPr txBox="1"/>
           <p:nvPr>
             <p:ph type="title"/>
           </p:nvPr>
@@ -4239,8 +4195,13 @@
         </p:spPr>
         <p:txBody>
           <a:bodyPr/>
-          <a:lstStyle/>
-          <a:p>
+          <a:lstStyle>
+            <a:lvl1pPr>
+              <a:defRPr spc="-200"/>
+            </a:lvl1pPr>
+          </a:lstStyle>
+          <a:p>
+            <a:pPr/>
             <a:r>
               <a:t>목차</a:t>
             </a:r>
@@ -4250,50 +4211,76 @@
       <p:sp>
         <p:nvSpPr>
           <p:cNvPr id="156" name="데이터 개요 및 프로젝트 목표…"/>
-          <p:cNvSpPr txBox="1">
-            <a:spLocks noGrp="1"/>
-          </p:cNvSpPr>
+          <p:cNvSpPr txBox="1"/>
           <p:nvPr>
             <p:ph type="body" idx="1"/>
           </p:nvPr>
         </p:nvSpPr>
         <p:spPr>
           <a:xfrm>
-            <a:off x="1206500" y="2729994"/>
-            <a:ext cx="21971000" cy="8256012"/>
+            <a:off x="1206500" y="2729993"/>
+            <a:ext cx="21971000" cy="8256014"/>
           </a:xfrm>
           <a:prstGeom prst="rect">
             <a:avLst/>
           </a:prstGeom>
         </p:spPr>
         <p:txBody>
-          <a:bodyPr/>
+          <a:bodyPr lIns="50800" tIns="50800" rIns="50800" bIns="50800"/>
           <a:lstStyle/>
           <a:p>
+            <a:pPr marL="609600" indent="-609600" defTabSz="2438337">
+              <a:lnSpc>
+                <a:spcPct val="90000"/>
+              </a:lnSpc>
+              <a:spcBef>
+                <a:spcPts val="4500"/>
+              </a:spcBef>
+              <a:buSzPct val="123000"/>
+              <a:buChar char="•"/>
+              <a:defRPr b="0" sz="4800"/>
+            </a:pPr>
             <a:r>
               <a:t>데이터 개요 및 프로젝트 목표</a:t>
             </a:r>
           </a:p>
           <a:p>
+            <a:pPr marL="609600" indent="-609600" defTabSz="2438337">
+              <a:lnSpc>
+                <a:spcPct val="90000"/>
+              </a:lnSpc>
+              <a:spcBef>
+                <a:spcPts val="4500"/>
+              </a:spcBef>
+              <a:buSzPct val="123000"/>
+              <a:buChar char="•"/>
+              <a:defRPr b="0" sz="4800"/>
+            </a:pPr>
             <a:r>
               <a:t>알고리즘 적용 결과</a:t>
             </a:r>
-            <a:endParaRPr lang="en-US"/>
-          </a:p>
-          <a:p>
-            <a:r>
-              <a:rPr lang="ko-KR" altLang="en-US"/>
+          </a:p>
+          <a:p>
+            <a:pPr marL="609600" indent="-609600" defTabSz="2438337">
+              <a:lnSpc>
+                <a:spcPct val="90000"/>
+              </a:lnSpc>
+              <a:spcBef>
+                <a:spcPts val="4500"/>
+              </a:spcBef>
+              <a:buSzPct val="123000"/>
+              <a:buChar char="•"/>
+              <a:defRPr b="0" sz="4800"/>
+            </a:pPr>
+            <a:r>
               <a:t>추가 활용 방안 </a:t>
             </a:r>
             <a:r>
-              <a:rPr lang="en-US" altLang="ko-KR"/>
               <a:t>– </a:t>
             </a:r>
             <a:r>
-              <a:rPr lang="ko-KR" altLang="en-US"/>
               <a:t>전처리를 통한 신경망 성능 향상 </a:t>
             </a:r>
-            <a:endParaRPr/>
           </a:p>
         </p:txBody>
       </p:sp>
@@ -4302,12 +4289,12 @@
   <p:clrMapOvr>
     <a:masterClrMapping/>
   </p:clrMapOvr>
-  <p:transition spd="med"/>
+  <p:transition xmlns:p14="http://schemas.microsoft.com/office/powerpoint/2010/main" spd="med" advClick="1"/>
 </p:sld>
 </file>
 
 <file path=ppt/slides/slide3.xml><?xml version="1.0" encoding="utf-8"?>
-<p:sld xmlns:a="http://schemas.openxmlformats.org/drawingml/2006/main" xmlns:r="http://schemas.openxmlformats.org/officeDocument/2006/relationships" xmlns:p="http://schemas.openxmlformats.org/presentationml/2006/main">
+<p:sld xmlns:a="http://schemas.openxmlformats.org/drawingml/2006/main" xmlns:r="http://schemas.openxmlformats.org/officeDocument/2006/relationships" xmlns:p="http://schemas.openxmlformats.org/presentationml/2006/main" xmlns:m="http://schemas.openxmlformats.org/officeDocument/2006/math" xmlns:a14="http://schemas.microsoft.com/office/drawing/2010/main" showMasterSp="1" showMasterPhAnim="1">
   <p:cSld>
     <p:spTree>
       <p:nvGrpSpPr>
@@ -4325,27 +4312,27 @@
       </p:grpSpPr>
       <p:sp>
         <p:nvSpPr>
-          <p:cNvPr id="2" name="제목 1">
-            <a:extLst>
-              <a:ext uri="{FF2B5EF4-FFF2-40B4-BE49-F238E27FC236}">
-                <a16:creationId xmlns:a16="http://schemas.microsoft.com/office/drawing/2014/main" id="{3A5DB98B-8FFB-4838-9BB3-AA0CDA65BF35}"/>
-              </a:ext>
-            </a:extLst>
-          </p:cNvPr>
-          <p:cNvSpPr>
-            <a:spLocks noGrp="1"/>
-          </p:cNvSpPr>
+          <p:cNvPr id="158" name="제목 1"/>
+          <p:cNvSpPr txBox="1"/>
           <p:nvPr>
             <p:ph type="title"/>
           </p:nvPr>
         </p:nvSpPr>
-        <p:spPr/>
+        <p:spPr>
+          <a:prstGeom prst="rect">
+            <a:avLst/>
+          </a:prstGeom>
+        </p:spPr>
         <p:txBody>
           <a:bodyPr/>
-          <a:lstStyle/>
-          <a:p>
-            <a:r>
-              <a:rPr lang="ko-KR" altLang="en-US"/>
+          <a:lstStyle>
+            <a:lvl1pPr defTabSz="2365187">
+              <a:defRPr spc="-194" sz="8245"/>
+            </a:lvl1pPr>
+          </a:lstStyle>
+          <a:p>
+            <a:pPr/>
+            <a:r>
               <a:t>데이터 개요 및 프로젝트 목표</a:t>
             </a:r>
           </a:p>
@@ -4353,16 +4340,8 @@
       </p:sp>
       <p:sp>
         <p:nvSpPr>
-          <p:cNvPr id="4" name="텍스트 개체 틀 3">
-            <a:extLst>
-              <a:ext uri="{FF2B5EF4-FFF2-40B4-BE49-F238E27FC236}">
-                <a16:creationId xmlns:a16="http://schemas.microsoft.com/office/drawing/2014/main" id="{FA2EAA6C-0F03-413E-9AC0-63537A41172C}"/>
-              </a:ext>
-            </a:extLst>
-          </p:cNvPr>
-          <p:cNvSpPr>
-            <a:spLocks noGrp="1"/>
-          </p:cNvSpPr>
+          <p:cNvPr id="159" name="텍스트 개체 틀 3"/>
+          <p:cNvSpPr txBox="1"/>
           <p:nvPr>
             <p:ph type="body" idx="1"/>
           </p:nvPr>
@@ -4370,457 +4349,327 @@
         <p:spPr>
           <a:xfrm>
             <a:off x="1206500" y="2729994"/>
-            <a:ext cx="21971000" cy="10033506"/>
+            <a:ext cx="21971000" cy="10033507"/>
           </a:xfrm>
+          <a:prstGeom prst="rect">
+            <a:avLst/>
+          </a:prstGeom>
         </p:spPr>
         <p:txBody>
-          <a:bodyPr>
-            <a:normAutofit/>
-          </a:bodyPr>
+          <a:bodyPr lIns="50800" tIns="50800" rIns="50800" bIns="50800"/>
           <a:lstStyle/>
           <a:p>
-            <a:r>
-              <a:rPr lang="ko-KR" altLang="en-US"/>
+            <a:pPr marL="609600" indent="-609600" defTabSz="2438337">
+              <a:lnSpc>
+                <a:spcPct val="90000"/>
+              </a:lnSpc>
+              <a:spcBef>
+                <a:spcPts val="4500"/>
+              </a:spcBef>
+              <a:buSzPct val="123000"/>
+              <a:buChar char="•"/>
+              <a:defRPr b="0" sz="4800"/>
+            </a:pPr>
+            <a:r>
               <a:t>데이터 출처 </a:t>
             </a:r>
             <a:r>
-              <a:rPr lang="en-US" altLang="ko-KR"/>
               <a:t>: </a:t>
             </a:r>
             <a:r>
-              <a:rPr lang="ko-KR" altLang="en-US" b="0" i="0">
+              <a:rPr>
                 <a:solidFill>
-                  <a:schemeClr val="tx1">
-                    <a:lumMod val="50000"/>
-                  </a:schemeClr>
+                  <a:srgbClr val="2F2F2F"/>
                 </a:solidFill>
-                <a:effectLst/>
-                <a:latin typeface="Noto Sans CJK kr"/>
               </a:rPr>
               <a:t>중소벤처기업부</a:t>
             </a:r>
             <a:r>
-              <a:rPr lang="en-US" altLang="ko-KR" b="0" i="0">
+              <a:rPr>
                 <a:solidFill>
-                  <a:schemeClr val="tx1">
-                    <a:lumMod val="50000"/>
-                  </a:schemeClr>
+                  <a:srgbClr val="2F2F2F"/>
                 </a:solidFill>
-                <a:effectLst/>
                 <a:latin typeface="Noto Sans CJK kr"/>
+                <a:ea typeface="Noto Sans CJK kr"/>
+                <a:cs typeface="Noto Sans CJK kr"/>
+                <a:sym typeface="Noto Sans CJK kr"/>
               </a:rPr>
               <a:t>, Korea AI Manufacturing Platform(KAMP),</a:t>
             </a:r>
             <a:br>
-              <a:rPr lang="ko-KR" altLang="en-US">
+              <a:rPr>
                 <a:solidFill>
-                  <a:schemeClr val="tx1">
-                    <a:lumMod val="50000"/>
-                  </a:schemeClr>
+                  <a:srgbClr val="2F2F2F"/>
                 </a:solidFill>
+                <a:latin typeface="Noto Sans CJK kr"/>
+                <a:ea typeface="Noto Sans CJK kr"/>
+                <a:cs typeface="Noto Sans CJK kr"/>
+                <a:sym typeface="Noto Sans CJK kr"/>
               </a:rPr>
             </a:br>
             <a:r>
-              <a:rPr lang="ko-KR" altLang="en-US" b="0" i="0">
+              <a:rPr>
                 <a:solidFill>
                   <a:srgbClr val="333333"/>
                 </a:solidFill>
-                <a:effectLst/>
-                <a:latin typeface="Noto Sans CJK kr"/>
               </a:rPr>
               <a:t>제조 현장용 </a:t>
             </a:r>
             <a:r>
-              <a:rPr lang="en-US" altLang="ko-KR" b="0" i="0">
+              <a:rPr>
                 <a:solidFill>
                   <a:srgbClr val="333333"/>
                 </a:solidFill>
-                <a:effectLst/>
                 <a:latin typeface="Noto Sans CJK kr"/>
+                <a:ea typeface="Noto Sans CJK kr"/>
+                <a:cs typeface="Noto Sans CJK kr"/>
+                <a:sym typeface="Noto Sans CJK kr"/>
               </a:rPr>
               <a:t>OCR</a:t>
             </a:r>
             <a:r>
-              <a:rPr lang="ko-KR" altLang="en-US" b="0" i="0">
+              <a:rPr>
                 <a:solidFill>
                   <a:srgbClr val="333333"/>
                 </a:solidFill>
-                <a:effectLst/>
-                <a:latin typeface="Noto Sans CJK kr"/>
               </a:rPr>
               <a:t>학습 제조</a:t>
             </a:r>
             <a:r>
-              <a:rPr lang="en-US" altLang="ko-KR" b="0" i="0">
+              <a:rPr>
                 <a:solidFill>
                   <a:srgbClr val="333333"/>
                 </a:solidFill>
-                <a:effectLst/>
                 <a:latin typeface="Noto Sans CJK kr"/>
+                <a:ea typeface="Noto Sans CJK kr"/>
+                <a:cs typeface="Noto Sans CJK kr"/>
+                <a:sym typeface="Noto Sans CJK kr"/>
               </a:rPr>
               <a:t>AI </a:t>
             </a:r>
             <a:r>
-              <a:rPr lang="ko-KR" altLang="en-US" b="0" i="0">
+              <a:rPr>
                 <a:solidFill>
                   <a:srgbClr val="333333"/>
                 </a:solidFill>
-                <a:effectLst/>
-                <a:latin typeface="Noto Sans CJK kr"/>
               </a:rPr>
               <a:t>데이터셋</a:t>
             </a:r>
             <a:r>
-              <a:rPr lang="en-US" altLang="ko-KR" b="0" i="0">
+              <a:rPr>
                 <a:solidFill>
-                  <a:schemeClr val="tx1">
-                    <a:lumMod val="50000"/>
-                  </a:schemeClr>
+                  <a:srgbClr val="2F2F2F"/>
                 </a:solidFill>
-                <a:effectLst/>
                 <a:latin typeface="Noto Sans CJK kr"/>
+                <a:ea typeface="Noto Sans CJK kr"/>
+                <a:cs typeface="Noto Sans CJK kr"/>
+                <a:sym typeface="Noto Sans CJK kr"/>
               </a:rPr>
               <a:t>, KAIST, 2020.12.14.,</a:t>
             </a:r>
             <a:br>
-              <a:rPr lang="ko-KR" altLang="en-US">
+              <a:rPr>
                 <a:solidFill>
-                  <a:schemeClr val="tx1">
-                    <a:lumMod val="50000"/>
-                  </a:schemeClr>
+                  <a:srgbClr val="2F2F2F"/>
                 </a:solidFill>
+                <a:latin typeface="Noto Sans CJK kr"/>
+                <a:ea typeface="Noto Sans CJK kr"/>
+                <a:cs typeface="Noto Sans CJK kr"/>
+                <a:sym typeface="Noto Sans CJK kr"/>
               </a:rPr>
             </a:br>
             <a:r>
-              <a:rPr lang="ko-KR" altLang="en-US" b="0" i="0">
+              <a:rPr>
                 <a:solidFill>
-                  <a:schemeClr val="tx1">
-                    <a:lumMod val="50000"/>
-                  </a:schemeClr>
+                  <a:srgbClr val="2F2F2F"/>
                 </a:solidFill>
-                <a:effectLst/>
                 <a:latin typeface="Noto Sans CJK kr"/>
+                <a:ea typeface="Noto Sans CJK kr"/>
+                <a:cs typeface="Noto Sans CJK kr"/>
+                <a:sym typeface="Noto Sans CJK kr"/>
               </a:rPr>
               <a:t> </a:t>
             </a:r>
             <a:r>
-              <a:rPr lang="en-US" altLang="ko-KR" b="0" i="0">
+              <a:rPr>
                 <a:solidFill>
-                  <a:schemeClr val="tx1">
-                    <a:lumMod val="50000"/>
-                  </a:schemeClr>
+                  <a:srgbClr val="2F2F2F"/>
                 </a:solidFill>
-                <a:effectLst/>
                 <a:latin typeface="Noto Sans CJK kr"/>
+                <a:ea typeface="Noto Sans CJK kr"/>
+                <a:cs typeface="Noto Sans CJK kr"/>
+                <a:sym typeface="Noto Sans CJK kr"/>
               </a:rPr>
               <a:t>https://kamp-ai.kr</a:t>
             </a:r>
           </a:p>
           <a:p>
-            <a:r>
-              <a:rPr lang="ko-KR" altLang="en-US">
+            <a:pPr marL="609600" indent="-609600" defTabSz="2438337">
+              <a:lnSpc>
+                <a:spcPct val="90000"/>
+              </a:lnSpc>
+              <a:spcBef>
+                <a:spcPts val="4500"/>
+              </a:spcBef>
+              <a:buSzPct val="123000"/>
+              <a:buChar char="•"/>
+              <a:defRPr b="0" sz="4800">
                 <a:solidFill>
-                  <a:schemeClr val="tx1">
-                    <a:lumMod val="50000"/>
-                  </a:schemeClr>
+                  <a:srgbClr val="2F2F2F"/>
                 </a:solidFill>
-              </a:rPr>
+              </a:defRPr>
+            </a:pPr>
+            <a:r>
               <a:t>제조 공정 </a:t>
             </a:r>
             <a:r>
-              <a:rPr lang="en-US" altLang="ko-KR">
+              <a:t>: </a:t>
+            </a:r>
+            <a:r>
+              <a:t>충진 공정에서 저울에 표기된 무게를 </a:t>
+            </a:r>
+            <a:r>
+              <a:t>OCR</a:t>
+            </a:r>
+            <a:r>
+              <a:t>로 파악</a:t>
+            </a:r>
+          </a:p>
+          <a:p>
+            <a:pPr lvl="1" marL="1219200" indent="-609600" defTabSz="2438337">
+              <a:lnSpc>
+                <a:spcPct val="90000"/>
+              </a:lnSpc>
+              <a:spcBef>
+                <a:spcPts val="4500"/>
+              </a:spcBef>
+              <a:defRPr b="0" sz="4800">
                 <a:solidFill>
-                  <a:schemeClr val="tx1">
-                    <a:lumMod val="50000"/>
-                  </a:schemeClr>
+                  <a:srgbClr val="2F2F2F"/>
                 </a:solidFill>
-              </a:rPr>
+              </a:defRPr>
+            </a:pPr>
+            <a:r>
+              <a:t>철가루를 무게추에 채우는 과정으로 현장 오염도로 인해 노이즈가 심함</a:t>
+            </a:r>
+            <a:br/>
+            <a:r>
+              <a:t>→ 일반적인 </a:t>
+            </a:r>
+            <a:r>
+              <a:t>OCR </a:t>
+            </a:r>
+            <a:r>
+              <a:t>모듈로 쉽게 인식되지 않음</a:t>
+            </a:r>
+          </a:p>
+          <a:p>
+            <a:pPr marL="609600" indent="-609600" defTabSz="2438337">
+              <a:lnSpc>
+                <a:spcPct val="90000"/>
+              </a:lnSpc>
+              <a:spcBef>
+                <a:spcPts val="4500"/>
+              </a:spcBef>
+              <a:buSzPct val="123000"/>
+              <a:buChar char="•"/>
+              <a:defRPr b="0" sz="4800">
+                <a:solidFill>
+                  <a:srgbClr val="2F2F2F"/>
+                </a:solidFill>
+              </a:defRPr>
+            </a:pPr>
+            <a:r>
+              <a:t>데이터 분석 목적 </a:t>
+            </a:r>
+            <a:r>
               <a:t>: </a:t>
             </a:r>
             <a:r>
-              <a:rPr lang="ko-KR" altLang="en-US">
+              <a:t>무게 입력 과정의 자동화 구현</a:t>
+            </a:r>
+          </a:p>
+          <a:p>
+            <a:pPr marL="609600" indent="-609600" defTabSz="2438337">
+              <a:lnSpc>
+                <a:spcPct val="90000"/>
+              </a:lnSpc>
+              <a:spcBef>
+                <a:spcPts val="4500"/>
+              </a:spcBef>
+              <a:buSzPct val="123000"/>
+              <a:buChar char="•"/>
+              <a:defRPr b="0" sz="4800">
                 <a:solidFill>
-                  <a:schemeClr val="tx1">
-                    <a:lumMod val="50000"/>
-                  </a:schemeClr>
+                  <a:srgbClr val="2F2F2F"/>
                 </a:solidFill>
-              </a:rPr>
-              <a:t>충진 공정에서 저울에 표기된 무게를 </a:t>
-            </a:r>
-            <a:r>
-              <a:rPr lang="en-US" altLang="ko-KR">
+              </a:defRPr>
+            </a:pPr>
+            <a:r>
+              <a:t>KAMP BaseModel : ResNet</a:t>
+            </a:r>
+            <a:r>
+              <a:t>을</a:t>
+            </a:r>
+            <a:r>
+              <a:t> </a:t>
+            </a:r>
+            <a:r>
+              <a:t>활용한 </a:t>
+            </a:r>
+            <a:r>
+              <a:t>0~9 </a:t>
+            </a:r>
+            <a:r>
+              <a:t>이미지 분류</a:t>
+            </a:r>
+          </a:p>
+          <a:p>
+            <a:pPr marL="609600" indent="-609600" defTabSz="2438337">
+              <a:lnSpc>
+                <a:spcPct val="90000"/>
+              </a:lnSpc>
+              <a:spcBef>
+                <a:spcPts val="4500"/>
+              </a:spcBef>
+              <a:buSzPct val="123000"/>
+              <a:buChar char="•"/>
+              <a:defRPr b="0" sz="4800">
                 <a:solidFill>
-                  <a:schemeClr val="tx1">
-                    <a:lumMod val="50000"/>
-                  </a:schemeClr>
+                  <a:srgbClr val="2F2F2F"/>
                 </a:solidFill>
-              </a:rPr>
-              <a:t>OCR</a:t>
-            </a:r>
-            <a:r>
-              <a:rPr lang="ko-KR" altLang="en-US">
-                <a:solidFill>
-                  <a:schemeClr val="tx1">
-                    <a:lumMod val="50000"/>
-                  </a:schemeClr>
-                </a:solidFill>
-              </a:rPr>
-              <a:t>로 파악</a:t>
-            </a:r>
-            <a:endParaRPr lang="en-US" altLang="ko-KR">
-              <a:solidFill>
-                <a:schemeClr val="tx1">
-                  <a:lumMod val="50000"/>
-                </a:schemeClr>
-              </a:solidFill>
-            </a:endParaRPr>
-          </a:p>
-          <a:p>
-            <a:pPr lvl="1"/>
-            <a:r>
-              <a:rPr lang="ko-KR" altLang="en-US">
-                <a:solidFill>
-                  <a:schemeClr val="tx1">
-                    <a:lumMod val="50000"/>
-                  </a:schemeClr>
-                </a:solidFill>
-              </a:rPr>
-              <a:t>철가루를 무게추에 채우는 과정으로 현장 오염도로 인해 노이즈가 심함</a:t>
-            </a:r>
-            <a:br>
-              <a:rPr lang="en-US" altLang="ko-KR">
-                <a:solidFill>
-                  <a:schemeClr val="tx1">
-                    <a:lumMod val="50000"/>
-                  </a:schemeClr>
-                </a:solidFill>
-              </a:rPr>
-            </a:br>
-            <a:r>
-              <a:rPr lang="ko-KR" altLang="en-US">
-                <a:solidFill>
-                  <a:schemeClr val="tx1">
-                    <a:lumMod val="50000"/>
-                  </a:schemeClr>
-                </a:solidFill>
-              </a:rPr>
-              <a:t>→ 일반적인 </a:t>
-            </a:r>
-            <a:r>
-              <a:rPr lang="en-US" altLang="ko-KR">
-                <a:solidFill>
-                  <a:schemeClr val="tx1">
-                    <a:lumMod val="50000"/>
-                  </a:schemeClr>
-                </a:solidFill>
-              </a:rPr>
-              <a:t>OCR </a:t>
-            </a:r>
-            <a:r>
-              <a:rPr lang="ko-KR" altLang="en-US">
-                <a:solidFill>
-                  <a:schemeClr val="tx1">
-                    <a:lumMod val="50000"/>
-                  </a:schemeClr>
-                </a:solidFill>
-              </a:rPr>
-              <a:t>모듈로 쉽게 인식되지 않음</a:t>
-            </a:r>
-            <a:endParaRPr lang="en-US" altLang="ko-KR">
-              <a:solidFill>
-                <a:schemeClr val="tx1">
-                  <a:lumMod val="50000"/>
-                </a:schemeClr>
-              </a:solidFill>
-            </a:endParaRPr>
-          </a:p>
-          <a:p>
-            <a:r>
-              <a:rPr lang="ko-KR" altLang="en-US">
-                <a:solidFill>
-                  <a:schemeClr val="tx1">
-                    <a:lumMod val="50000"/>
-                  </a:schemeClr>
-                </a:solidFill>
-              </a:rPr>
-              <a:t>데이터 분석 목적 </a:t>
-            </a:r>
-            <a:r>
-              <a:rPr lang="en-US" altLang="ko-KR">
-                <a:solidFill>
-                  <a:schemeClr val="tx1">
-                    <a:lumMod val="50000"/>
-                  </a:schemeClr>
-                </a:solidFill>
-              </a:rPr>
+              </a:defRPr>
+            </a:pPr>
+            <a:r>
+              <a:t>중간 프로젝트 목표 </a:t>
+            </a:r>
+            <a:r>
               <a:t>: </a:t>
             </a:r>
             <a:r>
-              <a:rPr lang="ko-KR" altLang="en-US">
-                <a:solidFill>
-                  <a:schemeClr val="tx1">
-                    <a:lumMod val="50000"/>
-                  </a:schemeClr>
-                </a:solidFill>
-              </a:rPr>
-              <a:t>무게 입력 과정의 자동화 구현</a:t>
-            </a:r>
-            <a:endParaRPr lang="en-US" altLang="ko-KR">
-              <a:solidFill>
-                <a:schemeClr val="tx1">
-                  <a:lumMod val="50000"/>
-                </a:schemeClr>
-              </a:solidFill>
-            </a:endParaRPr>
-          </a:p>
-          <a:p>
-            <a:r>
-              <a:rPr lang="en-US" altLang="ko-KR">
-                <a:solidFill>
-                  <a:schemeClr val="tx1">
-                    <a:lumMod val="50000"/>
-                  </a:schemeClr>
-                </a:solidFill>
-              </a:rPr>
-              <a:t>KAMP BaseModel : ResNet</a:t>
-            </a:r>
-            <a:r>
-              <a:rPr lang="ko-KR" altLang="en-US">
-                <a:solidFill>
-                  <a:schemeClr val="tx1">
-                    <a:lumMod val="50000"/>
-                  </a:schemeClr>
-                </a:solidFill>
-              </a:rPr>
-              <a:t>을</a:t>
-            </a:r>
-            <a:r>
-              <a:rPr lang="en-US" altLang="ko-KR">
-                <a:solidFill>
-                  <a:schemeClr val="tx1">
-                    <a:lumMod val="50000"/>
-                  </a:schemeClr>
-                </a:solidFill>
-              </a:rPr>
-              <a:t> </a:t>
-            </a:r>
-            <a:r>
-              <a:rPr lang="ko-KR" altLang="en-US">
-                <a:solidFill>
-                  <a:schemeClr val="tx1">
-                    <a:lumMod val="50000"/>
-                  </a:schemeClr>
-                </a:solidFill>
-              </a:rPr>
-              <a:t>활용한 </a:t>
-            </a:r>
-            <a:r>
-              <a:rPr lang="en-US" altLang="ko-KR">
-                <a:solidFill>
-                  <a:schemeClr val="tx1">
-                    <a:lumMod val="50000"/>
-                  </a:schemeClr>
-                </a:solidFill>
-              </a:rPr>
-              <a:t>0~9 </a:t>
-            </a:r>
-            <a:r>
-              <a:rPr lang="ko-KR" altLang="en-US">
-                <a:solidFill>
-                  <a:schemeClr val="tx1">
-                    <a:lumMod val="50000"/>
-                  </a:schemeClr>
-                </a:solidFill>
-              </a:rPr>
-              <a:t>이미지 분류</a:t>
-            </a:r>
-            <a:endParaRPr lang="en-US" altLang="ko-KR">
-              <a:solidFill>
-                <a:schemeClr val="tx1">
-                  <a:lumMod val="50000"/>
-                </a:schemeClr>
-              </a:solidFill>
-            </a:endParaRPr>
-          </a:p>
-          <a:p>
-            <a:r>
-              <a:rPr lang="ko-KR" altLang="en-US">
-                <a:solidFill>
-                  <a:schemeClr val="tx1">
-                    <a:lumMod val="50000"/>
-                  </a:schemeClr>
-                </a:solidFill>
-              </a:rPr>
-              <a:t>중간 프로젝트 목표 </a:t>
-            </a:r>
-            <a:r>
-              <a:rPr lang="en-US" altLang="ko-KR">
-                <a:solidFill>
-                  <a:schemeClr val="tx1">
-                    <a:lumMod val="50000"/>
-                  </a:schemeClr>
-                </a:solidFill>
-              </a:rPr>
-              <a:t>: </a:t>
-            </a:r>
-            <a:r>
-              <a:rPr lang="ko-KR" altLang="en-US">
-                <a:solidFill>
-                  <a:schemeClr val="tx1">
-                    <a:lumMod val="50000"/>
-                  </a:schemeClr>
-                </a:solidFill>
-              </a:rPr>
               <a:t>데이터 노이즈를 제거 및 신경망에서 오분류한 데이터</a:t>
             </a:r>
-            <a:br>
-              <a:rPr lang="en-US" altLang="ko-KR">
-                <a:solidFill>
-                  <a:schemeClr val="tx1">
-                    <a:lumMod val="50000"/>
-                  </a:schemeClr>
-                </a:solidFill>
-              </a:rPr>
-            </a:br>
-            <a:r>
-              <a:rPr lang="ko-KR" altLang="en-US">
-                <a:solidFill>
-                  <a:schemeClr val="tx1">
-                    <a:lumMod val="50000"/>
-                  </a:schemeClr>
-                </a:solidFill>
-              </a:rPr>
+            <a:br/>
+            <a:r>
               <a:t>                                  </a:t>
             </a:r>
             <a:r>
-              <a:rPr lang="en-US" altLang="ko-KR">
-                <a:solidFill>
-                  <a:schemeClr val="tx1">
-                    <a:lumMod val="50000"/>
-                  </a:schemeClr>
-                </a:solidFill>
-              </a:rPr>
               <a:t>Image Processing</a:t>
             </a:r>
           </a:p>
         </p:txBody>
       </p:sp>
     </p:spTree>
-    <p:extLst>
-      <p:ext uri="{BB962C8B-B14F-4D97-AF65-F5344CB8AC3E}">
-        <p14:creationId xmlns:p14="http://schemas.microsoft.com/office/powerpoint/2010/main" val="3772598501"/>
-      </p:ext>
-    </p:extLst>
   </p:cSld>
   <p:clrMapOvr>
     <a:masterClrMapping/>
   </p:clrMapOvr>
-  <p:transition spd="med"/>
+  <p:transition xmlns:p14="http://schemas.microsoft.com/office/powerpoint/2010/main" spd="med" advClick="1"/>
 </p:sld>
 </file>
 
 <file path=ppt/slides/slide4.xml><?xml version="1.0" encoding="utf-8"?>
-<p:sld xmlns:a="http://schemas.openxmlformats.org/drawingml/2006/main" xmlns:r="http://schemas.openxmlformats.org/officeDocument/2006/relationships" xmlns:p="http://schemas.openxmlformats.org/presentationml/2006/main">
+<p:sld xmlns:a="http://schemas.openxmlformats.org/drawingml/2006/main" xmlns:r="http://schemas.openxmlformats.org/officeDocument/2006/relationships" xmlns:p="http://schemas.openxmlformats.org/presentationml/2006/main" xmlns:m="http://schemas.openxmlformats.org/officeDocument/2006/math" xmlns:a14="http://schemas.microsoft.com/office/drawing/2010/main" showMasterSp="1" showMasterPhAnim="1">
   <p:cSld>
     <p:spTree>
       <p:nvGrpSpPr>
@@ -4838,27 +4687,27 @@
       </p:grpSpPr>
       <p:sp>
         <p:nvSpPr>
-          <p:cNvPr id="2" name="제목 1">
-            <a:extLst>
-              <a:ext uri="{FF2B5EF4-FFF2-40B4-BE49-F238E27FC236}">
-                <a16:creationId xmlns:a16="http://schemas.microsoft.com/office/drawing/2014/main" id="{3A5DB98B-8FFB-4838-9BB3-AA0CDA65BF35}"/>
-              </a:ext>
-            </a:extLst>
-          </p:cNvPr>
-          <p:cNvSpPr>
-            <a:spLocks noGrp="1"/>
-          </p:cNvSpPr>
+          <p:cNvPr id="161" name="제목 1"/>
+          <p:cNvSpPr txBox="1"/>
           <p:nvPr>
             <p:ph type="title"/>
           </p:nvPr>
         </p:nvSpPr>
-        <p:spPr/>
+        <p:spPr>
+          <a:prstGeom prst="rect">
+            <a:avLst/>
+          </a:prstGeom>
+        </p:spPr>
         <p:txBody>
           <a:bodyPr/>
-          <a:lstStyle/>
-          <a:p>
-            <a:r>
-              <a:rPr lang="ko-KR" altLang="en-US"/>
+          <a:lstStyle>
+            <a:lvl1pPr defTabSz="2365187">
+              <a:defRPr spc="-194" sz="8245"/>
+            </a:lvl1pPr>
+          </a:lstStyle>
+          <a:p>
+            <a:pPr/>
+            <a:r>
               <a:t>데이터 개요 및 프로젝트 목표</a:t>
             </a:r>
           </a:p>
@@ -4866,22 +4715,14 @@
       </p:sp>
       <p:sp>
         <p:nvSpPr>
-          <p:cNvPr id="9" name="텍스트 개체 틀 3">
-            <a:extLst>
-              <a:ext uri="{FF2B5EF4-FFF2-40B4-BE49-F238E27FC236}">
-                <a16:creationId xmlns:a16="http://schemas.microsoft.com/office/drawing/2014/main" id="{DB8162D8-1CB1-437C-9CF5-0B268EB9FBA5}"/>
-              </a:ext>
-            </a:extLst>
-          </p:cNvPr>
-          <p:cNvSpPr txBox="1">
-            <a:spLocks/>
-          </p:cNvSpPr>
+          <p:cNvPr id="162" name="텍스트 개체 틀 3"/>
+          <p:cNvSpPr txBox="1"/>
           <p:nvPr/>
         </p:nvSpPr>
         <p:spPr>
           <a:xfrm>
             <a:off x="1206500" y="2729994"/>
-            <a:ext cx="21971000" cy="10033506"/>
+            <a:ext cx="21971000" cy="10033507"/>
           </a:xfrm>
           <a:prstGeom prst="rect">
             <a:avLst/>
@@ -4891,341 +4732,58 @@
           </a:ln>
           <a:extLst>
             <a:ext uri="{C572A759-6A51-4108-AA02-DFA0A04FC94B}">
-              <ma14:wrappingTextBoxFlag xmlns="" xmlns:m="http://schemas.openxmlformats.org/officeDocument/2006/math" xmlns:a14="http://schemas.microsoft.com/office/drawing/2010/main" xmlns:ma14="http://schemas.microsoft.com/office/mac/drawingml/2011/main" val="1"/>
+              <ma14:wrappingTextBoxFlag xmlns:ma14="http://schemas.microsoft.com/office/mac/drawingml/2011/main" val="1"/>
             </a:ext>
           </a:extLst>
         </p:spPr>
         <p:txBody>
           <a:bodyPr lIns="50800" tIns="50800" rIns="50800" bIns="50800">
-            <a:normAutofit/>
+            <a:normAutofit fontScale="100000" lnSpcReduction="0"/>
           </a:bodyPr>
-          <a:lstStyle>
-            <a:lvl1pPr marL="609600" marR="0" indent="-609600" algn="l" defTabSz="2438338" rtl="0" latinLnBrk="0">
+          <a:lstStyle/>
+          <a:p>
+            <a:pPr marL="609600" indent="-609600" algn="l">
               <a:lnSpc>
                 <a:spcPct val="90000"/>
               </a:lnSpc>
               <a:spcBef>
                 <a:spcPts val="4500"/>
               </a:spcBef>
-              <a:spcAft>
-                <a:spcPts val="0"/>
-              </a:spcAft>
-              <a:buClrTx/>
               <a:buSzPct val="123000"/>
-              <a:buFontTx/>
               <a:buChar char="•"/>
-              <a:tabLst/>
-              <a:defRPr sz="4800" b="0" i="0" u="none" strike="noStrike" cap="none" spc="0" baseline="0">
+              <a:defRPr sz="4800">
                 <a:solidFill>
-                  <a:srgbClr val="000000"/>
+                  <a:srgbClr val="2F2F2F"/>
                 </a:solidFill>
-                <a:uFillTx/>
-                <a:latin typeface="+mn-lt"/>
-                <a:ea typeface="+mn-ea"/>
-                <a:cs typeface="+mn-cs"/>
-                <a:sym typeface="Helvetica Neue"/>
               </a:defRPr>
-            </a:lvl1pPr>
-            <a:lvl2pPr marL="1219200" marR="0" indent="-609600" algn="l" defTabSz="2438338" rtl="0" latinLnBrk="0">
-              <a:lnSpc>
-                <a:spcPct val="90000"/>
-              </a:lnSpc>
-              <a:spcBef>
-                <a:spcPts val="4500"/>
-              </a:spcBef>
-              <a:spcAft>
-                <a:spcPts val="0"/>
-              </a:spcAft>
-              <a:buClrTx/>
-              <a:buSzPct val="123000"/>
-              <a:buFontTx/>
-              <a:buChar char="•"/>
-              <a:tabLst/>
-              <a:defRPr sz="4800" b="0" i="0" u="none" strike="noStrike" cap="none" spc="0" baseline="0">
-                <a:solidFill>
-                  <a:srgbClr val="000000"/>
-                </a:solidFill>
-                <a:uFillTx/>
-                <a:latin typeface="+mn-lt"/>
-                <a:ea typeface="+mn-ea"/>
-                <a:cs typeface="+mn-cs"/>
-                <a:sym typeface="Helvetica Neue"/>
-              </a:defRPr>
-            </a:lvl2pPr>
-            <a:lvl3pPr marL="1828800" marR="0" indent="-609600" algn="l" defTabSz="2438338" rtl="0" latinLnBrk="0">
-              <a:lnSpc>
-                <a:spcPct val="90000"/>
-              </a:lnSpc>
-              <a:spcBef>
-                <a:spcPts val="4500"/>
-              </a:spcBef>
-              <a:spcAft>
-                <a:spcPts val="0"/>
-              </a:spcAft>
-              <a:buClrTx/>
-              <a:buSzPct val="123000"/>
-              <a:buFontTx/>
-              <a:buChar char="•"/>
-              <a:tabLst/>
-              <a:defRPr sz="4800" b="0" i="0" u="none" strike="noStrike" cap="none" spc="0" baseline="0">
-                <a:solidFill>
-                  <a:srgbClr val="000000"/>
-                </a:solidFill>
-                <a:uFillTx/>
-                <a:latin typeface="+mn-lt"/>
-                <a:ea typeface="+mn-ea"/>
-                <a:cs typeface="+mn-cs"/>
-                <a:sym typeface="Helvetica Neue"/>
-              </a:defRPr>
-            </a:lvl3pPr>
-            <a:lvl4pPr marL="2438400" marR="0" indent="-609600" algn="l" defTabSz="2438338" rtl="0" latinLnBrk="0">
-              <a:lnSpc>
-                <a:spcPct val="90000"/>
-              </a:lnSpc>
-              <a:spcBef>
-                <a:spcPts val="4500"/>
-              </a:spcBef>
-              <a:spcAft>
-                <a:spcPts val="0"/>
-              </a:spcAft>
-              <a:buClrTx/>
-              <a:buSzPct val="123000"/>
-              <a:buFontTx/>
-              <a:buChar char="•"/>
-              <a:tabLst/>
-              <a:defRPr sz="4800" b="0" i="0" u="none" strike="noStrike" cap="none" spc="0" baseline="0">
-                <a:solidFill>
-                  <a:srgbClr val="000000"/>
-                </a:solidFill>
-                <a:uFillTx/>
-                <a:latin typeface="+mn-lt"/>
-                <a:ea typeface="+mn-ea"/>
-                <a:cs typeface="+mn-cs"/>
-                <a:sym typeface="Helvetica Neue"/>
-              </a:defRPr>
-            </a:lvl4pPr>
-            <a:lvl5pPr marL="3048000" marR="0" indent="-609600" algn="l" defTabSz="2438338" rtl="0" latinLnBrk="0">
-              <a:lnSpc>
-                <a:spcPct val="90000"/>
-              </a:lnSpc>
-              <a:spcBef>
-                <a:spcPts val="4500"/>
-              </a:spcBef>
-              <a:spcAft>
-                <a:spcPts val="0"/>
-              </a:spcAft>
-              <a:buClrTx/>
-              <a:buSzPct val="123000"/>
-              <a:buFontTx/>
-              <a:buChar char="•"/>
-              <a:tabLst/>
-              <a:defRPr sz="4800" b="0" i="0" u="none" strike="noStrike" cap="none" spc="0" baseline="0">
-                <a:solidFill>
-                  <a:srgbClr val="000000"/>
-                </a:solidFill>
-                <a:uFillTx/>
-                <a:latin typeface="+mn-lt"/>
-                <a:ea typeface="+mn-ea"/>
-                <a:cs typeface="+mn-cs"/>
-                <a:sym typeface="Helvetica Neue"/>
-              </a:defRPr>
-            </a:lvl5pPr>
-            <a:lvl6pPr marL="3657600" marR="0" indent="-609600" algn="l" defTabSz="2438338" rtl="0" latinLnBrk="0">
-              <a:lnSpc>
-                <a:spcPct val="90000"/>
-              </a:lnSpc>
-              <a:spcBef>
-                <a:spcPts val="4500"/>
-              </a:spcBef>
-              <a:spcAft>
-                <a:spcPts val="0"/>
-              </a:spcAft>
-              <a:buClrTx/>
-              <a:buSzPct val="123000"/>
-              <a:buFontTx/>
-              <a:buChar char="•"/>
-              <a:tabLst/>
-              <a:defRPr sz="4800" b="0" i="0" u="none" strike="noStrike" cap="none" spc="0" baseline="0">
-                <a:solidFill>
-                  <a:srgbClr val="000000"/>
-                </a:solidFill>
-                <a:uFillTx/>
-                <a:latin typeface="+mn-lt"/>
-                <a:ea typeface="+mn-ea"/>
-                <a:cs typeface="+mn-cs"/>
-                <a:sym typeface="Helvetica Neue"/>
-              </a:defRPr>
-            </a:lvl6pPr>
-            <a:lvl7pPr marL="4267200" marR="0" indent="-609600" algn="l" defTabSz="2438338" rtl="0" latinLnBrk="0">
-              <a:lnSpc>
-                <a:spcPct val="90000"/>
-              </a:lnSpc>
-              <a:spcBef>
-                <a:spcPts val="4500"/>
-              </a:spcBef>
-              <a:spcAft>
-                <a:spcPts val="0"/>
-              </a:spcAft>
-              <a:buClrTx/>
-              <a:buSzPct val="123000"/>
-              <a:buFontTx/>
-              <a:buChar char="•"/>
-              <a:tabLst/>
-              <a:defRPr sz="4800" b="0" i="0" u="none" strike="noStrike" cap="none" spc="0" baseline="0">
-                <a:solidFill>
-                  <a:srgbClr val="000000"/>
-                </a:solidFill>
-                <a:uFillTx/>
-                <a:latin typeface="+mn-lt"/>
-                <a:ea typeface="+mn-ea"/>
-                <a:cs typeface="+mn-cs"/>
-                <a:sym typeface="Helvetica Neue"/>
-              </a:defRPr>
-            </a:lvl7pPr>
-            <a:lvl8pPr marL="4876800" marR="0" indent="-609600" algn="l" defTabSz="2438338" rtl="0" latinLnBrk="0">
-              <a:lnSpc>
-                <a:spcPct val="90000"/>
-              </a:lnSpc>
-              <a:spcBef>
-                <a:spcPts val="4500"/>
-              </a:spcBef>
-              <a:spcAft>
-                <a:spcPts val="0"/>
-              </a:spcAft>
-              <a:buClrTx/>
-              <a:buSzPct val="123000"/>
-              <a:buFontTx/>
-              <a:buChar char="•"/>
-              <a:tabLst/>
-              <a:defRPr sz="4800" b="0" i="0" u="none" strike="noStrike" cap="none" spc="0" baseline="0">
-                <a:solidFill>
-                  <a:srgbClr val="000000"/>
-                </a:solidFill>
-                <a:uFillTx/>
-                <a:latin typeface="+mn-lt"/>
-                <a:ea typeface="+mn-ea"/>
-                <a:cs typeface="+mn-cs"/>
-                <a:sym typeface="Helvetica Neue"/>
-              </a:defRPr>
-            </a:lvl8pPr>
-            <a:lvl9pPr marL="5486400" marR="0" indent="-609600" algn="l" defTabSz="2438338" rtl="0" latinLnBrk="0">
-              <a:lnSpc>
-                <a:spcPct val="90000"/>
-              </a:lnSpc>
-              <a:spcBef>
-                <a:spcPts val="4500"/>
-              </a:spcBef>
-              <a:spcAft>
-                <a:spcPts val="0"/>
-              </a:spcAft>
-              <a:buClrTx/>
-              <a:buSzPct val="123000"/>
-              <a:buFontTx/>
-              <a:buChar char="•"/>
-              <a:tabLst/>
-              <a:defRPr sz="4800" b="0" i="0" u="none" strike="noStrike" cap="none" spc="0" baseline="0">
-                <a:solidFill>
-                  <a:srgbClr val="000000"/>
-                </a:solidFill>
-                <a:uFillTx/>
-                <a:latin typeface="+mn-lt"/>
-                <a:ea typeface="+mn-ea"/>
-                <a:cs typeface="+mn-cs"/>
-                <a:sym typeface="Helvetica Neue"/>
-              </a:defRPr>
-            </a:lvl9pPr>
-          </a:lstStyle>
-          <a:p>
-            <a:pPr hangingPunct="1"/>
-            <a:r>
-              <a:rPr lang="ko-KR" altLang="en-US">
-                <a:solidFill>
-                  <a:schemeClr val="tx1">
-                    <a:lumMod val="50000"/>
-                  </a:schemeClr>
-                </a:solidFill>
-              </a:rPr>
+            </a:pPr>
+            <a:r>
               <a:t>원본 이미지</a:t>
             </a:r>
             <a:r>
-              <a:rPr lang="en-US" altLang="ko-KR">
-                <a:solidFill>
-                  <a:schemeClr val="tx1">
-                    <a:lumMod val="50000"/>
-                  </a:schemeClr>
-                </a:solidFill>
-              </a:rPr>
               <a:t>(3,894</a:t>
             </a:r>
             <a:r>
-              <a:rPr lang="ko-KR" altLang="en-US">
-                <a:solidFill>
-                  <a:schemeClr val="tx1">
-                    <a:lumMod val="50000"/>
-                  </a:schemeClr>
-                </a:solidFill>
-              </a:rPr>
               <a:t>개</a:t>
             </a:r>
             <a:r>
-              <a:rPr lang="en-US" altLang="ko-KR">
-                <a:solidFill>
-                  <a:schemeClr val="tx1">
-                    <a:lumMod val="50000"/>
-                  </a:schemeClr>
-                </a:solidFill>
-              </a:rPr>
               <a:t>)</a:t>
             </a:r>
             <a:r>
-              <a:rPr lang="ko-KR" altLang="en-US">
-                <a:solidFill>
-                  <a:schemeClr val="tx1">
-                    <a:lumMod val="50000"/>
-                  </a:schemeClr>
-                </a:solidFill>
-              </a:rPr>
               <a:t>로부터 추출된 </a:t>
             </a:r>
             <a:r>
-              <a:rPr lang="en-US" altLang="ko-KR">
-                <a:solidFill>
-                  <a:schemeClr val="tx1">
-                    <a:lumMod val="50000"/>
-                  </a:schemeClr>
-                </a:solidFill>
-              </a:rPr>
               <a:t>27,237</a:t>
             </a:r>
             <a:r>
-              <a:rPr lang="ko-KR" altLang="en-US">
-                <a:solidFill>
-                  <a:schemeClr val="tx1">
-                    <a:lumMod val="50000"/>
-                  </a:schemeClr>
-                </a:solidFill>
-              </a:rPr>
               <a:t>개 이미지 데이터</a:t>
             </a:r>
-            <a:endParaRPr lang="en-US" altLang="ko-KR">
-              <a:solidFill>
-                <a:schemeClr val="tx1">
-                  <a:lumMod val="50000"/>
-                </a:schemeClr>
-              </a:solidFill>
-            </a:endParaRPr>
           </a:p>
         </p:txBody>
       </p:sp>
       <p:pic>
         <p:nvPicPr>
-          <p:cNvPr id="11" name="그림 10" descr="텍스트, 측정기, 장치이(가) 표시된 사진&#10;&#10;자동 생성된 설명">
-            <a:extLst>
-              <a:ext uri="{FF2B5EF4-FFF2-40B4-BE49-F238E27FC236}">
-                <a16:creationId xmlns:a16="http://schemas.microsoft.com/office/drawing/2014/main" id="{71BDCC29-5027-4269-B1B7-F5606108A96A}"/>
-              </a:ext>
-            </a:extLst>
-          </p:cNvPr>
+          <p:cNvPr id="163" name="그림 10" descr="그림 10"/>
           <p:cNvPicPr>
             <a:picLocks noChangeAspect="1"/>
           </p:cNvPicPr>
@@ -5233,11 +4791,7 @@
         </p:nvPicPr>
         <p:blipFill>
           <a:blip r:embed="rId2">
-            <a:extLst>
-              <a:ext uri="{28A0092B-C50C-407E-A947-70E740481C1C}">
-                <a14:useLocalDpi xmlns:a14="http://schemas.microsoft.com/office/drawing/2010/main" val="0"/>
-              </a:ext>
-            </a:extLst>
+            <a:extLst/>
           </a:blip>
           <a:stretch>
             <a:fillRect/>
@@ -5246,29 +4800,27 @@
         <p:spPr>
           <a:xfrm>
             <a:off x="8474794" y="3689293"/>
-            <a:ext cx="7434412" cy="9726022"/>
+            <a:ext cx="7434413" cy="9726022"/>
           </a:xfrm>
           <a:prstGeom prst="rect">
             <a:avLst/>
           </a:prstGeom>
+          <a:ln w="12700">
+            <a:miter lim="400000"/>
+          </a:ln>
         </p:spPr>
       </p:pic>
     </p:spTree>
-    <p:extLst>
-      <p:ext uri="{BB962C8B-B14F-4D97-AF65-F5344CB8AC3E}">
-        <p14:creationId xmlns:p14="http://schemas.microsoft.com/office/powerpoint/2010/main" val="1511128479"/>
-      </p:ext>
-    </p:extLst>
   </p:cSld>
   <p:clrMapOvr>
     <a:masterClrMapping/>
   </p:clrMapOvr>
-  <p:transition spd="med"/>
+  <p:transition xmlns:p14="http://schemas.microsoft.com/office/powerpoint/2010/main" spd="med" advClick="1"/>
 </p:sld>
 </file>
 
 <file path=ppt/slides/slide5.xml><?xml version="1.0" encoding="utf-8"?>
-<p:sld xmlns:a="http://schemas.openxmlformats.org/drawingml/2006/main" xmlns:r="http://schemas.openxmlformats.org/officeDocument/2006/relationships" xmlns:p="http://schemas.openxmlformats.org/presentationml/2006/main">
+<p:sld xmlns:a="http://schemas.openxmlformats.org/drawingml/2006/main" xmlns:r="http://schemas.openxmlformats.org/officeDocument/2006/relationships" xmlns:p="http://schemas.openxmlformats.org/presentationml/2006/main" xmlns:m="http://schemas.openxmlformats.org/officeDocument/2006/math" xmlns:a14="http://schemas.microsoft.com/office/drawing/2010/main" showMasterSp="1" showMasterPhAnim="1">
   <p:cSld>
     <p:spTree>
       <p:nvGrpSpPr>
@@ -5286,27 +4838,27 @@
       </p:grpSpPr>
       <p:sp>
         <p:nvSpPr>
-          <p:cNvPr id="2" name="제목 1">
-            <a:extLst>
-              <a:ext uri="{FF2B5EF4-FFF2-40B4-BE49-F238E27FC236}">
-                <a16:creationId xmlns:a16="http://schemas.microsoft.com/office/drawing/2014/main" id="{4AE91A1B-C597-44FD-A6B0-44E367567B9D}"/>
-              </a:ext>
-            </a:extLst>
-          </p:cNvPr>
-          <p:cNvSpPr>
-            <a:spLocks noGrp="1"/>
-          </p:cNvSpPr>
+          <p:cNvPr id="165" name="제목 1"/>
+          <p:cNvSpPr txBox="1"/>
           <p:nvPr>
             <p:ph type="title"/>
           </p:nvPr>
         </p:nvSpPr>
-        <p:spPr/>
+        <p:spPr>
+          <a:prstGeom prst="rect">
+            <a:avLst/>
+          </a:prstGeom>
+        </p:spPr>
         <p:txBody>
           <a:bodyPr/>
-          <a:lstStyle/>
-          <a:p>
-            <a:r>
-              <a:rPr lang="ko-KR" altLang="en-US"/>
+          <a:lstStyle>
+            <a:lvl1pPr defTabSz="2365187">
+              <a:defRPr spc="-194" sz="8245"/>
+            </a:lvl1pPr>
+          </a:lstStyle>
+          <a:p>
+            <a:pPr/>
+            <a:r>
               <a:t>알고리즘 적용 결과</a:t>
             </a:r>
           </a:p>
@@ -5314,22 +4866,14 @@
       </p:sp>
       <p:sp>
         <p:nvSpPr>
-          <p:cNvPr id="5" name="데이터 개요 및 프로젝트 목표…">
-            <a:extLst>
-              <a:ext uri="{FF2B5EF4-FFF2-40B4-BE49-F238E27FC236}">
-                <a16:creationId xmlns:a16="http://schemas.microsoft.com/office/drawing/2014/main" id="{F25E395A-7041-4F95-AF42-B1B9641C6061}"/>
-              </a:ext>
-            </a:extLst>
-          </p:cNvPr>
-          <p:cNvSpPr txBox="1">
-            <a:spLocks/>
-          </p:cNvSpPr>
+          <p:cNvPr id="166" name="데이터 개요 및 프로젝트 목표…"/>
+          <p:cNvSpPr txBox="1"/>
           <p:nvPr/>
         </p:nvSpPr>
         <p:spPr>
           <a:xfrm>
-            <a:off x="1206500" y="2729994"/>
-            <a:ext cx="21971000" cy="8256012"/>
+            <a:off x="1206500" y="2729993"/>
+            <a:ext cx="21971000" cy="8256014"/>
           </a:xfrm>
           <a:prstGeom prst="rect">
             <a:avLst/>
@@ -5339,285 +4883,68 @@
           </a:ln>
           <a:extLst>
             <a:ext uri="{C572A759-6A51-4108-AA02-DFA0A04FC94B}">
-              <ma14:wrappingTextBoxFlag xmlns="" xmlns:m="http://schemas.openxmlformats.org/officeDocument/2006/math" xmlns:a14="http://schemas.microsoft.com/office/drawing/2010/main" xmlns:ma14="http://schemas.microsoft.com/office/mac/drawingml/2011/main" val="1"/>
+              <ma14:wrappingTextBoxFlag xmlns:ma14="http://schemas.microsoft.com/office/mac/drawingml/2011/main" val="1"/>
             </a:ext>
           </a:extLst>
         </p:spPr>
         <p:txBody>
           <a:bodyPr lIns="50800" tIns="50800" rIns="50800" bIns="50800">
-            <a:normAutofit/>
+            <a:normAutofit fontScale="100000" lnSpcReduction="0"/>
           </a:bodyPr>
-          <a:lstStyle>
-            <a:lvl1pPr marL="609600" marR="0" indent="-609600" algn="l" defTabSz="2438338" rtl="0" latinLnBrk="0">
+          <a:lstStyle/>
+          <a:p>
+            <a:pPr marL="609600" indent="-609600" algn="l">
               <a:lnSpc>
                 <a:spcPct val="90000"/>
               </a:lnSpc>
               <a:spcBef>
                 <a:spcPts val="4500"/>
               </a:spcBef>
-              <a:spcAft>
-                <a:spcPts val="0"/>
-              </a:spcAft>
-              <a:buClrTx/>
               <a:buSzPct val="123000"/>
-              <a:buFontTx/>
               <a:buChar char="•"/>
-              <a:tabLst/>
-              <a:defRPr sz="4800" b="0" i="0" u="none" strike="noStrike" cap="none" spc="0" baseline="0">
+              <a:defRPr sz="4800">
                 <a:solidFill>
                   <a:srgbClr val="000000"/>
                 </a:solidFill>
-                <a:uFillTx/>
-                <a:latin typeface="+mn-lt"/>
-                <a:ea typeface="+mn-ea"/>
-                <a:cs typeface="+mn-cs"/>
-                <a:sym typeface="Helvetica Neue"/>
               </a:defRPr>
-            </a:lvl1pPr>
-            <a:lvl2pPr marL="1219200" marR="0" indent="-609600" algn="l" defTabSz="2438338" rtl="0" latinLnBrk="0">
+            </a:pPr>
+            <a:r>
+              <a:t>데이터 </a:t>
+            </a:r>
+            <a:r>
+              <a:t>: error_img/error19_6_5.png</a:t>
+            </a:r>
+            <a:br/>
+            <a:r>
+              <a:t>‘5’ </a:t>
+            </a:r>
+            <a:r>
+              <a:t>를 </a:t>
+            </a:r>
+            <a:r>
+              <a:t>‘6’</a:t>
+            </a:r>
+            <a:r>
+              <a:t>으로 잘못 분류한 데이터</a:t>
+            </a:r>
+          </a:p>
+          <a:p>
+            <a:pPr marL="609600" indent="-609600" algn="l">
               <a:lnSpc>
                 <a:spcPct val="90000"/>
               </a:lnSpc>
               <a:spcBef>
                 <a:spcPts val="4500"/>
               </a:spcBef>
-              <a:spcAft>
-                <a:spcPts val="0"/>
-              </a:spcAft>
-              <a:buClrTx/>
               <a:buSzPct val="123000"/>
-              <a:buFontTx/>
               <a:buChar char="•"/>
-              <a:tabLst/>
-              <a:defRPr sz="4800" b="0" i="0" u="none" strike="noStrike" cap="none" spc="0" baseline="0">
+              <a:defRPr sz="4800">
                 <a:solidFill>
                   <a:srgbClr val="000000"/>
                 </a:solidFill>
-                <a:uFillTx/>
-                <a:latin typeface="+mn-lt"/>
-                <a:ea typeface="+mn-ea"/>
-                <a:cs typeface="+mn-cs"/>
-                <a:sym typeface="Helvetica Neue"/>
               </a:defRPr>
-            </a:lvl2pPr>
-            <a:lvl3pPr marL="1828800" marR="0" indent="-609600" algn="l" defTabSz="2438338" rtl="0" latinLnBrk="0">
-              <a:lnSpc>
-                <a:spcPct val="90000"/>
-              </a:lnSpc>
-              <a:spcBef>
-                <a:spcPts val="4500"/>
-              </a:spcBef>
-              <a:spcAft>
-                <a:spcPts val="0"/>
-              </a:spcAft>
-              <a:buClrTx/>
-              <a:buSzPct val="123000"/>
-              <a:buFontTx/>
-              <a:buChar char="•"/>
-              <a:tabLst/>
-              <a:defRPr sz="4800" b="0" i="0" u="none" strike="noStrike" cap="none" spc="0" baseline="0">
-                <a:solidFill>
-                  <a:srgbClr val="000000"/>
-                </a:solidFill>
-                <a:uFillTx/>
-                <a:latin typeface="+mn-lt"/>
-                <a:ea typeface="+mn-ea"/>
-                <a:cs typeface="+mn-cs"/>
-                <a:sym typeface="Helvetica Neue"/>
-              </a:defRPr>
-            </a:lvl3pPr>
-            <a:lvl4pPr marL="2438400" marR="0" indent="-609600" algn="l" defTabSz="2438338" rtl="0" latinLnBrk="0">
-              <a:lnSpc>
-                <a:spcPct val="90000"/>
-              </a:lnSpc>
-              <a:spcBef>
-                <a:spcPts val="4500"/>
-              </a:spcBef>
-              <a:spcAft>
-                <a:spcPts val="0"/>
-              </a:spcAft>
-              <a:buClrTx/>
-              <a:buSzPct val="123000"/>
-              <a:buFontTx/>
-              <a:buChar char="•"/>
-              <a:tabLst/>
-              <a:defRPr sz="4800" b="0" i="0" u="none" strike="noStrike" cap="none" spc="0" baseline="0">
-                <a:solidFill>
-                  <a:srgbClr val="000000"/>
-                </a:solidFill>
-                <a:uFillTx/>
-                <a:latin typeface="+mn-lt"/>
-                <a:ea typeface="+mn-ea"/>
-                <a:cs typeface="+mn-cs"/>
-                <a:sym typeface="Helvetica Neue"/>
-              </a:defRPr>
-            </a:lvl4pPr>
-            <a:lvl5pPr marL="3048000" marR="0" indent="-609600" algn="l" defTabSz="2438338" rtl="0" latinLnBrk="0">
-              <a:lnSpc>
-                <a:spcPct val="90000"/>
-              </a:lnSpc>
-              <a:spcBef>
-                <a:spcPts val="4500"/>
-              </a:spcBef>
-              <a:spcAft>
-                <a:spcPts val="0"/>
-              </a:spcAft>
-              <a:buClrTx/>
-              <a:buSzPct val="123000"/>
-              <a:buFontTx/>
-              <a:buChar char="•"/>
-              <a:tabLst/>
-              <a:defRPr sz="4800" b="0" i="0" u="none" strike="noStrike" cap="none" spc="0" baseline="0">
-                <a:solidFill>
-                  <a:srgbClr val="000000"/>
-                </a:solidFill>
-                <a:uFillTx/>
-                <a:latin typeface="+mn-lt"/>
-                <a:ea typeface="+mn-ea"/>
-                <a:cs typeface="+mn-cs"/>
-                <a:sym typeface="Helvetica Neue"/>
-              </a:defRPr>
-            </a:lvl5pPr>
-            <a:lvl6pPr marL="3657600" marR="0" indent="-609600" algn="l" defTabSz="2438338" rtl="0" latinLnBrk="0">
-              <a:lnSpc>
-                <a:spcPct val="90000"/>
-              </a:lnSpc>
-              <a:spcBef>
-                <a:spcPts val="4500"/>
-              </a:spcBef>
-              <a:spcAft>
-                <a:spcPts val="0"/>
-              </a:spcAft>
-              <a:buClrTx/>
-              <a:buSzPct val="123000"/>
-              <a:buFontTx/>
-              <a:buChar char="•"/>
-              <a:tabLst/>
-              <a:defRPr sz="4800" b="0" i="0" u="none" strike="noStrike" cap="none" spc="0" baseline="0">
-                <a:solidFill>
-                  <a:srgbClr val="000000"/>
-                </a:solidFill>
-                <a:uFillTx/>
-                <a:latin typeface="+mn-lt"/>
-                <a:ea typeface="+mn-ea"/>
-                <a:cs typeface="+mn-cs"/>
-                <a:sym typeface="Helvetica Neue"/>
-              </a:defRPr>
-            </a:lvl6pPr>
-            <a:lvl7pPr marL="4267200" marR="0" indent="-609600" algn="l" defTabSz="2438338" rtl="0" latinLnBrk="0">
-              <a:lnSpc>
-                <a:spcPct val="90000"/>
-              </a:lnSpc>
-              <a:spcBef>
-                <a:spcPts val="4500"/>
-              </a:spcBef>
-              <a:spcAft>
-                <a:spcPts val="0"/>
-              </a:spcAft>
-              <a:buClrTx/>
-              <a:buSzPct val="123000"/>
-              <a:buFontTx/>
-              <a:buChar char="•"/>
-              <a:tabLst/>
-              <a:defRPr sz="4800" b="0" i="0" u="none" strike="noStrike" cap="none" spc="0" baseline="0">
-                <a:solidFill>
-                  <a:srgbClr val="000000"/>
-                </a:solidFill>
-                <a:uFillTx/>
-                <a:latin typeface="+mn-lt"/>
-                <a:ea typeface="+mn-ea"/>
-                <a:cs typeface="+mn-cs"/>
-                <a:sym typeface="Helvetica Neue"/>
-              </a:defRPr>
-            </a:lvl7pPr>
-            <a:lvl8pPr marL="4876800" marR="0" indent="-609600" algn="l" defTabSz="2438338" rtl="0" latinLnBrk="0">
-              <a:lnSpc>
-                <a:spcPct val="90000"/>
-              </a:lnSpc>
-              <a:spcBef>
-                <a:spcPts val="4500"/>
-              </a:spcBef>
-              <a:spcAft>
-                <a:spcPts val="0"/>
-              </a:spcAft>
-              <a:buClrTx/>
-              <a:buSzPct val="123000"/>
-              <a:buFontTx/>
-              <a:buChar char="•"/>
-              <a:tabLst/>
-              <a:defRPr sz="4800" b="0" i="0" u="none" strike="noStrike" cap="none" spc="0" baseline="0">
-                <a:solidFill>
-                  <a:srgbClr val="000000"/>
-                </a:solidFill>
-                <a:uFillTx/>
-                <a:latin typeface="+mn-lt"/>
-                <a:ea typeface="+mn-ea"/>
-                <a:cs typeface="+mn-cs"/>
-                <a:sym typeface="Helvetica Neue"/>
-              </a:defRPr>
-            </a:lvl8pPr>
-            <a:lvl9pPr marL="5486400" marR="0" indent="-609600" algn="l" defTabSz="2438338" rtl="0" latinLnBrk="0">
-              <a:lnSpc>
-                <a:spcPct val="90000"/>
-              </a:lnSpc>
-              <a:spcBef>
-                <a:spcPts val="4500"/>
-              </a:spcBef>
-              <a:spcAft>
-                <a:spcPts val="0"/>
-              </a:spcAft>
-              <a:buClrTx/>
-              <a:buSzPct val="123000"/>
-              <a:buFontTx/>
-              <a:buChar char="•"/>
-              <a:tabLst/>
-              <a:defRPr sz="4800" b="0" i="0" u="none" strike="noStrike" cap="none" spc="0" baseline="0">
-                <a:solidFill>
-                  <a:srgbClr val="000000"/>
-                </a:solidFill>
-                <a:uFillTx/>
-                <a:latin typeface="+mn-lt"/>
-                <a:ea typeface="+mn-ea"/>
-                <a:cs typeface="+mn-cs"/>
-                <a:sym typeface="Helvetica Neue"/>
-              </a:defRPr>
-            </a:lvl9pPr>
-          </a:lstStyle>
-          <a:p>
-            <a:pPr hangingPunct="1"/>
-            <a:r>
-              <a:rPr lang="ko-KR" altLang="en-US"/>
-              <a:t>데이터 </a:t>
-            </a:r>
-            <a:r>
-              <a:rPr lang="en-US" altLang="ko-KR"/>
-              <a:t>: error_img/error19_6_5.png</a:t>
-            </a:r>
-            <a:br>
-              <a:rPr lang="en-US" altLang="ko-KR"/>
-            </a:br>
-            <a:r>
-              <a:rPr lang="en-US" altLang="ko-KR"/>
-              <a:t>‘5’ </a:t>
-            </a:r>
-            <a:r>
-              <a:rPr lang="ko-KR" altLang="en-US"/>
-              <a:t>를 </a:t>
-            </a:r>
-            <a:r>
-              <a:rPr lang="en-US" altLang="ko-KR"/>
-              <a:t>‘6’</a:t>
-            </a:r>
-            <a:r>
-              <a:rPr lang="ko-KR" altLang="en-US"/>
-              <a:t>으로 잘못 분류한 데이터</a:t>
-            </a:r>
-            <a:endParaRPr lang="en-US" altLang="ko-KR"/>
-          </a:p>
-          <a:p>
-            <a:pPr hangingPunct="1"/>
-            <a:r>
-              <a:rPr lang="en-US" altLang="ko-KR"/>
+            </a:pPr>
+            <a:r>
               <a:t>thr, mask = cv2.threshold(img, 200, 1, cv2.THRESH_BINARY)</a:t>
             </a:r>
           </a:p>
@@ -5625,13 +4952,7 @@
       </p:sp>
       <p:pic>
         <p:nvPicPr>
-          <p:cNvPr id="4" name="그림 3">
-            <a:extLst>
-              <a:ext uri="{FF2B5EF4-FFF2-40B4-BE49-F238E27FC236}">
-                <a16:creationId xmlns:a16="http://schemas.microsoft.com/office/drawing/2014/main" id="{21F88F3F-6555-49E0-B50F-51DC0189D659}"/>
-              </a:ext>
-            </a:extLst>
-          </p:cNvPr>
+          <p:cNvPr id="167" name="그림 3" descr="그림 3"/>
           <p:cNvPicPr>
             <a:picLocks noChangeAspect="1"/>
           </p:cNvPicPr>
@@ -5639,11 +4960,7 @@
         </p:nvPicPr>
         <p:blipFill>
           <a:blip r:embed="rId2">
-            <a:extLst>
-              <a:ext uri="{28A0092B-C50C-407E-A947-70E740481C1C}">
-                <a14:useLocalDpi xmlns:a14="http://schemas.microsoft.com/office/drawing/2010/main" val="0"/>
-              </a:ext>
-            </a:extLst>
+            <a:extLst/>
           </a:blip>
           <a:stretch>
             <a:fillRect/>
@@ -5651,30 +4968,28 @@
         </p:blipFill>
         <p:spPr>
           <a:xfrm>
-            <a:off x="5253374" y="6858000"/>
-            <a:ext cx="13877251" cy="5550900"/>
+            <a:off x="5253373" y="6858000"/>
+            <a:ext cx="13877252" cy="5550900"/>
           </a:xfrm>
           <a:prstGeom prst="rect">
             <a:avLst/>
           </a:prstGeom>
+          <a:ln w="12700">
+            <a:miter lim="400000"/>
+          </a:ln>
         </p:spPr>
       </p:pic>
     </p:spTree>
-    <p:extLst>
-      <p:ext uri="{BB962C8B-B14F-4D97-AF65-F5344CB8AC3E}">
-        <p14:creationId xmlns:p14="http://schemas.microsoft.com/office/powerpoint/2010/main" val="3450818546"/>
-      </p:ext>
-    </p:extLst>
   </p:cSld>
   <p:clrMapOvr>
     <a:masterClrMapping/>
   </p:clrMapOvr>
-  <p:transition spd="med"/>
+  <p:transition xmlns:p14="http://schemas.microsoft.com/office/powerpoint/2010/main" spd="med" advClick="1"/>
 </p:sld>
 </file>
 
 <file path=ppt/slides/slide6.xml><?xml version="1.0" encoding="utf-8"?>
-<p:sld xmlns:a="http://schemas.openxmlformats.org/drawingml/2006/main" xmlns:r="http://schemas.openxmlformats.org/officeDocument/2006/relationships" xmlns:p="http://schemas.openxmlformats.org/presentationml/2006/main">
+<p:sld xmlns:a="http://schemas.openxmlformats.org/drawingml/2006/main" xmlns:r="http://schemas.openxmlformats.org/officeDocument/2006/relationships" xmlns:p="http://schemas.openxmlformats.org/presentationml/2006/main" xmlns:m="http://schemas.openxmlformats.org/officeDocument/2006/math" xmlns:a14="http://schemas.microsoft.com/office/drawing/2010/main" showMasterSp="1" showMasterPhAnim="1">
   <p:cSld>
     <p:spTree>
       <p:nvGrpSpPr>
@@ -5692,27 +5007,27 @@
       </p:grpSpPr>
       <p:sp>
         <p:nvSpPr>
-          <p:cNvPr id="2" name="제목 1">
-            <a:extLst>
-              <a:ext uri="{FF2B5EF4-FFF2-40B4-BE49-F238E27FC236}">
-                <a16:creationId xmlns:a16="http://schemas.microsoft.com/office/drawing/2014/main" id="{4AE91A1B-C597-44FD-A6B0-44E367567B9D}"/>
-              </a:ext>
-            </a:extLst>
-          </p:cNvPr>
-          <p:cNvSpPr>
-            <a:spLocks noGrp="1"/>
-          </p:cNvSpPr>
+          <p:cNvPr id="169" name="제목 1"/>
+          <p:cNvSpPr txBox="1"/>
           <p:nvPr>
             <p:ph type="title"/>
           </p:nvPr>
         </p:nvSpPr>
-        <p:spPr/>
+        <p:spPr>
+          <a:prstGeom prst="rect">
+            <a:avLst/>
+          </a:prstGeom>
+        </p:spPr>
         <p:txBody>
           <a:bodyPr/>
-          <a:lstStyle/>
-          <a:p>
-            <a:r>
-              <a:rPr lang="ko-KR" altLang="en-US"/>
+          <a:lstStyle>
+            <a:lvl1pPr defTabSz="2365187">
+              <a:defRPr spc="-194" sz="8245"/>
+            </a:lvl1pPr>
+          </a:lstStyle>
+          <a:p>
+            <a:pPr/>
+            <a:r>
               <a:t>알고리즘 적용 결과</a:t>
             </a:r>
           </a:p>
@@ -5720,22 +5035,14 @@
       </p:sp>
       <p:sp>
         <p:nvSpPr>
-          <p:cNvPr id="5" name="데이터 개요 및 프로젝트 목표…">
-            <a:extLst>
-              <a:ext uri="{FF2B5EF4-FFF2-40B4-BE49-F238E27FC236}">
-                <a16:creationId xmlns:a16="http://schemas.microsoft.com/office/drawing/2014/main" id="{F25E395A-7041-4F95-AF42-B1B9641C6061}"/>
-              </a:ext>
-            </a:extLst>
-          </p:cNvPr>
-          <p:cNvSpPr txBox="1">
-            <a:spLocks/>
-          </p:cNvSpPr>
+          <p:cNvPr id="170" name="데이터 개요 및 프로젝트 목표…"/>
+          <p:cNvSpPr txBox="1"/>
           <p:nvPr/>
         </p:nvSpPr>
         <p:spPr>
           <a:xfrm>
-            <a:off x="1206500" y="2729994"/>
-            <a:ext cx="21971000" cy="8256012"/>
+            <a:off x="1206500" y="2729993"/>
+            <a:ext cx="21971000" cy="8256014"/>
           </a:xfrm>
           <a:prstGeom prst="rect">
             <a:avLst/>
@@ -5745,307 +5052,80 @@
           </a:ln>
           <a:extLst>
             <a:ext uri="{C572A759-6A51-4108-AA02-DFA0A04FC94B}">
-              <ma14:wrappingTextBoxFlag xmlns="" xmlns:m="http://schemas.openxmlformats.org/officeDocument/2006/math" xmlns:a14="http://schemas.microsoft.com/office/drawing/2010/main" xmlns:ma14="http://schemas.microsoft.com/office/mac/drawingml/2011/main" val="1"/>
+              <ma14:wrappingTextBoxFlag xmlns:ma14="http://schemas.microsoft.com/office/mac/drawingml/2011/main" val="1"/>
             </a:ext>
           </a:extLst>
         </p:spPr>
         <p:txBody>
           <a:bodyPr lIns="50800" tIns="50800" rIns="50800" bIns="50800">
-            <a:normAutofit/>
+            <a:normAutofit fontScale="100000" lnSpcReduction="0"/>
           </a:bodyPr>
-          <a:lstStyle>
-            <a:lvl1pPr marL="609600" marR="0" indent="-609600" algn="l" defTabSz="2438338" rtl="0" latinLnBrk="0">
+          <a:lstStyle/>
+          <a:p>
+            <a:pPr marL="609600" indent="-609600" algn="l">
               <a:lnSpc>
                 <a:spcPct val="90000"/>
               </a:lnSpc>
               <a:spcBef>
                 <a:spcPts val="4500"/>
               </a:spcBef>
-              <a:spcAft>
-                <a:spcPts val="0"/>
-              </a:spcAft>
-              <a:buClrTx/>
               <a:buSzPct val="123000"/>
-              <a:buFontTx/>
               <a:buChar char="•"/>
-              <a:tabLst/>
-              <a:defRPr sz="4800" b="0" i="0" u="none" strike="noStrike" cap="none" spc="0" baseline="0">
+              <a:defRPr sz="4800">
                 <a:solidFill>
                   <a:srgbClr val="000000"/>
                 </a:solidFill>
-                <a:uFillTx/>
-                <a:latin typeface="+mn-lt"/>
-                <a:ea typeface="+mn-ea"/>
-                <a:cs typeface="+mn-cs"/>
-                <a:sym typeface="Helvetica Neue"/>
               </a:defRPr>
-            </a:lvl1pPr>
-            <a:lvl2pPr marL="1219200" marR="0" indent="-609600" algn="l" defTabSz="2438338" rtl="0" latinLnBrk="0">
+            </a:pPr>
+            <a:r>
+              <a:t>데이터 </a:t>
+            </a:r>
+            <a:r>
+              <a:t>: error_img/error17_0_8.png</a:t>
+            </a:r>
+            <a:br/>
+            <a:r>
+              <a:t>‘8’ </a:t>
+            </a:r>
+            <a:r>
+              <a:t>을 </a:t>
+            </a:r>
+            <a:r>
+              <a:t>‘0’</a:t>
+            </a:r>
+            <a:r>
+              <a:t>으로 잘못 분류한 데이터</a:t>
+            </a:r>
+          </a:p>
+          <a:p>
+            <a:pPr marL="609600" indent="-609600" algn="l">
               <a:lnSpc>
                 <a:spcPct val="90000"/>
               </a:lnSpc>
               <a:spcBef>
                 <a:spcPts val="4500"/>
               </a:spcBef>
-              <a:spcAft>
-                <a:spcPts val="0"/>
-              </a:spcAft>
-              <a:buClrTx/>
               <a:buSzPct val="123000"/>
-              <a:buFontTx/>
               <a:buChar char="•"/>
-              <a:tabLst/>
-              <a:defRPr sz="4800" b="0" i="0" u="none" strike="noStrike" cap="none" spc="0" baseline="0">
+              <a:defRPr sz="4800">
                 <a:solidFill>
                   <a:srgbClr val="000000"/>
                 </a:solidFill>
-                <a:uFillTx/>
-                <a:latin typeface="+mn-lt"/>
-                <a:ea typeface="+mn-ea"/>
-                <a:cs typeface="+mn-cs"/>
-                <a:sym typeface="Helvetica Neue"/>
               </a:defRPr>
-            </a:lvl2pPr>
-            <a:lvl3pPr marL="1828800" marR="0" indent="-609600" algn="l" defTabSz="2438338" rtl="0" latinLnBrk="0">
-              <a:lnSpc>
-                <a:spcPct val="90000"/>
-              </a:lnSpc>
-              <a:spcBef>
-                <a:spcPts val="4500"/>
-              </a:spcBef>
-              <a:spcAft>
-                <a:spcPts val="0"/>
-              </a:spcAft>
-              <a:buClrTx/>
-              <a:buSzPct val="123000"/>
-              <a:buFontTx/>
-              <a:buChar char="•"/>
-              <a:tabLst/>
-              <a:defRPr sz="4800" b="0" i="0" u="none" strike="noStrike" cap="none" spc="0" baseline="0">
-                <a:solidFill>
-                  <a:srgbClr val="000000"/>
-                </a:solidFill>
-                <a:uFillTx/>
-                <a:latin typeface="+mn-lt"/>
-                <a:ea typeface="+mn-ea"/>
-                <a:cs typeface="+mn-cs"/>
-                <a:sym typeface="Helvetica Neue"/>
-              </a:defRPr>
-            </a:lvl3pPr>
-            <a:lvl4pPr marL="2438400" marR="0" indent="-609600" algn="l" defTabSz="2438338" rtl="0" latinLnBrk="0">
-              <a:lnSpc>
-                <a:spcPct val="90000"/>
-              </a:lnSpc>
-              <a:spcBef>
-                <a:spcPts val="4500"/>
-              </a:spcBef>
-              <a:spcAft>
-                <a:spcPts val="0"/>
-              </a:spcAft>
-              <a:buClrTx/>
-              <a:buSzPct val="123000"/>
-              <a:buFontTx/>
-              <a:buChar char="•"/>
-              <a:tabLst/>
-              <a:defRPr sz="4800" b="0" i="0" u="none" strike="noStrike" cap="none" spc="0" baseline="0">
-                <a:solidFill>
-                  <a:srgbClr val="000000"/>
-                </a:solidFill>
-                <a:uFillTx/>
-                <a:latin typeface="+mn-lt"/>
-                <a:ea typeface="+mn-ea"/>
-                <a:cs typeface="+mn-cs"/>
-                <a:sym typeface="Helvetica Neue"/>
-              </a:defRPr>
-            </a:lvl4pPr>
-            <a:lvl5pPr marL="3048000" marR="0" indent="-609600" algn="l" defTabSz="2438338" rtl="0" latinLnBrk="0">
-              <a:lnSpc>
-                <a:spcPct val="90000"/>
-              </a:lnSpc>
-              <a:spcBef>
-                <a:spcPts val="4500"/>
-              </a:spcBef>
-              <a:spcAft>
-                <a:spcPts val="0"/>
-              </a:spcAft>
-              <a:buClrTx/>
-              <a:buSzPct val="123000"/>
-              <a:buFontTx/>
-              <a:buChar char="•"/>
-              <a:tabLst/>
-              <a:defRPr sz="4800" b="0" i="0" u="none" strike="noStrike" cap="none" spc="0" baseline="0">
-                <a:solidFill>
-                  <a:srgbClr val="000000"/>
-                </a:solidFill>
-                <a:uFillTx/>
-                <a:latin typeface="+mn-lt"/>
-                <a:ea typeface="+mn-ea"/>
-                <a:cs typeface="+mn-cs"/>
-                <a:sym typeface="Helvetica Neue"/>
-              </a:defRPr>
-            </a:lvl5pPr>
-            <a:lvl6pPr marL="3657600" marR="0" indent="-609600" algn="l" defTabSz="2438338" rtl="0" latinLnBrk="0">
-              <a:lnSpc>
-                <a:spcPct val="90000"/>
-              </a:lnSpc>
-              <a:spcBef>
-                <a:spcPts val="4500"/>
-              </a:spcBef>
-              <a:spcAft>
-                <a:spcPts val="0"/>
-              </a:spcAft>
-              <a:buClrTx/>
-              <a:buSzPct val="123000"/>
-              <a:buFontTx/>
-              <a:buChar char="•"/>
-              <a:tabLst/>
-              <a:defRPr sz="4800" b="0" i="0" u="none" strike="noStrike" cap="none" spc="0" baseline="0">
-                <a:solidFill>
-                  <a:srgbClr val="000000"/>
-                </a:solidFill>
-                <a:uFillTx/>
-                <a:latin typeface="+mn-lt"/>
-                <a:ea typeface="+mn-ea"/>
-                <a:cs typeface="+mn-cs"/>
-                <a:sym typeface="Helvetica Neue"/>
-              </a:defRPr>
-            </a:lvl6pPr>
-            <a:lvl7pPr marL="4267200" marR="0" indent="-609600" algn="l" defTabSz="2438338" rtl="0" latinLnBrk="0">
-              <a:lnSpc>
-                <a:spcPct val="90000"/>
-              </a:lnSpc>
-              <a:spcBef>
-                <a:spcPts val="4500"/>
-              </a:spcBef>
-              <a:spcAft>
-                <a:spcPts val="0"/>
-              </a:spcAft>
-              <a:buClrTx/>
-              <a:buSzPct val="123000"/>
-              <a:buFontTx/>
-              <a:buChar char="•"/>
-              <a:tabLst/>
-              <a:defRPr sz="4800" b="0" i="0" u="none" strike="noStrike" cap="none" spc="0" baseline="0">
-                <a:solidFill>
-                  <a:srgbClr val="000000"/>
-                </a:solidFill>
-                <a:uFillTx/>
-                <a:latin typeface="+mn-lt"/>
-                <a:ea typeface="+mn-ea"/>
-                <a:cs typeface="+mn-cs"/>
-                <a:sym typeface="Helvetica Neue"/>
-              </a:defRPr>
-            </a:lvl7pPr>
-            <a:lvl8pPr marL="4876800" marR="0" indent="-609600" algn="l" defTabSz="2438338" rtl="0" latinLnBrk="0">
-              <a:lnSpc>
-                <a:spcPct val="90000"/>
-              </a:lnSpc>
-              <a:spcBef>
-                <a:spcPts val="4500"/>
-              </a:spcBef>
-              <a:spcAft>
-                <a:spcPts val="0"/>
-              </a:spcAft>
-              <a:buClrTx/>
-              <a:buSzPct val="123000"/>
-              <a:buFontTx/>
-              <a:buChar char="•"/>
-              <a:tabLst/>
-              <a:defRPr sz="4800" b="0" i="0" u="none" strike="noStrike" cap="none" spc="0" baseline="0">
-                <a:solidFill>
-                  <a:srgbClr val="000000"/>
-                </a:solidFill>
-                <a:uFillTx/>
-                <a:latin typeface="+mn-lt"/>
-                <a:ea typeface="+mn-ea"/>
-                <a:cs typeface="+mn-cs"/>
-                <a:sym typeface="Helvetica Neue"/>
-              </a:defRPr>
-            </a:lvl8pPr>
-            <a:lvl9pPr marL="5486400" marR="0" indent="-609600" algn="l" defTabSz="2438338" rtl="0" latinLnBrk="0">
-              <a:lnSpc>
-                <a:spcPct val="90000"/>
-              </a:lnSpc>
-              <a:spcBef>
-                <a:spcPts val="4500"/>
-              </a:spcBef>
-              <a:spcAft>
-                <a:spcPts val="0"/>
-              </a:spcAft>
-              <a:buClrTx/>
-              <a:buSzPct val="123000"/>
-              <a:buFontTx/>
-              <a:buChar char="•"/>
-              <a:tabLst/>
-              <a:defRPr sz="4800" b="0" i="0" u="none" strike="noStrike" cap="none" spc="0" baseline="0">
-                <a:solidFill>
-                  <a:srgbClr val="000000"/>
-                </a:solidFill>
-                <a:uFillTx/>
-                <a:latin typeface="+mn-lt"/>
-                <a:ea typeface="+mn-ea"/>
-                <a:cs typeface="+mn-cs"/>
-                <a:sym typeface="Helvetica Neue"/>
-              </a:defRPr>
-            </a:lvl9pPr>
-          </a:lstStyle>
-          <a:p>
-            <a:pPr hangingPunct="1"/>
-            <a:r>
-              <a:rPr lang="ko-KR" altLang="en-US"/>
-              <a:t>데이터 </a:t>
-            </a:r>
-            <a:r>
-              <a:rPr lang="en-US" altLang="ko-KR"/>
-              <a:t>: error_img/error17_0_8.png</a:t>
-            </a:r>
-            <a:br>
-              <a:rPr lang="en-US" altLang="ko-KR"/>
-            </a:br>
-            <a:r>
-              <a:rPr lang="en-US" altLang="ko-KR"/>
-              <a:t>‘8’ </a:t>
-            </a:r>
-            <a:r>
-              <a:rPr lang="ko-KR" altLang="en-US"/>
-              <a:t>을 </a:t>
-            </a:r>
-            <a:r>
-              <a:rPr lang="en-US" altLang="ko-KR"/>
-              <a:t>‘0’</a:t>
-            </a:r>
-            <a:r>
-              <a:rPr lang="ko-KR" altLang="en-US"/>
-              <a:t>으로 잘못 분류한 데이터</a:t>
-            </a:r>
-            <a:endParaRPr lang="en-US" altLang="ko-KR"/>
-          </a:p>
-          <a:p>
-            <a:pPr hangingPunct="1"/>
-            <a:r>
-              <a:rPr lang="en-US" altLang="ko-KR"/>
+            </a:pPr>
+            <a:r>
+              <a:t>filtered = cv2.filter2D(binary, -1, kernel) # kernel : cv2.getGaussianKernel</a:t>
+            </a:r>
+            <a:br/>
+            <a:r>
               <a:t>thr, mask = cv2.threshold(binary, -1, 1, cv2.THRESH_BINARY | cv2.THRESH_OTSU)</a:t>
             </a:r>
-            <a:br>
-              <a:rPr lang="en-US" altLang="ko-KR"/>
-            </a:br>
-            <a:r>
-              <a:rPr lang="en-US" altLang="ko-KR"/>
-              <a:t>eroded = cv2.morphologyEx(mask, cv2.MORPH_ERODE, (5,5), iteration=5)</a:t>
-            </a:r>
-            <a:endParaRPr lang="ko-KR" altLang="en-US"/>
           </a:p>
         </p:txBody>
       </p:sp>
       <p:pic>
         <p:nvPicPr>
-          <p:cNvPr id="7" name="그림 6">
-            <a:extLst>
-              <a:ext uri="{FF2B5EF4-FFF2-40B4-BE49-F238E27FC236}">
-                <a16:creationId xmlns:a16="http://schemas.microsoft.com/office/drawing/2014/main" id="{B51FA632-13BC-43C5-974C-4172BBC36790}"/>
-              </a:ext>
-            </a:extLst>
-          </p:cNvPr>
+          <p:cNvPr id="171" name="8_sharpening.png" descr="8_sharpening.png"/>
           <p:cNvPicPr>
             <a:picLocks noChangeAspect="1"/>
           </p:cNvPicPr>
@@ -6053,11 +5133,7 @@
         </p:nvPicPr>
         <p:blipFill>
           <a:blip r:embed="rId2">
-            <a:extLst>
-              <a:ext uri="{28A0092B-C50C-407E-A947-70E740481C1C}">
-                <a14:useLocalDpi xmlns:a14="http://schemas.microsoft.com/office/drawing/2010/main" val="0"/>
-              </a:ext>
-            </a:extLst>
+            <a:extLst/>
           </a:blip>
           <a:stretch>
             <a:fillRect/>
@@ -6065,30 +5141,28 @@
         </p:blipFill>
         <p:spPr>
           <a:xfrm>
-            <a:off x="4555686" y="7015279"/>
-            <a:ext cx="15272627" cy="6109050"/>
+            <a:off x="2641824" y="6934305"/>
+            <a:ext cx="19100352" cy="7640141"/>
           </a:xfrm>
           <a:prstGeom prst="rect">
             <a:avLst/>
           </a:prstGeom>
+          <a:ln w="12700">
+            <a:miter lim="400000"/>
+          </a:ln>
         </p:spPr>
       </p:pic>
     </p:spTree>
-    <p:extLst>
-      <p:ext uri="{BB962C8B-B14F-4D97-AF65-F5344CB8AC3E}">
-        <p14:creationId xmlns:p14="http://schemas.microsoft.com/office/powerpoint/2010/main" val="1530152366"/>
-      </p:ext>
-    </p:extLst>
   </p:cSld>
   <p:clrMapOvr>
     <a:masterClrMapping/>
   </p:clrMapOvr>
-  <p:transition spd="med"/>
+  <p:transition xmlns:p14="http://schemas.microsoft.com/office/powerpoint/2010/main" spd="med" advClick="1"/>
 </p:sld>
 </file>
 
 <file path=ppt/slides/slide7.xml><?xml version="1.0" encoding="utf-8"?>
-<p:sld xmlns:a="http://schemas.openxmlformats.org/drawingml/2006/main" xmlns:r="http://schemas.openxmlformats.org/officeDocument/2006/relationships" xmlns:p="http://schemas.openxmlformats.org/presentationml/2006/main">
+<p:sld xmlns:a="http://schemas.openxmlformats.org/drawingml/2006/main" xmlns:r="http://schemas.openxmlformats.org/officeDocument/2006/relationships" xmlns:p="http://schemas.openxmlformats.org/presentationml/2006/main" xmlns:m="http://schemas.openxmlformats.org/officeDocument/2006/math" xmlns:a14="http://schemas.microsoft.com/office/drawing/2010/main" showMasterSp="1" showMasterPhAnim="1">
   <p:cSld>
     <p:spTree>
       <p:nvGrpSpPr>
@@ -6106,54 +5180,211 @@
       </p:grpSpPr>
       <p:sp>
         <p:nvSpPr>
-          <p:cNvPr id="2" name="제목 1">
-            <a:extLst>
-              <a:ext uri="{FF2B5EF4-FFF2-40B4-BE49-F238E27FC236}">
-                <a16:creationId xmlns:a16="http://schemas.microsoft.com/office/drawing/2014/main" id="{B3C4B1E2-76EA-4923-8053-B43E1E2E29D1}"/>
-              </a:ext>
-            </a:extLst>
-          </p:cNvPr>
-          <p:cNvSpPr>
-            <a:spLocks noGrp="1"/>
-          </p:cNvSpPr>
+          <p:cNvPr id="173" name="제목 1"/>
+          <p:cNvSpPr txBox="1"/>
           <p:nvPr>
             <p:ph type="title"/>
           </p:nvPr>
         </p:nvSpPr>
-        <p:spPr/>
+        <p:spPr>
+          <a:prstGeom prst="rect">
+            <a:avLst/>
+          </a:prstGeom>
+        </p:spPr>
         <p:txBody>
-          <a:bodyPr>
-            <a:normAutofit fontScale="90000"/>
-          </a:bodyPr>
-          <a:lstStyle/>
-          <a:p>
-            <a:r>
-              <a:rPr lang="ko-KR" altLang="en-US"/>
-              <a:t>추가 활용 방안 </a:t>
-            </a:r>
-            <a:r>
-              <a:rPr lang="en-US" altLang="ko-KR"/>
-              <a:t>– </a:t>
-            </a:r>
-            <a:r>
-              <a:rPr lang="ko-KR" altLang="en-US"/>
-              <a:t>전처리를 통한 신경망 성능 향상</a:t>
+          <a:bodyPr/>
+          <a:lstStyle>
+            <a:lvl1pPr defTabSz="2365187">
+              <a:defRPr spc="-194" sz="8245"/>
+            </a:lvl1pPr>
+          </a:lstStyle>
+          <a:p>
+            <a:pPr/>
+            <a:r>
+              <a:t>알고리즘 적용 결과</a:t>
             </a:r>
           </a:p>
         </p:txBody>
       </p:sp>
       <p:sp>
         <p:nvSpPr>
-          <p:cNvPr id="4" name="텍스트 개체 틀 3">
-            <a:extLst>
-              <a:ext uri="{FF2B5EF4-FFF2-40B4-BE49-F238E27FC236}">
-                <a16:creationId xmlns:a16="http://schemas.microsoft.com/office/drawing/2014/main" id="{0EBDD0F8-D1A2-4412-891E-7A9CECA19392}"/>
-              </a:ext>
-            </a:extLst>
-          </p:cNvPr>
-          <p:cNvSpPr>
-            <a:spLocks noGrp="1"/>
-          </p:cNvSpPr>
+          <p:cNvPr id="174" name="데이터 개요 및 프로젝트 목표…"/>
+          <p:cNvSpPr txBox="1"/>
+          <p:nvPr/>
+        </p:nvSpPr>
+        <p:spPr>
+          <a:xfrm>
+            <a:off x="1206500" y="2729993"/>
+            <a:ext cx="21971000" cy="8256014"/>
+          </a:xfrm>
+          <a:prstGeom prst="rect">
+            <a:avLst/>
+          </a:prstGeom>
+          <a:ln w="12700">
+            <a:miter lim="400000"/>
+          </a:ln>
+          <a:extLst>
+            <a:ext uri="{C572A759-6A51-4108-AA02-DFA0A04FC94B}">
+              <ma14:wrappingTextBoxFlag xmlns:ma14="http://schemas.microsoft.com/office/mac/drawingml/2011/main" val="1"/>
+            </a:ext>
+          </a:extLst>
+        </p:spPr>
+        <p:txBody>
+          <a:bodyPr lIns="50800" tIns="50800" rIns="50800" bIns="50800">
+            <a:normAutofit fontScale="100000" lnSpcReduction="0"/>
+          </a:bodyPr>
+          <a:lstStyle/>
+          <a:p>
+            <a:pPr marL="609600" indent="-609600" algn="l">
+              <a:lnSpc>
+                <a:spcPct val="90000"/>
+              </a:lnSpc>
+              <a:spcBef>
+                <a:spcPts val="4500"/>
+              </a:spcBef>
+              <a:buSzPct val="123000"/>
+              <a:buChar char="•"/>
+              <a:defRPr sz="4800">
+                <a:solidFill>
+                  <a:srgbClr val="000000"/>
+                </a:solidFill>
+              </a:defRPr>
+            </a:pPr>
+            <a:r>
+              <a:t>데이터 </a:t>
+            </a:r>
+            <a:r>
+              <a:t>: 3/00838_4.jpg</a:t>
+            </a:r>
+            <a:br/>
+            <a:r>
+              <a:t>‘3’</a:t>
+            </a:r>
+            <a:r>
+              <a:t>으로 Labeling 된 데이터 데이터 예시</a:t>
+            </a:r>
+          </a:p>
+          <a:p>
+            <a:pPr marL="571499" indent="-571499" algn="l">
+              <a:lnSpc>
+                <a:spcPct val="90000"/>
+              </a:lnSpc>
+              <a:spcBef>
+                <a:spcPts val="4500"/>
+              </a:spcBef>
+              <a:buSzPct val="123000"/>
+              <a:buChar char="•"/>
+              <a:defRPr sz="4100">
+                <a:solidFill>
+                  <a:srgbClr val="000000"/>
+                </a:solidFill>
+              </a:defRPr>
+            </a:pPr>
+            <a:r>
+              <a:t>filtered = cv2.filter2D(img, -1, kernel) # kernel : cv2.getGaussianKernel</a:t>
+            </a:r>
+            <a:br/>
+            <a:r>
+              <a:t>bilateral = cv2.bilateralFilter(filtered, -5, 20, 20)</a:t>
+            </a:r>
+            <a:br/>
+            <a:r>
+              <a:t>thr, mask = cv2.threshold(bilateral, -1, 1, cv2.THRESH_BINARY | cv2.THRESH_OTSU)</a:t>
+            </a:r>
+          </a:p>
+        </p:txBody>
+      </p:sp>
+      <p:pic>
+        <p:nvPicPr>
+          <p:cNvPr id="175" name="3_preprocessing.png" descr="3_preprocessing.png"/>
+          <p:cNvPicPr>
+            <a:picLocks noChangeAspect="1"/>
+          </p:cNvPicPr>
+          <p:nvPr/>
+        </p:nvPicPr>
+        <p:blipFill>
+          <a:blip r:embed="rId2">
+            <a:extLst/>
+          </a:blip>
+          <a:stretch>
+            <a:fillRect/>
+          </a:stretch>
+        </p:blipFill>
+        <p:spPr>
+          <a:xfrm>
+            <a:off x="3896829" y="6894984"/>
+            <a:ext cx="16590342" cy="6636137"/>
+          </a:xfrm>
+          <a:prstGeom prst="rect">
+            <a:avLst/>
+          </a:prstGeom>
+          <a:ln w="12700">
+            <a:miter lim="400000"/>
+          </a:ln>
+        </p:spPr>
+      </p:pic>
+    </p:spTree>
+  </p:cSld>
+  <p:clrMapOvr>
+    <a:masterClrMapping/>
+  </p:clrMapOvr>
+  <p:transition xmlns:p14="http://schemas.microsoft.com/office/powerpoint/2010/main" spd="med" advClick="1"/>
+</p:sld>
+</file>
+
+<file path=ppt/slides/slide8.xml><?xml version="1.0" encoding="utf-8"?>
+<p:sld xmlns:a="http://schemas.openxmlformats.org/drawingml/2006/main" xmlns:r="http://schemas.openxmlformats.org/officeDocument/2006/relationships" xmlns:p="http://schemas.openxmlformats.org/presentationml/2006/main" xmlns:m="http://schemas.openxmlformats.org/officeDocument/2006/math" xmlns:a14="http://schemas.microsoft.com/office/drawing/2010/main" showMasterSp="1" showMasterPhAnim="1">
+  <p:cSld>
+    <p:spTree>
+      <p:nvGrpSpPr>
+        <p:cNvPr id="1" name=""/>
+        <p:cNvGrpSpPr/>
+        <p:nvPr/>
+      </p:nvGrpSpPr>
+      <p:grpSpPr>
+        <a:xfrm>
+          <a:off x="0" y="0"/>
+          <a:ext cx="0" cy="0"/>
+          <a:chOff x="0" y="0"/>
+          <a:chExt cx="0" cy="0"/>
+        </a:xfrm>
+      </p:grpSpPr>
+      <p:sp>
+        <p:nvSpPr>
+          <p:cNvPr id="177" name="제목 1"/>
+          <p:cNvSpPr txBox="1"/>
+          <p:nvPr>
+            <p:ph type="title"/>
+          </p:nvPr>
+        </p:nvSpPr>
+        <p:spPr>
+          <a:prstGeom prst="rect">
+            <a:avLst/>
+          </a:prstGeom>
+        </p:spPr>
+        <p:txBody>
+          <a:bodyPr/>
+          <a:lstStyle/>
+          <a:p>
+            <a:pPr>
+              <a:defRPr spc="-200" sz="7600"/>
+            </a:pPr>
+            <a:r>
+              <a:t>추가 활용 방안 </a:t>
+            </a:r>
+            <a:r>
+              <a:t>– </a:t>
+            </a:r>
+            <a:r>
+              <a:t>전처리를 통한 신경망 성능 향상</a:t>
+            </a:r>
+          </a:p>
+        </p:txBody>
+      </p:sp>
+      <p:sp>
+        <p:nvSpPr>
+          <p:cNvPr id="178" name="텍스트 개체 틀 3"/>
+          <p:cNvSpPr txBox="1"/>
           <p:nvPr>
             <p:ph type="body" idx="1"/>
           </p:nvPr>
@@ -6161,106 +5392,123 @@
         <p:spPr>
           <a:xfrm>
             <a:off x="1206500" y="3130062"/>
-            <a:ext cx="21971000" cy="9374454"/>
+            <a:ext cx="21971000" cy="9374455"/>
           </a:xfrm>
+          <a:prstGeom prst="rect">
+            <a:avLst/>
+          </a:prstGeom>
         </p:spPr>
         <p:txBody>
-          <a:bodyPr/>
+          <a:bodyPr lIns="50800" tIns="50800" rIns="50800" bIns="50800"/>
           <a:lstStyle/>
           <a:p>
-            <a:pPr>
-              <a:buFont typeface="Arial" panose="020B0604020202020204" pitchFamily="34" charset="0"/>
+            <a:pPr marL="609600" indent="-609600" defTabSz="2438337">
+              <a:lnSpc>
+                <a:spcPct val="90000"/>
+              </a:lnSpc>
+              <a:spcBef>
+                <a:spcPts val="4500"/>
+              </a:spcBef>
+              <a:buSzPct val="123000"/>
+              <a:buFont typeface="Arial"/>
               <a:buChar char="•"/>
+              <a:defRPr b="0" sz="4800"/>
             </a:pPr>
             <a:r>
-              <a:rPr lang="ko-KR" altLang="en-US"/>
               <a:t>이미지 또한 수치형 데이터와 마찬가지로 데이터의 노이즈 감소</a:t>
             </a:r>
             <a:r>
-              <a:rPr lang="en-US" altLang="ko-KR"/>
               <a:t>,</a:t>
             </a:r>
-            <a:br>
-              <a:rPr lang="en-US" altLang="ko-KR"/>
-            </a:br>
-            <a:r>
-              <a:rPr lang="ko-KR" altLang="en-US"/>
+            <a:br/>
+            <a:r>
               <a:t>픽셀 구성 값의 </a:t>
             </a:r>
             <a:r>
-              <a:rPr lang="en-US" altLang="ko-KR"/>
               <a:t>Normalization </a:t>
             </a:r>
             <a:r>
-              <a:rPr lang="ko-KR" altLang="en-US"/>
               <a:t>등 다양한 필터를 적용하여 전처리가 가능</a:t>
             </a:r>
-            <a:endParaRPr lang="en-US" altLang="ko-KR"/>
-          </a:p>
-          <a:p>
-            <a:pPr>
-              <a:buFont typeface="Arial" panose="020B0604020202020204" pitchFamily="34" charset="0"/>
+          </a:p>
+          <a:p>
+            <a:pPr marL="609600" indent="-609600" defTabSz="2438337">
+              <a:lnSpc>
+                <a:spcPct val="90000"/>
+              </a:lnSpc>
+              <a:spcBef>
+                <a:spcPts val="4500"/>
+              </a:spcBef>
+              <a:buSzPct val="123000"/>
+              <a:buFont typeface="Arial"/>
               <a:buChar char="•"/>
+              <a:defRPr b="0" sz="4800"/>
             </a:pPr>
             <a:r>
-              <a:rPr lang="ko-KR" altLang="en-US"/>
               <a:t>기존 </a:t>
             </a:r>
             <a:r>
-              <a:rPr lang="en-US" altLang="ko-KR"/>
               <a:t>KAMP Baseline </a:t>
             </a:r>
             <a:r>
-              <a:rPr lang="ko-KR" altLang="en-US"/>
               <a:t>모델 구조는 고정한 상태로</a:t>
             </a:r>
-            <a:br>
-              <a:rPr lang="en-US" altLang="ko-KR"/>
-            </a:br>
-            <a:r>
-              <a:rPr lang="ko-KR" altLang="en-US"/>
+            <a:br/>
+            <a:r>
               <a:t>원본 데이터 학습 결과와 전처리 데이터 학습 결과 비교를 통해</a:t>
             </a:r>
-            <a:br>
-              <a:rPr lang="en-US" altLang="ko-KR"/>
-            </a:br>
-            <a:r>
-              <a:rPr lang="ko-KR" altLang="en-US"/>
-              <a:t>전처리 효과 비교 가능 </a:t>
-            </a:r>
-            <a:endParaRPr lang="en-US" altLang="ko-KR"/>
+            <a:br/>
+            <a:r>
+              <a:t>전처리 효과 비교 가능</a:t>
+            </a:r>
+          </a:p>
+          <a:p>
+            <a:pPr marL="609600" indent="-609600" defTabSz="2438337">
+              <a:lnSpc>
+                <a:spcPct val="90000"/>
+              </a:lnSpc>
+              <a:spcBef>
+                <a:spcPts val="4500"/>
+              </a:spcBef>
+              <a:buSzPct val="123000"/>
+              <a:buFont typeface="Arial"/>
+              <a:buChar char="•"/>
+              <a:defRPr b="0" sz="4800"/>
+            </a:pPr>
+            <a:r>
+              <a:t>개별 이미지가 아닌 전체 데이터에 일반화되어 적용 가능하도록</a:t>
+            </a:r>
+            <a:br/>
+            <a:r>
+              <a:t>데이터의 특성 분석 및 분석된 특성을 고려한 전처리 필요  </a:t>
+            </a:r>
           </a:p>
         </p:txBody>
       </p:sp>
     </p:spTree>
-    <p:extLst>
-      <p:ext uri="{BB962C8B-B14F-4D97-AF65-F5344CB8AC3E}">
-        <p14:creationId xmlns:p14="http://schemas.microsoft.com/office/powerpoint/2010/main" val="4232071554"/>
-      </p:ext>
-    </p:extLst>
   </p:cSld>
   <p:clrMapOvr>
     <a:masterClrMapping/>
   </p:clrMapOvr>
-  <p:transition spd="med"/>
+  <p:transition xmlns:p14="http://schemas.microsoft.com/office/powerpoint/2010/main" spd="med" advClick="1"/>
 </p:sld>
 </file>
 
 <file path=ppt/theme/theme1.xml><?xml version="1.0" encoding="utf-8"?>
-<a:theme xmlns:a="http://schemas.openxmlformats.org/drawingml/2006/main" name="30_BasicColor">
+<a:theme xmlns:a="http://schemas.openxmlformats.org/drawingml/2006/main" xmlns:r="http://schemas.openxmlformats.org/officeDocument/2006/relationships" name="30_BasicColor">
   <a:themeElements>
     <a:clrScheme name="30_BasicColor">
       <a:dk1>
         <a:srgbClr val="5E5E5E"/>
       </a:dk1>
       <a:lt1>
-        <a:srgbClr val="003462"/>
+        <a:srgbClr val="FFFFFF"/>
       </a:lt1>
       <a:dk2>
-        <a:srgbClr val="5E5E5E"/>
+        <a:srgbClr val="A7A7A7"/>
       </a:dk2>
       <a:lt2>
-        <a:srgbClr val="D5D5D5"/>
+        <a:srgbClr val="535353"/>
       </a:lt2>
       <a:accent1>
         <a:srgbClr val="00A2FF"/>
@@ -6289,9 +5537,9 @@
     </a:clrScheme>
     <a:fontScheme name="30_BasicColor">
       <a:majorFont>
-        <a:latin typeface="Helvetica Neue"/>
-        <a:ea typeface="Helvetica Neue"/>
-        <a:cs typeface="Helvetica Neue"/>
+        <a:latin typeface="Helvetica"/>
+        <a:ea typeface="Helvetica"/>
+        <a:cs typeface="Helvetica"/>
       </a:majorFont>
       <a:minorFont>
         <a:latin typeface="Helvetica Neue"/>
@@ -6437,20 +5685,23 @@
     <a:spDef>
       <a:spPr>
         <a:solidFill>
-          <a:srgbClr val="000000"/>
+          <a:srgbClr val="003462"/>
         </a:solidFill>
-        <a:ln w="12700" cap="flat">
-          <a:noFill/>
-          <a:miter lim="400000"/>
+        <a:ln w="25400" cap="flat">
+          <a:solidFill>
+            <a:schemeClr val="accent1"/>
+          </a:solidFill>
+          <a:prstDash val="solid"/>
+          <a:round/>
         </a:ln>
         <a:effectLst/>
         <a:sp3d/>
       </a:spPr>
-      <a:bodyPr rot="0" spcFirstLastPara="1" vertOverflow="overflow" horzOverflow="overflow" vert="horz" wrap="square" lIns="50800" tIns="50800" rIns="50800" bIns="50800" numCol="1" spcCol="38100" rtlCol="0" anchor="ctr">
+      <a:bodyPr rot="0" spcFirstLastPara="1" vertOverflow="overflow" horzOverflow="overflow" vert="horz" wrap="square" lIns="50800" tIns="50800" rIns="50800" bIns="50800" numCol="1" spcCol="38100" rtlCol="0" anchor="ctr" upright="0">
         <a:spAutoFit/>
       </a:bodyPr>
       <a:lstStyle>
-        <a:defPPr marL="0" marR="0" indent="0" algn="ctr" defTabSz="825500" rtl="0" fontAlgn="auto" latinLnBrk="0" hangingPunct="0">
+        <a:defPPr marL="0" marR="0" indent="0" algn="ctr" defTabSz="2438337" rtl="0" fontAlgn="auto" latinLnBrk="0" hangingPunct="0">
           <a:lnSpc>
             <a:spcPct val="100000"/>
           </a:lnSpc>
@@ -6465,590 +5716,7 @@
           <a:buFontTx/>
           <a:buNone/>
           <a:tabLst/>
-          <a:defRPr kumimoji="0" sz="3200" b="0" i="0" u="none" strike="noStrike" cap="none" spc="0" normalizeH="0" baseline="0">
-            <a:ln>
-              <a:noFill/>
-            </a:ln>
-            <a:solidFill>
-              <a:srgbClr val="FFFFFF"/>
-            </a:solidFill>
-            <a:effectLst/>
-            <a:uFillTx/>
-            <a:latin typeface="Helvetica Neue Medium"/>
-            <a:ea typeface="Helvetica Neue Medium"/>
-            <a:cs typeface="Helvetica Neue Medium"/>
-            <a:sym typeface="Helvetica Neue Medium"/>
-          </a:defRPr>
-        </a:defPPr>
-        <a:lvl1pPr marL="0" marR="0" indent="0" algn="l" defTabSz="914400" rtl="0" fontAlgn="auto" latinLnBrk="1" hangingPunct="0">
-          <a:lnSpc>
-            <a:spcPct val="100000"/>
-          </a:lnSpc>
-          <a:spcBef>
-            <a:spcPts val="0"/>
-          </a:spcBef>
-          <a:spcAft>
-            <a:spcPts val="0"/>
-          </a:spcAft>
-          <a:buClrTx/>
-          <a:buSzTx/>
-          <a:buFontTx/>
-          <a:buNone/>
-          <a:tabLst/>
-          <a:defRPr kumimoji="0" sz="1800" b="0" i="0" u="none" strike="noStrike" cap="none" spc="0" normalizeH="0" baseline="0">
-            <a:ln>
-              <a:noFill/>
-            </a:ln>
-            <a:solidFill>
-              <a:srgbClr val="000000"/>
-            </a:solidFill>
-            <a:effectLst/>
-            <a:uFillTx/>
-          </a:defRPr>
-        </a:lvl1pPr>
-        <a:lvl2pPr marL="0" marR="0" indent="0" algn="l" defTabSz="914400" rtl="0" fontAlgn="auto" latinLnBrk="1" hangingPunct="0">
-          <a:lnSpc>
-            <a:spcPct val="100000"/>
-          </a:lnSpc>
-          <a:spcBef>
-            <a:spcPts val="0"/>
-          </a:spcBef>
-          <a:spcAft>
-            <a:spcPts val="0"/>
-          </a:spcAft>
-          <a:buClrTx/>
-          <a:buSzTx/>
-          <a:buFontTx/>
-          <a:buNone/>
-          <a:tabLst/>
-          <a:defRPr kumimoji="0" sz="1800" b="0" i="0" u="none" strike="noStrike" cap="none" spc="0" normalizeH="0" baseline="0">
-            <a:ln>
-              <a:noFill/>
-            </a:ln>
-            <a:solidFill>
-              <a:srgbClr val="000000"/>
-            </a:solidFill>
-            <a:effectLst/>
-            <a:uFillTx/>
-          </a:defRPr>
-        </a:lvl2pPr>
-        <a:lvl3pPr marL="0" marR="0" indent="0" algn="l" defTabSz="914400" rtl="0" fontAlgn="auto" latinLnBrk="1" hangingPunct="0">
-          <a:lnSpc>
-            <a:spcPct val="100000"/>
-          </a:lnSpc>
-          <a:spcBef>
-            <a:spcPts val="0"/>
-          </a:spcBef>
-          <a:spcAft>
-            <a:spcPts val="0"/>
-          </a:spcAft>
-          <a:buClrTx/>
-          <a:buSzTx/>
-          <a:buFontTx/>
-          <a:buNone/>
-          <a:tabLst/>
-          <a:defRPr kumimoji="0" sz="1800" b="0" i="0" u="none" strike="noStrike" cap="none" spc="0" normalizeH="0" baseline="0">
-            <a:ln>
-              <a:noFill/>
-            </a:ln>
-            <a:solidFill>
-              <a:srgbClr val="000000"/>
-            </a:solidFill>
-            <a:effectLst/>
-            <a:uFillTx/>
-          </a:defRPr>
-        </a:lvl3pPr>
-        <a:lvl4pPr marL="0" marR="0" indent="0" algn="l" defTabSz="914400" rtl="0" fontAlgn="auto" latinLnBrk="1" hangingPunct="0">
-          <a:lnSpc>
-            <a:spcPct val="100000"/>
-          </a:lnSpc>
-          <a:spcBef>
-            <a:spcPts val="0"/>
-          </a:spcBef>
-          <a:spcAft>
-            <a:spcPts val="0"/>
-          </a:spcAft>
-          <a:buClrTx/>
-          <a:buSzTx/>
-          <a:buFontTx/>
-          <a:buNone/>
-          <a:tabLst/>
-          <a:defRPr kumimoji="0" sz="1800" b="0" i="0" u="none" strike="noStrike" cap="none" spc="0" normalizeH="0" baseline="0">
-            <a:ln>
-              <a:noFill/>
-            </a:ln>
-            <a:solidFill>
-              <a:srgbClr val="000000"/>
-            </a:solidFill>
-            <a:effectLst/>
-            <a:uFillTx/>
-          </a:defRPr>
-        </a:lvl4pPr>
-        <a:lvl5pPr marL="0" marR="0" indent="0" algn="l" defTabSz="914400" rtl="0" fontAlgn="auto" latinLnBrk="1" hangingPunct="0">
-          <a:lnSpc>
-            <a:spcPct val="100000"/>
-          </a:lnSpc>
-          <a:spcBef>
-            <a:spcPts val="0"/>
-          </a:spcBef>
-          <a:spcAft>
-            <a:spcPts val="0"/>
-          </a:spcAft>
-          <a:buClrTx/>
-          <a:buSzTx/>
-          <a:buFontTx/>
-          <a:buNone/>
-          <a:tabLst/>
-          <a:defRPr kumimoji="0" sz="1800" b="0" i="0" u="none" strike="noStrike" cap="none" spc="0" normalizeH="0" baseline="0">
-            <a:ln>
-              <a:noFill/>
-            </a:ln>
-            <a:solidFill>
-              <a:srgbClr val="000000"/>
-            </a:solidFill>
-            <a:effectLst/>
-            <a:uFillTx/>
-          </a:defRPr>
-        </a:lvl5pPr>
-        <a:lvl6pPr marL="0" marR="0" indent="0" algn="l" defTabSz="914400" rtl="0" fontAlgn="auto" latinLnBrk="1" hangingPunct="0">
-          <a:lnSpc>
-            <a:spcPct val="100000"/>
-          </a:lnSpc>
-          <a:spcBef>
-            <a:spcPts val="0"/>
-          </a:spcBef>
-          <a:spcAft>
-            <a:spcPts val="0"/>
-          </a:spcAft>
-          <a:buClrTx/>
-          <a:buSzTx/>
-          <a:buFontTx/>
-          <a:buNone/>
-          <a:tabLst/>
-          <a:defRPr kumimoji="0" sz="1800" b="0" i="0" u="none" strike="noStrike" cap="none" spc="0" normalizeH="0" baseline="0">
-            <a:ln>
-              <a:noFill/>
-            </a:ln>
-            <a:solidFill>
-              <a:srgbClr val="000000"/>
-            </a:solidFill>
-            <a:effectLst/>
-            <a:uFillTx/>
-          </a:defRPr>
-        </a:lvl6pPr>
-        <a:lvl7pPr marL="0" marR="0" indent="0" algn="l" defTabSz="914400" rtl="0" fontAlgn="auto" latinLnBrk="1" hangingPunct="0">
-          <a:lnSpc>
-            <a:spcPct val="100000"/>
-          </a:lnSpc>
-          <a:spcBef>
-            <a:spcPts val="0"/>
-          </a:spcBef>
-          <a:spcAft>
-            <a:spcPts val="0"/>
-          </a:spcAft>
-          <a:buClrTx/>
-          <a:buSzTx/>
-          <a:buFontTx/>
-          <a:buNone/>
-          <a:tabLst/>
-          <a:defRPr kumimoji="0" sz="1800" b="0" i="0" u="none" strike="noStrike" cap="none" spc="0" normalizeH="0" baseline="0">
-            <a:ln>
-              <a:noFill/>
-            </a:ln>
-            <a:solidFill>
-              <a:srgbClr val="000000"/>
-            </a:solidFill>
-            <a:effectLst/>
-            <a:uFillTx/>
-          </a:defRPr>
-        </a:lvl7pPr>
-        <a:lvl8pPr marL="0" marR="0" indent="0" algn="l" defTabSz="914400" rtl="0" fontAlgn="auto" latinLnBrk="1" hangingPunct="0">
-          <a:lnSpc>
-            <a:spcPct val="100000"/>
-          </a:lnSpc>
-          <a:spcBef>
-            <a:spcPts val="0"/>
-          </a:spcBef>
-          <a:spcAft>
-            <a:spcPts val="0"/>
-          </a:spcAft>
-          <a:buClrTx/>
-          <a:buSzTx/>
-          <a:buFontTx/>
-          <a:buNone/>
-          <a:tabLst/>
-          <a:defRPr kumimoji="0" sz="1800" b="0" i="0" u="none" strike="noStrike" cap="none" spc="0" normalizeH="0" baseline="0">
-            <a:ln>
-              <a:noFill/>
-            </a:ln>
-            <a:solidFill>
-              <a:srgbClr val="000000"/>
-            </a:solidFill>
-            <a:effectLst/>
-            <a:uFillTx/>
-          </a:defRPr>
-        </a:lvl8pPr>
-        <a:lvl9pPr marL="0" marR="0" indent="0" algn="l" defTabSz="914400" rtl="0" fontAlgn="auto" latinLnBrk="1" hangingPunct="0">
-          <a:lnSpc>
-            <a:spcPct val="100000"/>
-          </a:lnSpc>
-          <a:spcBef>
-            <a:spcPts val="0"/>
-          </a:spcBef>
-          <a:spcAft>
-            <a:spcPts val="0"/>
-          </a:spcAft>
-          <a:buClrTx/>
-          <a:buSzTx/>
-          <a:buFontTx/>
-          <a:buNone/>
-          <a:tabLst/>
-          <a:defRPr kumimoji="0" sz="1800" b="0" i="0" u="none" strike="noStrike" cap="none" spc="0" normalizeH="0" baseline="0">
-            <a:ln>
-              <a:noFill/>
-            </a:ln>
-            <a:solidFill>
-              <a:srgbClr val="000000"/>
-            </a:solidFill>
-            <a:effectLst/>
-            <a:uFillTx/>
-          </a:defRPr>
-        </a:lvl9pPr>
-      </a:lstStyle>
-      <a:style>
-        <a:lnRef idx="0">
-          <a:scrgbClr r="0" g="0" b="0"/>
-        </a:lnRef>
-        <a:fillRef idx="0">
-          <a:scrgbClr r="0" g="0" b="0"/>
-        </a:fillRef>
-        <a:effectRef idx="0">
-          <a:scrgbClr r="0" g="0" b="0"/>
-        </a:effectRef>
-        <a:fontRef idx="none"/>
-      </a:style>
-    </a:spDef>
-    <a:lnDef>
-      <a:spPr>
-        <a:noFill/>
-        <a:ln w="25400" cap="flat">
-          <a:solidFill>
-            <a:srgbClr val="000000"/>
-          </a:solidFill>
-          <a:prstDash val="solid"/>
-          <a:miter lim="400000"/>
-        </a:ln>
-        <a:effectLst/>
-        <a:sp3d/>
-      </a:spPr>
-      <a:bodyPr rot="0" spcFirstLastPara="1" vertOverflow="overflow" horzOverflow="overflow" vert="horz" wrap="square" lIns="91439" tIns="45719" rIns="91439" bIns="45719" numCol="1" spcCol="38100" rtlCol="0" anchor="t">
-        <a:noAutofit/>
-      </a:bodyPr>
-      <a:lstStyle>
-        <a:defPPr marL="0" marR="0" indent="0" algn="l" defTabSz="914400" rtl="0" fontAlgn="auto" latinLnBrk="1" hangingPunct="0">
-          <a:lnSpc>
-            <a:spcPct val="100000"/>
-          </a:lnSpc>
-          <a:spcBef>
-            <a:spcPts val="0"/>
-          </a:spcBef>
-          <a:spcAft>
-            <a:spcPts val="0"/>
-          </a:spcAft>
-          <a:buClrTx/>
-          <a:buSzTx/>
-          <a:buFontTx/>
-          <a:buNone/>
-          <a:tabLst/>
-          <a:defRPr kumimoji="0" sz="1800" b="0" i="0" u="none" strike="noStrike" cap="none" spc="0" normalizeH="0" baseline="0">
-            <a:ln>
-              <a:noFill/>
-            </a:ln>
-            <a:solidFill>
-              <a:srgbClr val="000000"/>
-            </a:solidFill>
-            <a:effectLst/>
-            <a:uFillTx/>
-          </a:defRPr>
-        </a:defPPr>
-        <a:lvl1pPr marL="0" marR="0" indent="0" algn="l" defTabSz="914400" rtl="0" fontAlgn="auto" latinLnBrk="1" hangingPunct="0">
-          <a:lnSpc>
-            <a:spcPct val="100000"/>
-          </a:lnSpc>
-          <a:spcBef>
-            <a:spcPts val="0"/>
-          </a:spcBef>
-          <a:spcAft>
-            <a:spcPts val="0"/>
-          </a:spcAft>
-          <a:buClrTx/>
-          <a:buSzTx/>
-          <a:buFontTx/>
-          <a:buNone/>
-          <a:tabLst/>
-          <a:defRPr kumimoji="0" sz="1800" b="0" i="0" u="none" strike="noStrike" cap="none" spc="0" normalizeH="0" baseline="0">
-            <a:ln>
-              <a:noFill/>
-            </a:ln>
-            <a:solidFill>
-              <a:srgbClr val="000000"/>
-            </a:solidFill>
-            <a:effectLst/>
-            <a:uFillTx/>
-          </a:defRPr>
-        </a:lvl1pPr>
-        <a:lvl2pPr marL="0" marR="0" indent="0" algn="l" defTabSz="914400" rtl="0" fontAlgn="auto" latinLnBrk="1" hangingPunct="0">
-          <a:lnSpc>
-            <a:spcPct val="100000"/>
-          </a:lnSpc>
-          <a:spcBef>
-            <a:spcPts val="0"/>
-          </a:spcBef>
-          <a:spcAft>
-            <a:spcPts val="0"/>
-          </a:spcAft>
-          <a:buClrTx/>
-          <a:buSzTx/>
-          <a:buFontTx/>
-          <a:buNone/>
-          <a:tabLst/>
-          <a:defRPr kumimoji="0" sz="1800" b="0" i="0" u="none" strike="noStrike" cap="none" spc="0" normalizeH="0" baseline="0">
-            <a:ln>
-              <a:noFill/>
-            </a:ln>
-            <a:solidFill>
-              <a:srgbClr val="000000"/>
-            </a:solidFill>
-            <a:effectLst/>
-            <a:uFillTx/>
-          </a:defRPr>
-        </a:lvl2pPr>
-        <a:lvl3pPr marL="0" marR="0" indent="0" algn="l" defTabSz="914400" rtl="0" fontAlgn="auto" latinLnBrk="1" hangingPunct="0">
-          <a:lnSpc>
-            <a:spcPct val="100000"/>
-          </a:lnSpc>
-          <a:spcBef>
-            <a:spcPts val="0"/>
-          </a:spcBef>
-          <a:spcAft>
-            <a:spcPts val="0"/>
-          </a:spcAft>
-          <a:buClrTx/>
-          <a:buSzTx/>
-          <a:buFontTx/>
-          <a:buNone/>
-          <a:tabLst/>
-          <a:defRPr kumimoji="0" sz="1800" b="0" i="0" u="none" strike="noStrike" cap="none" spc="0" normalizeH="0" baseline="0">
-            <a:ln>
-              <a:noFill/>
-            </a:ln>
-            <a:solidFill>
-              <a:srgbClr val="000000"/>
-            </a:solidFill>
-            <a:effectLst/>
-            <a:uFillTx/>
-          </a:defRPr>
-        </a:lvl3pPr>
-        <a:lvl4pPr marL="0" marR="0" indent="0" algn="l" defTabSz="914400" rtl="0" fontAlgn="auto" latinLnBrk="1" hangingPunct="0">
-          <a:lnSpc>
-            <a:spcPct val="100000"/>
-          </a:lnSpc>
-          <a:spcBef>
-            <a:spcPts val="0"/>
-          </a:spcBef>
-          <a:spcAft>
-            <a:spcPts val="0"/>
-          </a:spcAft>
-          <a:buClrTx/>
-          <a:buSzTx/>
-          <a:buFontTx/>
-          <a:buNone/>
-          <a:tabLst/>
-          <a:defRPr kumimoji="0" sz="1800" b="0" i="0" u="none" strike="noStrike" cap="none" spc="0" normalizeH="0" baseline="0">
-            <a:ln>
-              <a:noFill/>
-            </a:ln>
-            <a:solidFill>
-              <a:srgbClr val="000000"/>
-            </a:solidFill>
-            <a:effectLst/>
-            <a:uFillTx/>
-          </a:defRPr>
-        </a:lvl4pPr>
-        <a:lvl5pPr marL="0" marR="0" indent="0" algn="l" defTabSz="914400" rtl="0" fontAlgn="auto" latinLnBrk="1" hangingPunct="0">
-          <a:lnSpc>
-            <a:spcPct val="100000"/>
-          </a:lnSpc>
-          <a:spcBef>
-            <a:spcPts val="0"/>
-          </a:spcBef>
-          <a:spcAft>
-            <a:spcPts val="0"/>
-          </a:spcAft>
-          <a:buClrTx/>
-          <a:buSzTx/>
-          <a:buFontTx/>
-          <a:buNone/>
-          <a:tabLst/>
-          <a:defRPr kumimoji="0" sz="1800" b="0" i="0" u="none" strike="noStrike" cap="none" spc="0" normalizeH="0" baseline="0">
-            <a:ln>
-              <a:noFill/>
-            </a:ln>
-            <a:solidFill>
-              <a:srgbClr val="000000"/>
-            </a:solidFill>
-            <a:effectLst/>
-            <a:uFillTx/>
-          </a:defRPr>
-        </a:lvl5pPr>
-        <a:lvl6pPr marL="0" marR="0" indent="0" algn="l" defTabSz="914400" rtl="0" fontAlgn="auto" latinLnBrk="1" hangingPunct="0">
-          <a:lnSpc>
-            <a:spcPct val="100000"/>
-          </a:lnSpc>
-          <a:spcBef>
-            <a:spcPts val="0"/>
-          </a:spcBef>
-          <a:spcAft>
-            <a:spcPts val="0"/>
-          </a:spcAft>
-          <a:buClrTx/>
-          <a:buSzTx/>
-          <a:buFontTx/>
-          <a:buNone/>
-          <a:tabLst/>
-          <a:defRPr kumimoji="0" sz="1800" b="0" i="0" u="none" strike="noStrike" cap="none" spc="0" normalizeH="0" baseline="0">
-            <a:ln>
-              <a:noFill/>
-            </a:ln>
-            <a:solidFill>
-              <a:srgbClr val="000000"/>
-            </a:solidFill>
-            <a:effectLst/>
-            <a:uFillTx/>
-          </a:defRPr>
-        </a:lvl6pPr>
-        <a:lvl7pPr marL="0" marR="0" indent="0" algn="l" defTabSz="914400" rtl="0" fontAlgn="auto" latinLnBrk="1" hangingPunct="0">
-          <a:lnSpc>
-            <a:spcPct val="100000"/>
-          </a:lnSpc>
-          <a:spcBef>
-            <a:spcPts val="0"/>
-          </a:spcBef>
-          <a:spcAft>
-            <a:spcPts val="0"/>
-          </a:spcAft>
-          <a:buClrTx/>
-          <a:buSzTx/>
-          <a:buFontTx/>
-          <a:buNone/>
-          <a:tabLst/>
-          <a:defRPr kumimoji="0" sz="1800" b="0" i="0" u="none" strike="noStrike" cap="none" spc="0" normalizeH="0" baseline="0">
-            <a:ln>
-              <a:noFill/>
-            </a:ln>
-            <a:solidFill>
-              <a:srgbClr val="000000"/>
-            </a:solidFill>
-            <a:effectLst/>
-            <a:uFillTx/>
-          </a:defRPr>
-        </a:lvl7pPr>
-        <a:lvl8pPr marL="0" marR="0" indent="0" algn="l" defTabSz="914400" rtl="0" fontAlgn="auto" latinLnBrk="1" hangingPunct="0">
-          <a:lnSpc>
-            <a:spcPct val="100000"/>
-          </a:lnSpc>
-          <a:spcBef>
-            <a:spcPts val="0"/>
-          </a:spcBef>
-          <a:spcAft>
-            <a:spcPts val="0"/>
-          </a:spcAft>
-          <a:buClrTx/>
-          <a:buSzTx/>
-          <a:buFontTx/>
-          <a:buNone/>
-          <a:tabLst/>
-          <a:defRPr kumimoji="0" sz="1800" b="0" i="0" u="none" strike="noStrike" cap="none" spc="0" normalizeH="0" baseline="0">
-            <a:ln>
-              <a:noFill/>
-            </a:ln>
-            <a:solidFill>
-              <a:srgbClr val="000000"/>
-            </a:solidFill>
-            <a:effectLst/>
-            <a:uFillTx/>
-          </a:defRPr>
-        </a:lvl8pPr>
-        <a:lvl9pPr marL="0" marR="0" indent="0" algn="l" defTabSz="914400" rtl="0" fontAlgn="auto" latinLnBrk="1" hangingPunct="0">
-          <a:lnSpc>
-            <a:spcPct val="100000"/>
-          </a:lnSpc>
-          <a:spcBef>
-            <a:spcPts val="0"/>
-          </a:spcBef>
-          <a:spcAft>
-            <a:spcPts val="0"/>
-          </a:spcAft>
-          <a:buClrTx/>
-          <a:buSzTx/>
-          <a:buFontTx/>
-          <a:buNone/>
-          <a:tabLst/>
-          <a:defRPr kumimoji="0" sz="1800" b="0" i="0" u="none" strike="noStrike" cap="none" spc="0" normalizeH="0" baseline="0">
-            <a:ln>
-              <a:noFill/>
-            </a:ln>
-            <a:solidFill>
-              <a:srgbClr val="000000"/>
-            </a:solidFill>
-            <a:effectLst/>
-            <a:uFillTx/>
-          </a:defRPr>
-        </a:lvl9pPr>
-      </a:lstStyle>
-      <a:style>
-        <a:lnRef idx="0">
-          <a:scrgbClr r="0" g="0" b="0"/>
-        </a:lnRef>
-        <a:fillRef idx="0">
-          <a:scrgbClr r="0" g="0" b="0"/>
-        </a:fillRef>
-        <a:effectRef idx="0">
-          <a:scrgbClr r="0" g="0" b="0"/>
-        </a:effectRef>
-        <a:fontRef idx="none"/>
-      </a:style>
-    </a:lnDef>
-    <a:txDef>
-      <a:spPr>
-        <a:noFill/>
-        <a:ln w="12700" cap="flat">
-          <a:noFill/>
-          <a:miter lim="400000"/>
-        </a:ln>
-        <a:effectLst/>
-        <a:sp3d/>
-      </a:spPr>
-      <a:bodyPr rot="0" spcFirstLastPara="1" vertOverflow="overflow" horzOverflow="overflow" vert="horz" wrap="square" lIns="50800" tIns="50800" rIns="50800" bIns="50800" numCol="1" spcCol="38100" rtlCol="0" anchor="ctr">
-        <a:spAutoFit/>
-      </a:bodyPr>
-      <a:lstStyle>
-        <a:defPPr marL="0" marR="0" indent="0" algn="ctr" defTabSz="2438338" rtl="0" fontAlgn="auto" latinLnBrk="0" hangingPunct="0">
-          <a:lnSpc>
-            <a:spcPct val="100000"/>
-          </a:lnSpc>
-          <a:spcBef>
-            <a:spcPts val="0"/>
-          </a:spcBef>
-          <a:spcAft>
-            <a:spcPts val="0"/>
-          </a:spcAft>
-          <a:buClrTx/>
-          <a:buSzTx/>
-          <a:buFontTx/>
-          <a:buNone/>
-          <a:tabLst/>
-          <a:defRPr kumimoji="0" sz="2400" b="0" i="0" u="none" strike="noStrike" cap="none" spc="0" normalizeH="0" baseline="0">
+          <a:defRPr b="0" baseline="0" cap="none" i="0" spc="0" strike="noStrike" sz="2400" u="none" kumimoji="0" normalizeH="0">
             <a:ln>
               <a:noFill/>
             </a:ln>
@@ -7078,7 +5746,7 @@
           <a:buFontTx/>
           <a:buNone/>
           <a:tabLst/>
-          <a:defRPr kumimoji="0" sz="1800" b="0" i="0" u="none" strike="noStrike" cap="none" spc="0" normalizeH="0" baseline="0">
+          <a:defRPr b="0" baseline="0" cap="none" i="0" spc="0" strike="noStrike" sz="1800" u="none" kumimoji="0" normalizeH="0">
             <a:ln>
               <a:noFill/>
             </a:ln>
@@ -7104,7 +5772,7 @@
           <a:buFontTx/>
           <a:buNone/>
           <a:tabLst/>
-          <a:defRPr kumimoji="0" sz="1800" b="0" i="0" u="none" strike="noStrike" cap="none" spc="0" normalizeH="0" baseline="0">
+          <a:defRPr b="0" baseline="0" cap="none" i="0" spc="0" strike="noStrike" sz="1800" u="none" kumimoji="0" normalizeH="0">
             <a:ln>
               <a:noFill/>
             </a:ln>
@@ -7130,7 +5798,7 @@
           <a:buFontTx/>
           <a:buNone/>
           <a:tabLst/>
-          <a:defRPr kumimoji="0" sz="1800" b="0" i="0" u="none" strike="noStrike" cap="none" spc="0" normalizeH="0" baseline="0">
+          <a:defRPr b="0" baseline="0" cap="none" i="0" spc="0" strike="noStrike" sz="1800" u="none" kumimoji="0" normalizeH="0">
             <a:ln>
               <a:noFill/>
             </a:ln>
@@ -7156,7 +5824,7 @@
           <a:buFontTx/>
           <a:buNone/>
           <a:tabLst/>
-          <a:defRPr kumimoji="0" sz="1800" b="0" i="0" u="none" strike="noStrike" cap="none" spc="0" normalizeH="0" baseline="0">
+          <a:defRPr b="0" baseline="0" cap="none" i="0" spc="0" strike="noStrike" sz="1800" u="none" kumimoji="0" normalizeH="0">
             <a:ln>
               <a:noFill/>
             </a:ln>
@@ -7182,7 +5850,7 @@
           <a:buFontTx/>
           <a:buNone/>
           <a:tabLst/>
-          <a:defRPr kumimoji="0" sz="1800" b="0" i="0" u="none" strike="noStrike" cap="none" spc="0" normalizeH="0" baseline="0">
+          <a:defRPr b="0" baseline="0" cap="none" i="0" spc="0" strike="noStrike" sz="1800" u="none" kumimoji="0" normalizeH="0">
             <a:ln>
               <a:noFill/>
             </a:ln>
@@ -7208,7 +5876,7 @@
           <a:buFontTx/>
           <a:buNone/>
           <a:tabLst/>
-          <a:defRPr kumimoji="0" sz="1800" b="0" i="0" u="none" strike="noStrike" cap="none" spc="0" normalizeH="0" baseline="0">
+          <a:defRPr b="0" baseline="0" cap="none" i="0" spc="0" strike="noStrike" sz="1800" u="none" kumimoji="0" normalizeH="0">
             <a:ln>
               <a:noFill/>
             </a:ln>
@@ -7234,7 +5902,7 @@
           <a:buFontTx/>
           <a:buNone/>
           <a:tabLst/>
-          <a:defRPr kumimoji="0" sz="1800" b="0" i="0" u="none" strike="noStrike" cap="none" spc="0" normalizeH="0" baseline="0">
+          <a:defRPr b="0" baseline="0" cap="none" i="0" spc="0" strike="noStrike" sz="1800" u="none" kumimoji="0" normalizeH="0">
             <a:ln>
               <a:noFill/>
             </a:ln>
@@ -7260,7 +5928,7 @@
           <a:buFontTx/>
           <a:buNone/>
           <a:tabLst/>
-          <a:defRPr kumimoji="0" sz="1800" b="0" i="0" u="none" strike="noStrike" cap="none" spc="0" normalizeH="0" baseline="0">
+          <a:defRPr b="0" baseline="0" cap="none" i="0" spc="0" strike="noStrike" sz="1800" u="none" kumimoji="0" normalizeH="0">
             <a:ln>
               <a:noFill/>
             </a:ln>
@@ -7286,7 +5954,7 @@
           <a:buFontTx/>
           <a:buNone/>
           <a:tabLst/>
-          <a:defRPr kumimoji="0" sz="1800" b="0" i="0" u="none" strike="noStrike" cap="none" spc="0" normalizeH="0" baseline="0">
+          <a:defRPr b="0" baseline="0" cap="none" i="0" spc="0" strike="noStrike" sz="1800" u="none" kumimoji="0" normalizeH="0">
             <a:ln>
               <a:noFill/>
             </a:ln>
@@ -7299,25 +5967,589 @@
         </a:lvl9pPr>
       </a:lstStyle>
       <a:style>
-        <a:lnRef idx="0">
-          <a:scrgbClr r="0" g="0" b="0"/>
-        </a:lnRef>
-        <a:fillRef idx="0">
-          <a:scrgbClr r="0" g="0" b="0"/>
-        </a:fillRef>
-        <a:effectRef idx="0">
-          <a:scrgbClr r="0" g="0" b="0"/>
-        </a:effectRef>
+        <a:lnRef idx="0"/>
+        <a:fillRef idx="0"/>
+        <a:effectRef idx="0"/>
+        <a:fontRef idx="none"/>
+      </a:style>
+    </a:spDef>
+    <a:lnDef>
+      <a:spPr>
+        <a:noFill/>
+        <a:ln w="25400" cap="flat">
+          <a:solidFill>
+            <a:schemeClr val="accent1"/>
+          </a:solidFill>
+          <a:prstDash val="solid"/>
+          <a:round/>
+        </a:ln>
+        <a:effectLst/>
+        <a:sp3d/>
+      </a:spPr>
+      <a:bodyPr rot="0" spcFirstLastPara="1" vertOverflow="overflow" horzOverflow="overflow" vert="horz" wrap="square" lIns="91439" tIns="45719" rIns="91439" bIns="45719" numCol="1" spcCol="38100" rtlCol="0" anchor="t" upright="0">
+        <a:noAutofit/>
+      </a:bodyPr>
+      <a:lstStyle>
+        <a:defPPr marL="0" marR="0" indent="0" algn="l" defTabSz="914400" rtl="0" fontAlgn="auto" latinLnBrk="1" hangingPunct="0">
+          <a:lnSpc>
+            <a:spcPct val="100000"/>
+          </a:lnSpc>
+          <a:spcBef>
+            <a:spcPts val="0"/>
+          </a:spcBef>
+          <a:spcAft>
+            <a:spcPts val="0"/>
+          </a:spcAft>
+          <a:buClrTx/>
+          <a:buSzTx/>
+          <a:buFontTx/>
+          <a:buNone/>
+          <a:tabLst/>
+          <a:defRPr b="0" baseline="0" cap="none" i="0" spc="0" strike="noStrike" sz="1800" u="none" kumimoji="0" normalizeH="0">
+            <a:ln>
+              <a:noFill/>
+            </a:ln>
+            <a:solidFill>
+              <a:srgbClr val="000000"/>
+            </a:solidFill>
+            <a:effectLst/>
+            <a:uFillTx/>
+          </a:defRPr>
+        </a:defPPr>
+        <a:lvl1pPr marL="0" marR="0" indent="0" algn="l" defTabSz="914400" rtl="0" fontAlgn="auto" latinLnBrk="1" hangingPunct="0">
+          <a:lnSpc>
+            <a:spcPct val="100000"/>
+          </a:lnSpc>
+          <a:spcBef>
+            <a:spcPts val="0"/>
+          </a:spcBef>
+          <a:spcAft>
+            <a:spcPts val="0"/>
+          </a:spcAft>
+          <a:buClrTx/>
+          <a:buSzTx/>
+          <a:buFontTx/>
+          <a:buNone/>
+          <a:tabLst/>
+          <a:defRPr b="0" baseline="0" cap="none" i="0" spc="0" strike="noStrike" sz="1800" u="none" kumimoji="0" normalizeH="0">
+            <a:ln>
+              <a:noFill/>
+            </a:ln>
+            <a:solidFill>
+              <a:srgbClr val="000000"/>
+            </a:solidFill>
+            <a:effectLst/>
+            <a:uFillTx/>
+          </a:defRPr>
+        </a:lvl1pPr>
+        <a:lvl2pPr marL="0" marR="0" indent="0" algn="l" defTabSz="914400" rtl="0" fontAlgn="auto" latinLnBrk="1" hangingPunct="0">
+          <a:lnSpc>
+            <a:spcPct val="100000"/>
+          </a:lnSpc>
+          <a:spcBef>
+            <a:spcPts val="0"/>
+          </a:spcBef>
+          <a:spcAft>
+            <a:spcPts val="0"/>
+          </a:spcAft>
+          <a:buClrTx/>
+          <a:buSzTx/>
+          <a:buFontTx/>
+          <a:buNone/>
+          <a:tabLst/>
+          <a:defRPr b="0" baseline="0" cap="none" i="0" spc="0" strike="noStrike" sz="1800" u="none" kumimoji="0" normalizeH="0">
+            <a:ln>
+              <a:noFill/>
+            </a:ln>
+            <a:solidFill>
+              <a:srgbClr val="000000"/>
+            </a:solidFill>
+            <a:effectLst/>
+            <a:uFillTx/>
+          </a:defRPr>
+        </a:lvl2pPr>
+        <a:lvl3pPr marL="0" marR="0" indent="0" algn="l" defTabSz="914400" rtl="0" fontAlgn="auto" latinLnBrk="1" hangingPunct="0">
+          <a:lnSpc>
+            <a:spcPct val="100000"/>
+          </a:lnSpc>
+          <a:spcBef>
+            <a:spcPts val="0"/>
+          </a:spcBef>
+          <a:spcAft>
+            <a:spcPts val="0"/>
+          </a:spcAft>
+          <a:buClrTx/>
+          <a:buSzTx/>
+          <a:buFontTx/>
+          <a:buNone/>
+          <a:tabLst/>
+          <a:defRPr b="0" baseline="0" cap="none" i="0" spc="0" strike="noStrike" sz="1800" u="none" kumimoji="0" normalizeH="0">
+            <a:ln>
+              <a:noFill/>
+            </a:ln>
+            <a:solidFill>
+              <a:srgbClr val="000000"/>
+            </a:solidFill>
+            <a:effectLst/>
+            <a:uFillTx/>
+          </a:defRPr>
+        </a:lvl3pPr>
+        <a:lvl4pPr marL="0" marR="0" indent="0" algn="l" defTabSz="914400" rtl="0" fontAlgn="auto" latinLnBrk="1" hangingPunct="0">
+          <a:lnSpc>
+            <a:spcPct val="100000"/>
+          </a:lnSpc>
+          <a:spcBef>
+            <a:spcPts val="0"/>
+          </a:spcBef>
+          <a:spcAft>
+            <a:spcPts val="0"/>
+          </a:spcAft>
+          <a:buClrTx/>
+          <a:buSzTx/>
+          <a:buFontTx/>
+          <a:buNone/>
+          <a:tabLst/>
+          <a:defRPr b="0" baseline="0" cap="none" i="0" spc="0" strike="noStrike" sz="1800" u="none" kumimoji="0" normalizeH="0">
+            <a:ln>
+              <a:noFill/>
+            </a:ln>
+            <a:solidFill>
+              <a:srgbClr val="000000"/>
+            </a:solidFill>
+            <a:effectLst/>
+            <a:uFillTx/>
+          </a:defRPr>
+        </a:lvl4pPr>
+        <a:lvl5pPr marL="0" marR="0" indent="0" algn="l" defTabSz="914400" rtl="0" fontAlgn="auto" latinLnBrk="1" hangingPunct="0">
+          <a:lnSpc>
+            <a:spcPct val="100000"/>
+          </a:lnSpc>
+          <a:spcBef>
+            <a:spcPts val="0"/>
+          </a:spcBef>
+          <a:spcAft>
+            <a:spcPts val="0"/>
+          </a:spcAft>
+          <a:buClrTx/>
+          <a:buSzTx/>
+          <a:buFontTx/>
+          <a:buNone/>
+          <a:tabLst/>
+          <a:defRPr b="0" baseline="0" cap="none" i="0" spc="0" strike="noStrike" sz="1800" u="none" kumimoji="0" normalizeH="0">
+            <a:ln>
+              <a:noFill/>
+            </a:ln>
+            <a:solidFill>
+              <a:srgbClr val="000000"/>
+            </a:solidFill>
+            <a:effectLst/>
+            <a:uFillTx/>
+          </a:defRPr>
+        </a:lvl5pPr>
+        <a:lvl6pPr marL="0" marR="0" indent="0" algn="l" defTabSz="914400" rtl="0" fontAlgn="auto" latinLnBrk="1" hangingPunct="0">
+          <a:lnSpc>
+            <a:spcPct val="100000"/>
+          </a:lnSpc>
+          <a:spcBef>
+            <a:spcPts val="0"/>
+          </a:spcBef>
+          <a:spcAft>
+            <a:spcPts val="0"/>
+          </a:spcAft>
+          <a:buClrTx/>
+          <a:buSzTx/>
+          <a:buFontTx/>
+          <a:buNone/>
+          <a:tabLst/>
+          <a:defRPr b="0" baseline="0" cap="none" i="0" spc="0" strike="noStrike" sz="1800" u="none" kumimoji="0" normalizeH="0">
+            <a:ln>
+              <a:noFill/>
+            </a:ln>
+            <a:solidFill>
+              <a:srgbClr val="000000"/>
+            </a:solidFill>
+            <a:effectLst/>
+            <a:uFillTx/>
+          </a:defRPr>
+        </a:lvl6pPr>
+        <a:lvl7pPr marL="0" marR="0" indent="0" algn="l" defTabSz="914400" rtl="0" fontAlgn="auto" latinLnBrk="1" hangingPunct="0">
+          <a:lnSpc>
+            <a:spcPct val="100000"/>
+          </a:lnSpc>
+          <a:spcBef>
+            <a:spcPts val="0"/>
+          </a:spcBef>
+          <a:spcAft>
+            <a:spcPts val="0"/>
+          </a:spcAft>
+          <a:buClrTx/>
+          <a:buSzTx/>
+          <a:buFontTx/>
+          <a:buNone/>
+          <a:tabLst/>
+          <a:defRPr b="0" baseline="0" cap="none" i="0" spc="0" strike="noStrike" sz="1800" u="none" kumimoji="0" normalizeH="0">
+            <a:ln>
+              <a:noFill/>
+            </a:ln>
+            <a:solidFill>
+              <a:srgbClr val="000000"/>
+            </a:solidFill>
+            <a:effectLst/>
+            <a:uFillTx/>
+          </a:defRPr>
+        </a:lvl7pPr>
+        <a:lvl8pPr marL="0" marR="0" indent="0" algn="l" defTabSz="914400" rtl="0" fontAlgn="auto" latinLnBrk="1" hangingPunct="0">
+          <a:lnSpc>
+            <a:spcPct val="100000"/>
+          </a:lnSpc>
+          <a:spcBef>
+            <a:spcPts val="0"/>
+          </a:spcBef>
+          <a:spcAft>
+            <a:spcPts val="0"/>
+          </a:spcAft>
+          <a:buClrTx/>
+          <a:buSzTx/>
+          <a:buFontTx/>
+          <a:buNone/>
+          <a:tabLst/>
+          <a:defRPr b="0" baseline="0" cap="none" i="0" spc="0" strike="noStrike" sz="1800" u="none" kumimoji="0" normalizeH="0">
+            <a:ln>
+              <a:noFill/>
+            </a:ln>
+            <a:solidFill>
+              <a:srgbClr val="000000"/>
+            </a:solidFill>
+            <a:effectLst/>
+            <a:uFillTx/>
+          </a:defRPr>
+        </a:lvl8pPr>
+        <a:lvl9pPr marL="0" marR="0" indent="0" algn="l" defTabSz="914400" rtl="0" fontAlgn="auto" latinLnBrk="1" hangingPunct="0">
+          <a:lnSpc>
+            <a:spcPct val="100000"/>
+          </a:lnSpc>
+          <a:spcBef>
+            <a:spcPts val="0"/>
+          </a:spcBef>
+          <a:spcAft>
+            <a:spcPts val="0"/>
+          </a:spcAft>
+          <a:buClrTx/>
+          <a:buSzTx/>
+          <a:buFontTx/>
+          <a:buNone/>
+          <a:tabLst/>
+          <a:defRPr b="0" baseline="0" cap="none" i="0" spc="0" strike="noStrike" sz="1800" u="none" kumimoji="0" normalizeH="0">
+            <a:ln>
+              <a:noFill/>
+            </a:ln>
+            <a:solidFill>
+              <a:srgbClr val="000000"/>
+            </a:solidFill>
+            <a:effectLst/>
+            <a:uFillTx/>
+          </a:defRPr>
+        </a:lvl9pPr>
+      </a:lstStyle>
+      <a:style>
+        <a:lnRef idx="0"/>
+        <a:fillRef idx="0"/>
+        <a:effectRef idx="0"/>
+        <a:fontRef idx="none"/>
+      </a:style>
+    </a:lnDef>
+    <a:txDef>
+      <a:spPr>
+        <a:noFill/>
+        <a:ln w="12700" cap="flat">
+          <a:noFill/>
+          <a:miter lim="400000"/>
+        </a:ln>
+        <a:effectLst/>
+        <a:sp3d/>
+      </a:spPr>
+      <a:bodyPr rot="0" spcFirstLastPara="1" vertOverflow="overflow" horzOverflow="overflow" vert="horz" wrap="square" lIns="50800" tIns="50800" rIns="50800" bIns="50800" numCol="1" spcCol="38100" rtlCol="0" anchor="ctr" upright="0">
+        <a:spAutoFit/>
+      </a:bodyPr>
+      <a:lstStyle>
+        <a:defPPr marL="0" marR="0" indent="0" algn="ctr" defTabSz="2438337" rtl="0" fontAlgn="auto" latinLnBrk="0" hangingPunct="0">
+          <a:lnSpc>
+            <a:spcPct val="100000"/>
+          </a:lnSpc>
+          <a:spcBef>
+            <a:spcPts val="0"/>
+          </a:spcBef>
+          <a:spcAft>
+            <a:spcPts val="0"/>
+          </a:spcAft>
+          <a:buClrTx/>
+          <a:buSzTx/>
+          <a:buFontTx/>
+          <a:buNone/>
+          <a:tabLst/>
+          <a:defRPr b="0" baseline="0" cap="none" i="0" spc="0" strike="noStrike" sz="2400" u="none" kumimoji="0" normalizeH="0">
+            <a:ln>
+              <a:noFill/>
+            </a:ln>
+            <a:solidFill>
+              <a:srgbClr val="5E5E5E"/>
+            </a:solidFill>
+            <a:effectLst/>
+            <a:uFillTx/>
+            <a:latin typeface="+mn-lt"/>
+            <a:ea typeface="+mn-ea"/>
+            <a:cs typeface="+mn-cs"/>
+            <a:sym typeface="Helvetica Neue"/>
+          </a:defRPr>
+        </a:defPPr>
+        <a:lvl1pPr marL="0" marR="0" indent="0" algn="l" defTabSz="914400" rtl="0" fontAlgn="auto" latinLnBrk="1" hangingPunct="0">
+          <a:lnSpc>
+            <a:spcPct val="100000"/>
+          </a:lnSpc>
+          <a:spcBef>
+            <a:spcPts val="0"/>
+          </a:spcBef>
+          <a:spcAft>
+            <a:spcPts val="0"/>
+          </a:spcAft>
+          <a:buClrTx/>
+          <a:buSzTx/>
+          <a:buFontTx/>
+          <a:buNone/>
+          <a:tabLst/>
+          <a:defRPr b="0" baseline="0" cap="none" i="0" spc="0" strike="noStrike" sz="1800" u="none" kumimoji="0" normalizeH="0">
+            <a:ln>
+              <a:noFill/>
+            </a:ln>
+            <a:solidFill>
+              <a:srgbClr val="000000"/>
+            </a:solidFill>
+            <a:effectLst/>
+            <a:uFillTx/>
+          </a:defRPr>
+        </a:lvl1pPr>
+        <a:lvl2pPr marL="0" marR="0" indent="0" algn="l" defTabSz="914400" rtl="0" fontAlgn="auto" latinLnBrk="1" hangingPunct="0">
+          <a:lnSpc>
+            <a:spcPct val="100000"/>
+          </a:lnSpc>
+          <a:spcBef>
+            <a:spcPts val="0"/>
+          </a:spcBef>
+          <a:spcAft>
+            <a:spcPts val="0"/>
+          </a:spcAft>
+          <a:buClrTx/>
+          <a:buSzTx/>
+          <a:buFontTx/>
+          <a:buNone/>
+          <a:tabLst/>
+          <a:defRPr b="0" baseline="0" cap="none" i="0" spc="0" strike="noStrike" sz="1800" u="none" kumimoji="0" normalizeH="0">
+            <a:ln>
+              <a:noFill/>
+            </a:ln>
+            <a:solidFill>
+              <a:srgbClr val="000000"/>
+            </a:solidFill>
+            <a:effectLst/>
+            <a:uFillTx/>
+          </a:defRPr>
+        </a:lvl2pPr>
+        <a:lvl3pPr marL="0" marR="0" indent="0" algn="l" defTabSz="914400" rtl="0" fontAlgn="auto" latinLnBrk="1" hangingPunct="0">
+          <a:lnSpc>
+            <a:spcPct val="100000"/>
+          </a:lnSpc>
+          <a:spcBef>
+            <a:spcPts val="0"/>
+          </a:spcBef>
+          <a:spcAft>
+            <a:spcPts val="0"/>
+          </a:spcAft>
+          <a:buClrTx/>
+          <a:buSzTx/>
+          <a:buFontTx/>
+          <a:buNone/>
+          <a:tabLst/>
+          <a:defRPr b="0" baseline="0" cap="none" i="0" spc="0" strike="noStrike" sz="1800" u="none" kumimoji="0" normalizeH="0">
+            <a:ln>
+              <a:noFill/>
+            </a:ln>
+            <a:solidFill>
+              <a:srgbClr val="000000"/>
+            </a:solidFill>
+            <a:effectLst/>
+            <a:uFillTx/>
+          </a:defRPr>
+        </a:lvl3pPr>
+        <a:lvl4pPr marL="0" marR="0" indent="0" algn="l" defTabSz="914400" rtl="0" fontAlgn="auto" latinLnBrk="1" hangingPunct="0">
+          <a:lnSpc>
+            <a:spcPct val="100000"/>
+          </a:lnSpc>
+          <a:spcBef>
+            <a:spcPts val="0"/>
+          </a:spcBef>
+          <a:spcAft>
+            <a:spcPts val="0"/>
+          </a:spcAft>
+          <a:buClrTx/>
+          <a:buSzTx/>
+          <a:buFontTx/>
+          <a:buNone/>
+          <a:tabLst/>
+          <a:defRPr b="0" baseline="0" cap="none" i="0" spc="0" strike="noStrike" sz="1800" u="none" kumimoji="0" normalizeH="0">
+            <a:ln>
+              <a:noFill/>
+            </a:ln>
+            <a:solidFill>
+              <a:srgbClr val="000000"/>
+            </a:solidFill>
+            <a:effectLst/>
+            <a:uFillTx/>
+          </a:defRPr>
+        </a:lvl4pPr>
+        <a:lvl5pPr marL="0" marR="0" indent="0" algn="l" defTabSz="914400" rtl="0" fontAlgn="auto" latinLnBrk="1" hangingPunct="0">
+          <a:lnSpc>
+            <a:spcPct val="100000"/>
+          </a:lnSpc>
+          <a:spcBef>
+            <a:spcPts val="0"/>
+          </a:spcBef>
+          <a:spcAft>
+            <a:spcPts val="0"/>
+          </a:spcAft>
+          <a:buClrTx/>
+          <a:buSzTx/>
+          <a:buFontTx/>
+          <a:buNone/>
+          <a:tabLst/>
+          <a:defRPr b="0" baseline="0" cap="none" i="0" spc="0" strike="noStrike" sz="1800" u="none" kumimoji="0" normalizeH="0">
+            <a:ln>
+              <a:noFill/>
+            </a:ln>
+            <a:solidFill>
+              <a:srgbClr val="000000"/>
+            </a:solidFill>
+            <a:effectLst/>
+            <a:uFillTx/>
+          </a:defRPr>
+        </a:lvl5pPr>
+        <a:lvl6pPr marL="0" marR="0" indent="0" algn="l" defTabSz="914400" rtl="0" fontAlgn="auto" latinLnBrk="1" hangingPunct="0">
+          <a:lnSpc>
+            <a:spcPct val="100000"/>
+          </a:lnSpc>
+          <a:spcBef>
+            <a:spcPts val="0"/>
+          </a:spcBef>
+          <a:spcAft>
+            <a:spcPts val="0"/>
+          </a:spcAft>
+          <a:buClrTx/>
+          <a:buSzTx/>
+          <a:buFontTx/>
+          <a:buNone/>
+          <a:tabLst/>
+          <a:defRPr b="0" baseline="0" cap="none" i="0" spc="0" strike="noStrike" sz="1800" u="none" kumimoji="0" normalizeH="0">
+            <a:ln>
+              <a:noFill/>
+            </a:ln>
+            <a:solidFill>
+              <a:srgbClr val="000000"/>
+            </a:solidFill>
+            <a:effectLst/>
+            <a:uFillTx/>
+          </a:defRPr>
+        </a:lvl6pPr>
+        <a:lvl7pPr marL="0" marR="0" indent="0" algn="l" defTabSz="914400" rtl="0" fontAlgn="auto" latinLnBrk="1" hangingPunct="0">
+          <a:lnSpc>
+            <a:spcPct val="100000"/>
+          </a:lnSpc>
+          <a:spcBef>
+            <a:spcPts val="0"/>
+          </a:spcBef>
+          <a:spcAft>
+            <a:spcPts val="0"/>
+          </a:spcAft>
+          <a:buClrTx/>
+          <a:buSzTx/>
+          <a:buFontTx/>
+          <a:buNone/>
+          <a:tabLst/>
+          <a:defRPr b="0" baseline="0" cap="none" i="0" spc="0" strike="noStrike" sz="1800" u="none" kumimoji="0" normalizeH="0">
+            <a:ln>
+              <a:noFill/>
+            </a:ln>
+            <a:solidFill>
+              <a:srgbClr val="000000"/>
+            </a:solidFill>
+            <a:effectLst/>
+            <a:uFillTx/>
+          </a:defRPr>
+        </a:lvl7pPr>
+        <a:lvl8pPr marL="0" marR="0" indent="0" algn="l" defTabSz="914400" rtl="0" fontAlgn="auto" latinLnBrk="1" hangingPunct="0">
+          <a:lnSpc>
+            <a:spcPct val="100000"/>
+          </a:lnSpc>
+          <a:spcBef>
+            <a:spcPts val="0"/>
+          </a:spcBef>
+          <a:spcAft>
+            <a:spcPts val="0"/>
+          </a:spcAft>
+          <a:buClrTx/>
+          <a:buSzTx/>
+          <a:buFontTx/>
+          <a:buNone/>
+          <a:tabLst/>
+          <a:defRPr b="0" baseline="0" cap="none" i="0" spc="0" strike="noStrike" sz="1800" u="none" kumimoji="0" normalizeH="0">
+            <a:ln>
+              <a:noFill/>
+            </a:ln>
+            <a:solidFill>
+              <a:srgbClr val="000000"/>
+            </a:solidFill>
+            <a:effectLst/>
+            <a:uFillTx/>
+          </a:defRPr>
+        </a:lvl8pPr>
+        <a:lvl9pPr marL="0" marR="0" indent="0" algn="l" defTabSz="914400" rtl="0" fontAlgn="auto" latinLnBrk="1" hangingPunct="0">
+          <a:lnSpc>
+            <a:spcPct val="100000"/>
+          </a:lnSpc>
+          <a:spcBef>
+            <a:spcPts val="0"/>
+          </a:spcBef>
+          <a:spcAft>
+            <a:spcPts val="0"/>
+          </a:spcAft>
+          <a:buClrTx/>
+          <a:buSzTx/>
+          <a:buFontTx/>
+          <a:buNone/>
+          <a:tabLst/>
+          <a:defRPr b="0" baseline="0" cap="none" i="0" spc="0" strike="noStrike" sz="1800" u="none" kumimoji="0" normalizeH="0">
+            <a:ln>
+              <a:noFill/>
+            </a:ln>
+            <a:solidFill>
+              <a:srgbClr val="000000"/>
+            </a:solidFill>
+            <a:effectLst/>
+            <a:uFillTx/>
+          </a:defRPr>
+        </a:lvl9pPr>
+      </a:lstStyle>
+      <a:style>
+        <a:lnRef idx="0"/>
+        <a:fillRef idx="0"/>
+        <a:effectRef idx="0"/>
         <a:fontRef idx="none"/>
       </a:style>
     </a:txDef>
   </a:objectDefaults>
-  <a:extraClrSchemeLst/>
 </a:theme>
 </file>
 
 <file path=ppt/theme/theme2.xml><?xml version="1.0" encoding="utf-8"?>
-<a:theme xmlns:a="http://schemas.openxmlformats.org/drawingml/2006/main" name="30_BasicColor">
+<a:theme xmlns:a="http://schemas.openxmlformats.org/drawingml/2006/main" xmlns:r="http://schemas.openxmlformats.org/officeDocument/2006/relationships" name="30_BasicColor">
   <a:themeElements>
     <a:clrScheme name="30_BasicColor">
       <a:dk1>
@@ -7327,10 +6559,10 @@
         <a:srgbClr val="FFFFFF"/>
       </a:lt1>
       <a:dk2>
-        <a:srgbClr val="5E5E5E"/>
+        <a:srgbClr val="A7A7A7"/>
       </a:dk2>
       <a:lt2>
-        <a:srgbClr val="D5D5D5"/>
+        <a:srgbClr val="535353"/>
       </a:lt2>
       <a:accent1>
         <a:srgbClr val="00A2FF"/>
@@ -7359,9 +6591,9 @@
     </a:clrScheme>
     <a:fontScheme name="30_BasicColor">
       <a:majorFont>
-        <a:latin typeface="Helvetica Neue"/>
-        <a:ea typeface="Helvetica Neue"/>
-        <a:cs typeface="Helvetica Neue"/>
+        <a:latin typeface="Helvetica"/>
+        <a:ea typeface="Helvetica"/>
+        <a:cs typeface="Helvetica"/>
       </a:majorFont>
       <a:minorFont>
         <a:latin typeface="Helvetica Neue"/>
@@ -7507,20 +6739,23 @@
     <a:spDef>
       <a:spPr>
         <a:solidFill>
-          <a:srgbClr val="000000"/>
+          <a:srgbClr val="003462"/>
         </a:solidFill>
-        <a:ln w="12700" cap="flat">
-          <a:noFill/>
-          <a:miter lim="400000"/>
+        <a:ln w="25400" cap="flat">
+          <a:solidFill>
+            <a:schemeClr val="accent1"/>
+          </a:solidFill>
+          <a:prstDash val="solid"/>
+          <a:round/>
         </a:ln>
         <a:effectLst/>
         <a:sp3d/>
       </a:spPr>
-      <a:bodyPr rot="0" spcFirstLastPara="1" vertOverflow="overflow" horzOverflow="overflow" vert="horz" wrap="square" lIns="50800" tIns="50800" rIns="50800" bIns="50800" numCol="1" spcCol="38100" rtlCol="0" anchor="ctr">
+      <a:bodyPr rot="0" spcFirstLastPara="1" vertOverflow="overflow" horzOverflow="overflow" vert="horz" wrap="square" lIns="50800" tIns="50800" rIns="50800" bIns="50800" numCol="1" spcCol="38100" rtlCol="0" anchor="ctr" upright="0">
         <a:spAutoFit/>
       </a:bodyPr>
       <a:lstStyle>
-        <a:defPPr marL="0" marR="0" indent="0" algn="ctr" defTabSz="825500" rtl="0" fontAlgn="auto" latinLnBrk="0" hangingPunct="0">
+        <a:defPPr marL="0" marR="0" indent="0" algn="ctr" defTabSz="2438337" rtl="0" fontAlgn="auto" latinLnBrk="0" hangingPunct="0">
           <a:lnSpc>
             <a:spcPct val="100000"/>
           </a:lnSpc>
@@ -7535,590 +6770,7 @@
           <a:buFontTx/>
           <a:buNone/>
           <a:tabLst/>
-          <a:defRPr kumimoji="0" sz="3200" b="0" i="0" u="none" strike="noStrike" cap="none" spc="0" normalizeH="0" baseline="0">
-            <a:ln>
-              <a:noFill/>
-            </a:ln>
-            <a:solidFill>
-              <a:srgbClr val="FFFFFF"/>
-            </a:solidFill>
-            <a:effectLst/>
-            <a:uFillTx/>
-            <a:latin typeface="Helvetica Neue Medium"/>
-            <a:ea typeface="Helvetica Neue Medium"/>
-            <a:cs typeface="Helvetica Neue Medium"/>
-            <a:sym typeface="Helvetica Neue Medium"/>
-          </a:defRPr>
-        </a:defPPr>
-        <a:lvl1pPr marL="0" marR="0" indent="0" algn="l" defTabSz="914400" rtl="0" fontAlgn="auto" latinLnBrk="1" hangingPunct="0">
-          <a:lnSpc>
-            <a:spcPct val="100000"/>
-          </a:lnSpc>
-          <a:spcBef>
-            <a:spcPts val="0"/>
-          </a:spcBef>
-          <a:spcAft>
-            <a:spcPts val="0"/>
-          </a:spcAft>
-          <a:buClrTx/>
-          <a:buSzTx/>
-          <a:buFontTx/>
-          <a:buNone/>
-          <a:tabLst/>
-          <a:defRPr kumimoji="0" sz="1800" b="0" i="0" u="none" strike="noStrike" cap="none" spc="0" normalizeH="0" baseline="0">
-            <a:ln>
-              <a:noFill/>
-            </a:ln>
-            <a:solidFill>
-              <a:srgbClr val="000000"/>
-            </a:solidFill>
-            <a:effectLst/>
-            <a:uFillTx/>
-          </a:defRPr>
-        </a:lvl1pPr>
-        <a:lvl2pPr marL="0" marR="0" indent="0" algn="l" defTabSz="914400" rtl="0" fontAlgn="auto" latinLnBrk="1" hangingPunct="0">
-          <a:lnSpc>
-            <a:spcPct val="100000"/>
-          </a:lnSpc>
-          <a:spcBef>
-            <a:spcPts val="0"/>
-          </a:spcBef>
-          <a:spcAft>
-            <a:spcPts val="0"/>
-          </a:spcAft>
-          <a:buClrTx/>
-          <a:buSzTx/>
-          <a:buFontTx/>
-          <a:buNone/>
-          <a:tabLst/>
-          <a:defRPr kumimoji="0" sz="1800" b="0" i="0" u="none" strike="noStrike" cap="none" spc="0" normalizeH="0" baseline="0">
-            <a:ln>
-              <a:noFill/>
-            </a:ln>
-            <a:solidFill>
-              <a:srgbClr val="000000"/>
-            </a:solidFill>
-            <a:effectLst/>
-            <a:uFillTx/>
-          </a:defRPr>
-        </a:lvl2pPr>
-        <a:lvl3pPr marL="0" marR="0" indent="0" algn="l" defTabSz="914400" rtl="0" fontAlgn="auto" latinLnBrk="1" hangingPunct="0">
-          <a:lnSpc>
-            <a:spcPct val="100000"/>
-          </a:lnSpc>
-          <a:spcBef>
-            <a:spcPts val="0"/>
-          </a:spcBef>
-          <a:spcAft>
-            <a:spcPts val="0"/>
-          </a:spcAft>
-          <a:buClrTx/>
-          <a:buSzTx/>
-          <a:buFontTx/>
-          <a:buNone/>
-          <a:tabLst/>
-          <a:defRPr kumimoji="0" sz="1800" b="0" i="0" u="none" strike="noStrike" cap="none" spc="0" normalizeH="0" baseline="0">
-            <a:ln>
-              <a:noFill/>
-            </a:ln>
-            <a:solidFill>
-              <a:srgbClr val="000000"/>
-            </a:solidFill>
-            <a:effectLst/>
-            <a:uFillTx/>
-          </a:defRPr>
-        </a:lvl3pPr>
-        <a:lvl4pPr marL="0" marR="0" indent="0" algn="l" defTabSz="914400" rtl="0" fontAlgn="auto" latinLnBrk="1" hangingPunct="0">
-          <a:lnSpc>
-            <a:spcPct val="100000"/>
-          </a:lnSpc>
-          <a:spcBef>
-            <a:spcPts val="0"/>
-          </a:spcBef>
-          <a:spcAft>
-            <a:spcPts val="0"/>
-          </a:spcAft>
-          <a:buClrTx/>
-          <a:buSzTx/>
-          <a:buFontTx/>
-          <a:buNone/>
-          <a:tabLst/>
-          <a:defRPr kumimoji="0" sz="1800" b="0" i="0" u="none" strike="noStrike" cap="none" spc="0" normalizeH="0" baseline="0">
-            <a:ln>
-              <a:noFill/>
-            </a:ln>
-            <a:solidFill>
-              <a:srgbClr val="000000"/>
-            </a:solidFill>
-            <a:effectLst/>
-            <a:uFillTx/>
-          </a:defRPr>
-        </a:lvl4pPr>
-        <a:lvl5pPr marL="0" marR="0" indent="0" algn="l" defTabSz="914400" rtl="0" fontAlgn="auto" latinLnBrk="1" hangingPunct="0">
-          <a:lnSpc>
-            <a:spcPct val="100000"/>
-          </a:lnSpc>
-          <a:spcBef>
-            <a:spcPts val="0"/>
-          </a:spcBef>
-          <a:spcAft>
-            <a:spcPts val="0"/>
-          </a:spcAft>
-          <a:buClrTx/>
-          <a:buSzTx/>
-          <a:buFontTx/>
-          <a:buNone/>
-          <a:tabLst/>
-          <a:defRPr kumimoji="0" sz="1800" b="0" i="0" u="none" strike="noStrike" cap="none" spc="0" normalizeH="0" baseline="0">
-            <a:ln>
-              <a:noFill/>
-            </a:ln>
-            <a:solidFill>
-              <a:srgbClr val="000000"/>
-            </a:solidFill>
-            <a:effectLst/>
-            <a:uFillTx/>
-          </a:defRPr>
-        </a:lvl5pPr>
-        <a:lvl6pPr marL="0" marR="0" indent="0" algn="l" defTabSz="914400" rtl="0" fontAlgn="auto" latinLnBrk="1" hangingPunct="0">
-          <a:lnSpc>
-            <a:spcPct val="100000"/>
-          </a:lnSpc>
-          <a:spcBef>
-            <a:spcPts val="0"/>
-          </a:spcBef>
-          <a:spcAft>
-            <a:spcPts val="0"/>
-          </a:spcAft>
-          <a:buClrTx/>
-          <a:buSzTx/>
-          <a:buFontTx/>
-          <a:buNone/>
-          <a:tabLst/>
-          <a:defRPr kumimoji="0" sz="1800" b="0" i="0" u="none" strike="noStrike" cap="none" spc="0" normalizeH="0" baseline="0">
-            <a:ln>
-              <a:noFill/>
-            </a:ln>
-            <a:solidFill>
-              <a:srgbClr val="000000"/>
-            </a:solidFill>
-            <a:effectLst/>
-            <a:uFillTx/>
-          </a:defRPr>
-        </a:lvl6pPr>
-        <a:lvl7pPr marL="0" marR="0" indent="0" algn="l" defTabSz="914400" rtl="0" fontAlgn="auto" latinLnBrk="1" hangingPunct="0">
-          <a:lnSpc>
-            <a:spcPct val="100000"/>
-          </a:lnSpc>
-          <a:spcBef>
-            <a:spcPts val="0"/>
-          </a:spcBef>
-          <a:spcAft>
-            <a:spcPts val="0"/>
-          </a:spcAft>
-          <a:buClrTx/>
-          <a:buSzTx/>
-          <a:buFontTx/>
-          <a:buNone/>
-          <a:tabLst/>
-          <a:defRPr kumimoji="0" sz="1800" b="0" i="0" u="none" strike="noStrike" cap="none" spc="0" normalizeH="0" baseline="0">
-            <a:ln>
-              <a:noFill/>
-            </a:ln>
-            <a:solidFill>
-              <a:srgbClr val="000000"/>
-            </a:solidFill>
-            <a:effectLst/>
-            <a:uFillTx/>
-          </a:defRPr>
-        </a:lvl7pPr>
-        <a:lvl8pPr marL="0" marR="0" indent="0" algn="l" defTabSz="914400" rtl="0" fontAlgn="auto" latinLnBrk="1" hangingPunct="0">
-          <a:lnSpc>
-            <a:spcPct val="100000"/>
-          </a:lnSpc>
-          <a:spcBef>
-            <a:spcPts val="0"/>
-          </a:spcBef>
-          <a:spcAft>
-            <a:spcPts val="0"/>
-          </a:spcAft>
-          <a:buClrTx/>
-          <a:buSzTx/>
-          <a:buFontTx/>
-          <a:buNone/>
-          <a:tabLst/>
-          <a:defRPr kumimoji="0" sz="1800" b="0" i="0" u="none" strike="noStrike" cap="none" spc="0" normalizeH="0" baseline="0">
-            <a:ln>
-              <a:noFill/>
-            </a:ln>
-            <a:solidFill>
-              <a:srgbClr val="000000"/>
-            </a:solidFill>
-            <a:effectLst/>
-            <a:uFillTx/>
-          </a:defRPr>
-        </a:lvl8pPr>
-        <a:lvl9pPr marL="0" marR="0" indent="0" algn="l" defTabSz="914400" rtl="0" fontAlgn="auto" latinLnBrk="1" hangingPunct="0">
-          <a:lnSpc>
-            <a:spcPct val="100000"/>
-          </a:lnSpc>
-          <a:spcBef>
-            <a:spcPts val="0"/>
-          </a:spcBef>
-          <a:spcAft>
-            <a:spcPts val="0"/>
-          </a:spcAft>
-          <a:buClrTx/>
-          <a:buSzTx/>
-          <a:buFontTx/>
-          <a:buNone/>
-          <a:tabLst/>
-          <a:defRPr kumimoji="0" sz="1800" b="0" i="0" u="none" strike="noStrike" cap="none" spc="0" normalizeH="0" baseline="0">
-            <a:ln>
-              <a:noFill/>
-            </a:ln>
-            <a:solidFill>
-              <a:srgbClr val="000000"/>
-            </a:solidFill>
-            <a:effectLst/>
-            <a:uFillTx/>
-          </a:defRPr>
-        </a:lvl9pPr>
-      </a:lstStyle>
-      <a:style>
-        <a:lnRef idx="0">
-          <a:scrgbClr r="0" g="0" b="0"/>
-        </a:lnRef>
-        <a:fillRef idx="0">
-          <a:scrgbClr r="0" g="0" b="0"/>
-        </a:fillRef>
-        <a:effectRef idx="0">
-          <a:scrgbClr r="0" g="0" b="0"/>
-        </a:effectRef>
-        <a:fontRef idx="none"/>
-      </a:style>
-    </a:spDef>
-    <a:lnDef>
-      <a:spPr>
-        <a:noFill/>
-        <a:ln w="25400" cap="flat">
-          <a:solidFill>
-            <a:srgbClr val="000000"/>
-          </a:solidFill>
-          <a:prstDash val="solid"/>
-          <a:miter lim="400000"/>
-        </a:ln>
-        <a:effectLst/>
-        <a:sp3d/>
-      </a:spPr>
-      <a:bodyPr rot="0" spcFirstLastPara="1" vertOverflow="overflow" horzOverflow="overflow" vert="horz" wrap="square" lIns="91439" tIns="45719" rIns="91439" bIns="45719" numCol="1" spcCol="38100" rtlCol="0" anchor="t">
-        <a:noAutofit/>
-      </a:bodyPr>
-      <a:lstStyle>
-        <a:defPPr marL="0" marR="0" indent="0" algn="l" defTabSz="914400" rtl="0" fontAlgn="auto" latinLnBrk="1" hangingPunct="0">
-          <a:lnSpc>
-            <a:spcPct val="100000"/>
-          </a:lnSpc>
-          <a:spcBef>
-            <a:spcPts val="0"/>
-          </a:spcBef>
-          <a:spcAft>
-            <a:spcPts val="0"/>
-          </a:spcAft>
-          <a:buClrTx/>
-          <a:buSzTx/>
-          <a:buFontTx/>
-          <a:buNone/>
-          <a:tabLst/>
-          <a:defRPr kumimoji="0" sz="1800" b="0" i="0" u="none" strike="noStrike" cap="none" spc="0" normalizeH="0" baseline="0">
-            <a:ln>
-              <a:noFill/>
-            </a:ln>
-            <a:solidFill>
-              <a:srgbClr val="000000"/>
-            </a:solidFill>
-            <a:effectLst/>
-            <a:uFillTx/>
-          </a:defRPr>
-        </a:defPPr>
-        <a:lvl1pPr marL="0" marR="0" indent="0" algn="l" defTabSz="914400" rtl="0" fontAlgn="auto" latinLnBrk="1" hangingPunct="0">
-          <a:lnSpc>
-            <a:spcPct val="100000"/>
-          </a:lnSpc>
-          <a:spcBef>
-            <a:spcPts val="0"/>
-          </a:spcBef>
-          <a:spcAft>
-            <a:spcPts val="0"/>
-          </a:spcAft>
-          <a:buClrTx/>
-          <a:buSzTx/>
-          <a:buFontTx/>
-          <a:buNone/>
-          <a:tabLst/>
-          <a:defRPr kumimoji="0" sz="1800" b="0" i="0" u="none" strike="noStrike" cap="none" spc="0" normalizeH="0" baseline="0">
-            <a:ln>
-              <a:noFill/>
-            </a:ln>
-            <a:solidFill>
-              <a:srgbClr val="000000"/>
-            </a:solidFill>
-            <a:effectLst/>
-            <a:uFillTx/>
-          </a:defRPr>
-        </a:lvl1pPr>
-        <a:lvl2pPr marL="0" marR="0" indent="0" algn="l" defTabSz="914400" rtl="0" fontAlgn="auto" latinLnBrk="1" hangingPunct="0">
-          <a:lnSpc>
-            <a:spcPct val="100000"/>
-          </a:lnSpc>
-          <a:spcBef>
-            <a:spcPts val="0"/>
-          </a:spcBef>
-          <a:spcAft>
-            <a:spcPts val="0"/>
-          </a:spcAft>
-          <a:buClrTx/>
-          <a:buSzTx/>
-          <a:buFontTx/>
-          <a:buNone/>
-          <a:tabLst/>
-          <a:defRPr kumimoji="0" sz="1800" b="0" i="0" u="none" strike="noStrike" cap="none" spc="0" normalizeH="0" baseline="0">
-            <a:ln>
-              <a:noFill/>
-            </a:ln>
-            <a:solidFill>
-              <a:srgbClr val="000000"/>
-            </a:solidFill>
-            <a:effectLst/>
-            <a:uFillTx/>
-          </a:defRPr>
-        </a:lvl2pPr>
-        <a:lvl3pPr marL="0" marR="0" indent="0" algn="l" defTabSz="914400" rtl="0" fontAlgn="auto" latinLnBrk="1" hangingPunct="0">
-          <a:lnSpc>
-            <a:spcPct val="100000"/>
-          </a:lnSpc>
-          <a:spcBef>
-            <a:spcPts val="0"/>
-          </a:spcBef>
-          <a:spcAft>
-            <a:spcPts val="0"/>
-          </a:spcAft>
-          <a:buClrTx/>
-          <a:buSzTx/>
-          <a:buFontTx/>
-          <a:buNone/>
-          <a:tabLst/>
-          <a:defRPr kumimoji="0" sz="1800" b="0" i="0" u="none" strike="noStrike" cap="none" spc="0" normalizeH="0" baseline="0">
-            <a:ln>
-              <a:noFill/>
-            </a:ln>
-            <a:solidFill>
-              <a:srgbClr val="000000"/>
-            </a:solidFill>
-            <a:effectLst/>
-            <a:uFillTx/>
-          </a:defRPr>
-        </a:lvl3pPr>
-        <a:lvl4pPr marL="0" marR="0" indent="0" algn="l" defTabSz="914400" rtl="0" fontAlgn="auto" latinLnBrk="1" hangingPunct="0">
-          <a:lnSpc>
-            <a:spcPct val="100000"/>
-          </a:lnSpc>
-          <a:spcBef>
-            <a:spcPts val="0"/>
-          </a:spcBef>
-          <a:spcAft>
-            <a:spcPts val="0"/>
-          </a:spcAft>
-          <a:buClrTx/>
-          <a:buSzTx/>
-          <a:buFontTx/>
-          <a:buNone/>
-          <a:tabLst/>
-          <a:defRPr kumimoji="0" sz="1800" b="0" i="0" u="none" strike="noStrike" cap="none" spc="0" normalizeH="0" baseline="0">
-            <a:ln>
-              <a:noFill/>
-            </a:ln>
-            <a:solidFill>
-              <a:srgbClr val="000000"/>
-            </a:solidFill>
-            <a:effectLst/>
-            <a:uFillTx/>
-          </a:defRPr>
-        </a:lvl4pPr>
-        <a:lvl5pPr marL="0" marR="0" indent="0" algn="l" defTabSz="914400" rtl="0" fontAlgn="auto" latinLnBrk="1" hangingPunct="0">
-          <a:lnSpc>
-            <a:spcPct val="100000"/>
-          </a:lnSpc>
-          <a:spcBef>
-            <a:spcPts val="0"/>
-          </a:spcBef>
-          <a:spcAft>
-            <a:spcPts val="0"/>
-          </a:spcAft>
-          <a:buClrTx/>
-          <a:buSzTx/>
-          <a:buFontTx/>
-          <a:buNone/>
-          <a:tabLst/>
-          <a:defRPr kumimoji="0" sz="1800" b="0" i="0" u="none" strike="noStrike" cap="none" spc="0" normalizeH="0" baseline="0">
-            <a:ln>
-              <a:noFill/>
-            </a:ln>
-            <a:solidFill>
-              <a:srgbClr val="000000"/>
-            </a:solidFill>
-            <a:effectLst/>
-            <a:uFillTx/>
-          </a:defRPr>
-        </a:lvl5pPr>
-        <a:lvl6pPr marL="0" marR="0" indent="0" algn="l" defTabSz="914400" rtl="0" fontAlgn="auto" latinLnBrk="1" hangingPunct="0">
-          <a:lnSpc>
-            <a:spcPct val="100000"/>
-          </a:lnSpc>
-          <a:spcBef>
-            <a:spcPts val="0"/>
-          </a:spcBef>
-          <a:spcAft>
-            <a:spcPts val="0"/>
-          </a:spcAft>
-          <a:buClrTx/>
-          <a:buSzTx/>
-          <a:buFontTx/>
-          <a:buNone/>
-          <a:tabLst/>
-          <a:defRPr kumimoji="0" sz="1800" b="0" i="0" u="none" strike="noStrike" cap="none" spc="0" normalizeH="0" baseline="0">
-            <a:ln>
-              <a:noFill/>
-            </a:ln>
-            <a:solidFill>
-              <a:srgbClr val="000000"/>
-            </a:solidFill>
-            <a:effectLst/>
-            <a:uFillTx/>
-          </a:defRPr>
-        </a:lvl6pPr>
-        <a:lvl7pPr marL="0" marR="0" indent="0" algn="l" defTabSz="914400" rtl="0" fontAlgn="auto" latinLnBrk="1" hangingPunct="0">
-          <a:lnSpc>
-            <a:spcPct val="100000"/>
-          </a:lnSpc>
-          <a:spcBef>
-            <a:spcPts val="0"/>
-          </a:spcBef>
-          <a:spcAft>
-            <a:spcPts val="0"/>
-          </a:spcAft>
-          <a:buClrTx/>
-          <a:buSzTx/>
-          <a:buFontTx/>
-          <a:buNone/>
-          <a:tabLst/>
-          <a:defRPr kumimoji="0" sz="1800" b="0" i="0" u="none" strike="noStrike" cap="none" spc="0" normalizeH="0" baseline="0">
-            <a:ln>
-              <a:noFill/>
-            </a:ln>
-            <a:solidFill>
-              <a:srgbClr val="000000"/>
-            </a:solidFill>
-            <a:effectLst/>
-            <a:uFillTx/>
-          </a:defRPr>
-        </a:lvl7pPr>
-        <a:lvl8pPr marL="0" marR="0" indent="0" algn="l" defTabSz="914400" rtl="0" fontAlgn="auto" latinLnBrk="1" hangingPunct="0">
-          <a:lnSpc>
-            <a:spcPct val="100000"/>
-          </a:lnSpc>
-          <a:spcBef>
-            <a:spcPts val="0"/>
-          </a:spcBef>
-          <a:spcAft>
-            <a:spcPts val="0"/>
-          </a:spcAft>
-          <a:buClrTx/>
-          <a:buSzTx/>
-          <a:buFontTx/>
-          <a:buNone/>
-          <a:tabLst/>
-          <a:defRPr kumimoji="0" sz="1800" b="0" i="0" u="none" strike="noStrike" cap="none" spc="0" normalizeH="0" baseline="0">
-            <a:ln>
-              <a:noFill/>
-            </a:ln>
-            <a:solidFill>
-              <a:srgbClr val="000000"/>
-            </a:solidFill>
-            <a:effectLst/>
-            <a:uFillTx/>
-          </a:defRPr>
-        </a:lvl8pPr>
-        <a:lvl9pPr marL="0" marR="0" indent="0" algn="l" defTabSz="914400" rtl="0" fontAlgn="auto" latinLnBrk="1" hangingPunct="0">
-          <a:lnSpc>
-            <a:spcPct val="100000"/>
-          </a:lnSpc>
-          <a:spcBef>
-            <a:spcPts val="0"/>
-          </a:spcBef>
-          <a:spcAft>
-            <a:spcPts val="0"/>
-          </a:spcAft>
-          <a:buClrTx/>
-          <a:buSzTx/>
-          <a:buFontTx/>
-          <a:buNone/>
-          <a:tabLst/>
-          <a:defRPr kumimoji="0" sz="1800" b="0" i="0" u="none" strike="noStrike" cap="none" spc="0" normalizeH="0" baseline="0">
-            <a:ln>
-              <a:noFill/>
-            </a:ln>
-            <a:solidFill>
-              <a:srgbClr val="000000"/>
-            </a:solidFill>
-            <a:effectLst/>
-            <a:uFillTx/>
-          </a:defRPr>
-        </a:lvl9pPr>
-      </a:lstStyle>
-      <a:style>
-        <a:lnRef idx="0">
-          <a:scrgbClr r="0" g="0" b="0"/>
-        </a:lnRef>
-        <a:fillRef idx="0">
-          <a:scrgbClr r="0" g="0" b="0"/>
-        </a:fillRef>
-        <a:effectRef idx="0">
-          <a:scrgbClr r="0" g="0" b="0"/>
-        </a:effectRef>
-        <a:fontRef idx="none"/>
-      </a:style>
-    </a:lnDef>
-    <a:txDef>
-      <a:spPr>
-        <a:noFill/>
-        <a:ln w="12700" cap="flat">
-          <a:noFill/>
-          <a:miter lim="400000"/>
-        </a:ln>
-        <a:effectLst/>
-        <a:sp3d/>
-      </a:spPr>
-      <a:bodyPr rot="0" spcFirstLastPara="1" vertOverflow="overflow" horzOverflow="overflow" vert="horz" wrap="square" lIns="50800" tIns="50800" rIns="50800" bIns="50800" numCol="1" spcCol="38100" rtlCol="0" anchor="ctr">
-        <a:spAutoFit/>
-      </a:bodyPr>
-      <a:lstStyle>
-        <a:defPPr marL="0" marR="0" indent="0" algn="ctr" defTabSz="2438338" rtl="0" fontAlgn="auto" latinLnBrk="0" hangingPunct="0">
-          <a:lnSpc>
-            <a:spcPct val="100000"/>
-          </a:lnSpc>
-          <a:spcBef>
-            <a:spcPts val="0"/>
-          </a:spcBef>
-          <a:spcAft>
-            <a:spcPts val="0"/>
-          </a:spcAft>
-          <a:buClrTx/>
-          <a:buSzTx/>
-          <a:buFontTx/>
-          <a:buNone/>
-          <a:tabLst/>
-          <a:defRPr kumimoji="0" sz="2400" b="0" i="0" u="none" strike="noStrike" cap="none" spc="0" normalizeH="0" baseline="0">
+          <a:defRPr b="0" baseline="0" cap="none" i="0" spc="0" strike="noStrike" sz="2400" u="none" kumimoji="0" normalizeH="0">
             <a:ln>
               <a:noFill/>
             </a:ln>
@@ -8148,7 +6800,7 @@
           <a:buFontTx/>
           <a:buNone/>
           <a:tabLst/>
-          <a:defRPr kumimoji="0" sz="1800" b="0" i="0" u="none" strike="noStrike" cap="none" spc="0" normalizeH="0" baseline="0">
+          <a:defRPr b="0" baseline="0" cap="none" i="0" spc="0" strike="noStrike" sz="1800" u="none" kumimoji="0" normalizeH="0">
             <a:ln>
               <a:noFill/>
             </a:ln>
@@ -8174,7 +6826,7 @@
           <a:buFontTx/>
           <a:buNone/>
           <a:tabLst/>
-          <a:defRPr kumimoji="0" sz="1800" b="0" i="0" u="none" strike="noStrike" cap="none" spc="0" normalizeH="0" baseline="0">
+          <a:defRPr b="0" baseline="0" cap="none" i="0" spc="0" strike="noStrike" sz="1800" u="none" kumimoji="0" normalizeH="0">
             <a:ln>
               <a:noFill/>
             </a:ln>
@@ -8200,7 +6852,7 @@
           <a:buFontTx/>
           <a:buNone/>
           <a:tabLst/>
-          <a:defRPr kumimoji="0" sz="1800" b="0" i="0" u="none" strike="noStrike" cap="none" spc="0" normalizeH="0" baseline="0">
+          <a:defRPr b="0" baseline="0" cap="none" i="0" spc="0" strike="noStrike" sz="1800" u="none" kumimoji="0" normalizeH="0">
             <a:ln>
               <a:noFill/>
             </a:ln>
@@ -8226,7 +6878,7 @@
           <a:buFontTx/>
           <a:buNone/>
           <a:tabLst/>
-          <a:defRPr kumimoji="0" sz="1800" b="0" i="0" u="none" strike="noStrike" cap="none" spc="0" normalizeH="0" baseline="0">
+          <a:defRPr b="0" baseline="0" cap="none" i="0" spc="0" strike="noStrike" sz="1800" u="none" kumimoji="0" normalizeH="0">
             <a:ln>
               <a:noFill/>
             </a:ln>
@@ -8252,7 +6904,7 @@
           <a:buFontTx/>
           <a:buNone/>
           <a:tabLst/>
-          <a:defRPr kumimoji="0" sz="1800" b="0" i="0" u="none" strike="noStrike" cap="none" spc="0" normalizeH="0" baseline="0">
+          <a:defRPr b="0" baseline="0" cap="none" i="0" spc="0" strike="noStrike" sz="1800" u="none" kumimoji="0" normalizeH="0">
             <a:ln>
               <a:noFill/>
             </a:ln>
@@ -8278,7 +6930,7 @@
           <a:buFontTx/>
           <a:buNone/>
           <a:tabLst/>
-          <a:defRPr kumimoji="0" sz="1800" b="0" i="0" u="none" strike="noStrike" cap="none" spc="0" normalizeH="0" baseline="0">
+          <a:defRPr b="0" baseline="0" cap="none" i="0" spc="0" strike="noStrike" sz="1800" u="none" kumimoji="0" normalizeH="0">
             <a:ln>
               <a:noFill/>
             </a:ln>
@@ -8304,7 +6956,7 @@
           <a:buFontTx/>
           <a:buNone/>
           <a:tabLst/>
-          <a:defRPr kumimoji="0" sz="1800" b="0" i="0" u="none" strike="noStrike" cap="none" spc="0" normalizeH="0" baseline="0">
+          <a:defRPr b="0" baseline="0" cap="none" i="0" spc="0" strike="noStrike" sz="1800" u="none" kumimoji="0" normalizeH="0">
             <a:ln>
               <a:noFill/>
             </a:ln>
@@ -8330,7 +6982,7 @@
           <a:buFontTx/>
           <a:buNone/>
           <a:tabLst/>
-          <a:defRPr kumimoji="0" sz="1800" b="0" i="0" u="none" strike="noStrike" cap="none" spc="0" normalizeH="0" baseline="0">
+          <a:defRPr b="0" baseline="0" cap="none" i="0" spc="0" strike="noStrike" sz="1800" u="none" kumimoji="0" normalizeH="0">
             <a:ln>
               <a:noFill/>
             </a:ln>
@@ -8356,7 +7008,7 @@
           <a:buFontTx/>
           <a:buNone/>
           <a:tabLst/>
-          <a:defRPr kumimoji="0" sz="1800" b="0" i="0" u="none" strike="noStrike" cap="none" spc="0" normalizeH="0" baseline="0">
+          <a:defRPr b="0" baseline="0" cap="none" i="0" spc="0" strike="noStrike" sz="1800" u="none" kumimoji="0" normalizeH="0">
             <a:ln>
               <a:noFill/>
             </a:ln>
@@ -8369,19 +7021,583 @@
         </a:lvl9pPr>
       </a:lstStyle>
       <a:style>
-        <a:lnRef idx="0">
-          <a:scrgbClr r="0" g="0" b="0"/>
-        </a:lnRef>
-        <a:fillRef idx="0">
-          <a:scrgbClr r="0" g="0" b="0"/>
-        </a:fillRef>
-        <a:effectRef idx="0">
-          <a:scrgbClr r="0" g="0" b="0"/>
-        </a:effectRef>
+        <a:lnRef idx="0"/>
+        <a:fillRef idx="0"/>
+        <a:effectRef idx="0"/>
+        <a:fontRef idx="none"/>
+      </a:style>
+    </a:spDef>
+    <a:lnDef>
+      <a:spPr>
+        <a:noFill/>
+        <a:ln w="25400" cap="flat">
+          <a:solidFill>
+            <a:schemeClr val="accent1"/>
+          </a:solidFill>
+          <a:prstDash val="solid"/>
+          <a:round/>
+        </a:ln>
+        <a:effectLst/>
+        <a:sp3d/>
+      </a:spPr>
+      <a:bodyPr rot="0" spcFirstLastPara="1" vertOverflow="overflow" horzOverflow="overflow" vert="horz" wrap="square" lIns="91439" tIns="45719" rIns="91439" bIns="45719" numCol="1" spcCol="38100" rtlCol="0" anchor="t" upright="0">
+        <a:noAutofit/>
+      </a:bodyPr>
+      <a:lstStyle>
+        <a:defPPr marL="0" marR="0" indent="0" algn="l" defTabSz="914400" rtl="0" fontAlgn="auto" latinLnBrk="1" hangingPunct="0">
+          <a:lnSpc>
+            <a:spcPct val="100000"/>
+          </a:lnSpc>
+          <a:spcBef>
+            <a:spcPts val="0"/>
+          </a:spcBef>
+          <a:spcAft>
+            <a:spcPts val="0"/>
+          </a:spcAft>
+          <a:buClrTx/>
+          <a:buSzTx/>
+          <a:buFontTx/>
+          <a:buNone/>
+          <a:tabLst/>
+          <a:defRPr b="0" baseline="0" cap="none" i="0" spc="0" strike="noStrike" sz="1800" u="none" kumimoji="0" normalizeH="0">
+            <a:ln>
+              <a:noFill/>
+            </a:ln>
+            <a:solidFill>
+              <a:srgbClr val="000000"/>
+            </a:solidFill>
+            <a:effectLst/>
+            <a:uFillTx/>
+          </a:defRPr>
+        </a:defPPr>
+        <a:lvl1pPr marL="0" marR="0" indent="0" algn="l" defTabSz="914400" rtl="0" fontAlgn="auto" latinLnBrk="1" hangingPunct="0">
+          <a:lnSpc>
+            <a:spcPct val="100000"/>
+          </a:lnSpc>
+          <a:spcBef>
+            <a:spcPts val="0"/>
+          </a:spcBef>
+          <a:spcAft>
+            <a:spcPts val="0"/>
+          </a:spcAft>
+          <a:buClrTx/>
+          <a:buSzTx/>
+          <a:buFontTx/>
+          <a:buNone/>
+          <a:tabLst/>
+          <a:defRPr b="0" baseline="0" cap="none" i="0" spc="0" strike="noStrike" sz="1800" u="none" kumimoji="0" normalizeH="0">
+            <a:ln>
+              <a:noFill/>
+            </a:ln>
+            <a:solidFill>
+              <a:srgbClr val="000000"/>
+            </a:solidFill>
+            <a:effectLst/>
+            <a:uFillTx/>
+          </a:defRPr>
+        </a:lvl1pPr>
+        <a:lvl2pPr marL="0" marR="0" indent="0" algn="l" defTabSz="914400" rtl="0" fontAlgn="auto" latinLnBrk="1" hangingPunct="0">
+          <a:lnSpc>
+            <a:spcPct val="100000"/>
+          </a:lnSpc>
+          <a:spcBef>
+            <a:spcPts val="0"/>
+          </a:spcBef>
+          <a:spcAft>
+            <a:spcPts val="0"/>
+          </a:spcAft>
+          <a:buClrTx/>
+          <a:buSzTx/>
+          <a:buFontTx/>
+          <a:buNone/>
+          <a:tabLst/>
+          <a:defRPr b="0" baseline="0" cap="none" i="0" spc="0" strike="noStrike" sz="1800" u="none" kumimoji="0" normalizeH="0">
+            <a:ln>
+              <a:noFill/>
+            </a:ln>
+            <a:solidFill>
+              <a:srgbClr val="000000"/>
+            </a:solidFill>
+            <a:effectLst/>
+            <a:uFillTx/>
+          </a:defRPr>
+        </a:lvl2pPr>
+        <a:lvl3pPr marL="0" marR="0" indent="0" algn="l" defTabSz="914400" rtl="0" fontAlgn="auto" latinLnBrk="1" hangingPunct="0">
+          <a:lnSpc>
+            <a:spcPct val="100000"/>
+          </a:lnSpc>
+          <a:spcBef>
+            <a:spcPts val="0"/>
+          </a:spcBef>
+          <a:spcAft>
+            <a:spcPts val="0"/>
+          </a:spcAft>
+          <a:buClrTx/>
+          <a:buSzTx/>
+          <a:buFontTx/>
+          <a:buNone/>
+          <a:tabLst/>
+          <a:defRPr b="0" baseline="0" cap="none" i="0" spc="0" strike="noStrike" sz="1800" u="none" kumimoji="0" normalizeH="0">
+            <a:ln>
+              <a:noFill/>
+            </a:ln>
+            <a:solidFill>
+              <a:srgbClr val="000000"/>
+            </a:solidFill>
+            <a:effectLst/>
+            <a:uFillTx/>
+          </a:defRPr>
+        </a:lvl3pPr>
+        <a:lvl4pPr marL="0" marR="0" indent="0" algn="l" defTabSz="914400" rtl="0" fontAlgn="auto" latinLnBrk="1" hangingPunct="0">
+          <a:lnSpc>
+            <a:spcPct val="100000"/>
+          </a:lnSpc>
+          <a:spcBef>
+            <a:spcPts val="0"/>
+          </a:spcBef>
+          <a:spcAft>
+            <a:spcPts val="0"/>
+          </a:spcAft>
+          <a:buClrTx/>
+          <a:buSzTx/>
+          <a:buFontTx/>
+          <a:buNone/>
+          <a:tabLst/>
+          <a:defRPr b="0" baseline="0" cap="none" i="0" spc="0" strike="noStrike" sz="1800" u="none" kumimoji="0" normalizeH="0">
+            <a:ln>
+              <a:noFill/>
+            </a:ln>
+            <a:solidFill>
+              <a:srgbClr val="000000"/>
+            </a:solidFill>
+            <a:effectLst/>
+            <a:uFillTx/>
+          </a:defRPr>
+        </a:lvl4pPr>
+        <a:lvl5pPr marL="0" marR="0" indent="0" algn="l" defTabSz="914400" rtl="0" fontAlgn="auto" latinLnBrk="1" hangingPunct="0">
+          <a:lnSpc>
+            <a:spcPct val="100000"/>
+          </a:lnSpc>
+          <a:spcBef>
+            <a:spcPts val="0"/>
+          </a:spcBef>
+          <a:spcAft>
+            <a:spcPts val="0"/>
+          </a:spcAft>
+          <a:buClrTx/>
+          <a:buSzTx/>
+          <a:buFontTx/>
+          <a:buNone/>
+          <a:tabLst/>
+          <a:defRPr b="0" baseline="0" cap="none" i="0" spc="0" strike="noStrike" sz="1800" u="none" kumimoji="0" normalizeH="0">
+            <a:ln>
+              <a:noFill/>
+            </a:ln>
+            <a:solidFill>
+              <a:srgbClr val="000000"/>
+            </a:solidFill>
+            <a:effectLst/>
+            <a:uFillTx/>
+          </a:defRPr>
+        </a:lvl5pPr>
+        <a:lvl6pPr marL="0" marR="0" indent="0" algn="l" defTabSz="914400" rtl="0" fontAlgn="auto" latinLnBrk="1" hangingPunct="0">
+          <a:lnSpc>
+            <a:spcPct val="100000"/>
+          </a:lnSpc>
+          <a:spcBef>
+            <a:spcPts val="0"/>
+          </a:spcBef>
+          <a:spcAft>
+            <a:spcPts val="0"/>
+          </a:spcAft>
+          <a:buClrTx/>
+          <a:buSzTx/>
+          <a:buFontTx/>
+          <a:buNone/>
+          <a:tabLst/>
+          <a:defRPr b="0" baseline="0" cap="none" i="0" spc="0" strike="noStrike" sz="1800" u="none" kumimoji="0" normalizeH="0">
+            <a:ln>
+              <a:noFill/>
+            </a:ln>
+            <a:solidFill>
+              <a:srgbClr val="000000"/>
+            </a:solidFill>
+            <a:effectLst/>
+            <a:uFillTx/>
+          </a:defRPr>
+        </a:lvl6pPr>
+        <a:lvl7pPr marL="0" marR="0" indent="0" algn="l" defTabSz="914400" rtl="0" fontAlgn="auto" latinLnBrk="1" hangingPunct="0">
+          <a:lnSpc>
+            <a:spcPct val="100000"/>
+          </a:lnSpc>
+          <a:spcBef>
+            <a:spcPts val="0"/>
+          </a:spcBef>
+          <a:spcAft>
+            <a:spcPts val="0"/>
+          </a:spcAft>
+          <a:buClrTx/>
+          <a:buSzTx/>
+          <a:buFontTx/>
+          <a:buNone/>
+          <a:tabLst/>
+          <a:defRPr b="0" baseline="0" cap="none" i="0" spc="0" strike="noStrike" sz="1800" u="none" kumimoji="0" normalizeH="0">
+            <a:ln>
+              <a:noFill/>
+            </a:ln>
+            <a:solidFill>
+              <a:srgbClr val="000000"/>
+            </a:solidFill>
+            <a:effectLst/>
+            <a:uFillTx/>
+          </a:defRPr>
+        </a:lvl7pPr>
+        <a:lvl8pPr marL="0" marR="0" indent="0" algn="l" defTabSz="914400" rtl="0" fontAlgn="auto" latinLnBrk="1" hangingPunct="0">
+          <a:lnSpc>
+            <a:spcPct val="100000"/>
+          </a:lnSpc>
+          <a:spcBef>
+            <a:spcPts val="0"/>
+          </a:spcBef>
+          <a:spcAft>
+            <a:spcPts val="0"/>
+          </a:spcAft>
+          <a:buClrTx/>
+          <a:buSzTx/>
+          <a:buFontTx/>
+          <a:buNone/>
+          <a:tabLst/>
+          <a:defRPr b="0" baseline="0" cap="none" i="0" spc="0" strike="noStrike" sz="1800" u="none" kumimoji="0" normalizeH="0">
+            <a:ln>
+              <a:noFill/>
+            </a:ln>
+            <a:solidFill>
+              <a:srgbClr val="000000"/>
+            </a:solidFill>
+            <a:effectLst/>
+            <a:uFillTx/>
+          </a:defRPr>
+        </a:lvl8pPr>
+        <a:lvl9pPr marL="0" marR="0" indent="0" algn="l" defTabSz="914400" rtl="0" fontAlgn="auto" latinLnBrk="1" hangingPunct="0">
+          <a:lnSpc>
+            <a:spcPct val="100000"/>
+          </a:lnSpc>
+          <a:spcBef>
+            <a:spcPts val="0"/>
+          </a:spcBef>
+          <a:spcAft>
+            <a:spcPts val="0"/>
+          </a:spcAft>
+          <a:buClrTx/>
+          <a:buSzTx/>
+          <a:buFontTx/>
+          <a:buNone/>
+          <a:tabLst/>
+          <a:defRPr b="0" baseline="0" cap="none" i="0" spc="0" strike="noStrike" sz="1800" u="none" kumimoji="0" normalizeH="0">
+            <a:ln>
+              <a:noFill/>
+            </a:ln>
+            <a:solidFill>
+              <a:srgbClr val="000000"/>
+            </a:solidFill>
+            <a:effectLst/>
+            <a:uFillTx/>
+          </a:defRPr>
+        </a:lvl9pPr>
+      </a:lstStyle>
+      <a:style>
+        <a:lnRef idx="0"/>
+        <a:fillRef idx="0"/>
+        <a:effectRef idx="0"/>
+        <a:fontRef idx="none"/>
+      </a:style>
+    </a:lnDef>
+    <a:txDef>
+      <a:spPr>
+        <a:noFill/>
+        <a:ln w="12700" cap="flat">
+          <a:noFill/>
+          <a:miter lim="400000"/>
+        </a:ln>
+        <a:effectLst/>
+        <a:sp3d/>
+      </a:spPr>
+      <a:bodyPr rot="0" spcFirstLastPara="1" vertOverflow="overflow" horzOverflow="overflow" vert="horz" wrap="square" lIns="50800" tIns="50800" rIns="50800" bIns="50800" numCol="1" spcCol="38100" rtlCol="0" anchor="ctr" upright="0">
+        <a:spAutoFit/>
+      </a:bodyPr>
+      <a:lstStyle>
+        <a:defPPr marL="0" marR="0" indent="0" algn="ctr" defTabSz="2438337" rtl="0" fontAlgn="auto" latinLnBrk="0" hangingPunct="0">
+          <a:lnSpc>
+            <a:spcPct val="100000"/>
+          </a:lnSpc>
+          <a:spcBef>
+            <a:spcPts val="0"/>
+          </a:spcBef>
+          <a:spcAft>
+            <a:spcPts val="0"/>
+          </a:spcAft>
+          <a:buClrTx/>
+          <a:buSzTx/>
+          <a:buFontTx/>
+          <a:buNone/>
+          <a:tabLst/>
+          <a:defRPr b="0" baseline="0" cap="none" i="0" spc="0" strike="noStrike" sz="2400" u="none" kumimoji="0" normalizeH="0">
+            <a:ln>
+              <a:noFill/>
+            </a:ln>
+            <a:solidFill>
+              <a:srgbClr val="5E5E5E"/>
+            </a:solidFill>
+            <a:effectLst/>
+            <a:uFillTx/>
+            <a:latin typeface="+mn-lt"/>
+            <a:ea typeface="+mn-ea"/>
+            <a:cs typeface="+mn-cs"/>
+            <a:sym typeface="Helvetica Neue"/>
+          </a:defRPr>
+        </a:defPPr>
+        <a:lvl1pPr marL="0" marR="0" indent="0" algn="l" defTabSz="914400" rtl="0" fontAlgn="auto" latinLnBrk="1" hangingPunct="0">
+          <a:lnSpc>
+            <a:spcPct val="100000"/>
+          </a:lnSpc>
+          <a:spcBef>
+            <a:spcPts val="0"/>
+          </a:spcBef>
+          <a:spcAft>
+            <a:spcPts val="0"/>
+          </a:spcAft>
+          <a:buClrTx/>
+          <a:buSzTx/>
+          <a:buFontTx/>
+          <a:buNone/>
+          <a:tabLst/>
+          <a:defRPr b="0" baseline="0" cap="none" i="0" spc="0" strike="noStrike" sz="1800" u="none" kumimoji="0" normalizeH="0">
+            <a:ln>
+              <a:noFill/>
+            </a:ln>
+            <a:solidFill>
+              <a:srgbClr val="000000"/>
+            </a:solidFill>
+            <a:effectLst/>
+            <a:uFillTx/>
+          </a:defRPr>
+        </a:lvl1pPr>
+        <a:lvl2pPr marL="0" marR="0" indent="0" algn="l" defTabSz="914400" rtl="0" fontAlgn="auto" latinLnBrk="1" hangingPunct="0">
+          <a:lnSpc>
+            <a:spcPct val="100000"/>
+          </a:lnSpc>
+          <a:spcBef>
+            <a:spcPts val="0"/>
+          </a:spcBef>
+          <a:spcAft>
+            <a:spcPts val="0"/>
+          </a:spcAft>
+          <a:buClrTx/>
+          <a:buSzTx/>
+          <a:buFontTx/>
+          <a:buNone/>
+          <a:tabLst/>
+          <a:defRPr b="0" baseline="0" cap="none" i="0" spc="0" strike="noStrike" sz="1800" u="none" kumimoji="0" normalizeH="0">
+            <a:ln>
+              <a:noFill/>
+            </a:ln>
+            <a:solidFill>
+              <a:srgbClr val="000000"/>
+            </a:solidFill>
+            <a:effectLst/>
+            <a:uFillTx/>
+          </a:defRPr>
+        </a:lvl2pPr>
+        <a:lvl3pPr marL="0" marR="0" indent="0" algn="l" defTabSz="914400" rtl="0" fontAlgn="auto" latinLnBrk="1" hangingPunct="0">
+          <a:lnSpc>
+            <a:spcPct val="100000"/>
+          </a:lnSpc>
+          <a:spcBef>
+            <a:spcPts val="0"/>
+          </a:spcBef>
+          <a:spcAft>
+            <a:spcPts val="0"/>
+          </a:spcAft>
+          <a:buClrTx/>
+          <a:buSzTx/>
+          <a:buFontTx/>
+          <a:buNone/>
+          <a:tabLst/>
+          <a:defRPr b="0" baseline="0" cap="none" i="0" spc="0" strike="noStrike" sz="1800" u="none" kumimoji="0" normalizeH="0">
+            <a:ln>
+              <a:noFill/>
+            </a:ln>
+            <a:solidFill>
+              <a:srgbClr val="000000"/>
+            </a:solidFill>
+            <a:effectLst/>
+            <a:uFillTx/>
+          </a:defRPr>
+        </a:lvl3pPr>
+        <a:lvl4pPr marL="0" marR="0" indent="0" algn="l" defTabSz="914400" rtl="0" fontAlgn="auto" latinLnBrk="1" hangingPunct="0">
+          <a:lnSpc>
+            <a:spcPct val="100000"/>
+          </a:lnSpc>
+          <a:spcBef>
+            <a:spcPts val="0"/>
+          </a:spcBef>
+          <a:spcAft>
+            <a:spcPts val="0"/>
+          </a:spcAft>
+          <a:buClrTx/>
+          <a:buSzTx/>
+          <a:buFontTx/>
+          <a:buNone/>
+          <a:tabLst/>
+          <a:defRPr b="0" baseline="0" cap="none" i="0" spc="0" strike="noStrike" sz="1800" u="none" kumimoji="0" normalizeH="0">
+            <a:ln>
+              <a:noFill/>
+            </a:ln>
+            <a:solidFill>
+              <a:srgbClr val="000000"/>
+            </a:solidFill>
+            <a:effectLst/>
+            <a:uFillTx/>
+          </a:defRPr>
+        </a:lvl4pPr>
+        <a:lvl5pPr marL="0" marR="0" indent="0" algn="l" defTabSz="914400" rtl="0" fontAlgn="auto" latinLnBrk="1" hangingPunct="0">
+          <a:lnSpc>
+            <a:spcPct val="100000"/>
+          </a:lnSpc>
+          <a:spcBef>
+            <a:spcPts val="0"/>
+          </a:spcBef>
+          <a:spcAft>
+            <a:spcPts val="0"/>
+          </a:spcAft>
+          <a:buClrTx/>
+          <a:buSzTx/>
+          <a:buFontTx/>
+          <a:buNone/>
+          <a:tabLst/>
+          <a:defRPr b="0" baseline="0" cap="none" i="0" spc="0" strike="noStrike" sz="1800" u="none" kumimoji="0" normalizeH="0">
+            <a:ln>
+              <a:noFill/>
+            </a:ln>
+            <a:solidFill>
+              <a:srgbClr val="000000"/>
+            </a:solidFill>
+            <a:effectLst/>
+            <a:uFillTx/>
+          </a:defRPr>
+        </a:lvl5pPr>
+        <a:lvl6pPr marL="0" marR="0" indent="0" algn="l" defTabSz="914400" rtl="0" fontAlgn="auto" latinLnBrk="1" hangingPunct="0">
+          <a:lnSpc>
+            <a:spcPct val="100000"/>
+          </a:lnSpc>
+          <a:spcBef>
+            <a:spcPts val="0"/>
+          </a:spcBef>
+          <a:spcAft>
+            <a:spcPts val="0"/>
+          </a:spcAft>
+          <a:buClrTx/>
+          <a:buSzTx/>
+          <a:buFontTx/>
+          <a:buNone/>
+          <a:tabLst/>
+          <a:defRPr b="0" baseline="0" cap="none" i="0" spc="0" strike="noStrike" sz="1800" u="none" kumimoji="0" normalizeH="0">
+            <a:ln>
+              <a:noFill/>
+            </a:ln>
+            <a:solidFill>
+              <a:srgbClr val="000000"/>
+            </a:solidFill>
+            <a:effectLst/>
+            <a:uFillTx/>
+          </a:defRPr>
+        </a:lvl6pPr>
+        <a:lvl7pPr marL="0" marR="0" indent="0" algn="l" defTabSz="914400" rtl="0" fontAlgn="auto" latinLnBrk="1" hangingPunct="0">
+          <a:lnSpc>
+            <a:spcPct val="100000"/>
+          </a:lnSpc>
+          <a:spcBef>
+            <a:spcPts val="0"/>
+          </a:spcBef>
+          <a:spcAft>
+            <a:spcPts val="0"/>
+          </a:spcAft>
+          <a:buClrTx/>
+          <a:buSzTx/>
+          <a:buFontTx/>
+          <a:buNone/>
+          <a:tabLst/>
+          <a:defRPr b="0" baseline="0" cap="none" i="0" spc="0" strike="noStrike" sz="1800" u="none" kumimoji="0" normalizeH="0">
+            <a:ln>
+              <a:noFill/>
+            </a:ln>
+            <a:solidFill>
+              <a:srgbClr val="000000"/>
+            </a:solidFill>
+            <a:effectLst/>
+            <a:uFillTx/>
+          </a:defRPr>
+        </a:lvl7pPr>
+        <a:lvl8pPr marL="0" marR="0" indent="0" algn="l" defTabSz="914400" rtl="0" fontAlgn="auto" latinLnBrk="1" hangingPunct="0">
+          <a:lnSpc>
+            <a:spcPct val="100000"/>
+          </a:lnSpc>
+          <a:spcBef>
+            <a:spcPts val="0"/>
+          </a:spcBef>
+          <a:spcAft>
+            <a:spcPts val="0"/>
+          </a:spcAft>
+          <a:buClrTx/>
+          <a:buSzTx/>
+          <a:buFontTx/>
+          <a:buNone/>
+          <a:tabLst/>
+          <a:defRPr b="0" baseline="0" cap="none" i="0" spc="0" strike="noStrike" sz="1800" u="none" kumimoji="0" normalizeH="0">
+            <a:ln>
+              <a:noFill/>
+            </a:ln>
+            <a:solidFill>
+              <a:srgbClr val="000000"/>
+            </a:solidFill>
+            <a:effectLst/>
+            <a:uFillTx/>
+          </a:defRPr>
+        </a:lvl8pPr>
+        <a:lvl9pPr marL="0" marR="0" indent="0" algn="l" defTabSz="914400" rtl="0" fontAlgn="auto" latinLnBrk="1" hangingPunct="0">
+          <a:lnSpc>
+            <a:spcPct val="100000"/>
+          </a:lnSpc>
+          <a:spcBef>
+            <a:spcPts val="0"/>
+          </a:spcBef>
+          <a:spcAft>
+            <a:spcPts val="0"/>
+          </a:spcAft>
+          <a:buClrTx/>
+          <a:buSzTx/>
+          <a:buFontTx/>
+          <a:buNone/>
+          <a:tabLst/>
+          <a:defRPr b="0" baseline="0" cap="none" i="0" spc="0" strike="noStrike" sz="1800" u="none" kumimoji="0" normalizeH="0">
+            <a:ln>
+              <a:noFill/>
+            </a:ln>
+            <a:solidFill>
+              <a:srgbClr val="000000"/>
+            </a:solidFill>
+            <a:effectLst/>
+            <a:uFillTx/>
+          </a:defRPr>
+        </a:lvl9pPr>
+      </a:lstStyle>
+      <a:style>
+        <a:lnRef idx="0"/>
+        <a:fillRef idx="0"/>
+        <a:effectRef idx="0"/>
         <a:fontRef idx="none"/>
       </a:style>
     </a:txDef>
   </a:objectDefaults>
-  <a:extraClrSchemeLst/>
 </a:theme>
 </file>